--- a/Seminar/Native Application Development Using Flutter.pptx
+++ b/Seminar/Native Application Development Using Flutter.pptx
@@ -5,10 +5,10 @@
     <p:sldMasterId id="2147483648" r:id="rId4"/>
   </p:sldMasterIdLst>
   <p:notesMasterIdLst>
-    <p:notesMasterId r:id="rId29"/>
+    <p:notesMasterId r:id="rId25"/>
   </p:notesMasterIdLst>
   <p:handoutMasterIdLst>
-    <p:handoutMasterId r:id="rId30"/>
+    <p:handoutMasterId r:id="rId26"/>
   </p:handoutMasterIdLst>
   <p:sldIdLst>
     <p:sldId id="256" r:id="rId5"/>
@@ -27,14 +27,10 @@
     <p:sldId id="294" r:id="rId18"/>
     <p:sldId id="295" r:id="rId19"/>
     <p:sldId id="262" r:id="rId20"/>
-    <p:sldId id="283" r:id="rId21"/>
-    <p:sldId id="287" r:id="rId22"/>
-    <p:sldId id="266" r:id="rId23"/>
-    <p:sldId id="284" r:id="rId24"/>
-    <p:sldId id="267" r:id="rId25"/>
-    <p:sldId id="269" r:id="rId26"/>
-    <p:sldId id="268" r:id="rId27"/>
-    <p:sldId id="285" r:id="rId28"/>
+    <p:sldId id="267" r:id="rId21"/>
+    <p:sldId id="296" r:id="rId22"/>
+    <p:sldId id="269" r:id="rId23"/>
+    <p:sldId id="268" r:id="rId24"/>
   </p:sldIdLst>
   <p:sldSz cx="12192000" cy="6858000"/>
   <p:notesSz cx="6858000" cy="9144000"/>
@@ -153,917 +149,6 @@
     </p:ext>
   </p:extLst>
 </p:presentation>
-</file>
-
-<file path=ppt/charts/chart1.xml><?xml version="1.0" encoding="utf-8"?>
-<c:chartSpace xmlns:c="http://schemas.openxmlformats.org/drawingml/2006/chart" xmlns:a="http://schemas.openxmlformats.org/drawingml/2006/main" xmlns:r="http://schemas.openxmlformats.org/officeDocument/2006/relationships" xmlns:c16r2="http://schemas.microsoft.com/office/drawing/2015/06/chart">
-  <c:date1904 val="0"/>
-  <c:lang val="en-US"/>
-  <c:roundedCorners val="0"/>
-  <mc:AlternateContent xmlns:mc="http://schemas.openxmlformats.org/markup-compatibility/2006">
-    <mc:Choice xmlns:c14="http://schemas.microsoft.com/office/drawing/2007/8/2/chart" Requires="c14">
-      <c14:style val="102"/>
-    </mc:Choice>
-    <mc:Fallback>
-      <c:style val="2"/>
-    </mc:Fallback>
-  </mc:AlternateContent>
-  <c:chart>
-    <c:autoTitleDeleted val="1"/>
-    <c:plotArea>
-      <c:layout/>
-      <c:barChart>
-        <c:barDir val="col"/>
-        <c:grouping val="clustered"/>
-        <c:varyColors val="0"/>
-        <c:ser>
-          <c:idx val="0"/>
-          <c:order val="0"/>
-          <c:tx>
-            <c:strRef>
-              <c:f>Sheet1!$B$1</c:f>
-              <c:strCache>
-                <c:ptCount val="1"/>
-                <c:pt idx="0">
-                  <c:v>Series 1</c:v>
-                </c:pt>
-              </c:strCache>
-            </c:strRef>
-          </c:tx>
-          <c:spPr>
-            <a:solidFill>
-              <a:schemeClr val="accent3"/>
-            </a:solidFill>
-            <a:ln>
-              <a:noFill/>
-            </a:ln>
-            <a:effectLst/>
-          </c:spPr>
-          <c:invertIfNegative val="0"/>
-          <c:dPt>
-            <c:idx val="1"/>
-            <c:invertIfNegative val="0"/>
-            <c:bubble3D val="0"/>
-            <c:spPr>
-              <a:pattFill prst="ltUpDiag">
-                <a:fgClr>
-                  <a:schemeClr val="accent1">
-                    <a:lumMod val="50000"/>
-                  </a:schemeClr>
-                </a:fgClr>
-                <a:bgClr>
-                  <a:schemeClr val="accent6"/>
-                </a:bgClr>
-              </a:pattFill>
-              <a:ln w="12700">
-                <a:solidFill>
-                  <a:schemeClr val="accent6">
-                    <a:lumMod val="60000"/>
-                    <a:lumOff val="40000"/>
-                  </a:schemeClr>
-                </a:solidFill>
-              </a:ln>
-              <a:effectLst/>
-            </c:spPr>
-            <c:extLst>
-              <c:ext xmlns:c16="http://schemas.microsoft.com/office/drawing/2014/chart" uri="{C3380CC4-5D6E-409C-BE32-E72D297353CC}">
-                <c16:uniqueId val="{00000001-73FB-9843-92B3-91A80E32B7C5}"/>
-              </c:ext>
-            </c:extLst>
-          </c:dPt>
-          <c:dPt>
-            <c:idx val="2"/>
-            <c:invertIfNegative val="0"/>
-            <c:bubble3D val="0"/>
-            <c:spPr>
-              <a:pattFill prst="ltUpDiag">
-                <a:fgClr>
-                  <a:schemeClr val="accent1">
-                    <a:lumMod val="50000"/>
-                  </a:schemeClr>
-                </a:fgClr>
-                <a:bgClr>
-                  <a:schemeClr val="accent3"/>
-                </a:bgClr>
-              </a:pattFill>
-              <a:ln w="12700">
-                <a:solidFill>
-                  <a:schemeClr val="accent3">
-                    <a:lumMod val="60000"/>
-                    <a:lumOff val="40000"/>
-                  </a:schemeClr>
-                </a:solidFill>
-              </a:ln>
-              <a:effectLst/>
-            </c:spPr>
-            <c:extLst>
-              <c:ext xmlns:c16="http://schemas.microsoft.com/office/drawing/2014/chart" uri="{C3380CC4-5D6E-409C-BE32-E72D297353CC}">
-                <c16:uniqueId val="{00000007-73FB-9843-92B3-91A80E32B7C5}"/>
-              </c:ext>
-            </c:extLst>
-          </c:dPt>
-          <c:dPt>
-            <c:idx val="3"/>
-            <c:invertIfNegative val="0"/>
-            <c:bubble3D val="0"/>
-            <c:spPr>
-              <a:pattFill prst="ltUpDiag">
-                <a:fgClr>
-                  <a:schemeClr val="accent1">
-                    <a:lumMod val="50000"/>
-                  </a:schemeClr>
-                </a:fgClr>
-                <a:bgClr>
-                  <a:schemeClr val="accent1">
-                    <a:lumMod val="60000"/>
-                    <a:lumOff val="40000"/>
-                  </a:schemeClr>
-                </a:bgClr>
-              </a:pattFill>
-              <a:ln w="12700">
-                <a:solidFill>
-                  <a:schemeClr val="accent1">
-                    <a:lumMod val="40000"/>
-                    <a:lumOff val="60000"/>
-                  </a:schemeClr>
-                </a:solidFill>
-              </a:ln>
-              <a:effectLst/>
-            </c:spPr>
-            <c:extLst>
-              <c:ext xmlns:c16="http://schemas.microsoft.com/office/drawing/2014/chart" uri="{C3380CC4-5D6E-409C-BE32-E72D297353CC}">
-                <c16:uniqueId val="{00000003-73FB-9843-92B3-91A80E32B7C5}"/>
-              </c:ext>
-            </c:extLst>
-          </c:dPt>
-          <c:dPt>
-            <c:idx val="4"/>
-            <c:invertIfNegative val="0"/>
-            <c:bubble3D val="0"/>
-            <c:spPr>
-              <a:pattFill prst="ltUpDiag">
-                <a:fgClr>
-                  <a:schemeClr val="accent1">
-                    <a:lumMod val="50000"/>
-                  </a:schemeClr>
-                </a:fgClr>
-                <a:bgClr>
-                  <a:schemeClr val="accent2"/>
-                </a:bgClr>
-              </a:pattFill>
-              <a:ln w="12700">
-                <a:solidFill>
-                  <a:schemeClr val="accent2">
-                    <a:lumMod val="60000"/>
-                    <a:lumOff val="40000"/>
-                  </a:schemeClr>
-                </a:solidFill>
-              </a:ln>
-              <a:effectLst/>
-            </c:spPr>
-            <c:extLst>
-              <c:ext xmlns:c16="http://schemas.microsoft.com/office/drawing/2014/chart" uri="{C3380CC4-5D6E-409C-BE32-E72D297353CC}">
-                <c16:uniqueId val="{00000005-73FB-9843-92B3-91A80E32B7C5}"/>
-              </c:ext>
-            </c:extLst>
-          </c:dPt>
-          <c:cat>
-            <c:strRef>
-              <c:f>Sheet1!$A$2:$A$6</c:f>
-              <c:strCache>
-                <c:ptCount val="5"/>
-                <c:pt idx="0">
-                  <c:v>20YY</c:v>
-                </c:pt>
-                <c:pt idx="1">
-                  <c:v>20YY</c:v>
-                </c:pt>
-                <c:pt idx="2">
-                  <c:v>20YY</c:v>
-                </c:pt>
-                <c:pt idx="3">
-                  <c:v>20YY</c:v>
-                </c:pt>
-                <c:pt idx="4">
-                  <c:v>20YY</c:v>
-                </c:pt>
-              </c:strCache>
-            </c:strRef>
-          </c:cat>
-          <c:val>
-            <c:numRef>
-              <c:f>Sheet1!$B$2:$B$6</c:f>
-              <c:numCache>
-                <c:formatCode>[$$-409]#,##0</c:formatCode>
-                <c:ptCount val="5"/>
-                <c:pt idx="0">
-                  <c:v>0</c:v>
-                </c:pt>
-                <c:pt idx="1">
-                  <c:v>6750</c:v>
-                </c:pt>
-                <c:pt idx="2">
-                  <c:v>33750</c:v>
-                </c:pt>
-                <c:pt idx="3">
-                  <c:v>135000</c:v>
-                </c:pt>
-                <c:pt idx="4">
-                  <c:v>270000</c:v>
-                </c:pt>
-              </c:numCache>
-            </c:numRef>
-          </c:val>
-          <c:extLst>
-            <c:ext xmlns:c16="http://schemas.microsoft.com/office/drawing/2014/chart" uri="{C3380CC4-5D6E-409C-BE32-E72D297353CC}">
-              <c16:uniqueId val="{00000006-73FB-9843-92B3-91A80E32B7C5}"/>
-            </c:ext>
-          </c:extLst>
-        </c:ser>
-        <c:dLbls>
-          <c:showLegendKey val="0"/>
-          <c:showVal val="0"/>
-          <c:showCatName val="0"/>
-          <c:showSerName val="0"/>
-          <c:showPercent val="0"/>
-          <c:showBubbleSize val="0"/>
-        </c:dLbls>
-        <c:gapWidth val="24"/>
-        <c:axId val="1000041416"/>
-        <c:axId val="1000041744"/>
-      </c:barChart>
-      <c:catAx>
-        <c:axId val="1000041416"/>
-        <c:scaling>
-          <c:orientation val="minMax"/>
-        </c:scaling>
-        <c:delete val="0"/>
-        <c:axPos val="b"/>
-        <c:numFmt formatCode="General" sourceLinked="1"/>
-        <c:majorTickMark val="none"/>
-        <c:minorTickMark val="none"/>
-        <c:tickLblPos val="nextTo"/>
-        <c:spPr>
-          <a:noFill/>
-          <a:ln w="9525" cap="flat" cmpd="sng" algn="ctr">
-            <a:solidFill>
-              <a:schemeClr val="tx1">
-                <a:lumMod val="15000"/>
-                <a:lumOff val="85000"/>
-              </a:schemeClr>
-            </a:solidFill>
-            <a:round/>
-          </a:ln>
-          <a:effectLst/>
-        </c:spPr>
-        <c:txPr>
-          <a:bodyPr rot="-60000000" spcFirstLastPara="1" vertOverflow="ellipsis" vert="horz" wrap="square" anchor="ctr" anchorCtr="1"/>
-          <a:lstStyle/>
-          <a:p>
-            <a:pPr>
-              <a:defRPr sz="1197" b="0" i="0" u="none" strike="noStrike" kern="1200" baseline="0">
-                <a:solidFill>
-                  <a:schemeClr val="bg1"/>
-                </a:solidFill>
-                <a:latin typeface="+mn-lt"/>
-                <a:ea typeface="+mn-ea"/>
-                <a:cs typeface="+mn-cs"/>
-              </a:defRPr>
-            </a:pPr>
-            <a:endParaRPr lang="en-US"/>
-          </a:p>
-        </c:txPr>
-        <c:crossAx val="1000041744"/>
-        <c:crosses val="autoZero"/>
-        <c:auto val="1"/>
-        <c:lblAlgn val="ctr"/>
-        <c:lblOffset val="100"/>
-        <c:noMultiLvlLbl val="0"/>
-      </c:catAx>
-      <c:valAx>
-        <c:axId val="1000041744"/>
-        <c:scaling>
-          <c:orientation val="minMax"/>
-        </c:scaling>
-        <c:delete val="0"/>
-        <c:axPos val="l"/>
-        <c:numFmt formatCode="[$$-409]#,##0" sourceLinked="1"/>
-        <c:majorTickMark val="none"/>
-        <c:minorTickMark val="none"/>
-        <c:tickLblPos val="nextTo"/>
-        <c:spPr>
-          <a:noFill/>
-          <a:ln>
-            <a:noFill/>
-          </a:ln>
-          <a:effectLst/>
-        </c:spPr>
-        <c:txPr>
-          <a:bodyPr rot="-60000000" spcFirstLastPara="1" vertOverflow="ellipsis" vert="horz" wrap="square" anchor="ctr" anchorCtr="1"/>
-          <a:lstStyle/>
-          <a:p>
-            <a:pPr>
-              <a:defRPr sz="1197" b="0" i="0" u="none" strike="noStrike" kern="1200" baseline="0">
-                <a:solidFill>
-                  <a:schemeClr val="bg1"/>
-                </a:solidFill>
-                <a:latin typeface="+mn-lt"/>
-                <a:ea typeface="+mn-ea"/>
-                <a:cs typeface="+mn-cs"/>
-              </a:defRPr>
-            </a:pPr>
-            <a:endParaRPr lang="en-US"/>
-          </a:p>
-        </c:txPr>
-        <c:crossAx val="1000041416"/>
-        <c:crosses val="autoZero"/>
-        <c:crossBetween val="between"/>
-      </c:valAx>
-      <c:spPr>
-        <a:noFill/>
-        <a:ln>
-          <a:noFill/>
-        </a:ln>
-        <a:effectLst/>
-      </c:spPr>
-    </c:plotArea>
-    <c:plotVisOnly val="1"/>
-    <c:dispBlanksAs val="gap"/>
-    <c:showDLblsOverMax val="0"/>
-    <c:extLst>
-      <c:ext xmlns:c16r3="http://schemas.microsoft.com/office/drawing/2017/03/chart" uri="{56B9EC1D-385E-4148-901F-78D8002777C0}">
-        <c16r3:dataDisplayOptions16>
-          <c16r3:dispNaAsBlank val="1"/>
-        </c16r3:dataDisplayOptions16>
-      </c:ext>
-    </c:extLst>
-  </c:chart>
-  <c:spPr>
-    <a:noFill/>
-    <a:ln>
-      <a:noFill/>
-    </a:ln>
-    <a:effectLst/>
-  </c:spPr>
-  <c:txPr>
-    <a:bodyPr/>
-    <a:lstStyle/>
-    <a:p>
-      <a:pPr>
-        <a:defRPr>
-          <a:latin typeface="+mn-lt"/>
-        </a:defRPr>
-      </a:pPr>
-      <a:endParaRPr lang="en-US"/>
-    </a:p>
-  </c:txPr>
-  <c:externalData r:id="rId3">
-    <c:autoUpdate val="0"/>
-  </c:externalData>
-</c:chartSpace>
-</file>
-
-<file path=ppt/charts/colors1.xml><?xml version="1.0" encoding="utf-8"?>
-<cs:colorStyle xmlns:cs="http://schemas.microsoft.com/office/drawing/2012/chartStyle" xmlns:a="http://schemas.openxmlformats.org/drawingml/2006/main" meth="cycle" id="10">
-  <a:schemeClr val="accent1"/>
-  <a:schemeClr val="accent2"/>
-  <a:schemeClr val="accent3"/>
-  <a:schemeClr val="accent4"/>
-  <a:schemeClr val="accent5"/>
-  <a:schemeClr val="accent6"/>
-  <cs:variation/>
-  <cs:variation>
-    <a:lumMod val="60000"/>
-  </cs:variation>
-  <cs:variation>
-    <a:lumMod val="80000"/>
-    <a:lumOff val="20000"/>
-  </cs:variation>
-  <cs:variation>
-    <a:lumMod val="80000"/>
-  </cs:variation>
-  <cs:variation>
-    <a:lumMod val="60000"/>
-    <a:lumOff val="40000"/>
-  </cs:variation>
-  <cs:variation>
-    <a:lumMod val="50000"/>
-  </cs:variation>
-  <cs:variation>
-    <a:lumMod val="70000"/>
-    <a:lumOff val="30000"/>
-  </cs:variation>
-  <cs:variation>
-    <a:lumMod val="70000"/>
-  </cs:variation>
-  <cs:variation>
-    <a:lumMod val="50000"/>
-    <a:lumOff val="50000"/>
-  </cs:variation>
-</cs:colorStyle>
-</file>
-
-<file path=ppt/charts/style1.xml><?xml version="1.0" encoding="utf-8"?>
-<cs:chartStyle xmlns:cs="http://schemas.microsoft.com/office/drawing/2012/chartStyle" xmlns:a="http://schemas.openxmlformats.org/drawingml/2006/main" id="201">
-  <cs:axisTitle>
-    <cs:lnRef idx="0"/>
-    <cs:fillRef idx="0"/>
-    <cs:effectRef idx="0"/>
-    <cs:fontRef idx="minor">
-      <a:schemeClr val="tx1">
-        <a:lumMod val="65000"/>
-        <a:lumOff val="35000"/>
-      </a:schemeClr>
-    </cs:fontRef>
-    <cs:defRPr sz="1330" kern="1200"/>
-  </cs:axisTitle>
-  <cs:categoryAxis>
-    <cs:lnRef idx="0"/>
-    <cs:fillRef idx="0"/>
-    <cs:effectRef idx="0"/>
-    <cs:fontRef idx="minor">
-      <a:schemeClr val="tx1">
-        <a:lumMod val="65000"/>
-        <a:lumOff val="35000"/>
-      </a:schemeClr>
-    </cs:fontRef>
-    <cs:spPr>
-      <a:ln w="9525" cap="flat" cmpd="sng" algn="ctr">
-        <a:solidFill>
-          <a:schemeClr val="tx1">
-            <a:lumMod val="15000"/>
-            <a:lumOff val="85000"/>
-          </a:schemeClr>
-        </a:solidFill>
-        <a:round/>
-      </a:ln>
-    </cs:spPr>
-    <cs:defRPr sz="1197" kern="1200"/>
-  </cs:categoryAxis>
-  <cs:chartArea mods="allowNoFillOverride allowNoLineOverride">
-    <cs:lnRef idx="0"/>
-    <cs:fillRef idx="0"/>
-    <cs:effectRef idx="0"/>
-    <cs:fontRef idx="minor">
-      <a:schemeClr val="tx1"/>
-    </cs:fontRef>
-    <cs:spPr>
-      <a:solidFill>
-        <a:schemeClr val="bg1"/>
-      </a:solidFill>
-      <a:ln w="9525" cap="flat" cmpd="sng" algn="ctr">
-        <a:solidFill>
-          <a:schemeClr val="tx1">
-            <a:lumMod val="15000"/>
-            <a:lumOff val="85000"/>
-          </a:schemeClr>
-        </a:solidFill>
-        <a:round/>
-      </a:ln>
-    </cs:spPr>
-    <cs:defRPr sz="1330" kern="1200"/>
-  </cs:chartArea>
-  <cs:dataLabel>
-    <cs:lnRef idx="0"/>
-    <cs:fillRef idx="0"/>
-    <cs:effectRef idx="0"/>
-    <cs:fontRef idx="minor">
-      <a:schemeClr val="tx1">
-        <a:lumMod val="75000"/>
-        <a:lumOff val="25000"/>
-      </a:schemeClr>
-    </cs:fontRef>
-    <cs:defRPr sz="1197" kern="1200"/>
-  </cs:dataLabel>
-  <cs:dataLabelCallout>
-    <cs:lnRef idx="0"/>
-    <cs:fillRef idx="0"/>
-    <cs:effectRef idx="0"/>
-    <cs:fontRef idx="minor">
-      <a:schemeClr val="dk1">
-        <a:lumMod val="65000"/>
-        <a:lumOff val="35000"/>
-      </a:schemeClr>
-    </cs:fontRef>
-    <cs:spPr>
-      <a:solidFill>
-        <a:schemeClr val="lt1"/>
-      </a:solidFill>
-      <a:ln>
-        <a:solidFill>
-          <a:schemeClr val="dk1">
-            <a:lumMod val="25000"/>
-            <a:lumOff val="75000"/>
-          </a:schemeClr>
-        </a:solidFill>
-      </a:ln>
-    </cs:spPr>
-    <cs:defRPr sz="1197" kern="1200"/>
-    <cs:bodyPr rot="0" spcFirstLastPara="1" vertOverflow="clip" horzOverflow="clip" vert="horz" wrap="square" lIns="36576" tIns="18288" rIns="36576" bIns="18288" anchor="ctr" anchorCtr="1">
-      <a:spAutoFit/>
-    </cs:bodyPr>
-  </cs:dataLabelCallout>
-  <cs:dataPoint>
-    <cs:lnRef idx="0"/>
-    <cs:fillRef idx="1">
-      <cs:styleClr val="auto"/>
-    </cs:fillRef>
-    <cs:effectRef idx="0"/>
-    <cs:fontRef idx="minor">
-      <a:schemeClr val="tx1"/>
-    </cs:fontRef>
-  </cs:dataPoint>
-  <cs:dataPoint3D>
-    <cs:lnRef idx="0"/>
-    <cs:fillRef idx="1">
-      <cs:styleClr val="auto"/>
-    </cs:fillRef>
-    <cs:effectRef idx="0"/>
-    <cs:fontRef idx="minor">
-      <a:schemeClr val="tx1"/>
-    </cs:fontRef>
-  </cs:dataPoint3D>
-  <cs:dataPointLine>
-    <cs:lnRef idx="0">
-      <cs:styleClr val="auto"/>
-    </cs:lnRef>
-    <cs:fillRef idx="1"/>
-    <cs:effectRef idx="0"/>
-    <cs:fontRef idx="minor">
-      <a:schemeClr val="tx1"/>
-    </cs:fontRef>
-    <cs:spPr>
-      <a:ln w="28575" cap="rnd">
-        <a:solidFill>
-          <a:schemeClr val="phClr"/>
-        </a:solidFill>
-        <a:round/>
-      </a:ln>
-    </cs:spPr>
-  </cs:dataPointLine>
-  <cs:dataPointMarker>
-    <cs:lnRef idx="0">
-      <cs:styleClr val="auto"/>
-    </cs:lnRef>
-    <cs:fillRef idx="1">
-      <cs:styleClr val="auto"/>
-    </cs:fillRef>
-    <cs:effectRef idx="0"/>
-    <cs:fontRef idx="minor">
-      <a:schemeClr val="tx1"/>
-    </cs:fontRef>
-    <cs:spPr>
-      <a:ln w="9525">
-        <a:solidFill>
-          <a:schemeClr val="phClr"/>
-        </a:solidFill>
-      </a:ln>
-    </cs:spPr>
-  </cs:dataPointMarker>
-  <cs:dataPointMarkerLayout symbol="circle" size="5"/>
-  <cs:dataPointWireframe>
-    <cs:lnRef idx="0">
-      <cs:styleClr val="auto"/>
-    </cs:lnRef>
-    <cs:fillRef idx="1"/>
-    <cs:effectRef idx="0"/>
-    <cs:fontRef idx="minor">
-      <a:schemeClr val="tx1"/>
-    </cs:fontRef>
-    <cs:spPr>
-      <a:ln w="9525" cap="rnd">
-        <a:solidFill>
-          <a:schemeClr val="phClr"/>
-        </a:solidFill>
-        <a:round/>
-      </a:ln>
-    </cs:spPr>
-  </cs:dataPointWireframe>
-  <cs:dataTable>
-    <cs:lnRef idx="0"/>
-    <cs:fillRef idx="0"/>
-    <cs:effectRef idx="0"/>
-    <cs:fontRef idx="minor">
-      <a:schemeClr val="tx1">
-        <a:lumMod val="65000"/>
-        <a:lumOff val="35000"/>
-      </a:schemeClr>
-    </cs:fontRef>
-    <cs:spPr>
-      <a:noFill/>
-      <a:ln w="9525" cap="flat" cmpd="sng" algn="ctr">
-        <a:solidFill>
-          <a:schemeClr val="tx1">
-            <a:lumMod val="15000"/>
-            <a:lumOff val="85000"/>
-          </a:schemeClr>
-        </a:solidFill>
-        <a:round/>
-      </a:ln>
-    </cs:spPr>
-    <cs:defRPr sz="1197" kern="1200"/>
-  </cs:dataTable>
-  <cs:downBar>
-    <cs:lnRef idx="0"/>
-    <cs:fillRef idx="0"/>
-    <cs:effectRef idx="0"/>
-    <cs:fontRef idx="minor">
-      <a:schemeClr val="dk1"/>
-    </cs:fontRef>
-    <cs:spPr>
-      <a:solidFill>
-        <a:schemeClr val="dk1">
-          <a:lumMod val="65000"/>
-          <a:lumOff val="35000"/>
-        </a:schemeClr>
-      </a:solidFill>
-      <a:ln w="9525">
-        <a:solidFill>
-          <a:schemeClr val="tx1">
-            <a:lumMod val="65000"/>
-            <a:lumOff val="35000"/>
-          </a:schemeClr>
-        </a:solidFill>
-      </a:ln>
-    </cs:spPr>
-  </cs:downBar>
-  <cs:dropLine>
-    <cs:lnRef idx="0"/>
-    <cs:fillRef idx="0"/>
-    <cs:effectRef idx="0"/>
-    <cs:fontRef idx="minor">
-      <a:schemeClr val="tx1"/>
-    </cs:fontRef>
-    <cs:spPr>
-      <a:ln w="9525" cap="flat" cmpd="sng" algn="ctr">
-        <a:solidFill>
-          <a:schemeClr val="tx1">
-            <a:lumMod val="35000"/>
-            <a:lumOff val="65000"/>
-          </a:schemeClr>
-        </a:solidFill>
-        <a:round/>
-      </a:ln>
-    </cs:spPr>
-  </cs:dropLine>
-  <cs:errorBar>
-    <cs:lnRef idx="0"/>
-    <cs:fillRef idx="0"/>
-    <cs:effectRef idx="0"/>
-    <cs:fontRef idx="minor">
-      <a:schemeClr val="tx1"/>
-    </cs:fontRef>
-    <cs:spPr>
-      <a:ln w="9525" cap="flat" cmpd="sng" algn="ctr">
-        <a:solidFill>
-          <a:schemeClr val="tx1">
-            <a:lumMod val="65000"/>
-            <a:lumOff val="35000"/>
-          </a:schemeClr>
-        </a:solidFill>
-        <a:round/>
-      </a:ln>
-    </cs:spPr>
-  </cs:errorBar>
-  <cs:floor>
-    <cs:lnRef idx="0"/>
-    <cs:fillRef idx="0"/>
-    <cs:effectRef idx="0"/>
-    <cs:fontRef idx="minor">
-      <a:schemeClr val="tx1"/>
-    </cs:fontRef>
-    <cs:spPr>
-      <a:noFill/>
-      <a:ln>
-        <a:noFill/>
-      </a:ln>
-    </cs:spPr>
-  </cs:floor>
-  <cs:gridlineMajor>
-    <cs:lnRef idx="0"/>
-    <cs:fillRef idx="0"/>
-    <cs:effectRef idx="0"/>
-    <cs:fontRef idx="minor">
-      <a:schemeClr val="tx1"/>
-    </cs:fontRef>
-    <cs:spPr>
-      <a:ln w="9525" cap="flat" cmpd="sng" algn="ctr">
-        <a:solidFill>
-          <a:schemeClr val="tx1">
-            <a:lumMod val="15000"/>
-            <a:lumOff val="85000"/>
-          </a:schemeClr>
-        </a:solidFill>
-        <a:round/>
-      </a:ln>
-    </cs:spPr>
-  </cs:gridlineMajor>
-  <cs:gridlineMinor>
-    <cs:lnRef idx="0"/>
-    <cs:fillRef idx="0"/>
-    <cs:effectRef idx="0"/>
-    <cs:fontRef idx="minor">
-      <a:schemeClr val="tx1"/>
-    </cs:fontRef>
-    <cs:spPr>
-      <a:ln w="9525" cap="flat" cmpd="sng" algn="ctr">
-        <a:solidFill>
-          <a:schemeClr val="tx1">
-            <a:lumMod val="5000"/>
-            <a:lumOff val="95000"/>
-          </a:schemeClr>
-        </a:solidFill>
-        <a:round/>
-      </a:ln>
-    </cs:spPr>
-  </cs:gridlineMinor>
-  <cs:hiLoLine>
-    <cs:lnRef idx="0"/>
-    <cs:fillRef idx="0"/>
-    <cs:effectRef idx="0"/>
-    <cs:fontRef idx="minor">
-      <a:schemeClr val="tx1"/>
-    </cs:fontRef>
-    <cs:spPr>
-      <a:ln w="9525" cap="flat" cmpd="sng" algn="ctr">
-        <a:solidFill>
-          <a:schemeClr val="tx1">
-            <a:lumMod val="75000"/>
-            <a:lumOff val="25000"/>
-          </a:schemeClr>
-        </a:solidFill>
-        <a:round/>
-      </a:ln>
-    </cs:spPr>
-  </cs:hiLoLine>
-  <cs:leaderLine>
-    <cs:lnRef idx="0"/>
-    <cs:fillRef idx="0"/>
-    <cs:effectRef idx="0"/>
-    <cs:fontRef idx="minor">
-      <a:schemeClr val="tx1"/>
-    </cs:fontRef>
-    <cs:spPr>
-      <a:ln w="9525" cap="flat" cmpd="sng" algn="ctr">
-        <a:solidFill>
-          <a:schemeClr val="tx1">
-            <a:lumMod val="35000"/>
-            <a:lumOff val="65000"/>
-          </a:schemeClr>
-        </a:solidFill>
-        <a:round/>
-      </a:ln>
-    </cs:spPr>
-  </cs:leaderLine>
-  <cs:legend>
-    <cs:lnRef idx="0"/>
-    <cs:fillRef idx="0"/>
-    <cs:effectRef idx="0"/>
-    <cs:fontRef idx="minor">
-      <a:schemeClr val="tx1">
-        <a:lumMod val="65000"/>
-        <a:lumOff val="35000"/>
-      </a:schemeClr>
-    </cs:fontRef>
-    <cs:defRPr sz="1197" kern="1200"/>
-  </cs:legend>
-  <cs:plotArea mods="allowNoFillOverride allowNoLineOverride">
-    <cs:lnRef idx="0"/>
-    <cs:fillRef idx="0"/>
-    <cs:effectRef idx="0"/>
-    <cs:fontRef idx="minor">
-      <a:schemeClr val="tx1"/>
-    </cs:fontRef>
-  </cs:plotArea>
-  <cs:plotArea3D mods="allowNoFillOverride allowNoLineOverride">
-    <cs:lnRef idx="0"/>
-    <cs:fillRef idx="0"/>
-    <cs:effectRef idx="0"/>
-    <cs:fontRef idx="minor">
-      <a:schemeClr val="tx1"/>
-    </cs:fontRef>
-  </cs:plotArea3D>
-  <cs:seriesAxis>
-    <cs:lnRef idx="0"/>
-    <cs:fillRef idx="0"/>
-    <cs:effectRef idx="0"/>
-    <cs:fontRef idx="minor">
-      <a:schemeClr val="tx1">
-        <a:lumMod val="65000"/>
-        <a:lumOff val="35000"/>
-      </a:schemeClr>
-    </cs:fontRef>
-    <cs:defRPr sz="1197" kern="1200"/>
-  </cs:seriesAxis>
-  <cs:seriesLine>
-    <cs:lnRef idx="0"/>
-    <cs:fillRef idx="0"/>
-    <cs:effectRef idx="0"/>
-    <cs:fontRef idx="minor">
-      <a:schemeClr val="tx1"/>
-    </cs:fontRef>
-    <cs:spPr>
-      <a:ln w="9525" cap="flat" cmpd="sng" algn="ctr">
-        <a:solidFill>
-          <a:schemeClr val="tx1">
-            <a:lumMod val="35000"/>
-            <a:lumOff val="65000"/>
-          </a:schemeClr>
-        </a:solidFill>
-        <a:round/>
-      </a:ln>
-    </cs:spPr>
-  </cs:seriesLine>
-  <cs:title>
-    <cs:lnRef idx="0"/>
-    <cs:fillRef idx="0"/>
-    <cs:effectRef idx="0"/>
-    <cs:fontRef idx="minor">
-      <a:schemeClr val="tx1">
-        <a:lumMod val="65000"/>
-        <a:lumOff val="35000"/>
-      </a:schemeClr>
-    </cs:fontRef>
-    <cs:defRPr sz="1862" b="0" kern="1200" spc="0" baseline="0"/>
-  </cs:title>
-  <cs:trendline>
-    <cs:lnRef idx="0">
-      <cs:styleClr val="auto"/>
-    </cs:lnRef>
-    <cs:fillRef idx="0"/>
-    <cs:effectRef idx="0"/>
-    <cs:fontRef idx="minor">
-      <a:schemeClr val="tx1"/>
-    </cs:fontRef>
-    <cs:spPr>
-      <a:ln w="19050" cap="rnd">
-        <a:solidFill>
-          <a:schemeClr val="phClr"/>
-        </a:solidFill>
-        <a:prstDash val="sysDot"/>
-      </a:ln>
-    </cs:spPr>
-  </cs:trendline>
-  <cs:trendlineLabel>
-    <cs:lnRef idx="0"/>
-    <cs:fillRef idx="0"/>
-    <cs:effectRef idx="0"/>
-    <cs:fontRef idx="minor">
-      <a:schemeClr val="tx1">
-        <a:lumMod val="65000"/>
-        <a:lumOff val="35000"/>
-      </a:schemeClr>
-    </cs:fontRef>
-    <cs:defRPr sz="1197" kern="1200"/>
-  </cs:trendlineLabel>
-  <cs:upBar>
-    <cs:lnRef idx="0"/>
-    <cs:fillRef idx="0"/>
-    <cs:effectRef idx="0"/>
-    <cs:fontRef idx="minor">
-      <a:schemeClr val="dk1"/>
-    </cs:fontRef>
-    <cs:spPr>
-      <a:solidFill>
-        <a:schemeClr val="lt1"/>
-      </a:solidFill>
-      <a:ln w="9525">
-        <a:solidFill>
-          <a:schemeClr val="tx1">
-            <a:lumMod val="15000"/>
-            <a:lumOff val="85000"/>
-          </a:schemeClr>
-        </a:solidFill>
-      </a:ln>
-    </cs:spPr>
-  </cs:upBar>
-  <cs:valueAxis>
-    <cs:lnRef idx="0"/>
-    <cs:fillRef idx="0"/>
-    <cs:effectRef idx="0"/>
-    <cs:fontRef idx="minor">
-      <a:schemeClr val="tx1">
-        <a:lumMod val="65000"/>
-        <a:lumOff val="35000"/>
-      </a:schemeClr>
-    </cs:fontRef>
-    <cs:defRPr sz="1197" kern="1200"/>
-  </cs:valueAxis>
-  <cs:wall>
-    <cs:lnRef idx="0"/>
-    <cs:fillRef idx="0"/>
-    <cs:effectRef idx="0"/>
-    <cs:fontRef idx="minor">
-      <a:schemeClr val="tx1"/>
-    </cs:fontRef>
-    <cs:spPr>
-      <a:noFill/>
-      <a:ln>
-        <a:noFill/>
-      </a:ln>
-    </cs:spPr>
-  </cs:wall>
-</cs:chartStyle>
 </file>
 
 <file path=ppt/diagrams/colors1.xml><?xml version="1.0" encoding="utf-8"?>
@@ -1877,15 +962,7 @@
                 <a:schemeClr val="bg1"/>
               </a:solidFill>
             </a:rPr>
-            <a:t>Flutter was </a:t>
-          </a:r>
-          <a:r>
-            <a:rPr lang="en-US" dirty="0" smtClean="0">
-              <a:solidFill>
-                <a:schemeClr val="bg1"/>
-              </a:solidFill>
-            </a:rPr>
-            <a:t>unveiled by the name ‘sky’ at Dart Developer summit</a:t>
+            <a:t>Flutter was unveiled by the name ‘sky’ at Dart Developer summit</a:t>
           </a:r>
         </a:p>
         <a:p>
@@ -3046,8 +2123,8 @@
     <dgm:cxn modelId="{0AE60A1A-0083-473E-BFEA-17ECD2BAB5B8}" srcId="{AB08BA36-A16A-4C16-8F63-9AEE3FB76278}" destId="{FFE567C5-C3A8-4B47-B591-DC085C60DAC7}" srcOrd="3" destOrd="0" parTransId="{20F89FC4-E8A2-4AF8-8A03-9D50B91933B9}" sibTransId="{97E882DF-C545-4550-A9F5-FA0F24A95E5B}"/>
     <dgm:cxn modelId="{56BFC82A-B3C7-4D8B-B364-019866A43DF2}" type="presOf" srcId="{79D5E37C-6EE5-46B4-B136-E5E388C14C15}" destId="{87197975-52CC-4703-B090-3C0D7101D171}" srcOrd="0" destOrd="0" presId="urn:microsoft.com/office/officeart/2016/7/layout/HexagonTimeline"/>
     <dgm:cxn modelId="{03120A16-32A3-4731-B0E9-0F5CFF5427F7}" srcId="{AEA4467F-AC7C-48F7-A764-1C1F672298CB}" destId="{F437B6F7-49FA-4FDD-9211-0F3B65AAF7FF}" srcOrd="1" destOrd="0" parTransId="{48E13A1F-40E9-4145-8A5D-DF31208517FB}" sibTransId="{47A19209-B432-421C-B5A9-28B54BB7191F}"/>
+    <dgm:cxn modelId="{BCE39BB1-C22E-497B-987C-BCBDA5A4375D}" srcId="{AB08BA36-A16A-4C16-8F63-9AEE3FB76278}" destId="{79D5E37C-6EE5-46B4-B136-E5E388C14C15}" srcOrd="0" destOrd="0" parTransId="{BE57F84A-B207-4C0D-8E09-A4D38A4F8E76}" sibTransId="{5D7642E4-C295-4232-A0B9-FFB60ECA314A}"/>
     <dgm:cxn modelId="{B42B8BB0-3A87-4D71-93BE-214D88A3BCF1}" type="presOf" srcId="{3E75349A-CDC7-4946-94A4-E34887B449BA}" destId="{95FCF055-303A-4445-9813-7E8E825042F7}" srcOrd="0" destOrd="0" presId="urn:microsoft.com/office/officeart/2016/7/layout/HexagonTimeline"/>
-    <dgm:cxn modelId="{BCE39BB1-C22E-497B-987C-BCBDA5A4375D}" srcId="{AB08BA36-A16A-4C16-8F63-9AEE3FB76278}" destId="{79D5E37C-6EE5-46B4-B136-E5E388C14C15}" srcOrd="0" destOrd="0" parTransId="{BE57F84A-B207-4C0D-8E09-A4D38A4F8E76}" sibTransId="{5D7642E4-C295-4232-A0B9-FFB60ECA314A}"/>
     <dgm:cxn modelId="{67A01B2D-2B8A-45A9-80B5-3F679581A74F}" type="presOf" srcId="{92D678A5-2F71-424A-B0C7-699DEC33CB2A}" destId="{762FD493-4EA0-44DA-B9A9-5048AC5F6B29}" srcOrd="0" destOrd="0" presId="urn:microsoft.com/office/officeart/2016/7/layout/HexagonTimeline"/>
     <dgm:cxn modelId="{43D2459B-6CAD-4AE7-887E-1FDF154B4C04}" srcId="{FFE567C5-C3A8-4B47-B591-DC085C60DAC7}" destId="{A11BB080-50F1-451A-BE43-CB39B658105C}" srcOrd="2" destOrd="0" parTransId="{A0D98467-45EF-4984-8F07-7DA7C7260BE5}" sibTransId="{F23B53C3-DF57-4E81-BFC1-3ED976B2144C}"/>
     <dgm:cxn modelId="{4E4EE307-48A0-4A12-B296-BACE516E295E}" srcId="{AEA4467F-AC7C-48F7-A764-1C1F672298CB}" destId="{2E931BC0-5439-4A1B-B724-59BE1F60C58B}" srcOrd="2" destOrd="0" parTransId="{542A635A-17CD-4745-A9BF-13EA1979E468}" sibTransId="{21483BF3-2A02-4768-A3B6-C89F2BEA7F37}"/>
@@ -3270,15 +2347,7 @@
                 <a:schemeClr val="bg1"/>
               </a:solidFill>
             </a:rPr>
-            <a:t>Flutter was </a:t>
-          </a:r>
-          <a:r>
-            <a:rPr lang="en-US" sz="1200" kern="1200" dirty="0" smtClean="0">
-              <a:solidFill>
-                <a:schemeClr val="bg1"/>
-              </a:solidFill>
-            </a:rPr>
-            <a:t>unveiled by the name ‘sky’ at Dart Developer summit</a:t>
+            <a:t>Flutter was unveiled by the name ‘sky’ at Dart Developer summit</a:t>
           </a:r>
         </a:p>
         <a:p>
@@ -5102,7 +4171,7 @@
             <dgm:adjLst/>
             <dgm:extLst>
               <a:ext uri="{B698B0E9-8C71-41B9-8309-B3DCBF30829C}">
-                <dgm1612:spPr xmlns="" xmlns:dgm1612="http://schemas.microsoft.com/office/drawing/2016/12/diagram">
+                <dgm1612:spPr xmlns:dgm1612="http://schemas.microsoft.com/office/drawing/2016/12/diagram" xmlns="">
                   <a:ln w="12700">
                     <a:prstDash val="dash"/>
                   </a:ln>
@@ -31705,11 +30774,11 @@
   <p:clrMapOvr>
     <a:masterClrMapping/>
   </p:clrMapOvr>
-  <mc:AlternateContent xmlns:mc="http://schemas.openxmlformats.org/markup-compatibility/2006">
-    <mc:Choice xmlns:p14="http://schemas.microsoft.com/office/powerpoint/2010/main" Requires="p14">
+  <mc:AlternateContent xmlns:mc="http://schemas.openxmlformats.org/markup-compatibility/2006" xmlns:p14="http://schemas.microsoft.com/office/powerpoint/2010/main">
+    <mc:Choice Requires="p14">
       <p:transition p14:dur="0"/>
     </mc:Choice>
-    <mc:Fallback>
+    <mc:Fallback xmlns="">
       <p:transition/>
     </mc:Fallback>
   </mc:AlternateContent>
@@ -31972,11 +31041,11 @@
   <p:clrMapOvr>
     <a:masterClrMapping/>
   </p:clrMapOvr>
-  <mc:AlternateContent xmlns:mc="http://schemas.openxmlformats.org/markup-compatibility/2006">
-    <mc:Choice xmlns:p14="http://schemas.microsoft.com/office/powerpoint/2010/main" Requires="p14">
+  <mc:AlternateContent xmlns:mc="http://schemas.openxmlformats.org/markup-compatibility/2006" xmlns:p14="http://schemas.microsoft.com/office/powerpoint/2010/main">
+    <mc:Choice Requires="p14">
       <p:transition p14:dur="0"/>
     </mc:Choice>
-    <mc:Fallback>
+    <mc:Fallback xmlns="">
       <p:transition/>
     </mc:Fallback>
   </mc:AlternateContent>
@@ -32294,11 +31363,11 @@
   <p:clrMapOvr>
     <a:masterClrMapping/>
   </p:clrMapOvr>
-  <mc:AlternateContent xmlns:mc="http://schemas.openxmlformats.org/markup-compatibility/2006">
-    <mc:Choice xmlns:p14="http://schemas.microsoft.com/office/powerpoint/2010/main" Requires="p14">
+  <mc:AlternateContent xmlns:mc="http://schemas.openxmlformats.org/markup-compatibility/2006" xmlns:p14="http://schemas.microsoft.com/office/powerpoint/2010/main">
+    <mc:Choice Requires="p14">
       <p:transition p14:dur="0"/>
     </mc:Choice>
-    <mc:Fallback>
+    <mc:Fallback xmlns="">
       <p:transition/>
     </mc:Fallback>
   </mc:AlternateContent>
@@ -32568,11 +31637,11 @@
   <p:clrMapOvr>
     <a:masterClrMapping/>
   </p:clrMapOvr>
-  <mc:AlternateContent xmlns:mc="http://schemas.openxmlformats.org/markup-compatibility/2006">
-    <mc:Choice xmlns:p14="http://schemas.microsoft.com/office/powerpoint/2010/main" Requires="p14">
+  <mc:AlternateContent xmlns:mc="http://schemas.openxmlformats.org/markup-compatibility/2006" xmlns:p14="http://schemas.microsoft.com/office/powerpoint/2010/main">
+    <mc:Choice Requires="p14">
       <p:transition p14:dur="0"/>
     </mc:Choice>
-    <mc:Fallback>
+    <mc:Fallback xmlns="">
       <p:transition/>
     </mc:Fallback>
   </mc:AlternateContent>
@@ -32987,11 +32056,11 @@
   <p:clrMapOvr>
     <a:masterClrMapping/>
   </p:clrMapOvr>
-  <mc:AlternateContent xmlns:mc="http://schemas.openxmlformats.org/markup-compatibility/2006">
-    <mc:Choice xmlns:p14="http://schemas.microsoft.com/office/powerpoint/2010/main" Requires="p14">
+  <mc:AlternateContent xmlns:mc="http://schemas.openxmlformats.org/markup-compatibility/2006" xmlns:p14="http://schemas.microsoft.com/office/powerpoint/2010/main">
+    <mc:Choice Requires="p14">
       <p:transition p14:dur="0"/>
     </mc:Choice>
-    <mc:Fallback>
+    <mc:Fallback xmlns="">
       <p:transition/>
     </mc:Fallback>
   </mc:AlternateContent>
@@ -33106,7 +32175,15 @@
             <a:pPr marL="971550" lvl="1" indent="-285750"/>
             <a:r>
               <a:rPr lang="en-US" dirty="0" smtClean="0"/>
-              <a:t>Comparatively Less code</a:t>
+              <a:t>Comparatively </a:t>
+            </a:r>
+            <a:r>
+              <a:rPr lang="en-US" dirty="0" smtClean="0"/>
+              <a:t>Less </a:t>
+            </a:r>
+            <a:r>
+              <a:rPr lang="en-US" dirty="0" smtClean="0"/>
+              <a:t>code</a:t>
             </a:r>
           </a:p>
         </p:txBody>
@@ -33259,11 +32336,11 @@
   <p:clrMapOvr>
     <a:masterClrMapping/>
   </p:clrMapOvr>
-  <mc:AlternateContent xmlns:mc="http://schemas.openxmlformats.org/markup-compatibility/2006">
-    <mc:Choice xmlns:p14="http://schemas.microsoft.com/office/powerpoint/2010/main" Requires="p14">
+  <mc:AlternateContent xmlns:mc="http://schemas.openxmlformats.org/markup-compatibility/2006" xmlns:p14="http://schemas.microsoft.com/office/powerpoint/2010/main">
+    <mc:Choice Requires="p14">
       <p:transition p14:dur="0"/>
     </mc:Choice>
-    <mc:Fallback>
+    <mc:Fallback xmlns="">
       <p:transition/>
     </mc:Fallback>
   </mc:AlternateContent>
@@ -33541,11 +32618,11 @@
   <p:clrMapOvr>
     <a:masterClrMapping/>
   </p:clrMapOvr>
-  <mc:AlternateContent xmlns:mc="http://schemas.openxmlformats.org/markup-compatibility/2006">
-    <mc:Choice xmlns:p14="http://schemas.microsoft.com/office/powerpoint/2010/main" Requires="p14">
+  <mc:AlternateContent xmlns:mc="http://schemas.openxmlformats.org/markup-compatibility/2006" xmlns:p14="http://schemas.microsoft.com/office/powerpoint/2010/main">
+    <mc:Choice Requires="p14">
       <p:transition p14:dur="0"/>
     </mc:Choice>
-    <mc:Fallback>
+    <mc:Fallback xmlns="">
       <p:transition/>
     </mc:Fallback>
   </mc:AlternateContent>
@@ -33633,7 +32710,7 @@
                 <a14:useLocalDpi xmlns:a14="http://schemas.microsoft.com/office/drawing/2010/main"/>
               </a:ext>
               <a:ext uri="{96DAC541-7B7A-43D3-8B79-37D633B846F1}">
-                <asvg:svgBlip xmlns:asvg="http://schemas.microsoft.com/office/drawing/2016/SVG/main" xmlns="" r:embed="rId3"/>
+                <asvg:svgBlip xmlns="" xmlns:asvg="http://schemas.microsoft.com/office/drawing/2016/SVG/main" r:embed="rId3"/>
               </a:ext>
             </a:extLst>
           </a:blip>
@@ -33701,7 +32778,7 @@
                 <a14:useLocalDpi xmlns:a14="http://schemas.microsoft.com/office/drawing/2010/main"/>
               </a:ext>
               <a:ext uri="{96DAC541-7B7A-43D3-8B79-37D633B846F1}">
-                <asvg:svgBlip xmlns:asvg="http://schemas.microsoft.com/office/drawing/2016/SVG/main" xmlns="" r:embed="rId7"/>
+                <asvg:svgBlip xmlns="" xmlns:asvg="http://schemas.microsoft.com/office/drawing/2016/SVG/main" r:embed="rId7"/>
               </a:ext>
             </a:extLst>
           </a:blip>
@@ -33737,7 +32814,6 @@
               <a:rPr lang="en-US" dirty="0"/>
               <a:t>Has a larger size of the built applications. </a:t>
             </a:r>
-            <a:endParaRPr lang="en-US" dirty="0"/>
           </a:p>
         </p:txBody>
       </p:sp>
@@ -33764,7 +32840,7 @@
                 <a14:useLocalDpi xmlns:a14="http://schemas.microsoft.com/office/drawing/2010/main"/>
               </a:ext>
               <a:ext uri="{96DAC541-7B7A-43D3-8B79-37D633B846F1}">
-                <asvg:svgBlip xmlns:asvg="http://schemas.microsoft.com/office/drawing/2016/SVG/main" xmlns="" r:embed="rId9"/>
+                <asvg:svgBlip xmlns="" xmlns:asvg="http://schemas.microsoft.com/office/drawing/2016/SVG/main" r:embed="rId9"/>
               </a:ext>
             </a:extLst>
           </a:blip>
@@ -33803,7 +32879,7 @@
                 <a14:useLocalDpi xmlns:a14="http://schemas.microsoft.com/office/drawing/2010/main"/>
               </a:ext>
               <a:ext uri="{96DAC541-7B7A-43D3-8B79-37D633B846F1}">
-                <asvg:svgBlip xmlns:asvg="http://schemas.microsoft.com/office/drawing/2016/SVG/main" xmlns="" r:embed="rId11"/>
+                <asvg:svgBlip xmlns="" xmlns:asvg="http://schemas.microsoft.com/office/drawing/2016/SVG/main" r:embed="rId11"/>
               </a:ext>
             </a:extLst>
           </a:blip>
@@ -33889,11 +32965,11 @@
   <p:clrMapOvr>
     <a:masterClrMapping/>
   </p:clrMapOvr>
-  <mc:AlternateContent xmlns:mc="http://schemas.openxmlformats.org/markup-compatibility/2006">
-    <mc:Choice xmlns:p14="http://schemas.microsoft.com/office/powerpoint/2010/main" Requires="p14">
+  <mc:AlternateContent xmlns:mc="http://schemas.openxmlformats.org/markup-compatibility/2006" xmlns:p14="http://schemas.microsoft.com/office/powerpoint/2010/main">
+    <mc:Choice Requires="p14">
       <p:transition p14:dur="0"/>
     </mc:Choice>
-    <mc:Fallback>
+    <mc:Fallback xmlns="">
       <p:transition/>
     </mc:Fallback>
   </mc:AlternateContent>
@@ -33926,10 +33002,10 @@
       </p:grpSpPr>
       <p:sp>
         <p:nvSpPr>
-          <p:cNvPr id="4" name="Title 3">
+          <p:cNvPr id="6" name="Title 5">
             <a:extLst>
               <a:ext uri="{FF2B5EF4-FFF2-40B4-BE49-F238E27FC236}">
-                <a16:creationId xmlns:a16="http://schemas.microsoft.com/office/drawing/2014/main" id="{315E3981-F0D7-482C-A8E0-6A57700BECA7}"/>
+                <a16:creationId xmlns:a16="http://schemas.microsoft.com/office/drawing/2014/main" id="{A4CD37D6-FE32-48E3-A3AD-F07BE6A19FA1}"/>
               </a:ext>
             </a:extLst>
           </p:cNvPr>
@@ -33940,130 +33016,62 @@
             <p:ph type="title"/>
           </p:nvPr>
         </p:nvSpPr>
-        <p:spPr/>
+        <p:spPr>
+          <a:xfrm>
+            <a:off x="533399" y="3200400"/>
+            <a:ext cx="7551057" cy="2859313"/>
+          </a:xfrm>
+        </p:spPr>
         <p:txBody>
           <a:bodyPr/>
           <a:lstStyle/>
           <a:p>
             <a:r>
-              <a:rPr lang="en-US" dirty="0"/>
-              <a:t>Content Title 03</a:t>
+              <a:rPr lang="en-US" dirty="0" smtClean="0"/>
+              <a:t>30% smaller codebase, 1.1 million lines instead of 1.7million lines. 50% more engineering efficiency” </a:t>
             </a:r>
-          </a:p>
-        </p:txBody>
-      </p:sp>
-      <p:pic>
-        <p:nvPicPr>
-          <p:cNvPr id="20" name="Picture Placeholder 19" descr="Triangular pattern design with dimension">
-            <a:extLst>
-              <a:ext uri="{FF2B5EF4-FFF2-40B4-BE49-F238E27FC236}">
-                <a16:creationId xmlns:a16="http://schemas.microsoft.com/office/drawing/2014/main" id="{3DCA2B8E-64D3-7645-8DEB-688ED5756F52}"/>
-              </a:ext>
-            </a:extLst>
-          </p:cNvPr>
-          <p:cNvPicPr>
-            <a:picLocks noGrp="1" noChangeAspect="1"/>
-          </p:cNvPicPr>
-          <p:nvPr>
-            <p:ph type="pic" sz="quarter" idx="19"/>
-          </p:nvPr>
-        </p:nvPicPr>
-        <p:blipFill>
-          <a:blip r:embed="rId2">
-            <a:extLst>
-              <a:ext uri="{28A0092B-C50C-407E-A947-70E740481C1C}">
-                <a14:useLocalDpi xmlns:a14="http://schemas.microsoft.com/office/drawing/2010/main" val="0"/>
-              </a:ext>
-            </a:extLst>
-          </a:blip>
-          <a:srcRect/>
-          <a:stretch>
-            <a:fillRect/>
-          </a:stretch>
-        </p:blipFill>
-        <p:spPr/>
-      </p:pic>
-      <p:sp>
-        <p:nvSpPr>
-          <p:cNvPr id="19" name="Text Placeholder 18">
-            <a:extLst>
-              <a:ext uri="{FF2B5EF4-FFF2-40B4-BE49-F238E27FC236}">
-                <a16:creationId xmlns:a16="http://schemas.microsoft.com/office/drawing/2014/main" id="{782206B1-586F-4254-9B36-D06C4E294ACF}"/>
-              </a:ext>
-            </a:extLst>
-          </p:cNvPr>
-          <p:cNvSpPr>
-            <a:spLocks noGrp="1"/>
-          </p:cNvSpPr>
-          <p:nvPr>
-            <p:ph type="body" sz="quarter" idx="18"/>
-          </p:nvPr>
-        </p:nvSpPr>
-        <p:spPr/>
-        <p:txBody>
-          <a:bodyPr/>
-          <a:lstStyle/>
-          <a:p>
             <a:r>
               <a:rPr lang="en-US" dirty="0"/>
-              <a:t>Caption01 appears here</a:t>
+              <a:t/>
             </a:r>
-          </a:p>
-        </p:txBody>
-      </p:sp>
-      <p:sp>
-        <p:nvSpPr>
-          <p:cNvPr id="21" name="Text Placeholder 20">
-            <a:extLst>
-              <a:ext uri="{FF2B5EF4-FFF2-40B4-BE49-F238E27FC236}">
-                <a16:creationId xmlns:a16="http://schemas.microsoft.com/office/drawing/2014/main" id="{1B8F0371-4F69-4131-91BF-9AB99E6EE89B}"/>
-              </a:ext>
-            </a:extLst>
-          </p:cNvPr>
-          <p:cNvSpPr>
-            <a:spLocks noGrp="1"/>
-          </p:cNvSpPr>
-          <p:nvPr>
-            <p:ph type="body" sz="quarter" idx="20"/>
-          </p:nvPr>
-        </p:nvSpPr>
-        <p:spPr/>
-        <p:txBody>
-          <a:bodyPr/>
-          <a:lstStyle/>
-          <a:p>
+            <a:br>
+              <a:rPr lang="en-US" dirty="0"/>
+            </a:br>
             <a:r>
-              <a:rPr lang="en-US" dirty="0"/>
-              <a:t>Caption03 appears here</a:t>
+              <a:rPr lang="en-US" sz="2400" dirty="0" smtClean="0"/>
+              <a:t>-</a:t>
             </a:r>
-          </a:p>
-        </p:txBody>
-      </p:sp>
-      <p:sp>
-        <p:nvSpPr>
-          <p:cNvPr id="22" name="Text Placeholder 21">
-            <a:extLst>
-              <a:ext uri="{FF2B5EF4-FFF2-40B4-BE49-F238E27FC236}">
-                <a16:creationId xmlns:a16="http://schemas.microsoft.com/office/drawing/2014/main" id="{78CACAF1-61EA-4605-A8FE-2EEE752B49FF}"/>
-              </a:ext>
-            </a:extLst>
-          </p:cNvPr>
-          <p:cNvSpPr>
-            <a:spLocks noGrp="1"/>
-          </p:cNvSpPr>
-          <p:nvPr>
-            <p:ph type="body" sz="quarter" idx="21"/>
-          </p:nvPr>
-        </p:nvSpPr>
-        <p:spPr/>
-        <p:txBody>
-          <a:bodyPr/>
-          <a:lstStyle/>
-          <a:p>
             <a:r>
-              <a:rPr lang="en-US" dirty="0"/>
-              <a:t>Caption04 appears here</a:t>
+              <a:rPr lang="en-US" sz="2400" dirty="0" err="1" smtClean="0"/>
+              <a:t>Peeyush</a:t>
             </a:r>
+            <a:r>
+              <a:rPr lang="en-US" sz="2400" dirty="0" smtClean="0"/>
+              <a:t> </a:t>
+            </a:r>
+            <a:r>
+              <a:rPr lang="en-US" sz="2400" dirty="0" err="1" smtClean="0"/>
+              <a:t>Ranjan</a:t>
+            </a:r>
+            <a:r>
+              <a:rPr lang="en-US" sz="2400" dirty="0" smtClean="0"/>
+              <a:t/>
+            </a:r>
+            <a:br>
+              <a:rPr lang="en-US" sz="2400" dirty="0" smtClean="0"/>
+            </a:br>
+            <a:r>
+              <a:rPr lang="en-US" sz="2400" dirty="0" smtClean="0"/>
+              <a:t>VP Engineering, Google Pay,</a:t>
+            </a:r>
+            <a:br>
+              <a:rPr lang="en-US" sz="2400" dirty="0" smtClean="0"/>
+            </a:br>
+            <a:r>
+              <a:rPr lang="en-US" sz="2400" dirty="0" smtClean="0"/>
+              <a:t>Google.</a:t>
+            </a:r>
+            <a:endParaRPr lang="en-US" dirty="0"/>
           </a:p>
         </p:txBody>
       </p:sp>
@@ -34072,7 +33080,7 @@
           <p:cNvPr id="2" name="Slide Number Placeholder 1">
             <a:extLst>
               <a:ext uri="{FF2B5EF4-FFF2-40B4-BE49-F238E27FC236}">
-                <a16:creationId xmlns:a16="http://schemas.microsoft.com/office/drawing/2014/main" id="{2F478C69-0A1D-45FF-8600-ED903803FFE1}"/>
+                <a16:creationId xmlns:a16="http://schemas.microsoft.com/office/drawing/2014/main" id="{8EDC7217-2779-44E0-9E6D-3B3879516A1D}"/>
               </a:ext>
             </a:extLst>
           </p:cNvPr>
@@ -34100,18 +33108,18 @@
     </p:spTree>
     <p:extLst>
       <p:ext uri="{BB962C8B-B14F-4D97-AF65-F5344CB8AC3E}">
-        <p14:creationId xmlns:p14="http://schemas.microsoft.com/office/powerpoint/2010/main" val="451187730"/>
+        <p14:creationId xmlns:p14="http://schemas.microsoft.com/office/powerpoint/2010/main" val="914134537"/>
       </p:ext>
     </p:extLst>
   </p:cSld>
   <p:clrMapOvr>
     <a:masterClrMapping/>
   </p:clrMapOvr>
-  <mc:AlternateContent xmlns:mc="http://schemas.openxmlformats.org/markup-compatibility/2006">
-    <mc:Choice xmlns:p14="http://schemas.microsoft.com/office/powerpoint/2010/main" Requires="p14">
+  <mc:AlternateContent xmlns:mc="http://schemas.openxmlformats.org/markup-compatibility/2006" xmlns:p14="http://schemas.microsoft.com/office/powerpoint/2010/main">
+    <mc:Choice Requires="p14">
       <p:transition p14:dur="0"/>
     </mc:Choice>
-    <mc:Fallback>
+    <mc:Fallback xmlns="">
       <p:transition/>
     </mc:Fallback>
   </mc:AlternateContent>
@@ -34144,10 +33152,10 @@
       </p:grpSpPr>
       <p:sp>
         <p:nvSpPr>
-          <p:cNvPr id="4" name="Title 3">
+          <p:cNvPr id="6" name="Title 5">
             <a:extLst>
               <a:ext uri="{FF2B5EF4-FFF2-40B4-BE49-F238E27FC236}">
-                <a16:creationId xmlns:a16="http://schemas.microsoft.com/office/drawing/2014/main" id="{315E3981-F0D7-482C-A8E0-6A57700BECA7}"/>
+                <a16:creationId xmlns:a16="http://schemas.microsoft.com/office/drawing/2014/main" id="{A4CD37D6-FE32-48E3-A3AD-F07BE6A19FA1}"/>
               </a:ext>
             </a:extLst>
           </p:cNvPr>
@@ -34158,83 +33166,47 @@
             <p:ph type="title"/>
           </p:nvPr>
         </p:nvSpPr>
-        <p:spPr/>
+        <p:spPr>
+          <a:xfrm>
+            <a:off x="533399" y="3200400"/>
+            <a:ext cx="7551057" cy="2859313"/>
+          </a:xfrm>
+        </p:spPr>
         <p:txBody>
           <a:bodyPr/>
           <a:lstStyle/>
           <a:p>
             <a:r>
-              <a:rPr lang="en-US" dirty="0"/>
-              <a:t>Content Title 04</a:t>
+              <a:rPr lang="en-US" dirty="0" err="1" smtClean="0"/>
+              <a:t>Toyata</a:t>
             </a:r>
-          </a:p>
-        </p:txBody>
-      </p:sp>
-      <p:pic>
-        <p:nvPicPr>
-          <p:cNvPr id="8" name="Picture Placeholder 7" descr="Triangular pattern design with dimension">
-            <a:extLst>
-              <a:ext uri="{FF2B5EF4-FFF2-40B4-BE49-F238E27FC236}">
-                <a16:creationId xmlns:a16="http://schemas.microsoft.com/office/drawing/2014/main" id="{2301248D-7370-7643-9BE6-F8CDCFF4D460}"/>
-              </a:ext>
-            </a:extLst>
-          </p:cNvPr>
-          <p:cNvPicPr>
-            <a:picLocks noGrp="1" noChangeAspect="1"/>
-          </p:cNvPicPr>
-          <p:nvPr>
-            <p:ph type="pic" sz="quarter" idx="19"/>
-          </p:nvPr>
-        </p:nvPicPr>
-        <p:blipFill rotWithShape="1">
-          <a:blip r:embed="rId2">
-            <a:extLst>
-              <a:ext uri="{28A0092B-C50C-407E-A947-70E740481C1C}">
-                <a14:useLocalDpi xmlns:a14="http://schemas.microsoft.com/office/drawing/2010/main" val="0"/>
-              </a:ext>
-            </a:extLst>
-          </a:blip>
-          <a:srcRect/>
-          <a:stretch/>
-        </p:blipFill>
-        <p:spPr>
-          <a:xfrm>
-            <a:off x="-2" y="1352575"/>
-            <a:ext cx="12192002" cy="2289897"/>
-          </a:xfrm>
-        </p:spPr>
-      </p:pic>
-      <p:sp>
-        <p:nvSpPr>
-          <p:cNvPr id="19" name="Text Placeholder 18">
-            <a:extLst>
-              <a:ext uri="{FF2B5EF4-FFF2-40B4-BE49-F238E27FC236}">
-                <a16:creationId xmlns:a16="http://schemas.microsoft.com/office/drawing/2014/main" id="{782206B1-586F-4254-9B36-D06C4E294ACF}"/>
-              </a:ext>
-            </a:extLst>
-          </p:cNvPr>
-          <p:cNvSpPr>
-            <a:spLocks noGrp="1"/>
-          </p:cNvSpPr>
-          <p:nvPr>
-            <p:ph type="body" sz="quarter" idx="18"/>
-          </p:nvPr>
-        </p:nvSpPr>
-        <p:spPr/>
-        <p:txBody>
-          <a:bodyPr/>
-          <a:lstStyle/>
-          <a:p>
+            <a:r>
+              <a:rPr lang="en-US" dirty="0" smtClean="0"/>
+              <a:t> is partnering with flutter to bring a best in market digital experiences to vehicles.</a:t>
+            </a:r>
+            <a:r>
+              <a:rPr lang="en-US" dirty="0" smtClean="0"/>
+              <a:t>” </a:t>
+            </a:r>
             <a:r>
               <a:rPr lang="en-US" dirty="0"/>
-              <a:t>Lorem ipsum dolor sit amet, consectetuer adipiscing elit. Maecenas porttitor congue massa. Fusce posuere, magna sed pulvinar ultricies, purus lectus malesuada libero, sit amet commodo magna eros quis urna. Nunc viverra imperdiet enim. Fusce est. Vivamus a tellus.</a:t>
+              <a:t/>
             </a:r>
-          </a:p>
-          <a:p>
+            <a:br>
+              <a:rPr lang="en-US" dirty="0"/>
+            </a:br>
             <a:r>
-              <a:rPr lang="en-US" dirty="0"/>
-              <a:t>Pellentesque habitant morbi tristique senectus et netus et malesuada fames ac turpis egestas. Proin pharetra nonummy pede. Mauris et orci.</a:t>
+              <a:rPr lang="en-US" sz="2400" dirty="0" smtClean="0"/>
+              <a:t>-Daniel Hall</a:t>
             </a:r>
+            <a:br>
+              <a:rPr lang="en-US" sz="2400" dirty="0" smtClean="0"/>
+            </a:br>
+            <a:r>
+              <a:rPr lang="en-US" sz="2400" dirty="0" smtClean="0"/>
+              <a:t>Chief Engineer, Toyota Motor North America</a:t>
+            </a:r>
+            <a:endParaRPr lang="en-US" dirty="0"/>
           </a:p>
         </p:txBody>
       </p:sp>
@@ -34243,7 +33215,7 @@
           <p:cNvPr id="2" name="Slide Number Placeholder 1">
             <a:extLst>
               <a:ext uri="{FF2B5EF4-FFF2-40B4-BE49-F238E27FC236}">
-                <a16:creationId xmlns:a16="http://schemas.microsoft.com/office/drawing/2014/main" id="{FAC2D367-2A6E-41FE-A9EA-24FF17BCAA97}"/>
+                <a16:creationId xmlns:a16="http://schemas.microsoft.com/office/drawing/2014/main" id="{8EDC7217-2779-44E0-9E6D-3B3879516A1D}"/>
               </a:ext>
             </a:extLst>
           </p:cNvPr>
@@ -34271,18 +33243,18 @@
     </p:spTree>
     <p:extLst>
       <p:ext uri="{BB962C8B-B14F-4D97-AF65-F5344CB8AC3E}">
-        <p14:creationId xmlns:p14="http://schemas.microsoft.com/office/powerpoint/2010/main" val="4220482610"/>
+        <p14:creationId xmlns:p14="http://schemas.microsoft.com/office/powerpoint/2010/main" val="1811042327"/>
       </p:ext>
     </p:extLst>
   </p:cSld>
   <p:clrMapOvr>
     <a:masterClrMapping/>
   </p:clrMapOvr>
-  <mc:AlternateContent xmlns:mc="http://schemas.openxmlformats.org/markup-compatibility/2006">
-    <mc:Choice xmlns:p14="http://schemas.microsoft.com/office/powerpoint/2010/main" Requires="p14">
+  <mc:AlternateContent xmlns:mc="http://schemas.openxmlformats.org/markup-compatibility/2006" xmlns:p14="http://schemas.microsoft.com/office/powerpoint/2010/main">
+    <mc:Choice Requires="p14">
       <p:transition p14:dur="0"/>
     </mc:Choice>
-    <mc:Fallback>
+    <mc:Fallback xmlns="">
       <p:transition/>
     </mc:Fallback>
   </mc:AlternateContent>
@@ -34315,10 +33287,10 @@
       </p:grpSpPr>
       <p:sp>
         <p:nvSpPr>
-          <p:cNvPr id="5" name="Title 4">
+          <p:cNvPr id="2" name="Title 1">
             <a:extLst>
               <a:ext uri="{FF2B5EF4-FFF2-40B4-BE49-F238E27FC236}">
-                <a16:creationId xmlns:a16="http://schemas.microsoft.com/office/drawing/2014/main" id="{201323FB-427E-4A8D-B473-AB0657D8D23B}"/>
+                <a16:creationId xmlns:a16="http://schemas.microsoft.com/office/drawing/2014/main" id="{632BE5BF-9922-45FB-8F3F-4446D40A051B}"/>
               </a:ext>
             </a:extLst>
           </p:cNvPr>
@@ -34326,1887 +33298,258 @@
             <a:spLocks noGrp="1"/>
           </p:cNvSpPr>
           <p:nvPr>
-            <p:ph type="title"/>
+            <p:ph type="ctrTitle"/>
           </p:nvPr>
         </p:nvSpPr>
-        <p:spPr/>
+        <p:spPr>
+          <a:xfrm>
+            <a:off x="5217241" y="2807208"/>
+            <a:ext cx="5821461" cy="1243584"/>
+          </a:xfrm>
+        </p:spPr>
         <p:txBody>
           <a:bodyPr/>
           <a:lstStyle/>
           <a:p>
             <a:r>
-              <a:rPr lang="en-US" dirty="0"/>
-              <a:t>Table</a:t>
+              <a:rPr lang="en-GB" dirty="0" smtClean="0"/>
+              <a:t>Future of Flutter</a:t>
             </a:r>
+            <a:endParaRPr lang="en-GB" dirty="0"/>
           </a:p>
         </p:txBody>
       </p:sp>
-      <p:graphicFrame>
-        <p:nvGraphicFramePr>
-          <p:cNvPr id="6" name="Table 5">
+      <p:sp>
+        <p:nvSpPr>
+          <p:cNvPr id="4" name="Text Placeholder 18">
             <a:extLst>
               <a:ext uri="{FF2B5EF4-FFF2-40B4-BE49-F238E27FC236}">
-                <a16:creationId xmlns:a16="http://schemas.microsoft.com/office/drawing/2014/main" id="{E8EEB296-8554-4D20-B3B8-C0BBC380A58D}"/>
+                <a16:creationId xmlns:a16="http://schemas.microsoft.com/office/drawing/2014/main" id="{782206B1-586F-4254-9B36-D06C4E294ACF}"/>
               </a:ext>
             </a:extLst>
           </p:cNvPr>
-          <p:cNvGraphicFramePr>
-            <a:graphicFrameLocks noGrp="1"/>
-          </p:cNvGraphicFramePr>
-          <p:nvPr>
-            <p:extLst>
-              <p:ext uri="{D42A27DB-BD31-4B8C-83A1-F6EECF244321}">
-                <p14:modId xmlns:p14="http://schemas.microsoft.com/office/powerpoint/2010/main" val="2357960289"/>
-              </p:ext>
-            </p:extLst>
-          </p:nvPr>
-        </p:nvGraphicFramePr>
-        <p:xfrm>
-          <a:off x="1130300" y="1856740"/>
-          <a:ext cx="9931400" cy="3931920"/>
-        </p:xfrm>
-        <a:graphic>
-          <a:graphicData uri="http://schemas.openxmlformats.org/drawingml/2006/table">
-            <a:tbl>
-              <a:tblPr firstRow="1" bandRow="1">
-                <a:tableStyleId>{5C22544A-7EE6-4342-B048-85BDC9FD1C3A}</a:tableStyleId>
-              </a:tblPr>
-              <a:tblGrid>
-                <a:gridCol w="2482850">
-                  <a:extLst>
-                    <a:ext uri="{9D8B030D-6E8A-4147-A177-3AD203B41FA5}">
-                      <a16:colId xmlns:a16="http://schemas.microsoft.com/office/drawing/2014/main" val="3559833401"/>
-                    </a:ext>
-                  </a:extLst>
-                </a:gridCol>
-                <a:gridCol w="2482850">
-                  <a:extLst>
-                    <a:ext uri="{9D8B030D-6E8A-4147-A177-3AD203B41FA5}">
-                      <a16:colId xmlns:a16="http://schemas.microsoft.com/office/drawing/2014/main" val="82523989"/>
-                    </a:ext>
-                  </a:extLst>
-                </a:gridCol>
-                <a:gridCol w="2482850">
-                  <a:extLst>
-                    <a:ext uri="{9D8B030D-6E8A-4147-A177-3AD203B41FA5}">
-                      <a16:colId xmlns:a16="http://schemas.microsoft.com/office/drawing/2014/main" val="3211310719"/>
-                    </a:ext>
-                  </a:extLst>
-                </a:gridCol>
-                <a:gridCol w="2482850">
-                  <a:extLst>
-                    <a:ext uri="{9D8B030D-6E8A-4147-A177-3AD203B41FA5}">
-                      <a16:colId xmlns:a16="http://schemas.microsoft.com/office/drawing/2014/main" val="4160613981"/>
-                    </a:ext>
-                  </a:extLst>
-                </a:gridCol>
-              </a:tblGrid>
-              <a:tr h="640080">
-                <a:tc>
-                  <a:txBody>
-                    <a:bodyPr/>
-                    <a:lstStyle/>
-                    <a:p>
-                      <a:pPr algn="ctr"/>
-                      <a:r>
-                        <a:rPr lang="en-US" sz="1600" b="0" dirty="0">
-                          <a:latin typeface="+mn-lt"/>
-                          <a:cs typeface="Arial" panose="020B0604020202020204" pitchFamily="34" charset="0"/>
-                        </a:rPr>
-                        <a:t>Title</a:t>
-                      </a:r>
-                      <a:endParaRPr lang="en-GB" sz="1600" b="0" dirty="0">
-                        <a:latin typeface="+mn-lt"/>
-                        <a:cs typeface="Arial" panose="020B0604020202020204" pitchFamily="34" charset="0"/>
-                      </a:endParaRPr>
-                    </a:p>
-                  </a:txBody>
-                  <a:tcPr anchor="ctr">
-                    <a:lnL w="12700" cap="flat" cmpd="sng" algn="ctr">
-                      <a:noFill/>
-                      <a:prstDash val="solid"/>
-                      <a:round/>
-                      <a:headEnd type="none" w="med" len="med"/>
-                      <a:tailEnd type="none" w="med" len="med"/>
-                    </a:lnL>
-                    <a:lnR w="12700" cap="flat" cmpd="sng" algn="ctr">
-                      <a:solidFill>
-                        <a:schemeClr val="accent2">
-                          <a:lumMod val="75000"/>
-                        </a:schemeClr>
-                      </a:solidFill>
-                      <a:prstDash val="solid"/>
-                      <a:round/>
-                      <a:headEnd type="none" w="med" len="med"/>
-                      <a:tailEnd type="none" w="med" len="med"/>
-                    </a:lnR>
-                    <a:lnT w="38100" cap="flat" cmpd="sng" algn="ctr">
-                      <a:solidFill>
-                        <a:schemeClr val="accent2">
-                          <a:lumMod val="75000"/>
-                        </a:schemeClr>
-                      </a:solidFill>
-                      <a:prstDash val="solid"/>
-                      <a:round/>
-                      <a:headEnd type="none" w="med" len="med"/>
-                      <a:tailEnd type="none" w="med" len="med"/>
-                    </a:lnT>
-                    <a:lnB w="38100" cap="flat" cmpd="sng" algn="ctr">
-                      <a:solidFill>
-                        <a:schemeClr val="accent2">
-                          <a:lumMod val="75000"/>
-                        </a:schemeClr>
-                      </a:solidFill>
-                      <a:prstDash val="solid"/>
-                      <a:round/>
-                      <a:headEnd type="none" w="med" len="med"/>
-                      <a:tailEnd type="none" w="med" len="med"/>
-                    </a:lnB>
-                    <a:lnTlToBr w="12700" cmpd="sng">
-                      <a:noFill/>
-                      <a:prstDash val="solid"/>
-                    </a:lnTlToBr>
-                    <a:lnBlToTr w="12700" cmpd="sng">
-                      <a:noFill/>
-                      <a:prstDash val="solid"/>
-                    </a:lnBlToTr>
-                    <a:noFill/>
-                  </a:tcPr>
-                </a:tc>
-                <a:tc>
-                  <a:txBody>
-                    <a:bodyPr/>
-                    <a:lstStyle/>
-                    <a:p>
-                      <a:pPr marL="0" marR="0" lvl="0" indent="0" algn="ctr" defTabSz="914400" rtl="0" eaLnBrk="1" fontAlgn="auto" latinLnBrk="0" hangingPunct="1">
-                        <a:lnSpc>
-                          <a:spcPct val="100000"/>
-                        </a:lnSpc>
-                        <a:spcBef>
-                          <a:spcPts val="0"/>
-                        </a:spcBef>
-                        <a:spcAft>
-                          <a:spcPts val="0"/>
-                        </a:spcAft>
-                        <a:buClrTx/>
-                        <a:buSzTx/>
-                        <a:buFontTx/>
-                        <a:buNone/>
-                        <a:tabLst/>
-                        <a:defRPr/>
-                      </a:pPr>
-                      <a:r>
-                        <a:rPr lang="en-US" sz="1600" b="0" dirty="0">
-                          <a:latin typeface="+mn-lt"/>
-                          <a:cs typeface="Arial" panose="020B0604020202020204" pitchFamily="34" charset="0"/>
-                        </a:rPr>
-                        <a:t>Title</a:t>
-                      </a:r>
-                      <a:endParaRPr lang="en-GB" sz="1600" b="0" dirty="0">
-                        <a:latin typeface="+mn-lt"/>
-                        <a:cs typeface="Arial" panose="020B0604020202020204" pitchFamily="34" charset="0"/>
-                      </a:endParaRPr>
-                    </a:p>
-                  </a:txBody>
-                  <a:tcPr anchor="ctr">
-                    <a:lnL w="12700" cap="flat" cmpd="sng" algn="ctr">
-                      <a:solidFill>
-                        <a:schemeClr val="accent2">
-                          <a:lumMod val="75000"/>
-                        </a:schemeClr>
-                      </a:solidFill>
-                      <a:prstDash val="solid"/>
-                      <a:round/>
-                      <a:headEnd type="none" w="med" len="med"/>
-                      <a:tailEnd type="none" w="med" len="med"/>
-                    </a:lnL>
-                    <a:lnR w="12700" cap="flat" cmpd="sng" algn="ctr">
-                      <a:solidFill>
-                        <a:schemeClr val="accent2">
-                          <a:lumMod val="75000"/>
-                        </a:schemeClr>
-                      </a:solidFill>
-                      <a:prstDash val="solid"/>
-                      <a:round/>
-                      <a:headEnd type="none" w="med" len="med"/>
-                      <a:tailEnd type="none" w="med" len="med"/>
-                    </a:lnR>
-                    <a:lnT w="38100" cap="flat" cmpd="sng" algn="ctr">
-                      <a:solidFill>
-                        <a:schemeClr val="accent2">
-                          <a:lumMod val="75000"/>
-                        </a:schemeClr>
-                      </a:solidFill>
-                      <a:prstDash val="solid"/>
-                      <a:round/>
-                      <a:headEnd type="none" w="med" len="med"/>
-                      <a:tailEnd type="none" w="med" len="med"/>
-                    </a:lnT>
-                    <a:lnB w="38100" cap="flat" cmpd="sng" algn="ctr">
-                      <a:solidFill>
-                        <a:schemeClr val="accent2">
-                          <a:lumMod val="75000"/>
-                        </a:schemeClr>
-                      </a:solidFill>
-                      <a:prstDash val="solid"/>
-                      <a:round/>
-                      <a:headEnd type="none" w="med" len="med"/>
-                      <a:tailEnd type="none" w="med" len="med"/>
-                    </a:lnB>
-                    <a:lnTlToBr w="12700" cmpd="sng">
-                      <a:noFill/>
-                      <a:prstDash val="solid"/>
-                    </a:lnTlToBr>
-                    <a:lnBlToTr w="12700" cmpd="sng">
-                      <a:noFill/>
-                      <a:prstDash val="solid"/>
-                    </a:lnBlToTr>
-                    <a:noFill/>
-                  </a:tcPr>
-                </a:tc>
-                <a:tc>
-                  <a:txBody>
-                    <a:bodyPr/>
-                    <a:lstStyle/>
-                    <a:p>
-                      <a:pPr marL="0" marR="0" lvl="0" indent="0" algn="ctr" defTabSz="914400" rtl="0" eaLnBrk="1" fontAlgn="auto" latinLnBrk="0" hangingPunct="1">
-                        <a:lnSpc>
-                          <a:spcPct val="100000"/>
-                        </a:lnSpc>
-                        <a:spcBef>
-                          <a:spcPts val="0"/>
-                        </a:spcBef>
-                        <a:spcAft>
-                          <a:spcPts val="0"/>
-                        </a:spcAft>
-                        <a:buClrTx/>
-                        <a:buSzTx/>
-                        <a:buFontTx/>
-                        <a:buNone/>
-                        <a:tabLst/>
-                        <a:defRPr/>
-                      </a:pPr>
-                      <a:r>
-                        <a:rPr lang="en-US" sz="1600" b="0" dirty="0">
-                          <a:latin typeface="+mn-lt"/>
-                          <a:cs typeface="Arial" panose="020B0604020202020204" pitchFamily="34" charset="0"/>
-                        </a:rPr>
-                        <a:t>Title</a:t>
-                      </a:r>
-                      <a:endParaRPr lang="en-GB" sz="1600" b="0" dirty="0">
-                        <a:latin typeface="+mn-lt"/>
-                        <a:cs typeface="Arial" panose="020B0604020202020204" pitchFamily="34" charset="0"/>
-                      </a:endParaRPr>
-                    </a:p>
-                  </a:txBody>
-                  <a:tcPr anchor="ctr">
-                    <a:lnL w="12700" cap="flat" cmpd="sng" algn="ctr">
-                      <a:solidFill>
-                        <a:schemeClr val="accent2">
-                          <a:lumMod val="75000"/>
-                        </a:schemeClr>
-                      </a:solidFill>
-                      <a:prstDash val="solid"/>
-                      <a:round/>
-                      <a:headEnd type="none" w="med" len="med"/>
-                      <a:tailEnd type="none" w="med" len="med"/>
-                    </a:lnL>
-                    <a:lnR w="12700" cap="flat" cmpd="sng" algn="ctr">
-                      <a:solidFill>
-                        <a:schemeClr val="accent2">
-                          <a:lumMod val="75000"/>
-                        </a:schemeClr>
-                      </a:solidFill>
-                      <a:prstDash val="solid"/>
-                      <a:round/>
-                      <a:headEnd type="none" w="med" len="med"/>
-                      <a:tailEnd type="none" w="med" len="med"/>
-                    </a:lnR>
-                    <a:lnT w="38100" cap="flat" cmpd="sng" algn="ctr">
-                      <a:solidFill>
-                        <a:schemeClr val="accent2">
-                          <a:lumMod val="75000"/>
-                        </a:schemeClr>
-                      </a:solidFill>
-                      <a:prstDash val="solid"/>
-                      <a:round/>
-                      <a:headEnd type="none" w="med" len="med"/>
-                      <a:tailEnd type="none" w="med" len="med"/>
-                    </a:lnT>
-                    <a:lnB w="38100" cap="flat" cmpd="sng" algn="ctr">
-                      <a:solidFill>
-                        <a:schemeClr val="accent2">
-                          <a:lumMod val="75000"/>
-                        </a:schemeClr>
-                      </a:solidFill>
-                      <a:prstDash val="solid"/>
-                      <a:round/>
-                      <a:headEnd type="none" w="med" len="med"/>
-                      <a:tailEnd type="none" w="med" len="med"/>
-                    </a:lnB>
-                    <a:lnTlToBr w="12700" cmpd="sng">
-                      <a:noFill/>
-                      <a:prstDash val="solid"/>
-                    </a:lnTlToBr>
-                    <a:lnBlToTr w="12700" cmpd="sng">
-                      <a:noFill/>
-                      <a:prstDash val="solid"/>
-                    </a:lnBlToTr>
-                    <a:noFill/>
-                  </a:tcPr>
-                </a:tc>
-                <a:tc>
-                  <a:txBody>
-                    <a:bodyPr/>
-                    <a:lstStyle/>
-                    <a:p>
-                      <a:pPr marL="0" marR="0" lvl="0" indent="0" algn="ctr" defTabSz="914400" rtl="0" eaLnBrk="1" fontAlgn="auto" latinLnBrk="0" hangingPunct="1">
-                        <a:lnSpc>
-                          <a:spcPct val="100000"/>
-                        </a:lnSpc>
-                        <a:spcBef>
-                          <a:spcPts val="0"/>
-                        </a:spcBef>
-                        <a:spcAft>
-                          <a:spcPts val="0"/>
-                        </a:spcAft>
-                        <a:buClrTx/>
-                        <a:buSzTx/>
-                        <a:buFontTx/>
-                        <a:buNone/>
-                        <a:tabLst/>
-                        <a:defRPr/>
-                      </a:pPr>
-                      <a:r>
-                        <a:rPr lang="en-US" sz="1600" b="0" dirty="0">
-                          <a:latin typeface="+mn-lt"/>
-                          <a:cs typeface="Arial" panose="020B0604020202020204" pitchFamily="34" charset="0"/>
-                        </a:rPr>
-                        <a:t>Title</a:t>
-                      </a:r>
-                      <a:endParaRPr lang="en-GB" sz="1600" b="0" dirty="0">
-                        <a:latin typeface="+mn-lt"/>
-                        <a:cs typeface="Arial" panose="020B0604020202020204" pitchFamily="34" charset="0"/>
-                      </a:endParaRPr>
-                    </a:p>
-                  </a:txBody>
-                  <a:tcPr anchor="ctr">
-                    <a:lnL w="12700" cap="flat" cmpd="sng" algn="ctr">
-                      <a:solidFill>
-                        <a:schemeClr val="accent2">
-                          <a:lumMod val="75000"/>
-                        </a:schemeClr>
-                      </a:solidFill>
-                      <a:prstDash val="solid"/>
-                      <a:round/>
-                      <a:headEnd type="none" w="med" len="med"/>
-                      <a:tailEnd type="none" w="med" len="med"/>
-                    </a:lnL>
-                    <a:lnR w="12700" cap="flat" cmpd="sng" algn="ctr">
-                      <a:noFill/>
-                      <a:prstDash val="solid"/>
-                      <a:round/>
-                      <a:headEnd type="none" w="med" len="med"/>
-                      <a:tailEnd type="none" w="med" len="med"/>
-                    </a:lnR>
-                    <a:lnT w="38100" cap="flat" cmpd="sng" algn="ctr">
-                      <a:solidFill>
-                        <a:schemeClr val="accent2">
-                          <a:lumMod val="75000"/>
-                        </a:schemeClr>
-                      </a:solidFill>
-                      <a:prstDash val="solid"/>
-                      <a:round/>
-                      <a:headEnd type="none" w="med" len="med"/>
-                      <a:tailEnd type="none" w="med" len="med"/>
-                    </a:lnT>
-                    <a:lnB w="38100" cap="flat" cmpd="sng" algn="ctr">
-                      <a:solidFill>
-                        <a:schemeClr val="accent2">
-                          <a:lumMod val="75000"/>
-                        </a:schemeClr>
-                      </a:solidFill>
-                      <a:prstDash val="solid"/>
-                      <a:round/>
-                      <a:headEnd type="none" w="med" len="med"/>
-                      <a:tailEnd type="none" w="med" len="med"/>
-                    </a:lnB>
-                    <a:lnTlToBr w="12700" cmpd="sng">
-                      <a:noFill/>
-                      <a:prstDash val="solid"/>
-                    </a:lnTlToBr>
-                    <a:lnBlToTr w="12700" cmpd="sng">
-                      <a:noFill/>
-                      <a:prstDash val="solid"/>
-                    </a:lnBlToTr>
-                    <a:noFill/>
-                  </a:tcPr>
-                </a:tc>
-                <a:extLst>
-                  <a:ext uri="{0D108BD9-81ED-4DB2-BD59-A6C34878D82A}">
-                    <a16:rowId xmlns:a16="http://schemas.microsoft.com/office/drawing/2014/main" val="3766630617"/>
-                  </a:ext>
-                </a:extLst>
-              </a:tr>
-              <a:tr h="548640">
-                <a:tc>
-                  <a:txBody>
-                    <a:bodyPr/>
-                    <a:lstStyle/>
-                    <a:p>
-                      <a:endParaRPr lang="en-GB" sz="1400" dirty="0">
-                        <a:latin typeface="+mn-lt"/>
-                      </a:endParaRPr>
-                    </a:p>
-                  </a:txBody>
-                  <a:tcPr anchor="ctr">
-                    <a:lnL w="38100" cap="flat" cmpd="sng" algn="ctr">
-                      <a:noFill/>
-                      <a:prstDash val="solid"/>
-                      <a:round/>
-                      <a:headEnd type="none" w="med" len="med"/>
-                      <a:tailEnd type="none" w="med" len="med"/>
-                    </a:lnL>
-                    <a:lnR w="12700" cap="flat" cmpd="sng" algn="ctr">
-                      <a:solidFill>
-                        <a:schemeClr val="accent2">
-                          <a:lumMod val="75000"/>
-                        </a:schemeClr>
-                      </a:solidFill>
-                      <a:prstDash val="solid"/>
-                      <a:round/>
-                      <a:headEnd type="none" w="med" len="med"/>
-                      <a:tailEnd type="none" w="med" len="med"/>
-                    </a:lnR>
-                    <a:lnT w="38100" cap="flat" cmpd="sng" algn="ctr">
-                      <a:solidFill>
-                        <a:schemeClr val="accent2">
-                          <a:lumMod val="75000"/>
-                        </a:schemeClr>
-                      </a:solidFill>
-                      <a:prstDash val="solid"/>
-                      <a:round/>
-                      <a:headEnd type="none" w="med" len="med"/>
-                      <a:tailEnd type="none" w="med" len="med"/>
-                    </a:lnT>
-                    <a:lnB w="12700" cap="flat" cmpd="sng" algn="ctr">
-                      <a:solidFill>
-                        <a:schemeClr val="accent2">
-                          <a:lumMod val="75000"/>
-                        </a:schemeClr>
-                      </a:solidFill>
-                      <a:prstDash val="solid"/>
-                      <a:round/>
-                      <a:headEnd type="none" w="med" len="med"/>
-                      <a:tailEnd type="none" w="med" len="med"/>
-                    </a:lnB>
-                    <a:noFill/>
-                  </a:tcPr>
-                </a:tc>
-                <a:tc>
-                  <a:txBody>
-                    <a:bodyPr/>
-                    <a:lstStyle/>
-                    <a:p>
-                      <a:endParaRPr lang="en-GB" sz="1400" dirty="0">
-                        <a:latin typeface="+mn-lt"/>
-                      </a:endParaRPr>
-                    </a:p>
-                  </a:txBody>
-                  <a:tcPr anchor="ctr">
-                    <a:lnL w="12700" cap="flat" cmpd="sng" algn="ctr">
-                      <a:solidFill>
-                        <a:schemeClr val="accent2">
-                          <a:lumMod val="75000"/>
-                        </a:schemeClr>
-                      </a:solidFill>
-                      <a:prstDash val="solid"/>
-                      <a:round/>
-                      <a:headEnd type="none" w="med" len="med"/>
-                      <a:tailEnd type="none" w="med" len="med"/>
-                    </a:lnL>
-                    <a:lnR w="12700" cap="flat" cmpd="sng" algn="ctr">
-                      <a:solidFill>
-                        <a:schemeClr val="accent2">
-                          <a:lumMod val="75000"/>
-                        </a:schemeClr>
-                      </a:solidFill>
-                      <a:prstDash val="solid"/>
-                      <a:round/>
-                      <a:headEnd type="none" w="med" len="med"/>
-                      <a:tailEnd type="none" w="med" len="med"/>
-                    </a:lnR>
-                    <a:lnT w="38100" cap="flat" cmpd="sng" algn="ctr">
-                      <a:solidFill>
-                        <a:schemeClr val="accent2">
-                          <a:lumMod val="75000"/>
-                        </a:schemeClr>
-                      </a:solidFill>
-                      <a:prstDash val="solid"/>
-                      <a:round/>
-                      <a:headEnd type="none" w="med" len="med"/>
-                      <a:tailEnd type="none" w="med" len="med"/>
-                    </a:lnT>
-                    <a:lnB w="12700" cap="flat" cmpd="sng" algn="ctr">
-                      <a:solidFill>
-                        <a:schemeClr val="accent2">
-                          <a:lumMod val="75000"/>
-                        </a:schemeClr>
-                      </a:solidFill>
-                      <a:prstDash val="solid"/>
-                      <a:round/>
-                      <a:headEnd type="none" w="med" len="med"/>
-                      <a:tailEnd type="none" w="med" len="med"/>
-                    </a:lnB>
-                    <a:noFill/>
-                  </a:tcPr>
-                </a:tc>
-                <a:tc>
-                  <a:txBody>
-                    <a:bodyPr/>
-                    <a:lstStyle/>
-                    <a:p>
-                      <a:endParaRPr lang="en-GB" sz="1400" dirty="0">
-                        <a:latin typeface="+mn-lt"/>
-                      </a:endParaRPr>
-                    </a:p>
-                  </a:txBody>
-                  <a:tcPr anchor="ctr">
-                    <a:lnL w="12700" cap="flat" cmpd="sng" algn="ctr">
-                      <a:solidFill>
-                        <a:schemeClr val="accent2">
-                          <a:lumMod val="75000"/>
-                        </a:schemeClr>
-                      </a:solidFill>
-                      <a:prstDash val="solid"/>
-                      <a:round/>
-                      <a:headEnd type="none" w="med" len="med"/>
-                      <a:tailEnd type="none" w="med" len="med"/>
-                    </a:lnL>
-                    <a:lnR w="12700" cap="flat" cmpd="sng" algn="ctr">
-                      <a:solidFill>
-                        <a:schemeClr val="accent2">
-                          <a:lumMod val="75000"/>
-                        </a:schemeClr>
-                      </a:solidFill>
-                      <a:prstDash val="solid"/>
-                      <a:round/>
-                      <a:headEnd type="none" w="med" len="med"/>
-                      <a:tailEnd type="none" w="med" len="med"/>
-                    </a:lnR>
-                    <a:lnT w="38100" cap="flat" cmpd="sng" algn="ctr">
-                      <a:solidFill>
-                        <a:schemeClr val="accent2">
-                          <a:lumMod val="75000"/>
-                        </a:schemeClr>
-                      </a:solidFill>
-                      <a:prstDash val="solid"/>
-                      <a:round/>
-                      <a:headEnd type="none" w="med" len="med"/>
-                      <a:tailEnd type="none" w="med" len="med"/>
-                    </a:lnT>
-                    <a:lnB w="12700" cap="flat" cmpd="sng" algn="ctr">
-                      <a:solidFill>
-                        <a:schemeClr val="accent2">
-                          <a:lumMod val="75000"/>
-                        </a:schemeClr>
-                      </a:solidFill>
-                      <a:prstDash val="solid"/>
-                      <a:round/>
-                      <a:headEnd type="none" w="med" len="med"/>
-                      <a:tailEnd type="none" w="med" len="med"/>
-                    </a:lnB>
-                    <a:noFill/>
-                  </a:tcPr>
-                </a:tc>
-                <a:tc>
-                  <a:txBody>
-                    <a:bodyPr/>
-                    <a:lstStyle/>
-                    <a:p>
-                      <a:endParaRPr lang="en-GB" sz="1400" dirty="0">
-                        <a:latin typeface="+mn-lt"/>
-                      </a:endParaRPr>
-                    </a:p>
-                  </a:txBody>
-                  <a:tcPr anchor="ctr">
-                    <a:lnL w="12700" cap="flat" cmpd="sng" algn="ctr">
-                      <a:solidFill>
-                        <a:schemeClr val="accent2">
-                          <a:lumMod val="75000"/>
-                        </a:schemeClr>
-                      </a:solidFill>
-                      <a:prstDash val="solid"/>
-                      <a:round/>
-                      <a:headEnd type="none" w="med" len="med"/>
-                      <a:tailEnd type="none" w="med" len="med"/>
-                    </a:lnL>
-                    <a:lnR w="38100" cap="flat" cmpd="sng" algn="ctr">
-                      <a:noFill/>
-                      <a:prstDash val="solid"/>
-                      <a:round/>
-                      <a:headEnd type="none" w="med" len="med"/>
-                      <a:tailEnd type="none" w="med" len="med"/>
-                    </a:lnR>
-                    <a:lnT w="38100" cap="flat" cmpd="sng" algn="ctr">
-                      <a:solidFill>
-                        <a:schemeClr val="accent2">
-                          <a:lumMod val="75000"/>
-                        </a:schemeClr>
-                      </a:solidFill>
-                      <a:prstDash val="solid"/>
-                      <a:round/>
-                      <a:headEnd type="none" w="med" len="med"/>
-                      <a:tailEnd type="none" w="med" len="med"/>
-                    </a:lnT>
-                    <a:lnB w="12700" cap="flat" cmpd="sng" algn="ctr">
-                      <a:solidFill>
-                        <a:schemeClr val="accent2">
-                          <a:lumMod val="75000"/>
-                        </a:schemeClr>
-                      </a:solidFill>
-                      <a:prstDash val="solid"/>
-                      <a:round/>
-                      <a:headEnd type="none" w="med" len="med"/>
-                      <a:tailEnd type="none" w="med" len="med"/>
-                    </a:lnB>
-                    <a:noFill/>
-                  </a:tcPr>
-                </a:tc>
-                <a:extLst>
-                  <a:ext uri="{0D108BD9-81ED-4DB2-BD59-A6C34878D82A}">
-                    <a16:rowId xmlns:a16="http://schemas.microsoft.com/office/drawing/2014/main" val="3446274366"/>
-                  </a:ext>
-                </a:extLst>
-              </a:tr>
-              <a:tr h="548640">
-                <a:tc>
-                  <a:txBody>
-                    <a:bodyPr/>
-                    <a:lstStyle/>
-                    <a:p>
-                      <a:endParaRPr lang="en-GB" sz="1400" dirty="0">
-                        <a:latin typeface="+mn-lt"/>
-                      </a:endParaRPr>
-                    </a:p>
-                  </a:txBody>
-                  <a:tcPr anchor="ctr">
-                    <a:lnL w="38100" cap="flat" cmpd="sng" algn="ctr">
-                      <a:noFill/>
-                      <a:prstDash val="solid"/>
-                      <a:round/>
-                      <a:headEnd type="none" w="med" len="med"/>
-                      <a:tailEnd type="none" w="med" len="med"/>
-                    </a:lnL>
-                    <a:lnR w="12700" cap="flat" cmpd="sng" algn="ctr">
-                      <a:solidFill>
-                        <a:schemeClr val="accent2">
-                          <a:lumMod val="75000"/>
-                        </a:schemeClr>
-                      </a:solidFill>
-                      <a:prstDash val="solid"/>
-                      <a:round/>
-                      <a:headEnd type="none" w="med" len="med"/>
-                      <a:tailEnd type="none" w="med" len="med"/>
-                    </a:lnR>
-                    <a:lnT w="12700" cap="flat" cmpd="sng" algn="ctr">
-                      <a:solidFill>
-                        <a:schemeClr val="accent2">
-                          <a:lumMod val="75000"/>
-                        </a:schemeClr>
-                      </a:solidFill>
-                      <a:prstDash val="solid"/>
-                      <a:round/>
-                      <a:headEnd type="none" w="med" len="med"/>
-                      <a:tailEnd type="none" w="med" len="med"/>
-                    </a:lnT>
-                    <a:lnB w="12700" cap="flat" cmpd="sng" algn="ctr">
-                      <a:solidFill>
-                        <a:schemeClr val="accent2">
-                          <a:lumMod val="75000"/>
-                        </a:schemeClr>
-                      </a:solidFill>
-                      <a:prstDash val="solid"/>
-                      <a:round/>
-                      <a:headEnd type="none" w="med" len="med"/>
-                      <a:tailEnd type="none" w="med" len="med"/>
-                    </a:lnB>
-                    <a:solidFill>
-                      <a:schemeClr val="accent5"/>
-                    </a:solidFill>
-                  </a:tcPr>
-                </a:tc>
-                <a:tc>
-                  <a:txBody>
-                    <a:bodyPr/>
-                    <a:lstStyle/>
-                    <a:p>
-                      <a:endParaRPr lang="en-GB" sz="1400" dirty="0">
-                        <a:latin typeface="+mn-lt"/>
-                      </a:endParaRPr>
-                    </a:p>
-                  </a:txBody>
-                  <a:tcPr anchor="ctr">
-                    <a:lnL w="12700" cap="flat" cmpd="sng" algn="ctr">
-                      <a:solidFill>
-                        <a:schemeClr val="accent2">
-                          <a:lumMod val="75000"/>
-                        </a:schemeClr>
-                      </a:solidFill>
-                      <a:prstDash val="solid"/>
-                      <a:round/>
-                      <a:headEnd type="none" w="med" len="med"/>
-                      <a:tailEnd type="none" w="med" len="med"/>
-                    </a:lnL>
-                    <a:lnR w="12700" cap="flat" cmpd="sng" algn="ctr">
-                      <a:solidFill>
-                        <a:schemeClr val="accent2">
-                          <a:lumMod val="75000"/>
-                        </a:schemeClr>
-                      </a:solidFill>
-                      <a:prstDash val="solid"/>
-                      <a:round/>
-                      <a:headEnd type="none" w="med" len="med"/>
-                      <a:tailEnd type="none" w="med" len="med"/>
-                    </a:lnR>
-                    <a:lnT w="12700" cap="flat" cmpd="sng" algn="ctr">
-                      <a:solidFill>
-                        <a:schemeClr val="accent2">
-                          <a:lumMod val="75000"/>
-                        </a:schemeClr>
-                      </a:solidFill>
-                      <a:prstDash val="solid"/>
-                      <a:round/>
-                      <a:headEnd type="none" w="med" len="med"/>
-                      <a:tailEnd type="none" w="med" len="med"/>
-                    </a:lnT>
-                    <a:lnB w="12700" cap="flat" cmpd="sng" algn="ctr">
-                      <a:solidFill>
-                        <a:schemeClr val="accent2">
-                          <a:lumMod val="75000"/>
-                        </a:schemeClr>
-                      </a:solidFill>
-                      <a:prstDash val="solid"/>
-                      <a:round/>
-                      <a:headEnd type="none" w="med" len="med"/>
-                      <a:tailEnd type="none" w="med" len="med"/>
-                    </a:lnB>
-                    <a:solidFill>
-                      <a:schemeClr val="accent5"/>
-                    </a:solidFill>
-                  </a:tcPr>
-                </a:tc>
-                <a:tc>
-                  <a:txBody>
-                    <a:bodyPr/>
-                    <a:lstStyle/>
-                    <a:p>
-                      <a:endParaRPr lang="en-GB" sz="1400" dirty="0">
-                        <a:latin typeface="+mn-lt"/>
-                      </a:endParaRPr>
-                    </a:p>
-                  </a:txBody>
-                  <a:tcPr anchor="ctr">
-                    <a:lnL w="12700" cap="flat" cmpd="sng" algn="ctr">
-                      <a:solidFill>
-                        <a:schemeClr val="accent2">
-                          <a:lumMod val="75000"/>
-                        </a:schemeClr>
-                      </a:solidFill>
-                      <a:prstDash val="solid"/>
-                      <a:round/>
-                      <a:headEnd type="none" w="med" len="med"/>
-                      <a:tailEnd type="none" w="med" len="med"/>
-                    </a:lnL>
-                    <a:lnR w="12700" cap="flat" cmpd="sng" algn="ctr">
-                      <a:solidFill>
-                        <a:schemeClr val="accent2">
-                          <a:lumMod val="75000"/>
-                        </a:schemeClr>
-                      </a:solidFill>
-                      <a:prstDash val="solid"/>
-                      <a:round/>
-                      <a:headEnd type="none" w="med" len="med"/>
-                      <a:tailEnd type="none" w="med" len="med"/>
-                    </a:lnR>
-                    <a:lnT w="12700" cap="flat" cmpd="sng" algn="ctr">
-                      <a:solidFill>
-                        <a:schemeClr val="accent2">
-                          <a:lumMod val="75000"/>
-                        </a:schemeClr>
-                      </a:solidFill>
-                      <a:prstDash val="solid"/>
-                      <a:round/>
-                      <a:headEnd type="none" w="med" len="med"/>
-                      <a:tailEnd type="none" w="med" len="med"/>
-                    </a:lnT>
-                    <a:lnB w="12700" cap="flat" cmpd="sng" algn="ctr">
-                      <a:solidFill>
-                        <a:schemeClr val="accent2">
-                          <a:lumMod val="75000"/>
-                        </a:schemeClr>
-                      </a:solidFill>
-                      <a:prstDash val="solid"/>
-                      <a:round/>
-                      <a:headEnd type="none" w="med" len="med"/>
-                      <a:tailEnd type="none" w="med" len="med"/>
-                    </a:lnB>
-                    <a:solidFill>
-                      <a:schemeClr val="accent5"/>
-                    </a:solidFill>
-                  </a:tcPr>
-                </a:tc>
-                <a:tc>
-                  <a:txBody>
-                    <a:bodyPr/>
-                    <a:lstStyle/>
-                    <a:p>
-                      <a:endParaRPr lang="en-GB" sz="1400" dirty="0">
-                        <a:latin typeface="+mn-lt"/>
-                      </a:endParaRPr>
-                    </a:p>
-                  </a:txBody>
-                  <a:tcPr anchor="ctr">
-                    <a:lnL w="12700" cap="flat" cmpd="sng" algn="ctr">
-                      <a:solidFill>
-                        <a:schemeClr val="accent2">
-                          <a:lumMod val="75000"/>
-                        </a:schemeClr>
-                      </a:solidFill>
-                      <a:prstDash val="solid"/>
-                      <a:round/>
-                      <a:headEnd type="none" w="med" len="med"/>
-                      <a:tailEnd type="none" w="med" len="med"/>
-                    </a:lnL>
-                    <a:lnR w="38100" cap="flat" cmpd="sng" algn="ctr">
-                      <a:noFill/>
-                      <a:prstDash val="solid"/>
-                      <a:round/>
-                      <a:headEnd type="none" w="med" len="med"/>
-                      <a:tailEnd type="none" w="med" len="med"/>
-                    </a:lnR>
-                    <a:lnT w="12700" cap="flat" cmpd="sng" algn="ctr">
-                      <a:solidFill>
-                        <a:schemeClr val="accent2">
-                          <a:lumMod val="75000"/>
-                        </a:schemeClr>
-                      </a:solidFill>
-                      <a:prstDash val="solid"/>
-                      <a:round/>
-                      <a:headEnd type="none" w="med" len="med"/>
-                      <a:tailEnd type="none" w="med" len="med"/>
-                    </a:lnT>
-                    <a:lnB w="12700" cap="flat" cmpd="sng" algn="ctr">
-                      <a:solidFill>
-                        <a:schemeClr val="accent2">
-                          <a:lumMod val="75000"/>
-                        </a:schemeClr>
-                      </a:solidFill>
-                      <a:prstDash val="solid"/>
-                      <a:round/>
-                      <a:headEnd type="none" w="med" len="med"/>
-                      <a:tailEnd type="none" w="med" len="med"/>
-                    </a:lnB>
-                    <a:solidFill>
-                      <a:schemeClr val="accent5"/>
-                    </a:solidFill>
-                  </a:tcPr>
-                </a:tc>
-                <a:extLst>
-                  <a:ext uri="{0D108BD9-81ED-4DB2-BD59-A6C34878D82A}">
-                    <a16:rowId xmlns:a16="http://schemas.microsoft.com/office/drawing/2014/main" val="1758271508"/>
-                  </a:ext>
-                </a:extLst>
-              </a:tr>
-              <a:tr h="548640">
-                <a:tc>
-                  <a:txBody>
-                    <a:bodyPr/>
-                    <a:lstStyle/>
-                    <a:p>
-                      <a:endParaRPr lang="en-GB" sz="1400" dirty="0">
-                        <a:latin typeface="+mn-lt"/>
-                      </a:endParaRPr>
-                    </a:p>
-                  </a:txBody>
-                  <a:tcPr anchor="ctr">
-                    <a:lnL w="38100" cap="flat" cmpd="sng" algn="ctr">
-                      <a:noFill/>
-                      <a:prstDash val="solid"/>
-                      <a:round/>
-                      <a:headEnd type="none" w="med" len="med"/>
-                      <a:tailEnd type="none" w="med" len="med"/>
-                    </a:lnL>
-                    <a:lnR w="12700" cap="flat" cmpd="sng" algn="ctr">
-                      <a:solidFill>
-                        <a:schemeClr val="accent2">
-                          <a:lumMod val="75000"/>
-                        </a:schemeClr>
-                      </a:solidFill>
-                      <a:prstDash val="solid"/>
-                      <a:round/>
-                      <a:headEnd type="none" w="med" len="med"/>
-                      <a:tailEnd type="none" w="med" len="med"/>
-                    </a:lnR>
-                    <a:lnT w="12700" cap="flat" cmpd="sng" algn="ctr">
-                      <a:solidFill>
-                        <a:schemeClr val="accent2">
-                          <a:lumMod val="75000"/>
-                        </a:schemeClr>
-                      </a:solidFill>
-                      <a:prstDash val="solid"/>
-                      <a:round/>
-                      <a:headEnd type="none" w="med" len="med"/>
-                      <a:tailEnd type="none" w="med" len="med"/>
-                    </a:lnT>
-                    <a:lnB w="12700" cap="flat" cmpd="sng" algn="ctr">
-                      <a:solidFill>
-                        <a:schemeClr val="accent2">
-                          <a:lumMod val="75000"/>
-                        </a:schemeClr>
-                      </a:solidFill>
-                      <a:prstDash val="solid"/>
-                      <a:round/>
-                      <a:headEnd type="none" w="med" len="med"/>
-                      <a:tailEnd type="none" w="med" len="med"/>
-                    </a:lnB>
-                    <a:noFill/>
-                  </a:tcPr>
-                </a:tc>
-                <a:tc>
-                  <a:txBody>
-                    <a:bodyPr/>
-                    <a:lstStyle/>
-                    <a:p>
-                      <a:endParaRPr lang="en-GB" sz="1400" dirty="0">
-                        <a:latin typeface="+mn-lt"/>
-                      </a:endParaRPr>
-                    </a:p>
-                  </a:txBody>
-                  <a:tcPr anchor="ctr">
-                    <a:lnL w="12700" cap="flat" cmpd="sng" algn="ctr">
-                      <a:solidFill>
-                        <a:schemeClr val="accent2">
-                          <a:lumMod val="75000"/>
-                        </a:schemeClr>
-                      </a:solidFill>
-                      <a:prstDash val="solid"/>
-                      <a:round/>
-                      <a:headEnd type="none" w="med" len="med"/>
-                      <a:tailEnd type="none" w="med" len="med"/>
-                    </a:lnL>
-                    <a:lnR w="12700" cap="flat" cmpd="sng" algn="ctr">
-                      <a:solidFill>
-                        <a:schemeClr val="accent2">
-                          <a:lumMod val="75000"/>
-                        </a:schemeClr>
-                      </a:solidFill>
-                      <a:prstDash val="solid"/>
-                      <a:round/>
-                      <a:headEnd type="none" w="med" len="med"/>
-                      <a:tailEnd type="none" w="med" len="med"/>
-                    </a:lnR>
-                    <a:lnT w="12700" cap="flat" cmpd="sng" algn="ctr">
-                      <a:solidFill>
-                        <a:schemeClr val="accent2">
-                          <a:lumMod val="75000"/>
-                        </a:schemeClr>
-                      </a:solidFill>
-                      <a:prstDash val="solid"/>
-                      <a:round/>
-                      <a:headEnd type="none" w="med" len="med"/>
-                      <a:tailEnd type="none" w="med" len="med"/>
-                    </a:lnT>
-                    <a:lnB w="12700" cap="flat" cmpd="sng" algn="ctr">
-                      <a:solidFill>
-                        <a:schemeClr val="accent2">
-                          <a:lumMod val="75000"/>
-                        </a:schemeClr>
-                      </a:solidFill>
-                      <a:prstDash val="solid"/>
-                      <a:round/>
-                      <a:headEnd type="none" w="med" len="med"/>
-                      <a:tailEnd type="none" w="med" len="med"/>
-                    </a:lnB>
-                    <a:noFill/>
-                  </a:tcPr>
-                </a:tc>
-                <a:tc>
-                  <a:txBody>
-                    <a:bodyPr/>
-                    <a:lstStyle/>
-                    <a:p>
-                      <a:endParaRPr lang="en-GB" sz="1400" dirty="0">
-                        <a:latin typeface="+mn-lt"/>
-                      </a:endParaRPr>
-                    </a:p>
-                  </a:txBody>
-                  <a:tcPr anchor="ctr">
-                    <a:lnL w="12700" cap="flat" cmpd="sng" algn="ctr">
-                      <a:solidFill>
-                        <a:schemeClr val="accent2">
-                          <a:lumMod val="75000"/>
-                        </a:schemeClr>
-                      </a:solidFill>
-                      <a:prstDash val="solid"/>
-                      <a:round/>
-                      <a:headEnd type="none" w="med" len="med"/>
-                      <a:tailEnd type="none" w="med" len="med"/>
-                    </a:lnL>
-                    <a:lnR w="12700" cap="flat" cmpd="sng" algn="ctr">
-                      <a:solidFill>
-                        <a:schemeClr val="accent2">
-                          <a:lumMod val="75000"/>
-                        </a:schemeClr>
-                      </a:solidFill>
-                      <a:prstDash val="solid"/>
-                      <a:round/>
-                      <a:headEnd type="none" w="med" len="med"/>
-                      <a:tailEnd type="none" w="med" len="med"/>
-                    </a:lnR>
-                    <a:lnT w="12700" cap="flat" cmpd="sng" algn="ctr">
-                      <a:solidFill>
-                        <a:schemeClr val="accent2">
-                          <a:lumMod val="75000"/>
-                        </a:schemeClr>
-                      </a:solidFill>
-                      <a:prstDash val="solid"/>
-                      <a:round/>
-                      <a:headEnd type="none" w="med" len="med"/>
-                      <a:tailEnd type="none" w="med" len="med"/>
-                    </a:lnT>
-                    <a:lnB w="12700" cap="flat" cmpd="sng" algn="ctr">
-                      <a:solidFill>
-                        <a:schemeClr val="accent2">
-                          <a:lumMod val="75000"/>
-                        </a:schemeClr>
-                      </a:solidFill>
-                      <a:prstDash val="solid"/>
-                      <a:round/>
-                      <a:headEnd type="none" w="med" len="med"/>
-                      <a:tailEnd type="none" w="med" len="med"/>
-                    </a:lnB>
-                    <a:noFill/>
-                  </a:tcPr>
-                </a:tc>
-                <a:tc>
-                  <a:txBody>
-                    <a:bodyPr/>
-                    <a:lstStyle/>
-                    <a:p>
-                      <a:endParaRPr lang="en-GB" sz="1400" dirty="0">
-                        <a:latin typeface="+mn-lt"/>
-                      </a:endParaRPr>
-                    </a:p>
-                  </a:txBody>
-                  <a:tcPr anchor="ctr">
-                    <a:lnL w="12700" cap="flat" cmpd="sng" algn="ctr">
-                      <a:solidFill>
-                        <a:schemeClr val="accent2">
-                          <a:lumMod val="75000"/>
-                        </a:schemeClr>
-                      </a:solidFill>
-                      <a:prstDash val="solid"/>
-                      <a:round/>
-                      <a:headEnd type="none" w="med" len="med"/>
-                      <a:tailEnd type="none" w="med" len="med"/>
-                    </a:lnL>
-                    <a:lnR w="38100" cap="flat" cmpd="sng" algn="ctr">
-                      <a:noFill/>
-                      <a:prstDash val="solid"/>
-                      <a:round/>
-                      <a:headEnd type="none" w="med" len="med"/>
-                      <a:tailEnd type="none" w="med" len="med"/>
-                    </a:lnR>
-                    <a:lnT w="12700" cap="flat" cmpd="sng" algn="ctr">
-                      <a:solidFill>
-                        <a:schemeClr val="accent2">
-                          <a:lumMod val="75000"/>
-                        </a:schemeClr>
-                      </a:solidFill>
-                      <a:prstDash val="solid"/>
-                      <a:round/>
-                      <a:headEnd type="none" w="med" len="med"/>
-                      <a:tailEnd type="none" w="med" len="med"/>
-                    </a:lnT>
-                    <a:lnB w="12700" cap="flat" cmpd="sng" algn="ctr">
-                      <a:solidFill>
-                        <a:schemeClr val="accent2">
-                          <a:lumMod val="75000"/>
-                        </a:schemeClr>
-                      </a:solidFill>
-                      <a:prstDash val="solid"/>
-                      <a:round/>
-                      <a:headEnd type="none" w="med" len="med"/>
-                      <a:tailEnd type="none" w="med" len="med"/>
-                    </a:lnB>
-                    <a:noFill/>
-                  </a:tcPr>
-                </a:tc>
-                <a:extLst>
-                  <a:ext uri="{0D108BD9-81ED-4DB2-BD59-A6C34878D82A}">
-                    <a16:rowId xmlns:a16="http://schemas.microsoft.com/office/drawing/2014/main" val="3736384641"/>
-                  </a:ext>
-                </a:extLst>
-              </a:tr>
-              <a:tr h="548640">
-                <a:tc>
-                  <a:txBody>
-                    <a:bodyPr/>
-                    <a:lstStyle/>
-                    <a:p>
-                      <a:endParaRPr lang="en-GB" sz="1400" dirty="0">
-                        <a:latin typeface="+mn-lt"/>
-                      </a:endParaRPr>
-                    </a:p>
-                  </a:txBody>
-                  <a:tcPr anchor="ctr">
-                    <a:lnL w="38100" cap="flat" cmpd="sng" algn="ctr">
-                      <a:noFill/>
-                      <a:prstDash val="solid"/>
-                      <a:round/>
-                      <a:headEnd type="none" w="med" len="med"/>
-                      <a:tailEnd type="none" w="med" len="med"/>
-                    </a:lnL>
-                    <a:lnR w="12700" cap="flat" cmpd="sng" algn="ctr">
-                      <a:solidFill>
-                        <a:schemeClr val="accent2">
-                          <a:lumMod val="75000"/>
-                        </a:schemeClr>
-                      </a:solidFill>
-                      <a:prstDash val="solid"/>
-                      <a:round/>
-                      <a:headEnd type="none" w="med" len="med"/>
-                      <a:tailEnd type="none" w="med" len="med"/>
-                    </a:lnR>
-                    <a:lnT w="12700" cap="flat" cmpd="sng" algn="ctr">
-                      <a:solidFill>
-                        <a:schemeClr val="accent2">
-                          <a:lumMod val="75000"/>
-                        </a:schemeClr>
-                      </a:solidFill>
-                      <a:prstDash val="solid"/>
-                      <a:round/>
-                      <a:headEnd type="none" w="med" len="med"/>
-                      <a:tailEnd type="none" w="med" len="med"/>
-                    </a:lnT>
-                    <a:lnB w="12700" cap="flat" cmpd="sng" algn="ctr">
-                      <a:solidFill>
-                        <a:schemeClr val="accent2">
-                          <a:lumMod val="75000"/>
-                        </a:schemeClr>
-                      </a:solidFill>
-                      <a:prstDash val="solid"/>
-                      <a:round/>
-                      <a:headEnd type="none" w="med" len="med"/>
-                      <a:tailEnd type="none" w="med" len="med"/>
-                    </a:lnB>
-                    <a:solidFill>
-                      <a:schemeClr val="accent5"/>
-                    </a:solidFill>
-                  </a:tcPr>
-                </a:tc>
-                <a:tc>
-                  <a:txBody>
-                    <a:bodyPr/>
-                    <a:lstStyle/>
-                    <a:p>
-                      <a:endParaRPr lang="en-GB" sz="1400" dirty="0">
-                        <a:latin typeface="+mn-lt"/>
-                      </a:endParaRPr>
-                    </a:p>
-                  </a:txBody>
-                  <a:tcPr anchor="ctr">
-                    <a:lnL w="12700" cap="flat" cmpd="sng" algn="ctr">
-                      <a:solidFill>
-                        <a:schemeClr val="accent2">
-                          <a:lumMod val="75000"/>
-                        </a:schemeClr>
-                      </a:solidFill>
-                      <a:prstDash val="solid"/>
-                      <a:round/>
-                      <a:headEnd type="none" w="med" len="med"/>
-                      <a:tailEnd type="none" w="med" len="med"/>
-                    </a:lnL>
-                    <a:lnR w="12700" cap="flat" cmpd="sng" algn="ctr">
-                      <a:solidFill>
-                        <a:schemeClr val="accent2">
-                          <a:lumMod val="75000"/>
-                        </a:schemeClr>
-                      </a:solidFill>
-                      <a:prstDash val="solid"/>
-                      <a:round/>
-                      <a:headEnd type="none" w="med" len="med"/>
-                      <a:tailEnd type="none" w="med" len="med"/>
-                    </a:lnR>
-                    <a:lnT w="12700" cap="flat" cmpd="sng" algn="ctr">
-                      <a:solidFill>
-                        <a:schemeClr val="accent2">
-                          <a:lumMod val="75000"/>
-                        </a:schemeClr>
-                      </a:solidFill>
-                      <a:prstDash val="solid"/>
-                      <a:round/>
-                      <a:headEnd type="none" w="med" len="med"/>
-                      <a:tailEnd type="none" w="med" len="med"/>
-                    </a:lnT>
-                    <a:lnB w="12700" cap="flat" cmpd="sng" algn="ctr">
-                      <a:solidFill>
-                        <a:schemeClr val="accent2">
-                          <a:lumMod val="75000"/>
-                        </a:schemeClr>
-                      </a:solidFill>
-                      <a:prstDash val="solid"/>
-                      <a:round/>
-                      <a:headEnd type="none" w="med" len="med"/>
-                      <a:tailEnd type="none" w="med" len="med"/>
-                    </a:lnB>
-                    <a:solidFill>
-                      <a:schemeClr val="accent5"/>
-                    </a:solidFill>
-                  </a:tcPr>
-                </a:tc>
-                <a:tc>
-                  <a:txBody>
-                    <a:bodyPr/>
-                    <a:lstStyle/>
-                    <a:p>
-                      <a:endParaRPr lang="en-GB" sz="1400" dirty="0">
-                        <a:latin typeface="+mn-lt"/>
-                      </a:endParaRPr>
-                    </a:p>
-                  </a:txBody>
-                  <a:tcPr anchor="ctr">
-                    <a:lnL w="12700" cap="flat" cmpd="sng" algn="ctr">
-                      <a:solidFill>
-                        <a:schemeClr val="accent2">
-                          <a:lumMod val="75000"/>
-                        </a:schemeClr>
-                      </a:solidFill>
-                      <a:prstDash val="solid"/>
-                      <a:round/>
-                      <a:headEnd type="none" w="med" len="med"/>
-                      <a:tailEnd type="none" w="med" len="med"/>
-                    </a:lnL>
-                    <a:lnR w="12700" cap="flat" cmpd="sng" algn="ctr">
-                      <a:solidFill>
-                        <a:schemeClr val="accent2">
-                          <a:lumMod val="75000"/>
-                        </a:schemeClr>
-                      </a:solidFill>
-                      <a:prstDash val="solid"/>
-                      <a:round/>
-                      <a:headEnd type="none" w="med" len="med"/>
-                      <a:tailEnd type="none" w="med" len="med"/>
-                    </a:lnR>
-                    <a:lnT w="12700" cap="flat" cmpd="sng" algn="ctr">
-                      <a:solidFill>
-                        <a:schemeClr val="accent2">
-                          <a:lumMod val="75000"/>
-                        </a:schemeClr>
-                      </a:solidFill>
-                      <a:prstDash val="solid"/>
-                      <a:round/>
-                      <a:headEnd type="none" w="med" len="med"/>
-                      <a:tailEnd type="none" w="med" len="med"/>
-                    </a:lnT>
-                    <a:lnB w="12700" cap="flat" cmpd="sng" algn="ctr">
-                      <a:solidFill>
-                        <a:schemeClr val="accent2">
-                          <a:lumMod val="75000"/>
-                        </a:schemeClr>
-                      </a:solidFill>
-                      <a:prstDash val="solid"/>
-                      <a:round/>
-                      <a:headEnd type="none" w="med" len="med"/>
-                      <a:tailEnd type="none" w="med" len="med"/>
-                    </a:lnB>
-                    <a:solidFill>
-                      <a:schemeClr val="accent5"/>
-                    </a:solidFill>
-                  </a:tcPr>
-                </a:tc>
-                <a:tc>
-                  <a:txBody>
-                    <a:bodyPr/>
-                    <a:lstStyle/>
-                    <a:p>
-                      <a:endParaRPr lang="en-GB" sz="1400" dirty="0">
-                        <a:latin typeface="+mn-lt"/>
-                      </a:endParaRPr>
-                    </a:p>
-                  </a:txBody>
-                  <a:tcPr anchor="ctr">
-                    <a:lnL w="12700" cap="flat" cmpd="sng" algn="ctr">
-                      <a:solidFill>
-                        <a:schemeClr val="accent2">
-                          <a:lumMod val="75000"/>
-                        </a:schemeClr>
-                      </a:solidFill>
-                      <a:prstDash val="solid"/>
-                      <a:round/>
-                      <a:headEnd type="none" w="med" len="med"/>
-                      <a:tailEnd type="none" w="med" len="med"/>
-                    </a:lnL>
-                    <a:lnR w="38100" cap="flat" cmpd="sng" algn="ctr">
-                      <a:noFill/>
-                      <a:prstDash val="solid"/>
-                      <a:round/>
-                      <a:headEnd type="none" w="med" len="med"/>
-                      <a:tailEnd type="none" w="med" len="med"/>
-                    </a:lnR>
-                    <a:lnT w="12700" cap="flat" cmpd="sng" algn="ctr">
-                      <a:solidFill>
-                        <a:schemeClr val="accent2">
-                          <a:lumMod val="75000"/>
-                        </a:schemeClr>
-                      </a:solidFill>
-                      <a:prstDash val="solid"/>
-                      <a:round/>
-                      <a:headEnd type="none" w="med" len="med"/>
-                      <a:tailEnd type="none" w="med" len="med"/>
-                    </a:lnT>
-                    <a:lnB w="12700" cap="flat" cmpd="sng" algn="ctr">
-                      <a:solidFill>
-                        <a:schemeClr val="accent2">
-                          <a:lumMod val="75000"/>
-                        </a:schemeClr>
-                      </a:solidFill>
-                      <a:prstDash val="solid"/>
-                      <a:round/>
-                      <a:headEnd type="none" w="med" len="med"/>
-                      <a:tailEnd type="none" w="med" len="med"/>
-                    </a:lnB>
-                    <a:solidFill>
-                      <a:schemeClr val="accent5"/>
-                    </a:solidFill>
-                  </a:tcPr>
-                </a:tc>
-                <a:extLst>
-                  <a:ext uri="{0D108BD9-81ED-4DB2-BD59-A6C34878D82A}">
-                    <a16:rowId xmlns:a16="http://schemas.microsoft.com/office/drawing/2014/main" val="3090935587"/>
-                  </a:ext>
-                </a:extLst>
-              </a:tr>
-              <a:tr h="548640">
-                <a:tc>
-                  <a:txBody>
-                    <a:bodyPr/>
-                    <a:lstStyle/>
-                    <a:p>
-                      <a:endParaRPr lang="en-GB" sz="1400" dirty="0">
-                        <a:latin typeface="+mn-lt"/>
-                      </a:endParaRPr>
-                    </a:p>
-                  </a:txBody>
-                  <a:tcPr anchor="ctr">
-                    <a:lnL w="38100" cap="flat" cmpd="sng" algn="ctr">
-                      <a:noFill/>
-                      <a:prstDash val="solid"/>
-                      <a:round/>
-                      <a:headEnd type="none" w="med" len="med"/>
-                      <a:tailEnd type="none" w="med" len="med"/>
-                    </a:lnL>
-                    <a:lnR w="12700" cap="flat" cmpd="sng" algn="ctr">
-                      <a:solidFill>
-                        <a:schemeClr val="accent2">
-                          <a:lumMod val="75000"/>
-                        </a:schemeClr>
-                      </a:solidFill>
-                      <a:prstDash val="solid"/>
-                      <a:round/>
-                      <a:headEnd type="none" w="med" len="med"/>
-                      <a:tailEnd type="none" w="med" len="med"/>
-                    </a:lnR>
-                    <a:lnT w="12700" cap="flat" cmpd="sng" algn="ctr">
-                      <a:solidFill>
-                        <a:schemeClr val="accent2">
-                          <a:lumMod val="75000"/>
-                        </a:schemeClr>
-                      </a:solidFill>
-                      <a:prstDash val="solid"/>
-                      <a:round/>
-                      <a:headEnd type="none" w="med" len="med"/>
-                      <a:tailEnd type="none" w="med" len="med"/>
-                    </a:lnT>
-                    <a:lnB w="12700" cap="flat" cmpd="sng" algn="ctr">
-                      <a:solidFill>
-                        <a:schemeClr val="accent2">
-                          <a:lumMod val="75000"/>
-                        </a:schemeClr>
-                      </a:solidFill>
-                      <a:prstDash val="solid"/>
-                      <a:round/>
-                      <a:headEnd type="none" w="med" len="med"/>
-                      <a:tailEnd type="none" w="med" len="med"/>
-                    </a:lnB>
-                    <a:noFill/>
-                  </a:tcPr>
-                </a:tc>
-                <a:tc>
-                  <a:txBody>
-                    <a:bodyPr/>
-                    <a:lstStyle/>
-                    <a:p>
-                      <a:endParaRPr lang="en-GB" sz="1400" dirty="0">
-                        <a:latin typeface="+mn-lt"/>
-                      </a:endParaRPr>
-                    </a:p>
-                  </a:txBody>
-                  <a:tcPr anchor="ctr">
-                    <a:lnL w="12700" cap="flat" cmpd="sng" algn="ctr">
-                      <a:solidFill>
-                        <a:schemeClr val="accent2">
-                          <a:lumMod val="75000"/>
-                        </a:schemeClr>
-                      </a:solidFill>
-                      <a:prstDash val="solid"/>
-                      <a:round/>
-                      <a:headEnd type="none" w="med" len="med"/>
-                      <a:tailEnd type="none" w="med" len="med"/>
-                    </a:lnL>
-                    <a:lnR w="12700" cap="flat" cmpd="sng" algn="ctr">
-                      <a:solidFill>
-                        <a:schemeClr val="accent2">
-                          <a:lumMod val="75000"/>
-                        </a:schemeClr>
-                      </a:solidFill>
-                      <a:prstDash val="solid"/>
-                      <a:round/>
-                      <a:headEnd type="none" w="med" len="med"/>
-                      <a:tailEnd type="none" w="med" len="med"/>
-                    </a:lnR>
-                    <a:lnT w="12700" cap="flat" cmpd="sng" algn="ctr">
-                      <a:solidFill>
-                        <a:schemeClr val="accent2">
-                          <a:lumMod val="75000"/>
-                        </a:schemeClr>
-                      </a:solidFill>
-                      <a:prstDash val="solid"/>
-                      <a:round/>
-                      <a:headEnd type="none" w="med" len="med"/>
-                      <a:tailEnd type="none" w="med" len="med"/>
-                    </a:lnT>
-                    <a:lnB w="12700" cap="flat" cmpd="sng" algn="ctr">
-                      <a:solidFill>
-                        <a:schemeClr val="accent2">
-                          <a:lumMod val="75000"/>
-                        </a:schemeClr>
-                      </a:solidFill>
-                      <a:prstDash val="solid"/>
-                      <a:round/>
-                      <a:headEnd type="none" w="med" len="med"/>
-                      <a:tailEnd type="none" w="med" len="med"/>
-                    </a:lnB>
-                    <a:noFill/>
-                  </a:tcPr>
-                </a:tc>
-                <a:tc>
-                  <a:txBody>
-                    <a:bodyPr/>
-                    <a:lstStyle/>
-                    <a:p>
-                      <a:endParaRPr lang="en-GB" sz="1400" dirty="0">
-                        <a:latin typeface="+mn-lt"/>
-                      </a:endParaRPr>
-                    </a:p>
-                  </a:txBody>
-                  <a:tcPr anchor="ctr">
-                    <a:lnL w="12700" cap="flat" cmpd="sng" algn="ctr">
-                      <a:solidFill>
-                        <a:schemeClr val="accent2">
-                          <a:lumMod val="75000"/>
-                        </a:schemeClr>
-                      </a:solidFill>
-                      <a:prstDash val="solid"/>
-                      <a:round/>
-                      <a:headEnd type="none" w="med" len="med"/>
-                      <a:tailEnd type="none" w="med" len="med"/>
-                    </a:lnL>
-                    <a:lnR w="12700" cap="flat" cmpd="sng" algn="ctr">
-                      <a:solidFill>
-                        <a:schemeClr val="accent2">
-                          <a:lumMod val="75000"/>
-                        </a:schemeClr>
-                      </a:solidFill>
-                      <a:prstDash val="solid"/>
-                      <a:round/>
-                      <a:headEnd type="none" w="med" len="med"/>
-                      <a:tailEnd type="none" w="med" len="med"/>
-                    </a:lnR>
-                    <a:lnT w="12700" cap="flat" cmpd="sng" algn="ctr">
-                      <a:solidFill>
-                        <a:schemeClr val="accent2">
-                          <a:lumMod val="75000"/>
-                        </a:schemeClr>
-                      </a:solidFill>
-                      <a:prstDash val="solid"/>
-                      <a:round/>
-                      <a:headEnd type="none" w="med" len="med"/>
-                      <a:tailEnd type="none" w="med" len="med"/>
-                    </a:lnT>
-                    <a:lnB w="12700" cap="flat" cmpd="sng" algn="ctr">
-                      <a:solidFill>
-                        <a:schemeClr val="accent2">
-                          <a:lumMod val="75000"/>
-                        </a:schemeClr>
-                      </a:solidFill>
-                      <a:prstDash val="solid"/>
-                      <a:round/>
-                      <a:headEnd type="none" w="med" len="med"/>
-                      <a:tailEnd type="none" w="med" len="med"/>
-                    </a:lnB>
-                    <a:noFill/>
-                  </a:tcPr>
-                </a:tc>
-                <a:tc>
-                  <a:txBody>
-                    <a:bodyPr/>
-                    <a:lstStyle/>
-                    <a:p>
-                      <a:endParaRPr lang="en-GB" sz="1400" dirty="0">
-                        <a:latin typeface="+mn-lt"/>
-                      </a:endParaRPr>
-                    </a:p>
-                  </a:txBody>
-                  <a:tcPr anchor="ctr">
-                    <a:lnL w="12700" cap="flat" cmpd="sng" algn="ctr">
-                      <a:solidFill>
-                        <a:schemeClr val="accent2">
-                          <a:lumMod val="75000"/>
-                        </a:schemeClr>
-                      </a:solidFill>
-                      <a:prstDash val="solid"/>
-                      <a:round/>
-                      <a:headEnd type="none" w="med" len="med"/>
-                      <a:tailEnd type="none" w="med" len="med"/>
-                    </a:lnL>
-                    <a:lnR w="38100" cap="flat" cmpd="sng" algn="ctr">
-                      <a:noFill/>
-                      <a:prstDash val="solid"/>
-                      <a:round/>
-                      <a:headEnd type="none" w="med" len="med"/>
-                      <a:tailEnd type="none" w="med" len="med"/>
-                    </a:lnR>
-                    <a:lnT w="12700" cap="flat" cmpd="sng" algn="ctr">
-                      <a:solidFill>
-                        <a:schemeClr val="accent2">
-                          <a:lumMod val="75000"/>
-                        </a:schemeClr>
-                      </a:solidFill>
-                      <a:prstDash val="solid"/>
-                      <a:round/>
-                      <a:headEnd type="none" w="med" len="med"/>
-                      <a:tailEnd type="none" w="med" len="med"/>
-                    </a:lnT>
-                    <a:lnB w="12700" cap="flat" cmpd="sng" algn="ctr">
-                      <a:solidFill>
-                        <a:schemeClr val="accent2">
-                          <a:lumMod val="75000"/>
-                        </a:schemeClr>
-                      </a:solidFill>
-                      <a:prstDash val="solid"/>
-                      <a:round/>
-                      <a:headEnd type="none" w="med" len="med"/>
-                      <a:tailEnd type="none" w="med" len="med"/>
-                    </a:lnB>
-                    <a:noFill/>
-                  </a:tcPr>
-                </a:tc>
-                <a:extLst>
-                  <a:ext uri="{0D108BD9-81ED-4DB2-BD59-A6C34878D82A}">
-                    <a16:rowId xmlns:a16="http://schemas.microsoft.com/office/drawing/2014/main" val="446909641"/>
-                  </a:ext>
-                </a:extLst>
-              </a:tr>
-              <a:tr h="548640">
-                <a:tc>
-                  <a:txBody>
-                    <a:bodyPr/>
-                    <a:lstStyle/>
-                    <a:p>
-                      <a:endParaRPr lang="en-GB" sz="1400" dirty="0">
-                        <a:latin typeface="+mn-lt"/>
-                      </a:endParaRPr>
-                    </a:p>
-                  </a:txBody>
-                  <a:tcPr anchor="ctr">
-                    <a:lnL w="38100" cap="flat" cmpd="sng" algn="ctr">
-                      <a:noFill/>
-                      <a:prstDash val="solid"/>
-                      <a:round/>
-                      <a:headEnd type="none" w="med" len="med"/>
-                      <a:tailEnd type="none" w="med" len="med"/>
-                    </a:lnL>
-                    <a:lnR w="12700" cap="flat" cmpd="sng" algn="ctr">
-                      <a:solidFill>
-                        <a:schemeClr val="accent2">
-                          <a:lumMod val="75000"/>
-                        </a:schemeClr>
-                      </a:solidFill>
-                      <a:prstDash val="solid"/>
-                      <a:round/>
-                      <a:headEnd type="none" w="med" len="med"/>
-                      <a:tailEnd type="none" w="med" len="med"/>
-                    </a:lnR>
-                    <a:lnT w="12700" cap="flat" cmpd="sng" algn="ctr">
-                      <a:solidFill>
-                        <a:schemeClr val="accent2">
-                          <a:lumMod val="75000"/>
-                        </a:schemeClr>
-                      </a:solidFill>
-                      <a:prstDash val="solid"/>
-                      <a:round/>
-                      <a:headEnd type="none" w="med" len="med"/>
-                      <a:tailEnd type="none" w="med" len="med"/>
-                    </a:lnT>
-                    <a:lnB w="12700" cap="flat" cmpd="sng" algn="ctr">
-                      <a:solidFill>
-                        <a:schemeClr val="accent2">
-                          <a:lumMod val="75000"/>
-                        </a:schemeClr>
-                      </a:solidFill>
-                      <a:prstDash val="solid"/>
-                      <a:round/>
-                      <a:headEnd type="none" w="med" len="med"/>
-                      <a:tailEnd type="none" w="med" len="med"/>
-                    </a:lnB>
-                    <a:solidFill>
-                      <a:schemeClr val="accent5"/>
-                    </a:solidFill>
-                  </a:tcPr>
-                </a:tc>
-                <a:tc>
-                  <a:txBody>
-                    <a:bodyPr/>
-                    <a:lstStyle/>
-                    <a:p>
-                      <a:endParaRPr lang="en-GB" sz="1400" dirty="0">
-                        <a:latin typeface="+mn-lt"/>
-                      </a:endParaRPr>
-                    </a:p>
-                  </a:txBody>
-                  <a:tcPr anchor="ctr">
-                    <a:lnL w="12700" cap="flat" cmpd="sng" algn="ctr">
-                      <a:solidFill>
-                        <a:schemeClr val="accent2">
-                          <a:lumMod val="75000"/>
-                        </a:schemeClr>
-                      </a:solidFill>
-                      <a:prstDash val="solid"/>
-                      <a:round/>
-                      <a:headEnd type="none" w="med" len="med"/>
-                      <a:tailEnd type="none" w="med" len="med"/>
-                    </a:lnL>
-                    <a:lnR w="12700" cap="flat" cmpd="sng" algn="ctr">
-                      <a:solidFill>
-                        <a:schemeClr val="accent2">
-                          <a:lumMod val="75000"/>
-                        </a:schemeClr>
-                      </a:solidFill>
-                      <a:prstDash val="solid"/>
-                      <a:round/>
-                      <a:headEnd type="none" w="med" len="med"/>
-                      <a:tailEnd type="none" w="med" len="med"/>
-                    </a:lnR>
-                    <a:lnT w="12700" cap="flat" cmpd="sng" algn="ctr">
-                      <a:solidFill>
-                        <a:schemeClr val="accent2">
-                          <a:lumMod val="75000"/>
-                        </a:schemeClr>
-                      </a:solidFill>
-                      <a:prstDash val="solid"/>
-                      <a:round/>
-                      <a:headEnd type="none" w="med" len="med"/>
-                      <a:tailEnd type="none" w="med" len="med"/>
-                    </a:lnT>
-                    <a:lnB w="12700" cap="flat" cmpd="sng" algn="ctr">
-                      <a:solidFill>
-                        <a:schemeClr val="accent2">
-                          <a:lumMod val="75000"/>
-                        </a:schemeClr>
-                      </a:solidFill>
-                      <a:prstDash val="solid"/>
-                      <a:round/>
-                      <a:headEnd type="none" w="med" len="med"/>
-                      <a:tailEnd type="none" w="med" len="med"/>
-                    </a:lnB>
-                    <a:solidFill>
-                      <a:schemeClr val="accent5"/>
-                    </a:solidFill>
-                  </a:tcPr>
-                </a:tc>
-                <a:tc>
-                  <a:txBody>
-                    <a:bodyPr/>
-                    <a:lstStyle/>
-                    <a:p>
-                      <a:endParaRPr lang="en-GB" sz="1400" dirty="0">
-                        <a:latin typeface="+mn-lt"/>
-                      </a:endParaRPr>
-                    </a:p>
-                  </a:txBody>
-                  <a:tcPr anchor="ctr">
-                    <a:lnL w="12700" cap="flat" cmpd="sng" algn="ctr">
-                      <a:solidFill>
-                        <a:schemeClr val="accent2">
-                          <a:lumMod val="75000"/>
-                        </a:schemeClr>
-                      </a:solidFill>
-                      <a:prstDash val="solid"/>
-                      <a:round/>
-                      <a:headEnd type="none" w="med" len="med"/>
-                      <a:tailEnd type="none" w="med" len="med"/>
-                    </a:lnL>
-                    <a:lnR w="12700" cap="flat" cmpd="sng" algn="ctr">
-                      <a:solidFill>
-                        <a:schemeClr val="accent2">
-                          <a:lumMod val="75000"/>
-                        </a:schemeClr>
-                      </a:solidFill>
-                      <a:prstDash val="solid"/>
-                      <a:round/>
-                      <a:headEnd type="none" w="med" len="med"/>
-                      <a:tailEnd type="none" w="med" len="med"/>
-                    </a:lnR>
-                    <a:lnT w="12700" cap="flat" cmpd="sng" algn="ctr">
-                      <a:solidFill>
-                        <a:schemeClr val="accent2">
-                          <a:lumMod val="75000"/>
-                        </a:schemeClr>
-                      </a:solidFill>
-                      <a:prstDash val="solid"/>
-                      <a:round/>
-                      <a:headEnd type="none" w="med" len="med"/>
-                      <a:tailEnd type="none" w="med" len="med"/>
-                    </a:lnT>
-                    <a:lnB w="12700" cap="flat" cmpd="sng" algn="ctr">
-                      <a:solidFill>
-                        <a:schemeClr val="accent2">
-                          <a:lumMod val="75000"/>
-                        </a:schemeClr>
-                      </a:solidFill>
-                      <a:prstDash val="solid"/>
-                      <a:round/>
-                      <a:headEnd type="none" w="med" len="med"/>
-                      <a:tailEnd type="none" w="med" len="med"/>
-                    </a:lnB>
-                    <a:solidFill>
-                      <a:schemeClr val="accent5"/>
-                    </a:solidFill>
-                  </a:tcPr>
-                </a:tc>
-                <a:tc>
-                  <a:txBody>
-                    <a:bodyPr/>
-                    <a:lstStyle/>
-                    <a:p>
-                      <a:endParaRPr lang="en-GB" sz="1400" dirty="0">
-                        <a:latin typeface="+mn-lt"/>
-                      </a:endParaRPr>
-                    </a:p>
-                  </a:txBody>
-                  <a:tcPr anchor="ctr">
-                    <a:lnL w="12700" cap="flat" cmpd="sng" algn="ctr">
-                      <a:solidFill>
-                        <a:schemeClr val="accent2">
-                          <a:lumMod val="75000"/>
-                        </a:schemeClr>
-                      </a:solidFill>
-                      <a:prstDash val="solid"/>
-                      <a:round/>
-                      <a:headEnd type="none" w="med" len="med"/>
-                      <a:tailEnd type="none" w="med" len="med"/>
-                    </a:lnL>
-                    <a:lnR w="38100" cap="flat" cmpd="sng" algn="ctr">
-                      <a:noFill/>
-                      <a:prstDash val="solid"/>
-                      <a:round/>
-                      <a:headEnd type="none" w="med" len="med"/>
-                      <a:tailEnd type="none" w="med" len="med"/>
-                    </a:lnR>
-                    <a:lnT w="12700" cap="flat" cmpd="sng" algn="ctr">
-                      <a:solidFill>
-                        <a:schemeClr val="accent2">
-                          <a:lumMod val="75000"/>
-                        </a:schemeClr>
-                      </a:solidFill>
-                      <a:prstDash val="solid"/>
-                      <a:round/>
-                      <a:headEnd type="none" w="med" len="med"/>
-                      <a:tailEnd type="none" w="med" len="med"/>
-                    </a:lnT>
-                    <a:lnB w="12700" cap="flat" cmpd="sng" algn="ctr">
-                      <a:solidFill>
-                        <a:schemeClr val="accent2">
-                          <a:lumMod val="75000"/>
-                        </a:schemeClr>
-                      </a:solidFill>
-                      <a:prstDash val="solid"/>
-                      <a:round/>
-                      <a:headEnd type="none" w="med" len="med"/>
-                      <a:tailEnd type="none" w="med" len="med"/>
-                    </a:lnB>
-                    <a:solidFill>
-                      <a:schemeClr val="accent5"/>
-                    </a:solidFill>
-                  </a:tcPr>
-                </a:tc>
-                <a:extLst>
-                  <a:ext uri="{0D108BD9-81ED-4DB2-BD59-A6C34878D82A}">
-                    <a16:rowId xmlns:a16="http://schemas.microsoft.com/office/drawing/2014/main" val="3472044516"/>
-                  </a:ext>
-                </a:extLst>
-              </a:tr>
-            </a:tbl>
-          </a:graphicData>
-        </a:graphic>
-      </p:graphicFrame>
-      <p:sp>
-        <p:nvSpPr>
-          <p:cNvPr id="2" name="Slide Number Placeholder 1">
-            <a:extLst>
-              <a:ext uri="{FF2B5EF4-FFF2-40B4-BE49-F238E27FC236}">
-                <a16:creationId xmlns:a16="http://schemas.microsoft.com/office/drawing/2014/main" id="{E4398C1C-6656-4A73-A680-62A81CDC27FD}"/>
-              </a:ext>
-            </a:extLst>
-          </p:cNvPr>
-          <p:cNvSpPr>
-            <a:spLocks noGrp="1"/>
+          <p:cNvSpPr txBox="1">
+            <a:spLocks/>
           </p:cNvSpPr>
-          <p:nvPr>
-            <p:ph type="sldNum" sz="quarter" idx="12"/>
-          </p:nvPr>
+          <p:nvPr/>
         </p:nvSpPr>
-        <p:spPr/>
+        <p:spPr>
+          <a:xfrm>
+            <a:off x="4866959" y="4050792"/>
+            <a:ext cx="6171743" cy="2589075"/>
+          </a:xfrm>
+          <a:prstGeom prst="rect">
+            <a:avLst/>
+          </a:prstGeom>
+        </p:spPr>
         <p:txBody>
           <a:bodyPr/>
-          <a:lstStyle/>
+          <a:lstStyle>
+            <a:lvl1pPr marL="228600" indent="-228600" algn="l" defTabSz="914400" rtl="0" eaLnBrk="1" latinLnBrk="0" hangingPunct="1">
+              <a:lnSpc>
+                <a:spcPct val="90000"/>
+              </a:lnSpc>
+              <a:spcBef>
+                <a:spcPts val="1000"/>
+              </a:spcBef>
+              <a:buClr>
+                <a:schemeClr val="accent2"/>
+              </a:buClr>
+              <a:buFont typeface="Arial" panose="020B0604020202020204" pitchFamily="34" charset="0"/>
+              <a:buChar char="•"/>
+              <a:defRPr sz="2800" kern="1200">
+                <a:solidFill>
+                  <a:schemeClr val="tx1"/>
+                </a:solidFill>
+                <a:latin typeface="+mn-lt"/>
+                <a:ea typeface="+mn-ea"/>
+                <a:cs typeface="+mn-cs"/>
+              </a:defRPr>
+            </a:lvl1pPr>
+            <a:lvl2pPr marL="685800" indent="-228600" algn="l" defTabSz="914400" rtl="0" eaLnBrk="1" latinLnBrk="0" hangingPunct="1">
+              <a:lnSpc>
+                <a:spcPct val="90000"/>
+              </a:lnSpc>
+              <a:spcBef>
+                <a:spcPts val="500"/>
+              </a:spcBef>
+              <a:buClr>
+                <a:schemeClr val="accent2"/>
+              </a:buClr>
+              <a:buFont typeface="Arial" panose="020B0604020202020204" pitchFamily="34" charset="0"/>
+              <a:buChar char="•"/>
+              <a:defRPr sz="2400" kern="1200">
+                <a:solidFill>
+                  <a:schemeClr val="tx1"/>
+                </a:solidFill>
+                <a:latin typeface="+mn-lt"/>
+                <a:ea typeface="+mn-ea"/>
+                <a:cs typeface="+mn-cs"/>
+              </a:defRPr>
+            </a:lvl2pPr>
+            <a:lvl3pPr marL="1143000" indent="-228600" algn="l" defTabSz="914400" rtl="0" eaLnBrk="1" latinLnBrk="0" hangingPunct="1">
+              <a:lnSpc>
+                <a:spcPct val="90000"/>
+              </a:lnSpc>
+              <a:spcBef>
+                <a:spcPts val="500"/>
+              </a:spcBef>
+              <a:buClr>
+                <a:schemeClr val="accent2"/>
+              </a:buClr>
+              <a:buFont typeface="Arial" panose="020B0604020202020204" pitchFamily="34" charset="0"/>
+              <a:buChar char="•"/>
+              <a:defRPr sz="2000" kern="1200">
+                <a:solidFill>
+                  <a:schemeClr val="tx1"/>
+                </a:solidFill>
+                <a:latin typeface="+mn-lt"/>
+                <a:ea typeface="+mn-ea"/>
+                <a:cs typeface="+mn-cs"/>
+              </a:defRPr>
+            </a:lvl3pPr>
+            <a:lvl4pPr marL="1600200" indent="-228600" algn="l" defTabSz="914400" rtl="0" eaLnBrk="1" latinLnBrk="0" hangingPunct="1">
+              <a:lnSpc>
+                <a:spcPct val="90000"/>
+              </a:lnSpc>
+              <a:spcBef>
+                <a:spcPts val="500"/>
+              </a:spcBef>
+              <a:buClr>
+                <a:schemeClr val="accent2"/>
+              </a:buClr>
+              <a:buFont typeface="Arial" panose="020B0604020202020204" pitchFamily="34" charset="0"/>
+              <a:buChar char="•"/>
+              <a:defRPr sz="1800" kern="1200">
+                <a:solidFill>
+                  <a:schemeClr val="tx1"/>
+                </a:solidFill>
+                <a:latin typeface="+mn-lt"/>
+                <a:ea typeface="+mn-ea"/>
+                <a:cs typeface="+mn-cs"/>
+              </a:defRPr>
+            </a:lvl4pPr>
+            <a:lvl5pPr marL="2057400" indent="-228600" algn="l" defTabSz="914400" rtl="0" eaLnBrk="1" latinLnBrk="0" hangingPunct="1">
+              <a:lnSpc>
+                <a:spcPct val="90000"/>
+              </a:lnSpc>
+              <a:spcBef>
+                <a:spcPts val="500"/>
+              </a:spcBef>
+              <a:buClr>
+                <a:schemeClr val="accent2"/>
+              </a:buClr>
+              <a:buFont typeface="Arial" panose="020B0604020202020204" pitchFamily="34" charset="0"/>
+              <a:buChar char="•"/>
+              <a:defRPr sz="1800" kern="1200">
+                <a:solidFill>
+                  <a:schemeClr val="tx1"/>
+                </a:solidFill>
+                <a:latin typeface="+mn-lt"/>
+                <a:ea typeface="+mn-ea"/>
+                <a:cs typeface="+mn-cs"/>
+              </a:defRPr>
+            </a:lvl5pPr>
+            <a:lvl6pPr marL="2514600" indent="-228600" algn="l" defTabSz="914400" rtl="0" eaLnBrk="1" latinLnBrk="0" hangingPunct="1">
+              <a:lnSpc>
+                <a:spcPct val="90000"/>
+              </a:lnSpc>
+              <a:spcBef>
+                <a:spcPts val="500"/>
+              </a:spcBef>
+              <a:buFont typeface="Arial" panose="020B0604020202020204" pitchFamily="34" charset="0"/>
+              <a:buChar char="•"/>
+              <a:defRPr sz="1800" kern="1200">
+                <a:solidFill>
+                  <a:schemeClr val="tx1"/>
+                </a:solidFill>
+                <a:latin typeface="+mn-lt"/>
+                <a:ea typeface="+mn-ea"/>
+                <a:cs typeface="+mn-cs"/>
+              </a:defRPr>
+            </a:lvl6pPr>
+            <a:lvl7pPr marL="2971800" indent="-228600" algn="l" defTabSz="914400" rtl="0" eaLnBrk="1" latinLnBrk="0" hangingPunct="1">
+              <a:lnSpc>
+                <a:spcPct val="90000"/>
+              </a:lnSpc>
+              <a:spcBef>
+                <a:spcPts val="500"/>
+              </a:spcBef>
+              <a:buFont typeface="Arial" panose="020B0604020202020204" pitchFamily="34" charset="0"/>
+              <a:buChar char="•"/>
+              <a:defRPr sz="1800" kern="1200">
+                <a:solidFill>
+                  <a:schemeClr val="tx1"/>
+                </a:solidFill>
+                <a:latin typeface="+mn-lt"/>
+                <a:ea typeface="+mn-ea"/>
+                <a:cs typeface="+mn-cs"/>
+              </a:defRPr>
+            </a:lvl7pPr>
+            <a:lvl8pPr marL="3429000" indent="-228600" algn="l" defTabSz="914400" rtl="0" eaLnBrk="1" latinLnBrk="0" hangingPunct="1">
+              <a:lnSpc>
+                <a:spcPct val="90000"/>
+              </a:lnSpc>
+              <a:spcBef>
+                <a:spcPts val="500"/>
+              </a:spcBef>
+              <a:buFont typeface="Arial" panose="020B0604020202020204" pitchFamily="34" charset="0"/>
+              <a:buChar char="•"/>
+              <a:defRPr sz="1800" kern="1200">
+                <a:solidFill>
+                  <a:schemeClr val="tx1"/>
+                </a:solidFill>
+                <a:latin typeface="+mn-lt"/>
+                <a:ea typeface="+mn-ea"/>
+                <a:cs typeface="+mn-cs"/>
+              </a:defRPr>
+            </a:lvl8pPr>
+            <a:lvl9pPr marL="3886200" indent="-228600" algn="l" defTabSz="914400" rtl="0" eaLnBrk="1" latinLnBrk="0" hangingPunct="1">
+              <a:lnSpc>
+                <a:spcPct val="90000"/>
+              </a:lnSpc>
+              <a:spcBef>
+                <a:spcPts val="500"/>
+              </a:spcBef>
+              <a:buFont typeface="Arial" panose="020B0604020202020204" pitchFamily="34" charset="0"/>
+              <a:buChar char="•"/>
+              <a:defRPr sz="1800" kern="1200">
+                <a:solidFill>
+                  <a:schemeClr val="tx1"/>
+                </a:solidFill>
+                <a:latin typeface="+mn-lt"/>
+                <a:ea typeface="+mn-ea"/>
+                <a:cs typeface="+mn-cs"/>
+              </a:defRPr>
+            </a:lvl9pPr>
+          </a:lstStyle>
           <a:p>
-            <a:fld id="{C263D6C4-4840-40CC-AC84-17E24B3B7BDE}" type="slidenum">
-              <a:rPr lang="en-US" smtClean="0"/>
-              <a:pPr/>
-              <a:t>19</a:t>
-            </a:fld>
-            <a:endParaRPr lang="en-US" dirty="0"/>
+            <a:pPr lvl="1" indent="0">
+              <a:buNone/>
+            </a:pPr>
+            <a:endParaRPr lang="en-US" dirty="0" smtClean="0">
+              <a:solidFill>
+                <a:schemeClr val="bg1"/>
+              </a:solidFill>
+            </a:endParaRPr>
           </a:p>
         </p:txBody>
       </p:sp>
     </p:spTree>
     <p:extLst>
       <p:ext uri="{BB962C8B-B14F-4D97-AF65-F5344CB8AC3E}">
-        <p14:creationId xmlns:p14="http://schemas.microsoft.com/office/powerpoint/2010/main" val="1065425595"/>
+        <p14:creationId xmlns:p14="http://schemas.microsoft.com/office/powerpoint/2010/main" val="429771863"/>
       </p:ext>
     </p:extLst>
   </p:cSld>
   <p:clrMapOvr>
     <a:masterClrMapping/>
   </p:clrMapOvr>
-  <mc:AlternateContent xmlns:mc="http://schemas.openxmlformats.org/markup-compatibility/2006">
-    <mc:Choice xmlns:p14="http://schemas.microsoft.com/office/powerpoint/2010/main" Requires="p14">
+  <mc:AlternateContent xmlns:mc="http://schemas.openxmlformats.org/markup-compatibility/2006" xmlns:p14="http://schemas.microsoft.com/office/powerpoint/2010/main">
+    <mc:Choice Requires="p14">
       <p:transition p14:dur="0"/>
     </mc:Choice>
-    <mc:Fallback>
+    <mc:Fallback xmlns="">
       <p:transition/>
     </mc:Fallback>
   </mc:AlternateContent>
@@ -36352,11 +33695,11 @@
   <p:clrMapOvr>
     <a:masterClrMapping/>
   </p:clrMapOvr>
-  <mc:AlternateContent xmlns:mc="http://schemas.openxmlformats.org/markup-compatibility/2006">
-    <mc:Choice xmlns:p14="http://schemas.microsoft.com/office/powerpoint/2010/main" Requires="p14">
+  <mc:AlternateContent xmlns:mc="http://schemas.openxmlformats.org/markup-compatibility/2006" xmlns:p14="http://schemas.microsoft.com/office/powerpoint/2010/main">
+    <mc:Choice Requires="p14">
       <p:transition p14:dur="0"/>
     </mc:Choice>
-    <mc:Fallback>
+    <mc:Fallback xmlns="">
       <p:transition/>
     </mc:Fallback>
   </mc:AlternateContent>
@@ -36371,260 +33714,6 @@
 </file>
 
 <file path=ppt/slides/slide20.xml><?xml version="1.0" encoding="utf-8"?>
-<p:sld xmlns:a="http://schemas.openxmlformats.org/drawingml/2006/main" xmlns:r="http://schemas.openxmlformats.org/officeDocument/2006/relationships" xmlns:p="http://schemas.openxmlformats.org/presentationml/2006/main">
-  <p:cSld>
-    <p:spTree>
-      <p:nvGrpSpPr>
-        <p:cNvPr id="1" name=""/>
-        <p:cNvGrpSpPr/>
-        <p:nvPr/>
-      </p:nvGrpSpPr>
-      <p:grpSpPr>
-        <a:xfrm>
-          <a:off x="0" y="0"/>
-          <a:ext cx="0" cy="0"/>
-          <a:chOff x="0" y="0"/>
-          <a:chExt cx="0" cy="0"/>
-        </a:xfrm>
-      </p:grpSpPr>
-      <p:sp>
-        <p:nvSpPr>
-          <p:cNvPr id="5" name="Title 4">
-            <a:extLst>
-              <a:ext uri="{FF2B5EF4-FFF2-40B4-BE49-F238E27FC236}">
-                <a16:creationId xmlns:a16="http://schemas.microsoft.com/office/drawing/2014/main" id="{201323FB-427E-4A8D-B473-AB0657D8D23B}"/>
-              </a:ext>
-            </a:extLst>
-          </p:cNvPr>
-          <p:cNvSpPr>
-            <a:spLocks noGrp="1"/>
-          </p:cNvSpPr>
-          <p:nvPr>
-            <p:ph type="title"/>
-          </p:nvPr>
-        </p:nvSpPr>
-        <p:spPr/>
-        <p:txBody>
-          <a:bodyPr/>
-          <a:lstStyle/>
-          <a:p>
-            <a:r>
-              <a:rPr lang="en-US" dirty="0"/>
-              <a:t>Chart</a:t>
-            </a:r>
-          </a:p>
-        </p:txBody>
-      </p:sp>
-      <p:graphicFrame>
-        <p:nvGraphicFramePr>
-          <p:cNvPr id="7" name="Chart 6" title="Gross Revenue Placeholder Chart">
-            <a:extLst>
-              <a:ext uri="{FF2B5EF4-FFF2-40B4-BE49-F238E27FC236}">
-                <a16:creationId xmlns:a16="http://schemas.microsoft.com/office/drawing/2014/main" id="{19AEAA04-4840-FB41-B910-5F3570D85F0A}"/>
-              </a:ext>
-            </a:extLst>
-          </p:cNvPr>
-          <p:cNvGraphicFramePr/>
-          <p:nvPr>
-            <p:extLst>
-              <p:ext uri="{D42A27DB-BD31-4B8C-83A1-F6EECF244321}">
-                <p14:modId xmlns:p14="http://schemas.microsoft.com/office/powerpoint/2010/main" val="654825679"/>
-              </p:ext>
-            </p:extLst>
-          </p:nvPr>
-        </p:nvGraphicFramePr>
-        <p:xfrm>
-          <a:off x="1250950" y="1712075"/>
-          <a:ext cx="9690100" cy="4444199"/>
-        </p:xfrm>
-        <a:graphic>
-          <a:graphicData uri="http://schemas.openxmlformats.org/drawingml/2006/chart">
-            <c:chart xmlns:c="http://schemas.openxmlformats.org/drawingml/2006/chart" xmlns:r="http://schemas.openxmlformats.org/officeDocument/2006/relationships" r:id="rId2"/>
-          </a:graphicData>
-        </a:graphic>
-      </p:graphicFrame>
-      <p:sp>
-        <p:nvSpPr>
-          <p:cNvPr id="2" name="Slide Number Placeholder 1">
-            <a:extLst>
-              <a:ext uri="{FF2B5EF4-FFF2-40B4-BE49-F238E27FC236}">
-                <a16:creationId xmlns:a16="http://schemas.microsoft.com/office/drawing/2014/main" id="{E4398C1C-6656-4A73-A680-62A81CDC27FD}"/>
-              </a:ext>
-            </a:extLst>
-          </p:cNvPr>
-          <p:cNvSpPr>
-            <a:spLocks noGrp="1"/>
-          </p:cNvSpPr>
-          <p:nvPr>
-            <p:ph type="sldNum" sz="quarter" idx="12"/>
-          </p:nvPr>
-        </p:nvSpPr>
-        <p:spPr/>
-        <p:txBody>
-          <a:bodyPr/>
-          <a:lstStyle/>
-          <a:p>
-            <a:fld id="{C263D6C4-4840-40CC-AC84-17E24B3B7BDE}" type="slidenum">
-              <a:rPr lang="en-US" smtClean="0"/>
-              <a:pPr/>
-              <a:t>20</a:t>
-            </a:fld>
-            <a:endParaRPr lang="en-US" dirty="0"/>
-          </a:p>
-        </p:txBody>
-      </p:sp>
-    </p:spTree>
-    <p:extLst>
-      <p:ext uri="{BB962C8B-B14F-4D97-AF65-F5344CB8AC3E}">
-        <p14:creationId xmlns:p14="http://schemas.microsoft.com/office/powerpoint/2010/main" val="3322300142"/>
-      </p:ext>
-    </p:extLst>
-  </p:cSld>
-  <p:clrMapOvr>
-    <a:masterClrMapping/>
-  </p:clrMapOvr>
-  <mc:AlternateContent xmlns:mc="http://schemas.openxmlformats.org/markup-compatibility/2006">
-    <mc:Choice xmlns:p14="http://schemas.microsoft.com/office/powerpoint/2010/main" Requires="p14">
-      <p:transition p14:dur="0"/>
-    </mc:Choice>
-    <mc:Fallback>
-      <p:transition/>
-    </mc:Fallback>
-  </mc:AlternateContent>
-  <p:timing>
-    <p:tnLst>
-      <p:par>
-        <p:cTn id="1" dur="indefinite" restart="never" nodeType="tmRoot"/>
-      </p:par>
-    </p:tnLst>
-  </p:timing>
-</p:sld>
-</file>
-
-<file path=ppt/slides/slide21.xml><?xml version="1.0" encoding="utf-8"?>
-<p:sld xmlns:a="http://schemas.openxmlformats.org/drawingml/2006/main" xmlns:r="http://schemas.openxmlformats.org/officeDocument/2006/relationships" xmlns:p="http://schemas.openxmlformats.org/presentationml/2006/main">
-  <p:cSld>
-    <p:spTree>
-      <p:nvGrpSpPr>
-        <p:cNvPr id="1" name=""/>
-        <p:cNvGrpSpPr/>
-        <p:nvPr/>
-      </p:nvGrpSpPr>
-      <p:grpSpPr>
-        <a:xfrm>
-          <a:off x="0" y="0"/>
-          <a:ext cx="0" cy="0"/>
-          <a:chOff x="0" y="0"/>
-          <a:chExt cx="0" cy="0"/>
-        </a:xfrm>
-      </p:grpSpPr>
-      <p:sp>
-        <p:nvSpPr>
-          <p:cNvPr id="6" name="Title 5">
-            <a:extLst>
-              <a:ext uri="{FF2B5EF4-FFF2-40B4-BE49-F238E27FC236}">
-                <a16:creationId xmlns:a16="http://schemas.microsoft.com/office/drawing/2014/main" id="{A4CD37D6-FE32-48E3-A3AD-F07BE6A19FA1}"/>
-              </a:ext>
-            </a:extLst>
-          </p:cNvPr>
-          <p:cNvSpPr>
-            <a:spLocks noGrp="1"/>
-          </p:cNvSpPr>
-          <p:nvPr>
-            <p:ph type="title"/>
-          </p:nvPr>
-        </p:nvSpPr>
-        <p:spPr>
-          <a:xfrm>
-            <a:off x="533399" y="3200400"/>
-            <a:ext cx="7551057" cy="2859313"/>
-          </a:xfrm>
-        </p:spPr>
-        <p:txBody>
-          <a:bodyPr/>
-          <a:lstStyle/>
-          <a:p>
-            <a:r>
-              <a:rPr lang="en-US" dirty="0"/>
-              <a:t>Quote appears here </a:t>
-            </a:r>
-            <a:br>
-              <a:rPr lang="en-US" dirty="0"/>
-            </a:br>
-            <a:r>
-              <a:rPr lang="en-US" dirty="0"/>
-              <a:t>Lorem ipsum dolor sit amet, consectetuer adipiscing elit.” </a:t>
-            </a:r>
-            <a:br>
-              <a:rPr lang="en-US" dirty="0"/>
-            </a:br>
-            <a:r>
-              <a:rPr lang="en-US" sz="2400" dirty="0"/>
-              <a:t>- Author</a:t>
-            </a:r>
-            <a:endParaRPr lang="en-US" dirty="0"/>
-          </a:p>
-        </p:txBody>
-      </p:sp>
-      <p:sp>
-        <p:nvSpPr>
-          <p:cNvPr id="2" name="Slide Number Placeholder 1">
-            <a:extLst>
-              <a:ext uri="{FF2B5EF4-FFF2-40B4-BE49-F238E27FC236}">
-                <a16:creationId xmlns:a16="http://schemas.microsoft.com/office/drawing/2014/main" id="{8EDC7217-2779-44E0-9E6D-3B3879516A1D}"/>
-              </a:ext>
-            </a:extLst>
-          </p:cNvPr>
-          <p:cNvSpPr>
-            <a:spLocks noGrp="1"/>
-          </p:cNvSpPr>
-          <p:nvPr>
-            <p:ph type="sldNum" sz="quarter" idx="12"/>
-          </p:nvPr>
-        </p:nvSpPr>
-        <p:spPr/>
-        <p:txBody>
-          <a:bodyPr/>
-          <a:lstStyle/>
-          <a:p>
-            <a:fld id="{C263D6C4-4840-40CC-AC84-17E24B3B7BDE}" type="slidenum">
-              <a:rPr lang="en-US" smtClean="0"/>
-              <a:pPr/>
-              <a:t>21</a:t>
-            </a:fld>
-            <a:endParaRPr lang="en-US" dirty="0"/>
-          </a:p>
-        </p:txBody>
-      </p:sp>
-    </p:spTree>
-    <p:extLst>
-      <p:ext uri="{BB962C8B-B14F-4D97-AF65-F5344CB8AC3E}">
-        <p14:creationId xmlns:p14="http://schemas.microsoft.com/office/powerpoint/2010/main" val="914134537"/>
-      </p:ext>
-    </p:extLst>
-  </p:cSld>
-  <p:clrMapOvr>
-    <a:masterClrMapping/>
-  </p:clrMapOvr>
-  <mc:AlternateContent xmlns:mc="http://schemas.openxmlformats.org/markup-compatibility/2006">
-    <mc:Choice xmlns:p14="http://schemas.microsoft.com/office/powerpoint/2010/main" Requires="p14">
-      <p:transition p14:dur="0"/>
-    </mc:Choice>
-    <mc:Fallback>
-      <p:transition/>
-    </mc:Fallback>
-  </mc:AlternateContent>
-  <p:timing>
-    <p:tnLst>
-      <p:par>
-        <p:cTn id="1" dur="indefinite" restart="never" nodeType="tmRoot"/>
-      </p:par>
-    </p:tnLst>
-  </p:timing>
-</p:sld>
-</file>
-
-<file path=ppt/slides/slide22.xml><?xml version="1.0" encoding="utf-8"?>
 <p:sld xmlns:a="http://schemas.openxmlformats.org/drawingml/2006/main" xmlns:r="http://schemas.openxmlformats.org/officeDocument/2006/relationships" xmlns:p="http://schemas.openxmlformats.org/presentationml/2006/main">
   <p:cSld>
     <p:spTree>
@@ -36663,87 +33752,43 @@
           <a:lstStyle/>
           <a:p>
             <a:r>
-              <a:rPr lang="en-US" dirty="0"/>
-              <a:t>Thank You 1</a:t>
+              <a:rPr lang="en-US" dirty="0" smtClean="0"/>
+              <a:t>Thank You!</a:t>
             </a:r>
             <a:endParaRPr lang="en-GB" dirty="0"/>
           </a:p>
         </p:txBody>
       </p:sp>
-    </p:spTree>
-    <p:extLst>
-      <p:ext uri="{BB962C8B-B14F-4D97-AF65-F5344CB8AC3E}">
-        <p14:creationId xmlns:p14="http://schemas.microsoft.com/office/powerpoint/2010/main" val="429771863"/>
-      </p:ext>
-    </p:extLst>
-  </p:cSld>
-  <p:clrMapOvr>
-    <a:masterClrMapping/>
-  </p:clrMapOvr>
-  <mc:AlternateContent xmlns:mc="http://schemas.openxmlformats.org/markup-compatibility/2006">
-    <mc:Choice xmlns:p14="http://schemas.microsoft.com/office/powerpoint/2010/main" Requires="p14">
-      <p:transition p14:dur="0"/>
-    </mc:Choice>
-    <mc:Fallback>
-      <p:transition/>
-    </mc:Fallback>
-  </mc:AlternateContent>
-  <p:timing>
-    <p:tnLst>
-      <p:par>
-        <p:cTn id="1" dur="indefinite" restart="never" nodeType="tmRoot"/>
-      </p:par>
-    </p:tnLst>
-  </p:timing>
-</p:sld>
-</file>
-
-<file path=ppt/slides/slide23.xml><?xml version="1.0" encoding="utf-8"?>
-<p:sld xmlns:a="http://schemas.openxmlformats.org/drawingml/2006/main" xmlns:r="http://schemas.openxmlformats.org/officeDocument/2006/relationships" xmlns:p="http://schemas.openxmlformats.org/presentationml/2006/main">
-  <p:cSld>
-    <p:spTree>
-      <p:nvGrpSpPr>
-        <p:cNvPr id="1" name=""/>
-        <p:cNvGrpSpPr/>
-        <p:nvPr/>
-      </p:nvGrpSpPr>
-      <p:grpSpPr>
-        <a:xfrm>
-          <a:off x="0" y="0"/>
-          <a:ext cx="0" cy="0"/>
-          <a:chOff x="0" y="0"/>
-          <a:chExt cx="0" cy="0"/>
-        </a:xfrm>
-      </p:grpSpPr>
-      <p:sp>
-        <p:nvSpPr>
-          <p:cNvPr id="2" name="Title 1">
+      <p:pic>
+        <p:nvPicPr>
+          <p:cNvPr id="3" name="Picture 2"/>
+          <p:cNvPicPr>
+            <a:picLocks noChangeAspect="1"/>
+          </p:cNvPicPr>
+          <p:nvPr/>
+        </p:nvPicPr>
+        <p:blipFill>
+          <a:blip r:embed="rId2">
             <a:extLst>
-              <a:ext uri="{FF2B5EF4-FFF2-40B4-BE49-F238E27FC236}">
-                <a16:creationId xmlns:a16="http://schemas.microsoft.com/office/drawing/2014/main" id="{632BE5BF-9922-45FB-8F3F-4446D40A051B}"/>
+              <a:ext uri="{28A0092B-C50C-407E-A947-70E740481C1C}">
+                <a14:useLocalDpi xmlns:a14="http://schemas.microsoft.com/office/drawing/2010/main" val="0"/>
               </a:ext>
             </a:extLst>
-          </p:cNvPr>
-          <p:cNvSpPr>
-            <a:spLocks noGrp="1"/>
-          </p:cNvSpPr>
-          <p:nvPr>
-            <p:ph type="ctrTitle"/>
-          </p:nvPr>
-        </p:nvSpPr>
-        <p:spPr/>
-        <p:txBody>
-          <a:bodyPr/>
-          <a:lstStyle/>
-          <a:p>
-            <a:r>
-              <a:rPr lang="en-US" dirty="0"/>
-              <a:t>Thank You 2</a:t>
-            </a:r>
-            <a:endParaRPr lang="en-GB" dirty="0"/>
-          </a:p>
-        </p:txBody>
-      </p:sp>
+          </a:blip>
+          <a:stretch>
+            <a:fillRect/>
+          </a:stretch>
+        </p:blipFill>
+        <p:spPr>
+          <a:xfrm>
+            <a:off x="9737129" y="5298213"/>
+            <a:ext cx="2883243" cy="1559787"/>
+          </a:xfrm>
+          <a:prstGeom prst="rect">
+            <a:avLst/>
+          </a:prstGeom>
+        </p:spPr>
+      </p:pic>
     </p:spTree>
     <p:extLst>
       <p:ext uri="{BB962C8B-B14F-4D97-AF65-F5344CB8AC3E}">
@@ -36754,151 +33799,11 @@
   <p:clrMapOvr>
     <a:masterClrMapping/>
   </p:clrMapOvr>
-  <mc:AlternateContent xmlns:mc="http://schemas.openxmlformats.org/markup-compatibility/2006">
-    <mc:Choice xmlns:p14="http://schemas.microsoft.com/office/powerpoint/2010/main" Requires="p14">
+  <mc:AlternateContent xmlns:mc="http://schemas.openxmlformats.org/markup-compatibility/2006" xmlns:p14="http://schemas.microsoft.com/office/powerpoint/2010/main">
+    <mc:Choice Requires="p14">
       <p:transition p14:dur="0"/>
     </mc:Choice>
-    <mc:Fallback>
-      <p:transition/>
-    </mc:Fallback>
-  </mc:AlternateContent>
-  <p:timing>
-    <p:tnLst>
-      <p:par>
-        <p:cTn id="1" dur="indefinite" restart="never" nodeType="tmRoot"/>
-      </p:par>
-    </p:tnLst>
-  </p:timing>
-</p:sld>
-</file>
-
-<file path=ppt/slides/slide24.xml><?xml version="1.0" encoding="utf-8"?>
-<p:sld xmlns:a="http://schemas.openxmlformats.org/drawingml/2006/main" xmlns:r="http://schemas.openxmlformats.org/officeDocument/2006/relationships" xmlns:p="http://schemas.openxmlformats.org/presentationml/2006/main">
-  <p:cSld>
-    <p:spTree>
-      <p:nvGrpSpPr>
-        <p:cNvPr id="1" name=""/>
-        <p:cNvGrpSpPr/>
-        <p:nvPr/>
-      </p:nvGrpSpPr>
-      <p:grpSpPr>
-        <a:xfrm>
-          <a:off x="0" y="0"/>
-          <a:ext cx="0" cy="0"/>
-          <a:chOff x="0" y="0"/>
-          <a:chExt cx="0" cy="0"/>
-        </a:xfrm>
-      </p:grpSpPr>
-      <p:sp>
-        <p:nvSpPr>
-          <p:cNvPr id="4" name="Title 3">
-            <a:extLst>
-              <a:ext uri="{FF2B5EF4-FFF2-40B4-BE49-F238E27FC236}">
-                <a16:creationId xmlns:a16="http://schemas.microsoft.com/office/drawing/2014/main" id="{E98DCA46-603B-4178-8707-30E192CE6B8D}"/>
-              </a:ext>
-            </a:extLst>
-          </p:cNvPr>
-          <p:cNvSpPr>
-            <a:spLocks noGrp="1"/>
-          </p:cNvSpPr>
-          <p:nvPr>
-            <p:ph type="title"/>
-          </p:nvPr>
-        </p:nvSpPr>
-        <p:spPr/>
-        <p:txBody>
-          <a:bodyPr/>
-          <a:lstStyle/>
-          <a:p>
-            <a:r>
-              <a:rPr lang="en-US" dirty="0"/>
-              <a:t>Customize this Template</a:t>
-            </a:r>
-          </a:p>
-        </p:txBody>
-      </p:sp>
-      <p:sp>
-        <p:nvSpPr>
-          <p:cNvPr id="2" name="Slide Number Placeholder 1">
-            <a:extLst>
-              <a:ext uri="{FF2B5EF4-FFF2-40B4-BE49-F238E27FC236}">
-                <a16:creationId xmlns:a16="http://schemas.microsoft.com/office/drawing/2014/main" id="{6D90B5C6-1CB0-445E-99D1-8E2FE8C59B50}"/>
-              </a:ext>
-            </a:extLst>
-          </p:cNvPr>
-          <p:cNvSpPr>
-            <a:spLocks noGrp="1"/>
-          </p:cNvSpPr>
-          <p:nvPr>
-            <p:ph type="sldNum" sz="quarter" idx="12"/>
-          </p:nvPr>
-        </p:nvSpPr>
-        <p:spPr/>
-        <p:txBody>
-          <a:bodyPr/>
-          <a:lstStyle/>
-          <a:p>
-            <a:fld id="{C263D6C4-4840-40CC-AC84-17E24B3B7BDE}" type="slidenum">
-              <a:rPr lang="en-US" smtClean="0"/>
-              <a:pPr/>
-              <a:t>24</a:t>
-            </a:fld>
-            <a:endParaRPr lang="en-US" dirty="0"/>
-          </a:p>
-        </p:txBody>
-      </p:sp>
-      <p:sp>
-        <p:nvSpPr>
-          <p:cNvPr id="3" name="Text Placeholder 2">
-            <a:extLst>
-              <a:ext uri="{FF2B5EF4-FFF2-40B4-BE49-F238E27FC236}">
-                <a16:creationId xmlns:a16="http://schemas.microsoft.com/office/drawing/2014/main" id="{06554A61-D199-469B-AB0C-B68F82B5059F}"/>
-              </a:ext>
-            </a:extLst>
-          </p:cNvPr>
-          <p:cNvSpPr>
-            <a:spLocks noGrp="1"/>
-          </p:cNvSpPr>
-          <p:nvPr>
-            <p:ph type="body" sz="quarter" idx="13"/>
-          </p:nvPr>
-        </p:nvSpPr>
-        <p:spPr/>
-        <p:txBody>
-          <a:bodyPr/>
-          <a:lstStyle/>
-          <a:p>
-            <a:r>
-              <a:rPr lang="en-US" u="sng" dirty="0">
-                <a:hlinkClick r:id="rId2">
-                  <a:extLst>
-                    <a:ext uri="{A12FA001-AC4F-418D-AE19-62706E023703}">
-                      <ahyp:hlinkClr xmlns:ahyp="http://schemas.microsoft.com/office/drawing/2018/hyperlinkcolor" xmlns="" val="tx"/>
-                    </a:ext>
-                  </a:extLst>
-                </a:hlinkClick>
-              </a:rPr>
-              <a:t>Template Editing Instructions and Feedback</a:t>
-            </a:r>
-            <a:endParaRPr lang="en-US" u="sng" dirty="0"/>
-          </a:p>
-        </p:txBody>
-      </p:sp>
-    </p:spTree>
-    <p:extLst>
-      <p:ext uri="{BB962C8B-B14F-4D97-AF65-F5344CB8AC3E}">
-        <p14:creationId xmlns:p14="http://schemas.microsoft.com/office/powerpoint/2010/main" val="59582380"/>
-      </p:ext>
-    </p:extLst>
-  </p:cSld>
-  <p:clrMapOvr>
-    <a:masterClrMapping/>
-  </p:clrMapOvr>
-  <mc:AlternateContent xmlns:mc="http://schemas.openxmlformats.org/markup-compatibility/2006">
-    <mc:Choice xmlns:p14="http://schemas.microsoft.com/office/powerpoint/2010/main" Requires="p14">
-      <p:transition p14:dur="0"/>
-    </mc:Choice>
-    <mc:Fallback>
+    <mc:Fallback xmlns="">
       <p:transition/>
     </mc:Fallback>
   </mc:AlternateContent>
@@ -37027,11 +33932,11 @@
   <p:clrMapOvr>
     <a:masterClrMapping/>
   </p:clrMapOvr>
-  <mc:AlternateContent xmlns:mc="http://schemas.openxmlformats.org/markup-compatibility/2006">
-    <mc:Choice xmlns:p14="http://schemas.microsoft.com/office/powerpoint/2010/main" Requires="p14">
+  <mc:AlternateContent xmlns:mc="http://schemas.openxmlformats.org/markup-compatibility/2006" xmlns:p14="http://schemas.microsoft.com/office/powerpoint/2010/main">
+    <mc:Choice Requires="p14">
       <p:transition p14:dur="0"/>
     </mc:Choice>
-    <mc:Fallback>
+    <mc:Fallback xmlns="">
       <p:transition/>
     </mc:Fallback>
   </mc:AlternateContent>
@@ -37219,11 +34124,11 @@
   <p:clrMapOvr>
     <a:masterClrMapping/>
   </p:clrMapOvr>
-  <mc:AlternateContent xmlns:mc="http://schemas.openxmlformats.org/markup-compatibility/2006">
-    <mc:Choice xmlns:p14="http://schemas.microsoft.com/office/powerpoint/2010/main" Requires="p14">
+  <mc:AlternateContent xmlns:mc="http://schemas.openxmlformats.org/markup-compatibility/2006" xmlns:p14="http://schemas.microsoft.com/office/powerpoint/2010/main">
+    <mc:Choice Requires="p14">
       <p:transition p14:dur="0"/>
     </mc:Choice>
-    <mc:Fallback>
+    <mc:Fallback xmlns="">
       <p:transition/>
     </mc:Fallback>
   </mc:AlternateContent>
@@ -37538,11 +34443,11 @@
   <p:clrMapOvr>
     <a:masterClrMapping/>
   </p:clrMapOvr>
-  <mc:AlternateContent xmlns:mc="http://schemas.openxmlformats.org/markup-compatibility/2006">
-    <mc:Choice xmlns:p14="http://schemas.microsoft.com/office/powerpoint/2010/main" Requires="p14">
+  <mc:AlternateContent xmlns:mc="http://schemas.openxmlformats.org/markup-compatibility/2006" xmlns:p14="http://schemas.microsoft.com/office/powerpoint/2010/main">
+    <mc:Choice Requires="p14">
       <p:transition p14:dur="0"/>
     </mc:Choice>
-    <mc:Fallback>
+    <mc:Fallback xmlns="">
       <p:transition/>
     </mc:Fallback>
   </mc:AlternateContent>
@@ -37744,11 +34649,11 @@
   <p:clrMapOvr>
     <a:masterClrMapping/>
   </p:clrMapOvr>
-  <mc:AlternateContent xmlns:mc="http://schemas.openxmlformats.org/markup-compatibility/2006">
-    <mc:Choice xmlns:p14="http://schemas.microsoft.com/office/powerpoint/2010/main" Requires="p14">
+  <mc:AlternateContent xmlns:mc="http://schemas.openxmlformats.org/markup-compatibility/2006" xmlns:p14="http://schemas.microsoft.com/office/powerpoint/2010/main">
+    <mc:Choice Requires="p14">
       <p:transition p14:dur="0"/>
     </mc:Choice>
-    <mc:Fallback>
+    <mc:Fallback xmlns="">
       <p:transition/>
     </mc:Fallback>
   </mc:AlternateContent>
@@ -38087,11 +34992,11 @@
   <p:clrMapOvr>
     <a:masterClrMapping/>
   </p:clrMapOvr>
-  <mc:AlternateContent xmlns:mc="http://schemas.openxmlformats.org/markup-compatibility/2006">
-    <mc:Choice xmlns:p14="http://schemas.microsoft.com/office/powerpoint/2010/main" Requires="p14">
+  <mc:AlternateContent xmlns:mc="http://schemas.openxmlformats.org/markup-compatibility/2006" xmlns:p14="http://schemas.microsoft.com/office/powerpoint/2010/main">
+    <mc:Choice Requires="p14">
       <p:transition p14:dur="0"/>
     </mc:Choice>
-    <mc:Fallback>
+    <mc:Fallback xmlns="">
       <p:transition/>
     </mc:Fallback>
   </mc:AlternateContent>
@@ -38325,11 +35230,11 @@
   <p:clrMapOvr>
     <a:masterClrMapping/>
   </p:clrMapOvr>
-  <mc:AlternateContent xmlns:mc="http://schemas.openxmlformats.org/markup-compatibility/2006">
-    <mc:Choice xmlns:p14="http://schemas.microsoft.com/office/powerpoint/2010/main" Requires="p14">
+  <mc:AlternateContent xmlns:mc="http://schemas.openxmlformats.org/markup-compatibility/2006" xmlns:p14="http://schemas.microsoft.com/office/powerpoint/2010/main">
+    <mc:Choice Requires="p14">
       <p:transition p14:dur="0"/>
     </mc:Choice>
-    <mc:Fallback>
+    <mc:Fallback xmlns="">
       <p:transition/>
     </mc:Fallback>
   </mc:AlternateContent>
@@ -38462,7 +35367,6 @@
               <a:rPr lang="en-GB" dirty="0" smtClean="0"/>
               <a:t>Native Performance</a:t>
             </a:r>
-            <a:endParaRPr lang="en-GB" dirty="0" smtClean="0"/>
           </a:p>
           <a:p>
             <a:pPr marL="285750" indent="-285750">
@@ -38591,11 +35495,11 @@
   <p:clrMapOvr>
     <a:masterClrMapping/>
   </p:clrMapOvr>
-  <mc:AlternateContent xmlns:mc="http://schemas.openxmlformats.org/markup-compatibility/2006">
-    <mc:Choice xmlns:p14="http://schemas.microsoft.com/office/powerpoint/2010/main" Requires="p14">
+  <mc:AlternateContent xmlns:mc="http://schemas.openxmlformats.org/markup-compatibility/2006" xmlns:p14="http://schemas.microsoft.com/office/powerpoint/2010/main">
+    <mc:Choice Requires="p14">
       <p:transition p14:dur="0"/>
     </mc:Choice>
-    <mc:Fallback>
+    <mc:Fallback xmlns="">
       <p:transition/>
     </mc:Fallback>
   </mc:AlternateContent>
@@ -39401,15 +36305,6 @@
 </file>
 
 <file path=customXml/item1.xml><?xml version="1.0" encoding="utf-8"?>
-<?mso-contentType ?>
-<FormTemplates xmlns="http://schemas.microsoft.com/sharepoint/v3/contenttype/forms">
-  <Display>DocumentLibraryForm</Display>
-  <Edit>DocumentLibraryForm</Edit>
-  <New>DocumentLibraryForm</New>
-</FormTemplates>
-</file>
-
-<file path=customXml/item2.xml><?xml version="1.0" encoding="utf-8"?>
 <ct:contentTypeSchema xmlns:ct="http://schemas.microsoft.com/office/2006/metadata/contentType" xmlns:ma="http://schemas.microsoft.com/office/2006/metadata/properties/metaAttributes" ct:_="" ma:_="" ma:contentTypeName="Document" ma:contentTypeID="0x01010079F111ED35F8CC479449609E8A0923A6" ma:contentTypeVersion="11" ma:contentTypeDescription="Create a new document." ma:contentTypeScope="" ma:versionID="96291512c1ee715ab617f4c07df79fc1">
   <xsd:schema xmlns:xsd="http://www.w3.org/2001/XMLSchema" xmlns:xs="http://www.w3.org/2001/XMLSchema" xmlns:p="http://schemas.microsoft.com/office/2006/metadata/properties" xmlns:ns2="71af3243-3dd4-4a8d-8c0d-dd76da1f02a5" xmlns:ns3="16c05727-aa75-4e4a-9b5f-8a80a1165891" targetNamespace="http://schemas.microsoft.com/office/2006/metadata/properties" ma:root="true" ma:fieldsID="8256c27c40ca5c40ce1cf6c44f0205df" ns2:_="" ns3:_="">
     <xsd:import namespace="71af3243-3dd4-4a8d-8c0d-dd76da1f02a5"/>
@@ -39620,6 +36515,15 @@
 </ct:contentTypeSchema>
 </file>
 
+<file path=customXml/item2.xml><?xml version="1.0" encoding="utf-8"?>
+<?mso-contentType ?>
+<FormTemplates xmlns="http://schemas.microsoft.com/sharepoint/v3/contenttype/forms">
+  <Display>DocumentLibraryForm</Display>
+  <Edit>DocumentLibraryForm</Edit>
+  <New>DocumentLibraryForm</New>
+</FormTemplates>
+</file>
+
 <file path=customXml/item3.xml><?xml version="1.0" encoding="utf-8"?>
 <p:properties xmlns:p="http://schemas.microsoft.com/office/2006/metadata/properties" xmlns:xsi="http://www.w3.org/2001/XMLSchema-instance" xmlns:pc="http://schemas.microsoft.com/office/infopath/2007/PartnerControls">
   <documentManagement>
@@ -39629,14 +36533,6 @@
 </file>
 
 <file path=customXml/itemProps1.xml><?xml version="1.0" encoding="utf-8"?>
-<ds:datastoreItem xmlns:ds="http://schemas.openxmlformats.org/officeDocument/2006/customXml" ds:itemID="{5B26E0C9-B2AA-42E6-97B6-E1B7D9EAF129}">
-  <ds:schemaRefs>
-    <ds:schemaRef ds:uri="http://schemas.microsoft.com/sharepoint/v3/contenttype/forms"/>
-  </ds:schemaRefs>
-</ds:datastoreItem>
-</file>
-
-<file path=customXml/itemProps2.xml><?xml version="1.0" encoding="utf-8"?>
 <ds:datastoreItem xmlns:ds="http://schemas.openxmlformats.org/officeDocument/2006/customXml" ds:itemID="{4C103400-4A22-4E35-B588-4C4D42638959}">
   <ds:schemaRefs>
     <ds:schemaRef ds:uri="http://schemas.microsoft.com/office/2006/metadata/contentType"/>
@@ -39651,6 +36547,14 @@
     <ds:schemaRef ds:uri="http://purl.org/dc/elements/1.1/"/>
     <ds:schemaRef ds:uri="http://purl.org/dc/terms/"/>
     <ds:schemaRef ds:uri="http://schemas.microsoft.com/internal/obd"/>
+  </ds:schemaRefs>
+</ds:datastoreItem>
+</file>
+
+<file path=customXml/itemProps2.xml><?xml version="1.0" encoding="utf-8"?>
+<ds:datastoreItem xmlns:ds="http://schemas.openxmlformats.org/officeDocument/2006/customXml" ds:itemID="{5B26E0C9-B2AA-42E6-97B6-E1B7D9EAF129}">
+  <ds:schemaRefs>
+    <ds:schemaRef ds:uri="http://schemas.microsoft.com/sharepoint/v3/contenttype/forms"/>
   </ds:schemaRefs>
 </ds:datastoreItem>
 </file>

--- a/Seminar/Native Application Development Using Flutter.pptx
+++ b/Seminar/Native Application Development Using Flutter.pptx
@@ -11,8 +11,8 @@
     <p:handoutMasterId r:id="rId26"/>
   </p:handoutMasterIdLst>
   <p:sldIdLst>
-    <p:sldId id="256" r:id="rId5"/>
-    <p:sldId id="257" r:id="rId6"/>
+    <p:sldId id="297" r:id="rId5"/>
+    <p:sldId id="298" r:id="rId6"/>
     <p:sldId id="260" r:id="rId7"/>
     <p:sldId id="258" r:id="rId8"/>
     <p:sldId id="261" r:id="rId9"/>
@@ -5458,7 +5458,7 @@
           <a:p>
             <a:fld id="{1CA5457B-CDAE-4DEB-AEC8-C82DE2312E37}" type="datetimeFigureOut">
               <a:rPr lang="en-US" smtClean="0"/>
-              <a:t>11/13/2021</a:t>
+              <a:t>11/15/2021</a:t>
             </a:fld>
             <a:endParaRPr lang="en-US" dirty="0"/>
           </a:p>
@@ -5635,7 +5635,7 @@
           <a:p>
             <a:fld id="{090B78EA-28CE-41D8-9043-90E391E5F567}" type="datetimeFigureOut">
               <a:rPr lang="en-US" noProof="0" smtClean="0"/>
-              <a:t>11/13/2021</a:t>
+              <a:t>11/15/2021</a:t>
             </a:fld>
             <a:endParaRPr lang="en-US" noProof="0" dirty="0"/>
           </a:p>
@@ -30642,32 +30642,32 @@
   <p:extLst mod="1">
     <p:ext uri="{27BBF7A9-308A-43DC-89C8-2F10F3537804}">
       <p15:sldGuideLst xmlns:p15="http://schemas.microsoft.com/office/powerpoint/2012/main">
-        <p15:guide id="1" orient="horz" pos="2160" userDrawn="1">
+        <p15:guide id="1" orient="horz" pos="2160">
           <p15:clr>
             <a:srgbClr val="F26B43"/>
           </p15:clr>
         </p15:guide>
-        <p15:guide id="2" pos="3840" userDrawn="1">
+        <p15:guide id="2" pos="3840">
           <p15:clr>
             <a:srgbClr val="F26B43"/>
           </p15:clr>
         </p15:guide>
-        <p15:guide id="3" pos="336" userDrawn="1">
+        <p15:guide id="3" pos="336">
           <p15:clr>
             <a:srgbClr val="F26B43"/>
           </p15:clr>
         </p15:guide>
-        <p15:guide id="4" orient="horz" pos="336" userDrawn="1">
+        <p15:guide id="4" orient="horz" pos="336">
           <p15:clr>
             <a:srgbClr val="F26B43"/>
           </p15:clr>
         </p15:guide>
-        <p15:guide id="5" pos="7344" userDrawn="1">
+        <p15:guide id="5" pos="7344">
           <p15:clr>
             <a:srgbClr val="F26B43"/>
           </p15:clr>
         </p15:guide>
-        <p15:guide id="6" orient="horz" pos="3984" userDrawn="1">
+        <p15:guide id="6" orient="horz" pos="3984">
           <p15:clr>
             <a:srgbClr val="F26B43"/>
           </p15:clr>
@@ -30719,7 +30719,12 @@
             <p:ph type="ctrTitle"/>
           </p:nvPr>
         </p:nvSpPr>
-        <p:spPr/>
+        <p:spPr>
+          <a:xfrm>
+            <a:off x="3384566" y="2395728"/>
+            <a:ext cx="7077456" cy="1243584"/>
+          </a:xfrm>
+        </p:spPr>
         <p:txBody>
           <a:bodyPr/>
           <a:lstStyle/>
@@ -30748,7 +30753,12 @@
             <p:ph type="subTitle" idx="1"/>
           </p:nvPr>
         </p:nvSpPr>
-        <p:spPr/>
+        <p:spPr>
+          <a:xfrm>
+            <a:off x="3384566" y="3721608"/>
+            <a:ext cx="7077456" cy="868680"/>
+          </a:xfrm>
+        </p:spPr>
         <p:txBody>
           <a:bodyPr/>
           <a:lstStyle/>
@@ -30767,7 +30777,7 @@
     </p:spTree>
     <p:extLst>
       <p:ext uri="{BB962C8B-B14F-4D97-AF65-F5344CB8AC3E}">
-        <p14:creationId xmlns:p14="http://schemas.microsoft.com/office/powerpoint/2010/main" val="3946934594"/>
+        <p14:creationId xmlns:p14="http://schemas.microsoft.com/office/powerpoint/2010/main" val="891972463"/>
       </p:ext>
     </p:extLst>
   </p:cSld>
@@ -30776,18 +30786,237 @@
   </p:clrMapOvr>
   <mc:AlternateContent xmlns:mc="http://schemas.openxmlformats.org/markup-compatibility/2006" xmlns:p14="http://schemas.microsoft.com/office/powerpoint/2010/main">
     <mc:Choice Requires="p14">
-      <p:transition p14:dur="0"/>
+      <p:transition spd="slow" p14:dur="3400">
+        <p14:reveal/>
+      </p:transition>
     </mc:Choice>
     <mc:Fallback xmlns="">
-      <p:transition/>
+      <p:transition spd="slow">
+        <p:fade/>
+      </p:transition>
     </mc:Fallback>
   </mc:AlternateContent>
   <p:timing>
     <p:tnLst>
       <p:par>
-        <p:cTn id="1" dur="indefinite" restart="never" nodeType="tmRoot"/>
+        <p:cTn id="1" dur="indefinite" restart="never" nodeType="tmRoot">
+          <p:childTnLst>
+            <p:seq concurrent="1" nextAc="seek">
+              <p:cTn id="2" dur="indefinite" nodeType="mainSeq">
+                <p:childTnLst>
+                  <p:par>
+                    <p:cTn id="3" fill="hold">
+                      <p:stCondLst>
+                        <p:cond delay="indefinite"/>
+                        <p:cond evt="onBegin" delay="0">
+                          <p:tn val="2"/>
+                        </p:cond>
+                      </p:stCondLst>
+                      <p:childTnLst>
+                        <p:par>
+                          <p:cTn id="4" fill="hold">
+                            <p:stCondLst>
+                              <p:cond delay="0"/>
+                            </p:stCondLst>
+                            <p:childTnLst>
+                              <p:par>
+                                <p:cTn id="5" presetID="2" presetClass="entr" presetSubtype="8" fill="hold" grpId="0" nodeType="afterEffect">
+                                  <p:stCondLst>
+                                    <p:cond delay="0"/>
+                                  </p:stCondLst>
+                                  <p:childTnLst>
+                                    <p:set>
+                                      <p:cBhvr>
+                                        <p:cTn id="6" dur="1" fill="hold">
+                                          <p:stCondLst>
+                                            <p:cond delay="0"/>
+                                          </p:stCondLst>
+                                        </p:cTn>
+                                        <p:tgtEl>
+                                          <p:spTgt spid="2"/>
+                                        </p:tgtEl>
+                                        <p:attrNameLst>
+                                          <p:attrName>style.visibility</p:attrName>
+                                        </p:attrNameLst>
+                                      </p:cBhvr>
+                                      <p:to>
+                                        <p:strVal val="visible"/>
+                                      </p:to>
+                                    </p:set>
+                                    <p:anim calcmode="lin" valueType="num">
+                                      <p:cBhvr additive="base">
+                                        <p:cTn id="7" dur="1750" fill="hold"/>
+                                        <p:tgtEl>
+                                          <p:spTgt spid="2"/>
+                                        </p:tgtEl>
+                                        <p:attrNameLst>
+                                          <p:attrName>ppt_x</p:attrName>
+                                        </p:attrNameLst>
+                                      </p:cBhvr>
+                                      <p:tavLst>
+                                        <p:tav tm="0">
+                                          <p:val>
+                                            <p:strVal val="0-#ppt_w/2"/>
+                                          </p:val>
+                                        </p:tav>
+                                        <p:tav tm="100000">
+                                          <p:val>
+                                            <p:strVal val="#ppt_x"/>
+                                          </p:val>
+                                        </p:tav>
+                                      </p:tavLst>
+                                    </p:anim>
+                                    <p:anim calcmode="lin" valueType="num">
+                                      <p:cBhvr additive="base">
+                                        <p:cTn id="8" dur="1750" fill="hold"/>
+                                        <p:tgtEl>
+                                          <p:spTgt spid="2"/>
+                                        </p:tgtEl>
+                                        <p:attrNameLst>
+                                          <p:attrName>ppt_y</p:attrName>
+                                        </p:attrNameLst>
+                                      </p:cBhvr>
+                                      <p:tavLst>
+                                        <p:tav tm="0">
+                                          <p:val>
+                                            <p:strVal val="#ppt_y"/>
+                                          </p:val>
+                                        </p:tav>
+                                        <p:tav tm="100000">
+                                          <p:val>
+                                            <p:strVal val="#ppt_y"/>
+                                          </p:val>
+                                        </p:tav>
+                                      </p:tavLst>
+                                    </p:anim>
+                                  </p:childTnLst>
+                                </p:cTn>
+                              </p:par>
+                            </p:childTnLst>
+                          </p:cTn>
+                        </p:par>
+                        <p:par>
+                          <p:cTn id="9" fill="hold">
+                            <p:stCondLst>
+                              <p:cond delay="1750"/>
+                            </p:stCondLst>
+                            <p:childTnLst>
+                              <p:par>
+                                <p:cTn id="10" presetID="2" presetClass="entr" presetSubtype="8" fill="hold" grpId="0" nodeType="afterEffect">
+                                  <p:stCondLst>
+                                    <p:cond delay="0"/>
+                                  </p:stCondLst>
+                                  <p:childTnLst>
+                                    <p:set>
+                                      <p:cBhvr>
+                                        <p:cTn id="11" dur="1" fill="hold">
+                                          <p:stCondLst>
+                                            <p:cond delay="0"/>
+                                          </p:stCondLst>
+                                        </p:cTn>
+                                        <p:tgtEl>
+                                          <p:spTgt spid="3">
+                                            <p:txEl>
+                                              <p:pRg st="0" end="0"/>
+                                            </p:txEl>
+                                          </p:spTgt>
+                                        </p:tgtEl>
+                                        <p:attrNameLst>
+                                          <p:attrName>style.visibility</p:attrName>
+                                        </p:attrNameLst>
+                                      </p:cBhvr>
+                                      <p:to>
+                                        <p:strVal val="visible"/>
+                                      </p:to>
+                                    </p:set>
+                                    <p:anim calcmode="lin" valueType="num">
+                                      <p:cBhvr additive="base">
+                                        <p:cTn id="12" dur="1750" fill="hold"/>
+                                        <p:tgtEl>
+                                          <p:spTgt spid="3">
+                                            <p:txEl>
+                                              <p:pRg st="0" end="0"/>
+                                            </p:txEl>
+                                          </p:spTgt>
+                                        </p:tgtEl>
+                                        <p:attrNameLst>
+                                          <p:attrName>ppt_x</p:attrName>
+                                        </p:attrNameLst>
+                                      </p:cBhvr>
+                                      <p:tavLst>
+                                        <p:tav tm="0">
+                                          <p:val>
+                                            <p:strVal val="0-#ppt_w/2"/>
+                                          </p:val>
+                                        </p:tav>
+                                        <p:tav tm="100000">
+                                          <p:val>
+                                            <p:strVal val="#ppt_x"/>
+                                          </p:val>
+                                        </p:tav>
+                                      </p:tavLst>
+                                    </p:anim>
+                                    <p:anim calcmode="lin" valueType="num">
+                                      <p:cBhvr additive="base">
+                                        <p:cTn id="13" dur="1750" fill="hold"/>
+                                        <p:tgtEl>
+                                          <p:spTgt spid="3">
+                                            <p:txEl>
+                                              <p:pRg st="0" end="0"/>
+                                            </p:txEl>
+                                          </p:spTgt>
+                                        </p:tgtEl>
+                                        <p:attrNameLst>
+                                          <p:attrName>ppt_y</p:attrName>
+                                        </p:attrNameLst>
+                                      </p:cBhvr>
+                                      <p:tavLst>
+                                        <p:tav tm="0">
+                                          <p:val>
+                                            <p:strVal val="#ppt_y"/>
+                                          </p:val>
+                                        </p:tav>
+                                        <p:tav tm="100000">
+                                          <p:val>
+                                            <p:strVal val="#ppt_y"/>
+                                          </p:val>
+                                        </p:tav>
+                                      </p:tavLst>
+                                    </p:anim>
+                                  </p:childTnLst>
+                                </p:cTn>
+                              </p:par>
+                            </p:childTnLst>
+                          </p:cTn>
+                        </p:par>
+                      </p:childTnLst>
+                    </p:cTn>
+                  </p:par>
+                </p:childTnLst>
+              </p:cTn>
+              <p:prevCondLst>
+                <p:cond evt="onPrev" delay="0">
+                  <p:tgtEl>
+                    <p:sldTgt/>
+                  </p:tgtEl>
+                </p:cond>
+              </p:prevCondLst>
+              <p:nextCondLst>
+                <p:cond evt="onNext" delay="0">
+                  <p:tgtEl>
+                    <p:sldTgt/>
+                  </p:tgtEl>
+                </p:cond>
+              </p:nextCondLst>
+            </p:seq>
+          </p:childTnLst>
+        </p:cTn>
       </p:par>
     </p:tnLst>
+    <p:bldLst>
+      <p:bldP spid="2" grpId="0"/>
+      <p:bldP spid="3" grpId="0" build="p"/>
+    </p:bldLst>
   </p:timing>
 </p:sld>
 </file>
@@ -31041,14 +31270,9 @@
   <p:clrMapOvr>
     <a:masterClrMapping/>
   </p:clrMapOvr>
-  <mc:AlternateContent xmlns:mc="http://schemas.openxmlformats.org/markup-compatibility/2006" xmlns:p14="http://schemas.microsoft.com/office/powerpoint/2010/main">
-    <mc:Choice Requires="p14">
-      <p:transition p14:dur="0"/>
-    </mc:Choice>
-    <mc:Fallback xmlns="">
-      <p:transition/>
-    </mc:Fallback>
-  </mc:AlternateContent>
+  <p:transition spd="slow">
+    <p:push dir="u"/>
+  </p:transition>
   <p:timing>
     <p:tnLst>
       <p:par>
@@ -31363,14 +31587,9 @@
   <p:clrMapOvr>
     <a:masterClrMapping/>
   </p:clrMapOvr>
-  <mc:AlternateContent xmlns:mc="http://schemas.openxmlformats.org/markup-compatibility/2006" xmlns:p14="http://schemas.microsoft.com/office/powerpoint/2010/main">
-    <mc:Choice Requires="p14">
-      <p:transition p14:dur="0"/>
-    </mc:Choice>
-    <mc:Fallback xmlns="">
-      <p:transition/>
-    </mc:Fallback>
-  </mc:AlternateContent>
+  <p:transition spd="slow">
+    <p:push dir="u"/>
+  </p:transition>
   <p:timing>
     <p:tnLst>
       <p:par>
@@ -31637,14 +31856,9 @@
   <p:clrMapOvr>
     <a:masterClrMapping/>
   </p:clrMapOvr>
-  <mc:AlternateContent xmlns:mc="http://schemas.openxmlformats.org/markup-compatibility/2006" xmlns:p14="http://schemas.microsoft.com/office/powerpoint/2010/main">
-    <mc:Choice Requires="p14">
-      <p:transition p14:dur="0"/>
-    </mc:Choice>
-    <mc:Fallback xmlns="">
-      <p:transition/>
-    </mc:Fallback>
-  </mc:AlternateContent>
+  <p:transition spd="slow">
+    <p:push dir="u"/>
+  </p:transition>
   <p:timing>
     <p:tnLst>
       <p:par>
@@ -32056,14 +32270,9 @@
   <p:clrMapOvr>
     <a:masterClrMapping/>
   </p:clrMapOvr>
-  <mc:AlternateContent xmlns:mc="http://schemas.openxmlformats.org/markup-compatibility/2006" xmlns:p14="http://schemas.microsoft.com/office/powerpoint/2010/main">
-    <mc:Choice Requires="p14">
-      <p:transition p14:dur="0"/>
-    </mc:Choice>
-    <mc:Fallback xmlns="">
-      <p:transition/>
-    </mc:Fallback>
-  </mc:AlternateContent>
+  <p:transition spd="slow">
+    <p:push/>
+  </p:transition>
   <p:timing>
     <p:tnLst>
       <p:par>
@@ -32175,15 +32384,7 @@
             <a:pPr marL="971550" lvl="1" indent="-285750"/>
             <a:r>
               <a:rPr lang="en-US" dirty="0" smtClean="0"/>
-              <a:t>Comparatively </a:t>
-            </a:r>
-            <a:r>
-              <a:rPr lang="en-US" dirty="0" smtClean="0"/>
-              <a:t>Less </a:t>
-            </a:r>
-            <a:r>
-              <a:rPr lang="en-US" dirty="0" smtClean="0"/>
-              <a:t>code</a:t>
+              <a:t>Comparatively Less code</a:t>
             </a:r>
           </a:p>
         </p:txBody>
@@ -32336,14 +32537,9 @@
   <p:clrMapOvr>
     <a:masterClrMapping/>
   </p:clrMapOvr>
-  <mc:AlternateContent xmlns:mc="http://schemas.openxmlformats.org/markup-compatibility/2006" xmlns:p14="http://schemas.microsoft.com/office/powerpoint/2010/main">
-    <mc:Choice Requires="p14">
-      <p:transition p14:dur="0"/>
-    </mc:Choice>
-    <mc:Fallback xmlns="">
-      <p:transition/>
-    </mc:Fallback>
-  </mc:AlternateContent>
+  <p:transition spd="slow">
+    <p:push/>
+  </p:transition>
   <p:timing>
     <p:tnLst>
       <p:par>
@@ -32618,14 +32814,9 @@
   <p:clrMapOvr>
     <a:masterClrMapping/>
   </p:clrMapOvr>
-  <mc:AlternateContent xmlns:mc="http://schemas.openxmlformats.org/markup-compatibility/2006" xmlns:p14="http://schemas.microsoft.com/office/powerpoint/2010/main">
-    <mc:Choice Requires="p14">
-      <p:transition p14:dur="0"/>
-    </mc:Choice>
-    <mc:Fallback xmlns="">
-      <p:transition/>
-    </mc:Fallback>
-  </mc:AlternateContent>
+  <p:transition spd="slow">
+    <p:push dir="u"/>
+  </p:transition>
   <p:timing>
     <p:tnLst>
       <p:par>
@@ -32965,14 +33156,9 @@
   <p:clrMapOvr>
     <a:masterClrMapping/>
   </p:clrMapOvr>
-  <mc:AlternateContent xmlns:mc="http://schemas.openxmlformats.org/markup-compatibility/2006" xmlns:p14="http://schemas.microsoft.com/office/powerpoint/2010/main">
-    <mc:Choice Requires="p14">
-      <p:transition p14:dur="0"/>
-    </mc:Choice>
-    <mc:Fallback xmlns="">
-      <p:transition/>
-    </mc:Fallback>
-  </mc:AlternateContent>
+  <p:transition spd="slow">
+    <p:push/>
+  </p:transition>
   <p:timing>
     <p:tnLst>
       <p:par>
@@ -33115,12 +33301,16 @@
   <p:clrMapOvr>
     <a:masterClrMapping/>
   </p:clrMapOvr>
-  <mc:AlternateContent xmlns:mc="http://schemas.openxmlformats.org/markup-compatibility/2006" xmlns:p14="http://schemas.microsoft.com/office/powerpoint/2010/main">
-    <mc:Choice Requires="p14">
-      <p:transition p14:dur="0"/>
+  <mc:AlternateContent xmlns:mc="http://schemas.openxmlformats.org/markup-compatibility/2006">
+    <mc:Choice xmlns:p15="http://schemas.microsoft.com/office/powerpoint/2012/main" Requires="p15">
+      <p:transition xmlns:p14="http://schemas.microsoft.com/office/powerpoint/2010/main" spd="slow" p14:dur="1250">
+        <p15:prstTrans prst="pageCurlDouble"/>
+      </p:transition>
     </mc:Choice>
-    <mc:Fallback xmlns="">
-      <p:transition/>
+    <mc:Fallback>
+      <p:transition spd="slow">
+        <p:fade/>
+      </p:transition>
     </mc:Fallback>
   </mc:AlternateContent>
   <p:timing>
@@ -33182,11 +33372,7 @@
             </a:r>
             <a:r>
               <a:rPr lang="en-US" dirty="0" smtClean="0"/>
-              <a:t> is partnering with flutter to bring a best in market digital experiences to vehicles.</a:t>
-            </a:r>
-            <a:r>
-              <a:rPr lang="en-US" dirty="0" smtClean="0"/>
-              <a:t>” </a:t>
+              <a:t> is partnering with flutter to bring a best in market digital experiences to vehicles.” </a:t>
             </a:r>
             <a:r>
               <a:rPr lang="en-US" dirty="0"/>
@@ -33250,12 +33436,16 @@
   <p:clrMapOvr>
     <a:masterClrMapping/>
   </p:clrMapOvr>
-  <mc:AlternateContent xmlns:mc="http://schemas.openxmlformats.org/markup-compatibility/2006" xmlns:p14="http://schemas.microsoft.com/office/powerpoint/2010/main">
-    <mc:Choice Requires="p14">
-      <p:transition p14:dur="0"/>
+  <mc:AlternateContent xmlns:mc="http://schemas.openxmlformats.org/markup-compatibility/2006">
+    <mc:Choice xmlns:p15="http://schemas.microsoft.com/office/powerpoint/2012/main" Requires="p15">
+      <p:transition xmlns:p14="http://schemas.microsoft.com/office/powerpoint/2010/main" spd="slow" p14:dur="1250">
+        <p15:prstTrans prst="pageCurlDouble"/>
+      </p:transition>
     </mc:Choice>
-    <mc:Fallback xmlns="">
-      <p:transition/>
+    <mc:Fallback>
+      <p:transition spd="slow">
+        <p:fade/>
+      </p:transition>
     </mc:Fallback>
   </mc:AlternateContent>
   <p:timing>
@@ -33545,12 +33735,16 @@
   <p:clrMapOvr>
     <a:masterClrMapping/>
   </p:clrMapOvr>
-  <mc:AlternateContent xmlns:mc="http://schemas.openxmlformats.org/markup-compatibility/2006" xmlns:p14="http://schemas.microsoft.com/office/powerpoint/2010/main">
-    <mc:Choice Requires="p14">
-      <p:transition p14:dur="0"/>
+  <mc:AlternateContent xmlns:mc="http://schemas.openxmlformats.org/markup-compatibility/2006">
+    <mc:Choice xmlns:p15="http://schemas.microsoft.com/office/powerpoint/2012/main" Requires="p15">
+      <p:transition xmlns:p14="http://schemas.microsoft.com/office/powerpoint/2010/main" spd="slow" p14:dur="1250">
+        <p15:prstTrans prst="peelOff"/>
+      </p:transition>
     </mc:Choice>
-    <mc:Fallback xmlns="">
-      <p:transition/>
+    <mc:Fallback>
+      <p:transition spd="slow">
+        <p:fade/>
+      </p:transition>
     </mc:Fallback>
   </mc:AlternateContent>
   <p:timing>
@@ -33688,27 +33882,299 @@
     </p:spTree>
     <p:extLst>
       <p:ext uri="{BB962C8B-B14F-4D97-AF65-F5344CB8AC3E}">
-        <p14:creationId xmlns:p14="http://schemas.microsoft.com/office/powerpoint/2010/main" val="2902794312"/>
+        <p14:creationId xmlns:p14="http://schemas.microsoft.com/office/powerpoint/2010/main" val="4208799664"/>
       </p:ext>
     </p:extLst>
   </p:cSld>
   <p:clrMapOvr>
     <a:masterClrMapping/>
   </p:clrMapOvr>
-  <mc:AlternateContent xmlns:mc="http://schemas.openxmlformats.org/markup-compatibility/2006" xmlns:p14="http://schemas.microsoft.com/office/powerpoint/2010/main">
-    <mc:Choice Requires="p14">
-      <p:transition p14:dur="0"/>
-    </mc:Choice>
-    <mc:Fallback xmlns="">
-      <p:transition/>
-    </mc:Fallback>
-  </mc:AlternateContent>
+  <p:transition spd="slow">
+    <p:push dir="u"/>
+  </p:transition>
   <p:timing>
     <p:tnLst>
       <p:par>
-        <p:cTn id="1" dur="indefinite" restart="never" nodeType="tmRoot"/>
+        <p:cTn id="1" dur="indefinite" restart="never" nodeType="tmRoot">
+          <p:childTnLst>
+            <p:seq concurrent="1" nextAc="seek">
+              <p:cTn id="2" dur="indefinite" nodeType="mainSeq">
+                <p:childTnLst>
+                  <p:par>
+                    <p:cTn id="3" fill="hold">
+                      <p:stCondLst>
+                        <p:cond delay="indefinite"/>
+                      </p:stCondLst>
+                      <p:childTnLst>
+                        <p:par>
+                          <p:cTn id="4" fill="hold">
+                            <p:stCondLst>
+                              <p:cond delay="0"/>
+                            </p:stCondLst>
+                            <p:childTnLst>
+                              <p:par>
+                                <p:cTn id="5" presetID="2" presetClass="entr" presetSubtype="4" fill="hold" grpId="0" nodeType="clickEffect">
+                                  <p:stCondLst>
+                                    <p:cond delay="0"/>
+                                  </p:stCondLst>
+                                  <p:childTnLst>
+                                    <p:set>
+                                      <p:cBhvr>
+                                        <p:cTn id="6" dur="1" fill="hold">
+                                          <p:stCondLst>
+                                            <p:cond delay="0"/>
+                                          </p:stCondLst>
+                                        </p:cTn>
+                                        <p:tgtEl>
+                                          <p:spTgt spid="4"/>
+                                        </p:tgtEl>
+                                        <p:attrNameLst>
+                                          <p:attrName>style.visibility</p:attrName>
+                                        </p:attrNameLst>
+                                      </p:cBhvr>
+                                      <p:to>
+                                        <p:strVal val="visible"/>
+                                      </p:to>
+                                    </p:set>
+                                    <p:anim calcmode="lin" valueType="num">
+                                      <p:cBhvr additive="base">
+                                        <p:cTn id="7" dur="750" fill="hold"/>
+                                        <p:tgtEl>
+                                          <p:spTgt spid="4"/>
+                                        </p:tgtEl>
+                                        <p:attrNameLst>
+                                          <p:attrName>ppt_x</p:attrName>
+                                        </p:attrNameLst>
+                                      </p:cBhvr>
+                                      <p:tavLst>
+                                        <p:tav tm="0">
+                                          <p:val>
+                                            <p:strVal val="#ppt_x"/>
+                                          </p:val>
+                                        </p:tav>
+                                        <p:tav tm="100000">
+                                          <p:val>
+                                            <p:strVal val="#ppt_x"/>
+                                          </p:val>
+                                        </p:tav>
+                                      </p:tavLst>
+                                    </p:anim>
+                                    <p:anim calcmode="lin" valueType="num">
+                                      <p:cBhvr additive="base">
+                                        <p:cTn id="8" dur="750" fill="hold"/>
+                                        <p:tgtEl>
+                                          <p:spTgt spid="4"/>
+                                        </p:tgtEl>
+                                        <p:attrNameLst>
+                                          <p:attrName>ppt_y</p:attrName>
+                                        </p:attrNameLst>
+                                      </p:cBhvr>
+                                      <p:tavLst>
+                                        <p:tav tm="0">
+                                          <p:val>
+                                            <p:strVal val="1+#ppt_h/2"/>
+                                          </p:val>
+                                        </p:tav>
+                                        <p:tav tm="100000">
+                                          <p:val>
+                                            <p:strVal val="#ppt_y"/>
+                                          </p:val>
+                                        </p:tav>
+                                      </p:tavLst>
+                                    </p:anim>
+                                  </p:childTnLst>
+                                </p:cTn>
+                              </p:par>
+                              <p:par>
+                                <p:cTn id="9" presetID="2" presetClass="entr" presetSubtype="4" fill="hold" grpId="0" nodeType="withEffect">
+                                  <p:stCondLst>
+                                    <p:cond delay="0"/>
+                                  </p:stCondLst>
+                                  <p:childTnLst>
+                                    <p:set>
+                                      <p:cBhvr>
+                                        <p:cTn id="10" dur="1" fill="hold">
+                                          <p:stCondLst>
+                                            <p:cond delay="0"/>
+                                          </p:stCondLst>
+                                        </p:cTn>
+                                        <p:tgtEl>
+                                          <p:spTgt spid="5">
+                                            <p:txEl>
+                                              <p:pRg st="0" end="0"/>
+                                            </p:txEl>
+                                          </p:spTgt>
+                                        </p:tgtEl>
+                                        <p:attrNameLst>
+                                          <p:attrName>style.visibility</p:attrName>
+                                        </p:attrNameLst>
+                                      </p:cBhvr>
+                                      <p:to>
+                                        <p:strVal val="visible"/>
+                                      </p:to>
+                                    </p:set>
+                                    <p:anim calcmode="lin" valueType="num">
+                                      <p:cBhvr additive="base">
+                                        <p:cTn id="11" dur="750" fill="hold"/>
+                                        <p:tgtEl>
+                                          <p:spTgt spid="5">
+                                            <p:txEl>
+                                              <p:pRg st="0" end="0"/>
+                                            </p:txEl>
+                                          </p:spTgt>
+                                        </p:tgtEl>
+                                        <p:attrNameLst>
+                                          <p:attrName>ppt_x</p:attrName>
+                                        </p:attrNameLst>
+                                      </p:cBhvr>
+                                      <p:tavLst>
+                                        <p:tav tm="0">
+                                          <p:val>
+                                            <p:strVal val="#ppt_x"/>
+                                          </p:val>
+                                        </p:tav>
+                                        <p:tav tm="100000">
+                                          <p:val>
+                                            <p:strVal val="#ppt_x"/>
+                                          </p:val>
+                                        </p:tav>
+                                      </p:tavLst>
+                                    </p:anim>
+                                    <p:anim calcmode="lin" valueType="num">
+                                      <p:cBhvr additive="base">
+                                        <p:cTn id="12" dur="750" fill="hold"/>
+                                        <p:tgtEl>
+                                          <p:spTgt spid="5">
+                                            <p:txEl>
+                                              <p:pRg st="0" end="0"/>
+                                            </p:txEl>
+                                          </p:spTgt>
+                                        </p:tgtEl>
+                                        <p:attrNameLst>
+                                          <p:attrName>ppt_y</p:attrName>
+                                        </p:attrNameLst>
+                                      </p:cBhvr>
+                                      <p:tavLst>
+                                        <p:tav tm="0">
+                                          <p:val>
+                                            <p:strVal val="1+#ppt_h/2"/>
+                                          </p:val>
+                                        </p:tav>
+                                        <p:tav tm="100000">
+                                          <p:val>
+                                            <p:strVal val="#ppt_y"/>
+                                          </p:val>
+                                        </p:tav>
+                                      </p:tavLst>
+                                    </p:anim>
+                                  </p:childTnLst>
+                                </p:cTn>
+                              </p:par>
+                              <p:par>
+                                <p:cTn id="13" presetID="2" presetClass="entr" presetSubtype="4" fill="hold" grpId="0" nodeType="withEffect">
+                                  <p:stCondLst>
+                                    <p:cond delay="0"/>
+                                  </p:stCondLst>
+                                  <p:childTnLst>
+                                    <p:set>
+                                      <p:cBhvr>
+                                        <p:cTn id="14" dur="1" fill="hold">
+                                          <p:stCondLst>
+                                            <p:cond delay="0"/>
+                                          </p:stCondLst>
+                                        </p:cTn>
+                                        <p:tgtEl>
+                                          <p:spTgt spid="2"/>
+                                        </p:tgtEl>
+                                        <p:attrNameLst>
+                                          <p:attrName>style.visibility</p:attrName>
+                                        </p:attrNameLst>
+                                      </p:cBhvr>
+                                      <p:to>
+                                        <p:strVal val="visible"/>
+                                      </p:to>
+                                    </p:set>
+                                    <p:anim calcmode="lin" valueType="num">
+                                      <p:cBhvr additive="base">
+                                        <p:cTn id="15" dur="750" fill="hold"/>
+                                        <p:tgtEl>
+                                          <p:spTgt spid="2"/>
+                                        </p:tgtEl>
+                                        <p:attrNameLst>
+                                          <p:attrName>ppt_x</p:attrName>
+                                        </p:attrNameLst>
+                                      </p:cBhvr>
+                                      <p:tavLst>
+                                        <p:tav tm="0">
+                                          <p:val>
+                                            <p:strVal val="#ppt_x"/>
+                                          </p:val>
+                                        </p:tav>
+                                        <p:tav tm="100000">
+                                          <p:val>
+                                            <p:strVal val="#ppt_x"/>
+                                          </p:val>
+                                        </p:tav>
+                                      </p:tavLst>
+                                    </p:anim>
+                                    <p:anim calcmode="lin" valueType="num">
+                                      <p:cBhvr additive="base">
+                                        <p:cTn id="16" dur="750" fill="hold"/>
+                                        <p:tgtEl>
+                                          <p:spTgt spid="2"/>
+                                        </p:tgtEl>
+                                        <p:attrNameLst>
+                                          <p:attrName>ppt_y</p:attrName>
+                                        </p:attrNameLst>
+                                      </p:cBhvr>
+                                      <p:tavLst>
+                                        <p:tav tm="0">
+                                          <p:val>
+                                            <p:strVal val="1+#ppt_h/2"/>
+                                          </p:val>
+                                        </p:tav>
+                                        <p:tav tm="100000">
+                                          <p:val>
+                                            <p:strVal val="#ppt_y"/>
+                                          </p:val>
+                                        </p:tav>
+                                      </p:tavLst>
+                                    </p:anim>
+                                  </p:childTnLst>
+                                </p:cTn>
+                              </p:par>
+                            </p:childTnLst>
+                          </p:cTn>
+                        </p:par>
+                      </p:childTnLst>
+                    </p:cTn>
+                  </p:par>
+                </p:childTnLst>
+              </p:cTn>
+              <p:prevCondLst>
+                <p:cond evt="onPrev" delay="0">
+                  <p:tgtEl>
+                    <p:sldTgt/>
+                  </p:tgtEl>
+                </p:cond>
+              </p:prevCondLst>
+              <p:nextCondLst>
+                <p:cond evt="onNext" delay="0">
+                  <p:tgtEl>
+                    <p:sldTgt/>
+                  </p:tgtEl>
+                </p:cond>
+              </p:nextCondLst>
+            </p:seq>
+          </p:childTnLst>
+        </p:cTn>
       </p:par>
     </p:tnLst>
+    <p:bldLst>
+      <p:bldP spid="4" grpId="0"/>
+      <p:bldP spid="5" grpId="0" build="p"/>
+      <p:bldP spid="2" grpId="0"/>
+    </p:bldLst>
   </p:timing>
 </p:sld>
 </file>
@@ -33799,12 +34265,16 @@
   <p:clrMapOvr>
     <a:masterClrMapping/>
   </p:clrMapOvr>
-  <mc:AlternateContent xmlns:mc="http://schemas.openxmlformats.org/markup-compatibility/2006" xmlns:p14="http://schemas.microsoft.com/office/powerpoint/2010/main">
-    <mc:Choice Requires="p14">
-      <p:transition p14:dur="0"/>
+  <mc:AlternateContent xmlns:mc="http://schemas.openxmlformats.org/markup-compatibility/2006">
+    <mc:Choice xmlns:p15="http://schemas.microsoft.com/office/powerpoint/2012/main" Requires="p15">
+      <p:transition xmlns:p14="http://schemas.microsoft.com/office/powerpoint/2010/main" spd="slow" p14:dur="1250">
+        <p15:prstTrans prst="peelOff"/>
+      </p:transition>
     </mc:Choice>
-    <mc:Fallback xmlns="">
-      <p:transition/>
+    <mc:Fallback>
+      <p:transition spd="slow">
+        <p:fade/>
+      </p:transition>
     </mc:Fallback>
   </mc:AlternateContent>
   <p:timing>
@@ -33932,14 +34402,9 @@
   <p:clrMapOvr>
     <a:masterClrMapping/>
   </p:clrMapOvr>
-  <mc:AlternateContent xmlns:mc="http://schemas.openxmlformats.org/markup-compatibility/2006" xmlns:p14="http://schemas.microsoft.com/office/powerpoint/2010/main">
-    <mc:Choice Requires="p14">
-      <p:transition p14:dur="0"/>
-    </mc:Choice>
-    <mc:Fallback xmlns="">
-      <p:transition/>
-    </mc:Fallback>
-  </mc:AlternateContent>
+  <p:transition spd="slow">
+    <p:push dir="u"/>
+  </p:transition>
   <p:timing>
     <p:tnLst>
       <p:par>
@@ -34124,20 +34589,963 @@
   <p:clrMapOvr>
     <a:masterClrMapping/>
   </p:clrMapOvr>
-  <mc:AlternateContent xmlns:mc="http://schemas.openxmlformats.org/markup-compatibility/2006" xmlns:p14="http://schemas.microsoft.com/office/powerpoint/2010/main">
-    <mc:Choice Requires="p14">
-      <p:transition p14:dur="0"/>
-    </mc:Choice>
-    <mc:Fallback xmlns="">
-      <p:transition/>
-    </mc:Fallback>
-  </mc:AlternateContent>
+  <p:transition spd="slow">
+    <p:push/>
+  </p:transition>
   <p:timing>
     <p:tnLst>
       <p:par>
-        <p:cTn id="1" dur="indefinite" restart="never" nodeType="tmRoot"/>
+        <p:cTn id="1" dur="indefinite" restart="never" nodeType="tmRoot">
+          <p:childTnLst>
+            <p:seq concurrent="1" nextAc="seek">
+              <p:cTn id="2" dur="indefinite" nodeType="mainSeq">
+                <p:childTnLst>
+                  <p:par>
+                    <p:cTn id="3" fill="hold">
+                      <p:stCondLst>
+                        <p:cond delay="indefinite"/>
+                      </p:stCondLst>
+                      <p:childTnLst>
+                        <p:par>
+                          <p:cTn id="4" fill="hold">
+                            <p:stCondLst>
+                              <p:cond delay="0"/>
+                            </p:stCondLst>
+                            <p:childTnLst>
+                              <p:par>
+                                <p:cTn id="5" presetID="2" presetClass="entr" presetSubtype="4" fill="hold" grpId="0" nodeType="clickEffect">
+                                  <p:stCondLst>
+                                    <p:cond delay="250"/>
+                                  </p:stCondLst>
+                                  <p:childTnLst>
+                                    <p:set>
+                                      <p:cBhvr>
+                                        <p:cTn id="6" dur="1" fill="hold">
+                                          <p:stCondLst>
+                                            <p:cond delay="0"/>
+                                          </p:stCondLst>
+                                        </p:cTn>
+                                        <p:tgtEl>
+                                          <p:spTgt spid="7"/>
+                                        </p:tgtEl>
+                                        <p:attrNameLst>
+                                          <p:attrName>style.visibility</p:attrName>
+                                        </p:attrNameLst>
+                                      </p:cBhvr>
+                                      <p:to>
+                                        <p:strVal val="visible"/>
+                                      </p:to>
+                                    </p:set>
+                                    <p:anim calcmode="lin" valueType="num">
+                                      <p:cBhvr additive="base">
+                                        <p:cTn id="7" dur="750" fill="hold"/>
+                                        <p:tgtEl>
+                                          <p:spTgt spid="7"/>
+                                        </p:tgtEl>
+                                        <p:attrNameLst>
+                                          <p:attrName>ppt_x</p:attrName>
+                                        </p:attrNameLst>
+                                      </p:cBhvr>
+                                      <p:tavLst>
+                                        <p:tav tm="0">
+                                          <p:val>
+                                            <p:strVal val="#ppt_x"/>
+                                          </p:val>
+                                        </p:tav>
+                                        <p:tav tm="100000">
+                                          <p:val>
+                                            <p:strVal val="#ppt_x"/>
+                                          </p:val>
+                                        </p:tav>
+                                      </p:tavLst>
+                                    </p:anim>
+                                    <p:anim calcmode="lin" valueType="num">
+                                      <p:cBhvr additive="base">
+                                        <p:cTn id="8" dur="750" fill="hold"/>
+                                        <p:tgtEl>
+                                          <p:spTgt spid="7"/>
+                                        </p:tgtEl>
+                                        <p:attrNameLst>
+                                          <p:attrName>ppt_y</p:attrName>
+                                        </p:attrNameLst>
+                                      </p:cBhvr>
+                                      <p:tavLst>
+                                        <p:tav tm="0">
+                                          <p:val>
+                                            <p:strVal val="1+#ppt_h/2"/>
+                                          </p:val>
+                                        </p:tav>
+                                        <p:tav tm="100000">
+                                          <p:val>
+                                            <p:strVal val="#ppt_y"/>
+                                          </p:val>
+                                        </p:tav>
+                                      </p:tavLst>
+                                    </p:anim>
+                                  </p:childTnLst>
+                                </p:cTn>
+                              </p:par>
+                            </p:childTnLst>
+                          </p:cTn>
+                        </p:par>
+                      </p:childTnLst>
+                    </p:cTn>
+                  </p:par>
+                  <p:par>
+                    <p:cTn id="9" fill="hold">
+                      <p:stCondLst>
+                        <p:cond delay="indefinite"/>
+                      </p:stCondLst>
+                      <p:childTnLst>
+                        <p:par>
+                          <p:cTn id="10" fill="hold">
+                            <p:stCondLst>
+                              <p:cond delay="0"/>
+                            </p:stCondLst>
+                            <p:childTnLst>
+                              <p:par>
+                                <p:cTn id="11" presetID="42" presetClass="entr" presetSubtype="0" fill="hold" grpId="0" nodeType="clickEffect">
+                                  <p:stCondLst>
+                                    <p:cond delay="0"/>
+                                  </p:stCondLst>
+                                  <p:childTnLst>
+                                    <p:set>
+                                      <p:cBhvr>
+                                        <p:cTn id="12" dur="1" fill="hold">
+                                          <p:stCondLst>
+                                            <p:cond delay="0"/>
+                                          </p:stCondLst>
+                                        </p:cTn>
+                                        <p:tgtEl>
+                                          <p:spTgt spid="10">
+                                            <p:txEl>
+                                              <p:pRg st="0" end="0"/>
+                                            </p:txEl>
+                                          </p:spTgt>
+                                        </p:tgtEl>
+                                        <p:attrNameLst>
+                                          <p:attrName>style.visibility</p:attrName>
+                                        </p:attrNameLst>
+                                      </p:cBhvr>
+                                      <p:to>
+                                        <p:strVal val="visible"/>
+                                      </p:to>
+                                    </p:set>
+                                    <p:animEffect transition="in" filter="fade">
+                                      <p:cBhvr>
+                                        <p:cTn id="13" dur="750"/>
+                                        <p:tgtEl>
+                                          <p:spTgt spid="10">
+                                            <p:txEl>
+                                              <p:pRg st="0" end="0"/>
+                                            </p:txEl>
+                                          </p:spTgt>
+                                        </p:tgtEl>
+                                      </p:cBhvr>
+                                    </p:animEffect>
+                                    <p:anim calcmode="lin" valueType="num">
+                                      <p:cBhvr>
+                                        <p:cTn id="14" dur="750" fill="hold"/>
+                                        <p:tgtEl>
+                                          <p:spTgt spid="10">
+                                            <p:txEl>
+                                              <p:pRg st="0" end="0"/>
+                                            </p:txEl>
+                                          </p:spTgt>
+                                        </p:tgtEl>
+                                        <p:attrNameLst>
+                                          <p:attrName>ppt_x</p:attrName>
+                                        </p:attrNameLst>
+                                      </p:cBhvr>
+                                      <p:tavLst>
+                                        <p:tav tm="0">
+                                          <p:val>
+                                            <p:strVal val="#ppt_x"/>
+                                          </p:val>
+                                        </p:tav>
+                                        <p:tav tm="100000">
+                                          <p:val>
+                                            <p:strVal val="#ppt_x"/>
+                                          </p:val>
+                                        </p:tav>
+                                      </p:tavLst>
+                                    </p:anim>
+                                    <p:anim calcmode="lin" valueType="num">
+                                      <p:cBhvr>
+                                        <p:cTn id="15" dur="750" fill="hold"/>
+                                        <p:tgtEl>
+                                          <p:spTgt spid="10">
+                                            <p:txEl>
+                                              <p:pRg st="0" end="0"/>
+                                            </p:txEl>
+                                          </p:spTgt>
+                                        </p:tgtEl>
+                                        <p:attrNameLst>
+                                          <p:attrName>ppt_y</p:attrName>
+                                        </p:attrNameLst>
+                                      </p:cBhvr>
+                                      <p:tavLst>
+                                        <p:tav tm="0">
+                                          <p:val>
+                                            <p:strVal val="#ppt_y+.1"/>
+                                          </p:val>
+                                        </p:tav>
+                                        <p:tav tm="100000">
+                                          <p:val>
+                                            <p:strVal val="#ppt_y"/>
+                                          </p:val>
+                                        </p:tav>
+                                      </p:tavLst>
+                                    </p:anim>
+                                  </p:childTnLst>
+                                </p:cTn>
+                              </p:par>
+                              <p:par>
+                                <p:cTn id="16" presetID="42" presetClass="entr" presetSubtype="0" fill="hold" grpId="0" nodeType="withEffect">
+                                  <p:stCondLst>
+                                    <p:cond delay="0"/>
+                                  </p:stCondLst>
+                                  <p:childTnLst>
+                                    <p:set>
+                                      <p:cBhvr>
+                                        <p:cTn id="17" dur="1" fill="hold">
+                                          <p:stCondLst>
+                                            <p:cond delay="0"/>
+                                          </p:stCondLst>
+                                        </p:cTn>
+                                        <p:tgtEl>
+                                          <p:spTgt spid="10">
+                                            <p:txEl>
+                                              <p:pRg st="1" end="1"/>
+                                            </p:txEl>
+                                          </p:spTgt>
+                                        </p:tgtEl>
+                                        <p:attrNameLst>
+                                          <p:attrName>style.visibility</p:attrName>
+                                        </p:attrNameLst>
+                                      </p:cBhvr>
+                                      <p:to>
+                                        <p:strVal val="visible"/>
+                                      </p:to>
+                                    </p:set>
+                                    <p:animEffect transition="in" filter="fade">
+                                      <p:cBhvr>
+                                        <p:cTn id="18" dur="750"/>
+                                        <p:tgtEl>
+                                          <p:spTgt spid="10">
+                                            <p:txEl>
+                                              <p:pRg st="1" end="1"/>
+                                            </p:txEl>
+                                          </p:spTgt>
+                                        </p:tgtEl>
+                                      </p:cBhvr>
+                                    </p:animEffect>
+                                    <p:anim calcmode="lin" valueType="num">
+                                      <p:cBhvr>
+                                        <p:cTn id="19" dur="750" fill="hold"/>
+                                        <p:tgtEl>
+                                          <p:spTgt spid="10">
+                                            <p:txEl>
+                                              <p:pRg st="1" end="1"/>
+                                            </p:txEl>
+                                          </p:spTgt>
+                                        </p:tgtEl>
+                                        <p:attrNameLst>
+                                          <p:attrName>ppt_x</p:attrName>
+                                        </p:attrNameLst>
+                                      </p:cBhvr>
+                                      <p:tavLst>
+                                        <p:tav tm="0">
+                                          <p:val>
+                                            <p:strVal val="#ppt_x"/>
+                                          </p:val>
+                                        </p:tav>
+                                        <p:tav tm="100000">
+                                          <p:val>
+                                            <p:strVal val="#ppt_x"/>
+                                          </p:val>
+                                        </p:tav>
+                                      </p:tavLst>
+                                    </p:anim>
+                                    <p:anim calcmode="lin" valueType="num">
+                                      <p:cBhvr>
+                                        <p:cTn id="20" dur="750" fill="hold"/>
+                                        <p:tgtEl>
+                                          <p:spTgt spid="10">
+                                            <p:txEl>
+                                              <p:pRg st="1" end="1"/>
+                                            </p:txEl>
+                                          </p:spTgt>
+                                        </p:tgtEl>
+                                        <p:attrNameLst>
+                                          <p:attrName>ppt_y</p:attrName>
+                                        </p:attrNameLst>
+                                      </p:cBhvr>
+                                      <p:tavLst>
+                                        <p:tav tm="0">
+                                          <p:val>
+                                            <p:strVal val="#ppt_y+.1"/>
+                                          </p:val>
+                                        </p:tav>
+                                        <p:tav tm="100000">
+                                          <p:val>
+                                            <p:strVal val="#ppt_y"/>
+                                          </p:val>
+                                        </p:tav>
+                                      </p:tavLst>
+                                    </p:anim>
+                                  </p:childTnLst>
+                                </p:cTn>
+                              </p:par>
+                              <p:par>
+                                <p:cTn id="21" presetID="42" presetClass="entr" presetSubtype="0" fill="hold" grpId="0" nodeType="withEffect">
+                                  <p:stCondLst>
+                                    <p:cond delay="0"/>
+                                  </p:stCondLst>
+                                  <p:childTnLst>
+                                    <p:set>
+                                      <p:cBhvr>
+                                        <p:cTn id="22" dur="1" fill="hold">
+                                          <p:stCondLst>
+                                            <p:cond delay="0"/>
+                                          </p:stCondLst>
+                                        </p:cTn>
+                                        <p:tgtEl>
+                                          <p:spTgt spid="10">
+                                            <p:txEl>
+                                              <p:pRg st="2" end="2"/>
+                                            </p:txEl>
+                                          </p:spTgt>
+                                        </p:tgtEl>
+                                        <p:attrNameLst>
+                                          <p:attrName>style.visibility</p:attrName>
+                                        </p:attrNameLst>
+                                      </p:cBhvr>
+                                      <p:to>
+                                        <p:strVal val="visible"/>
+                                      </p:to>
+                                    </p:set>
+                                    <p:animEffect transition="in" filter="fade">
+                                      <p:cBhvr>
+                                        <p:cTn id="23" dur="750"/>
+                                        <p:tgtEl>
+                                          <p:spTgt spid="10">
+                                            <p:txEl>
+                                              <p:pRg st="2" end="2"/>
+                                            </p:txEl>
+                                          </p:spTgt>
+                                        </p:tgtEl>
+                                      </p:cBhvr>
+                                    </p:animEffect>
+                                    <p:anim calcmode="lin" valueType="num">
+                                      <p:cBhvr>
+                                        <p:cTn id="24" dur="750" fill="hold"/>
+                                        <p:tgtEl>
+                                          <p:spTgt spid="10">
+                                            <p:txEl>
+                                              <p:pRg st="2" end="2"/>
+                                            </p:txEl>
+                                          </p:spTgt>
+                                        </p:tgtEl>
+                                        <p:attrNameLst>
+                                          <p:attrName>ppt_x</p:attrName>
+                                        </p:attrNameLst>
+                                      </p:cBhvr>
+                                      <p:tavLst>
+                                        <p:tav tm="0">
+                                          <p:val>
+                                            <p:strVal val="#ppt_x"/>
+                                          </p:val>
+                                        </p:tav>
+                                        <p:tav tm="100000">
+                                          <p:val>
+                                            <p:strVal val="#ppt_x"/>
+                                          </p:val>
+                                        </p:tav>
+                                      </p:tavLst>
+                                    </p:anim>
+                                    <p:anim calcmode="lin" valueType="num">
+                                      <p:cBhvr>
+                                        <p:cTn id="25" dur="750" fill="hold"/>
+                                        <p:tgtEl>
+                                          <p:spTgt spid="10">
+                                            <p:txEl>
+                                              <p:pRg st="2" end="2"/>
+                                            </p:txEl>
+                                          </p:spTgt>
+                                        </p:tgtEl>
+                                        <p:attrNameLst>
+                                          <p:attrName>ppt_y</p:attrName>
+                                        </p:attrNameLst>
+                                      </p:cBhvr>
+                                      <p:tavLst>
+                                        <p:tav tm="0">
+                                          <p:val>
+                                            <p:strVal val="#ppt_y+.1"/>
+                                          </p:val>
+                                        </p:tav>
+                                        <p:tav tm="100000">
+                                          <p:val>
+                                            <p:strVal val="#ppt_y"/>
+                                          </p:val>
+                                        </p:tav>
+                                      </p:tavLst>
+                                    </p:anim>
+                                  </p:childTnLst>
+                                </p:cTn>
+                              </p:par>
+                            </p:childTnLst>
+                          </p:cTn>
+                        </p:par>
+                      </p:childTnLst>
+                    </p:cTn>
+                  </p:par>
+                  <p:par>
+                    <p:cTn id="26" fill="hold">
+                      <p:stCondLst>
+                        <p:cond delay="indefinite"/>
+                      </p:stCondLst>
+                      <p:childTnLst>
+                        <p:par>
+                          <p:cTn id="27" fill="hold">
+                            <p:stCondLst>
+                              <p:cond delay="0"/>
+                            </p:stCondLst>
+                            <p:childTnLst>
+                              <p:par>
+                                <p:cTn id="28" presetID="42" presetClass="entr" presetSubtype="0" fill="hold" grpId="0" nodeType="clickEffect">
+                                  <p:stCondLst>
+                                    <p:cond delay="0"/>
+                                  </p:stCondLst>
+                                  <p:childTnLst>
+                                    <p:set>
+                                      <p:cBhvr>
+                                        <p:cTn id="29" dur="1" fill="hold">
+                                          <p:stCondLst>
+                                            <p:cond delay="0"/>
+                                          </p:stCondLst>
+                                        </p:cTn>
+                                        <p:tgtEl>
+                                          <p:spTgt spid="10">
+                                            <p:txEl>
+                                              <p:pRg st="3" end="3"/>
+                                            </p:txEl>
+                                          </p:spTgt>
+                                        </p:tgtEl>
+                                        <p:attrNameLst>
+                                          <p:attrName>style.visibility</p:attrName>
+                                        </p:attrNameLst>
+                                      </p:cBhvr>
+                                      <p:to>
+                                        <p:strVal val="visible"/>
+                                      </p:to>
+                                    </p:set>
+                                    <p:animEffect transition="in" filter="fade">
+                                      <p:cBhvr>
+                                        <p:cTn id="30" dur="750"/>
+                                        <p:tgtEl>
+                                          <p:spTgt spid="10">
+                                            <p:txEl>
+                                              <p:pRg st="3" end="3"/>
+                                            </p:txEl>
+                                          </p:spTgt>
+                                        </p:tgtEl>
+                                      </p:cBhvr>
+                                    </p:animEffect>
+                                    <p:anim calcmode="lin" valueType="num">
+                                      <p:cBhvr>
+                                        <p:cTn id="31" dur="750" fill="hold"/>
+                                        <p:tgtEl>
+                                          <p:spTgt spid="10">
+                                            <p:txEl>
+                                              <p:pRg st="3" end="3"/>
+                                            </p:txEl>
+                                          </p:spTgt>
+                                        </p:tgtEl>
+                                        <p:attrNameLst>
+                                          <p:attrName>ppt_x</p:attrName>
+                                        </p:attrNameLst>
+                                      </p:cBhvr>
+                                      <p:tavLst>
+                                        <p:tav tm="0">
+                                          <p:val>
+                                            <p:strVal val="#ppt_x"/>
+                                          </p:val>
+                                        </p:tav>
+                                        <p:tav tm="100000">
+                                          <p:val>
+                                            <p:strVal val="#ppt_x"/>
+                                          </p:val>
+                                        </p:tav>
+                                      </p:tavLst>
+                                    </p:anim>
+                                    <p:anim calcmode="lin" valueType="num">
+                                      <p:cBhvr>
+                                        <p:cTn id="32" dur="750" fill="hold"/>
+                                        <p:tgtEl>
+                                          <p:spTgt spid="10">
+                                            <p:txEl>
+                                              <p:pRg st="3" end="3"/>
+                                            </p:txEl>
+                                          </p:spTgt>
+                                        </p:tgtEl>
+                                        <p:attrNameLst>
+                                          <p:attrName>ppt_y</p:attrName>
+                                        </p:attrNameLst>
+                                      </p:cBhvr>
+                                      <p:tavLst>
+                                        <p:tav tm="0">
+                                          <p:val>
+                                            <p:strVal val="#ppt_y+.1"/>
+                                          </p:val>
+                                        </p:tav>
+                                        <p:tav tm="100000">
+                                          <p:val>
+                                            <p:strVal val="#ppt_y"/>
+                                          </p:val>
+                                        </p:tav>
+                                      </p:tavLst>
+                                    </p:anim>
+                                  </p:childTnLst>
+                                </p:cTn>
+                              </p:par>
+                              <p:par>
+                                <p:cTn id="33" presetID="42" presetClass="entr" presetSubtype="0" fill="hold" grpId="0" nodeType="withEffect">
+                                  <p:stCondLst>
+                                    <p:cond delay="0"/>
+                                  </p:stCondLst>
+                                  <p:childTnLst>
+                                    <p:set>
+                                      <p:cBhvr>
+                                        <p:cTn id="34" dur="1" fill="hold">
+                                          <p:stCondLst>
+                                            <p:cond delay="0"/>
+                                          </p:stCondLst>
+                                        </p:cTn>
+                                        <p:tgtEl>
+                                          <p:spTgt spid="10">
+                                            <p:txEl>
+                                              <p:pRg st="4" end="4"/>
+                                            </p:txEl>
+                                          </p:spTgt>
+                                        </p:tgtEl>
+                                        <p:attrNameLst>
+                                          <p:attrName>style.visibility</p:attrName>
+                                        </p:attrNameLst>
+                                      </p:cBhvr>
+                                      <p:to>
+                                        <p:strVal val="visible"/>
+                                      </p:to>
+                                    </p:set>
+                                    <p:animEffect transition="in" filter="fade">
+                                      <p:cBhvr>
+                                        <p:cTn id="35" dur="750"/>
+                                        <p:tgtEl>
+                                          <p:spTgt spid="10">
+                                            <p:txEl>
+                                              <p:pRg st="4" end="4"/>
+                                            </p:txEl>
+                                          </p:spTgt>
+                                        </p:tgtEl>
+                                      </p:cBhvr>
+                                    </p:animEffect>
+                                    <p:anim calcmode="lin" valueType="num">
+                                      <p:cBhvr>
+                                        <p:cTn id="36" dur="750" fill="hold"/>
+                                        <p:tgtEl>
+                                          <p:spTgt spid="10">
+                                            <p:txEl>
+                                              <p:pRg st="4" end="4"/>
+                                            </p:txEl>
+                                          </p:spTgt>
+                                        </p:tgtEl>
+                                        <p:attrNameLst>
+                                          <p:attrName>ppt_x</p:attrName>
+                                        </p:attrNameLst>
+                                      </p:cBhvr>
+                                      <p:tavLst>
+                                        <p:tav tm="0">
+                                          <p:val>
+                                            <p:strVal val="#ppt_x"/>
+                                          </p:val>
+                                        </p:tav>
+                                        <p:tav tm="100000">
+                                          <p:val>
+                                            <p:strVal val="#ppt_x"/>
+                                          </p:val>
+                                        </p:tav>
+                                      </p:tavLst>
+                                    </p:anim>
+                                    <p:anim calcmode="lin" valueType="num">
+                                      <p:cBhvr>
+                                        <p:cTn id="37" dur="750" fill="hold"/>
+                                        <p:tgtEl>
+                                          <p:spTgt spid="10">
+                                            <p:txEl>
+                                              <p:pRg st="4" end="4"/>
+                                            </p:txEl>
+                                          </p:spTgt>
+                                        </p:tgtEl>
+                                        <p:attrNameLst>
+                                          <p:attrName>ppt_y</p:attrName>
+                                        </p:attrNameLst>
+                                      </p:cBhvr>
+                                      <p:tavLst>
+                                        <p:tav tm="0">
+                                          <p:val>
+                                            <p:strVal val="#ppt_y+.1"/>
+                                          </p:val>
+                                        </p:tav>
+                                        <p:tav tm="100000">
+                                          <p:val>
+                                            <p:strVal val="#ppt_y"/>
+                                          </p:val>
+                                        </p:tav>
+                                      </p:tavLst>
+                                    </p:anim>
+                                  </p:childTnLst>
+                                </p:cTn>
+                              </p:par>
+                              <p:par>
+                                <p:cTn id="38" presetID="42" presetClass="entr" presetSubtype="0" fill="hold" grpId="0" nodeType="withEffect">
+                                  <p:stCondLst>
+                                    <p:cond delay="0"/>
+                                  </p:stCondLst>
+                                  <p:childTnLst>
+                                    <p:set>
+                                      <p:cBhvr>
+                                        <p:cTn id="39" dur="1" fill="hold">
+                                          <p:stCondLst>
+                                            <p:cond delay="0"/>
+                                          </p:stCondLst>
+                                        </p:cTn>
+                                        <p:tgtEl>
+                                          <p:spTgt spid="10">
+                                            <p:txEl>
+                                              <p:pRg st="5" end="5"/>
+                                            </p:txEl>
+                                          </p:spTgt>
+                                        </p:tgtEl>
+                                        <p:attrNameLst>
+                                          <p:attrName>style.visibility</p:attrName>
+                                        </p:attrNameLst>
+                                      </p:cBhvr>
+                                      <p:to>
+                                        <p:strVal val="visible"/>
+                                      </p:to>
+                                    </p:set>
+                                    <p:animEffect transition="in" filter="fade">
+                                      <p:cBhvr>
+                                        <p:cTn id="40" dur="750"/>
+                                        <p:tgtEl>
+                                          <p:spTgt spid="10">
+                                            <p:txEl>
+                                              <p:pRg st="5" end="5"/>
+                                            </p:txEl>
+                                          </p:spTgt>
+                                        </p:tgtEl>
+                                      </p:cBhvr>
+                                    </p:animEffect>
+                                    <p:anim calcmode="lin" valueType="num">
+                                      <p:cBhvr>
+                                        <p:cTn id="41" dur="750" fill="hold"/>
+                                        <p:tgtEl>
+                                          <p:spTgt spid="10">
+                                            <p:txEl>
+                                              <p:pRg st="5" end="5"/>
+                                            </p:txEl>
+                                          </p:spTgt>
+                                        </p:tgtEl>
+                                        <p:attrNameLst>
+                                          <p:attrName>ppt_x</p:attrName>
+                                        </p:attrNameLst>
+                                      </p:cBhvr>
+                                      <p:tavLst>
+                                        <p:tav tm="0">
+                                          <p:val>
+                                            <p:strVal val="#ppt_x"/>
+                                          </p:val>
+                                        </p:tav>
+                                        <p:tav tm="100000">
+                                          <p:val>
+                                            <p:strVal val="#ppt_x"/>
+                                          </p:val>
+                                        </p:tav>
+                                      </p:tavLst>
+                                    </p:anim>
+                                    <p:anim calcmode="lin" valueType="num">
+                                      <p:cBhvr>
+                                        <p:cTn id="42" dur="750" fill="hold"/>
+                                        <p:tgtEl>
+                                          <p:spTgt spid="10">
+                                            <p:txEl>
+                                              <p:pRg st="5" end="5"/>
+                                            </p:txEl>
+                                          </p:spTgt>
+                                        </p:tgtEl>
+                                        <p:attrNameLst>
+                                          <p:attrName>ppt_y</p:attrName>
+                                        </p:attrNameLst>
+                                      </p:cBhvr>
+                                      <p:tavLst>
+                                        <p:tav tm="0">
+                                          <p:val>
+                                            <p:strVal val="#ppt_y+.1"/>
+                                          </p:val>
+                                        </p:tav>
+                                        <p:tav tm="100000">
+                                          <p:val>
+                                            <p:strVal val="#ppt_y"/>
+                                          </p:val>
+                                        </p:tav>
+                                      </p:tavLst>
+                                    </p:anim>
+                                  </p:childTnLst>
+                                </p:cTn>
+                              </p:par>
+                            </p:childTnLst>
+                          </p:cTn>
+                        </p:par>
+                      </p:childTnLst>
+                    </p:cTn>
+                  </p:par>
+                  <p:par>
+                    <p:cTn id="43" fill="hold">
+                      <p:stCondLst>
+                        <p:cond delay="indefinite"/>
+                      </p:stCondLst>
+                      <p:childTnLst>
+                        <p:par>
+                          <p:cTn id="44" fill="hold">
+                            <p:stCondLst>
+                              <p:cond delay="0"/>
+                            </p:stCondLst>
+                            <p:childTnLst>
+                              <p:par>
+                                <p:cTn id="45" presetID="42" presetClass="entr" presetSubtype="0" fill="hold" grpId="0" nodeType="clickEffect">
+                                  <p:stCondLst>
+                                    <p:cond delay="0"/>
+                                  </p:stCondLst>
+                                  <p:childTnLst>
+                                    <p:set>
+                                      <p:cBhvr>
+                                        <p:cTn id="46" dur="1" fill="hold">
+                                          <p:stCondLst>
+                                            <p:cond delay="0"/>
+                                          </p:stCondLst>
+                                        </p:cTn>
+                                        <p:tgtEl>
+                                          <p:spTgt spid="10">
+                                            <p:txEl>
+                                              <p:pRg st="6" end="6"/>
+                                            </p:txEl>
+                                          </p:spTgt>
+                                        </p:tgtEl>
+                                        <p:attrNameLst>
+                                          <p:attrName>style.visibility</p:attrName>
+                                        </p:attrNameLst>
+                                      </p:cBhvr>
+                                      <p:to>
+                                        <p:strVal val="visible"/>
+                                      </p:to>
+                                    </p:set>
+                                    <p:animEffect transition="in" filter="fade">
+                                      <p:cBhvr>
+                                        <p:cTn id="47" dur="750"/>
+                                        <p:tgtEl>
+                                          <p:spTgt spid="10">
+                                            <p:txEl>
+                                              <p:pRg st="6" end="6"/>
+                                            </p:txEl>
+                                          </p:spTgt>
+                                        </p:tgtEl>
+                                      </p:cBhvr>
+                                    </p:animEffect>
+                                    <p:anim calcmode="lin" valueType="num">
+                                      <p:cBhvr>
+                                        <p:cTn id="48" dur="750" fill="hold"/>
+                                        <p:tgtEl>
+                                          <p:spTgt spid="10">
+                                            <p:txEl>
+                                              <p:pRg st="6" end="6"/>
+                                            </p:txEl>
+                                          </p:spTgt>
+                                        </p:tgtEl>
+                                        <p:attrNameLst>
+                                          <p:attrName>ppt_x</p:attrName>
+                                        </p:attrNameLst>
+                                      </p:cBhvr>
+                                      <p:tavLst>
+                                        <p:tav tm="0">
+                                          <p:val>
+                                            <p:strVal val="#ppt_x"/>
+                                          </p:val>
+                                        </p:tav>
+                                        <p:tav tm="100000">
+                                          <p:val>
+                                            <p:strVal val="#ppt_x"/>
+                                          </p:val>
+                                        </p:tav>
+                                      </p:tavLst>
+                                    </p:anim>
+                                    <p:anim calcmode="lin" valueType="num">
+                                      <p:cBhvr>
+                                        <p:cTn id="49" dur="750" fill="hold"/>
+                                        <p:tgtEl>
+                                          <p:spTgt spid="10">
+                                            <p:txEl>
+                                              <p:pRg st="6" end="6"/>
+                                            </p:txEl>
+                                          </p:spTgt>
+                                        </p:tgtEl>
+                                        <p:attrNameLst>
+                                          <p:attrName>ppt_y</p:attrName>
+                                        </p:attrNameLst>
+                                      </p:cBhvr>
+                                      <p:tavLst>
+                                        <p:tav tm="0">
+                                          <p:val>
+                                            <p:strVal val="#ppt_y+.1"/>
+                                          </p:val>
+                                        </p:tav>
+                                        <p:tav tm="100000">
+                                          <p:val>
+                                            <p:strVal val="#ppt_y"/>
+                                          </p:val>
+                                        </p:tav>
+                                      </p:tavLst>
+                                    </p:anim>
+                                  </p:childTnLst>
+                                </p:cTn>
+                              </p:par>
+                              <p:par>
+                                <p:cTn id="50" presetID="42" presetClass="entr" presetSubtype="0" fill="hold" grpId="0" nodeType="withEffect">
+                                  <p:stCondLst>
+                                    <p:cond delay="0"/>
+                                  </p:stCondLst>
+                                  <p:childTnLst>
+                                    <p:set>
+                                      <p:cBhvr>
+                                        <p:cTn id="51" dur="1" fill="hold">
+                                          <p:stCondLst>
+                                            <p:cond delay="0"/>
+                                          </p:stCondLst>
+                                        </p:cTn>
+                                        <p:tgtEl>
+                                          <p:spTgt spid="10">
+                                            <p:txEl>
+                                              <p:pRg st="7" end="7"/>
+                                            </p:txEl>
+                                          </p:spTgt>
+                                        </p:tgtEl>
+                                        <p:attrNameLst>
+                                          <p:attrName>style.visibility</p:attrName>
+                                        </p:attrNameLst>
+                                      </p:cBhvr>
+                                      <p:to>
+                                        <p:strVal val="visible"/>
+                                      </p:to>
+                                    </p:set>
+                                    <p:animEffect transition="in" filter="fade">
+                                      <p:cBhvr>
+                                        <p:cTn id="52" dur="750"/>
+                                        <p:tgtEl>
+                                          <p:spTgt spid="10">
+                                            <p:txEl>
+                                              <p:pRg st="7" end="7"/>
+                                            </p:txEl>
+                                          </p:spTgt>
+                                        </p:tgtEl>
+                                      </p:cBhvr>
+                                    </p:animEffect>
+                                    <p:anim calcmode="lin" valueType="num">
+                                      <p:cBhvr>
+                                        <p:cTn id="53" dur="750" fill="hold"/>
+                                        <p:tgtEl>
+                                          <p:spTgt spid="10">
+                                            <p:txEl>
+                                              <p:pRg st="7" end="7"/>
+                                            </p:txEl>
+                                          </p:spTgt>
+                                        </p:tgtEl>
+                                        <p:attrNameLst>
+                                          <p:attrName>ppt_x</p:attrName>
+                                        </p:attrNameLst>
+                                      </p:cBhvr>
+                                      <p:tavLst>
+                                        <p:tav tm="0">
+                                          <p:val>
+                                            <p:strVal val="#ppt_x"/>
+                                          </p:val>
+                                        </p:tav>
+                                        <p:tav tm="100000">
+                                          <p:val>
+                                            <p:strVal val="#ppt_x"/>
+                                          </p:val>
+                                        </p:tav>
+                                      </p:tavLst>
+                                    </p:anim>
+                                    <p:anim calcmode="lin" valueType="num">
+                                      <p:cBhvr>
+                                        <p:cTn id="54" dur="750" fill="hold"/>
+                                        <p:tgtEl>
+                                          <p:spTgt spid="10">
+                                            <p:txEl>
+                                              <p:pRg st="7" end="7"/>
+                                            </p:txEl>
+                                          </p:spTgt>
+                                        </p:tgtEl>
+                                        <p:attrNameLst>
+                                          <p:attrName>ppt_y</p:attrName>
+                                        </p:attrNameLst>
+                                      </p:cBhvr>
+                                      <p:tavLst>
+                                        <p:tav tm="0">
+                                          <p:val>
+                                            <p:strVal val="#ppt_y+.1"/>
+                                          </p:val>
+                                        </p:tav>
+                                        <p:tav tm="100000">
+                                          <p:val>
+                                            <p:strVal val="#ppt_y"/>
+                                          </p:val>
+                                        </p:tav>
+                                      </p:tavLst>
+                                    </p:anim>
+                                  </p:childTnLst>
+                                </p:cTn>
+                              </p:par>
+                            </p:childTnLst>
+                          </p:cTn>
+                        </p:par>
+                      </p:childTnLst>
+                    </p:cTn>
+                  </p:par>
+                </p:childTnLst>
+              </p:cTn>
+              <p:prevCondLst>
+                <p:cond evt="onPrev" delay="0">
+                  <p:tgtEl>
+                    <p:sldTgt/>
+                  </p:tgtEl>
+                </p:cond>
+              </p:prevCondLst>
+              <p:nextCondLst>
+                <p:cond evt="onNext" delay="0">
+                  <p:tgtEl>
+                    <p:sldTgt/>
+                  </p:tgtEl>
+                </p:cond>
+              </p:nextCondLst>
+            </p:seq>
+          </p:childTnLst>
+        </p:cTn>
       </p:par>
     </p:tnLst>
+    <p:bldLst>
+      <p:bldP spid="7" grpId="0"/>
+      <p:bldP spid="10" grpId="0" build="p"/>
+    </p:bldLst>
   </p:timing>
 </p:sld>
 </file>
@@ -34443,14 +35851,9 @@
   <p:clrMapOvr>
     <a:masterClrMapping/>
   </p:clrMapOvr>
-  <mc:AlternateContent xmlns:mc="http://schemas.openxmlformats.org/markup-compatibility/2006" xmlns:p14="http://schemas.microsoft.com/office/powerpoint/2010/main">
-    <mc:Choice Requires="p14">
-      <p:transition p14:dur="0"/>
-    </mc:Choice>
-    <mc:Fallback xmlns="">
-      <p:transition/>
-    </mc:Fallback>
-  </mc:AlternateContent>
+  <p:transition spd="slow">
+    <p:push dir="u"/>
+  </p:transition>
   <p:timing>
     <p:tnLst>
       <p:par>
@@ -34649,14 +36052,9 @@
   <p:clrMapOvr>
     <a:masterClrMapping/>
   </p:clrMapOvr>
-  <mc:AlternateContent xmlns:mc="http://schemas.openxmlformats.org/markup-compatibility/2006" xmlns:p14="http://schemas.microsoft.com/office/powerpoint/2010/main">
-    <mc:Choice Requires="p14">
-      <p:transition p14:dur="0"/>
-    </mc:Choice>
-    <mc:Fallback xmlns="">
-      <p:transition/>
-    </mc:Fallback>
-  </mc:AlternateContent>
+  <p:transition spd="slow">
+    <p:push/>
+  </p:transition>
   <p:timing>
     <p:tnLst>
       <p:par>
@@ -34992,14 +36390,9 @@
   <p:clrMapOvr>
     <a:masterClrMapping/>
   </p:clrMapOvr>
-  <mc:AlternateContent xmlns:mc="http://schemas.openxmlformats.org/markup-compatibility/2006" xmlns:p14="http://schemas.microsoft.com/office/powerpoint/2010/main">
-    <mc:Choice Requires="p14">
-      <p:transition p14:dur="0"/>
-    </mc:Choice>
-    <mc:Fallback xmlns="">
-      <p:transition/>
-    </mc:Fallback>
-  </mc:AlternateContent>
+  <p:transition spd="slow">
+    <p:push dir="u"/>
+  </p:transition>
   <p:timing>
     <p:tnLst>
       <p:par>
@@ -35175,7 +36568,7 @@
             <p:ph idx="4294967295"/>
             <p:extLst>
               <p:ext uri="{D42A27DB-BD31-4B8C-83A1-F6EECF244321}">
-                <p14:modId xmlns:p14="http://schemas.microsoft.com/office/powerpoint/2010/main" val="3832459353"/>
+                <p14:modId xmlns:p14="http://schemas.microsoft.com/office/powerpoint/2010/main" val="2768953104"/>
               </p:ext>
             </p:extLst>
           </p:nvPr>
@@ -35230,14 +36623,9 @@
   <p:clrMapOvr>
     <a:masterClrMapping/>
   </p:clrMapOvr>
-  <mc:AlternateContent xmlns:mc="http://schemas.openxmlformats.org/markup-compatibility/2006" xmlns:p14="http://schemas.microsoft.com/office/powerpoint/2010/main">
-    <mc:Choice Requires="p14">
-      <p:transition p14:dur="0"/>
-    </mc:Choice>
-    <mc:Fallback xmlns="">
-      <p:transition/>
-    </mc:Fallback>
-  </mc:AlternateContent>
+  <p:transition spd="slow">
+    <p:push/>
+  </p:transition>
   <p:timing>
     <p:tnLst>
       <p:par>
@@ -35495,14 +36883,9 @@
   <p:clrMapOvr>
     <a:masterClrMapping/>
   </p:clrMapOvr>
-  <mc:AlternateContent xmlns:mc="http://schemas.openxmlformats.org/markup-compatibility/2006" xmlns:p14="http://schemas.microsoft.com/office/powerpoint/2010/main">
-    <mc:Choice Requires="p14">
-      <p:transition p14:dur="0"/>
-    </mc:Choice>
-    <mc:Fallback xmlns="">
-      <p:transition/>
-    </mc:Fallback>
-  </mc:AlternateContent>
+  <p:transition spd="slow">
+    <p:push dir="u"/>
+  </p:transition>
   <p:timing>
     <p:tnLst>
       <p:par>

--- a/Seminar/Native Application Development Using Flutter.pptx
+++ b/Seminar/Native Application Development Using Flutter.pptx
@@ -920,10 +920,9 @@
         <a:lstStyle/>
         <a:p>
           <a:r>
-            <a:rPr lang="en-US" dirty="0" smtClean="0"/>
+            <a:rPr lang="en-US" dirty="0"/>
             <a:t>2015</a:t>
           </a:r>
-          <a:endParaRPr lang="en-US" dirty="0"/>
         </a:p>
       </dgm:t>
     </dgm:pt>
@@ -957,7 +956,7 @@
         <a:lstStyle/>
         <a:p>
           <a:r>
-            <a:rPr lang="en-US" dirty="0" smtClean="0">
+            <a:rPr lang="en-US" dirty="0">
               <a:solidFill>
                 <a:schemeClr val="bg1"/>
               </a:solidFill>
@@ -1004,11 +1003,11 @@
         <a:lstStyle/>
         <a:p>
           <a:r>
-            <a:rPr lang="en-US" sz="900" noProof="0" dirty="0" smtClean="0"/>
+            <a:rPr lang="en-US" sz="900" noProof="0" dirty="0"/>
             <a:t>September</a:t>
           </a:r>
           <a:r>
-            <a:rPr lang="en-US" sz="1100" noProof="0" dirty="0" smtClean="0"/>
+            <a:rPr lang="en-US" sz="1100" noProof="0" dirty="0"/>
             <a:t> 2018</a:t>
           </a:r>
           <a:endParaRPr lang="en-US" sz="1100" dirty="0"/>
@@ -1045,7 +1044,7 @@
         <a:lstStyle/>
         <a:p>
           <a:r>
-            <a:rPr lang="en-US" dirty="0" smtClean="0">
+            <a:rPr lang="en-US" dirty="0">
               <a:solidFill>
                 <a:schemeClr val="bg1"/>
               </a:solidFill>
@@ -1086,10 +1085,9 @@
         <a:lstStyle/>
         <a:p>
           <a:r>
-            <a:rPr lang="en-US" dirty="0" smtClean="0"/>
+            <a:rPr lang="en-US" dirty="0"/>
             <a:t>March 3 2021</a:t>
           </a:r>
-          <a:endParaRPr lang="en-US" dirty="0"/>
         </a:p>
       </dgm:t>
     </dgm:pt>
@@ -1123,10 +1121,9 @@
         <a:lstStyle/>
         <a:p>
           <a:r>
-            <a:rPr lang="en-US" dirty="0" smtClean="0"/>
+            <a:rPr lang="en-US" dirty="0"/>
             <a:t>May 6 2020</a:t>
           </a:r>
-          <a:endParaRPr lang="en-US" dirty="0"/>
         </a:p>
       </dgm:t>
     </dgm:pt>
@@ -1160,18 +1157,13 @@
         <a:lstStyle/>
         <a:p>
           <a:r>
-            <a:rPr lang="en-US" dirty="0" smtClean="0">
+            <a:rPr lang="en-US" dirty="0">
               <a:solidFill>
                 <a:schemeClr val="bg1"/>
               </a:solidFill>
             </a:rPr>
             <a:t>Dart 2.8 and Flutter 1.17.0 were released</a:t>
           </a:r>
-          <a:endParaRPr lang="en-US" dirty="0">
-            <a:solidFill>
-              <a:schemeClr val="bg1"/>
-            </a:solidFill>
-          </a:endParaRPr>
         </a:p>
       </dgm:t>
     </dgm:pt>
@@ -1205,18 +1197,13 @@
         <a:lstStyle/>
         <a:p>
           <a:r>
-            <a:rPr lang="en-US" dirty="0" smtClean="0">
+            <a:rPr lang="en-US" dirty="0">
               <a:solidFill>
                 <a:schemeClr val="bg1"/>
               </a:solidFill>
             </a:rPr>
             <a:t>Flutter version 2 released</a:t>
           </a:r>
-          <a:endParaRPr lang="en-US" dirty="0">
-            <a:solidFill>
-              <a:schemeClr val="bg1"/>
-            </a:solidFill>
-          </a:endParaRPr>
         </a:p>
       </dgm:t>
     </dgm:pt>
@@ -1287,18 +1274,13 @@
         <a:lstStyle/>
         <a:p>
           <a:r>
-            <a:rPr lang="en-US" dirty="0" smtClean="0">
+            <a:rPr lang="en-US" dirty="0">
               <a:solidFill>
                 <a:schemeClr val="bg1"/>
               </a:solidFill>
             </a:rPr>
             <a:t>added support for metal API, which improved performance on iOS devices (approx. 50%) , new material widgets, etc.</a:t>
           </a:r>
-          <a:endParaRPr lang="en-US" dirty="0">
-            <a:solidFill>
-              <a:schemeClr val="bg1"/>
-            </a:solidFill>
-          </a:endParaRPr>
         </a:p>
       </dgm:t>
     </dgm:pt>
@@ -1332,7 +1314,7 @@
         <a:lstStyle/>
         <a:p>
           <a:r>
-            <a:rPr lang="en-US" dirty="0" smtClean="0">
+            <a:rPr lang="en-US" dirty="0">
               <a:solidFill>
                 <a:schemeClr val="bg1"/>
               </a:solidFill>
@@ -1340,7 +1322,7 @@
             <a:t>Early access desktop application support for windows, </a:t>
           </a:r>
           <a:r>
-            <a:rPr lang="en-US" dirty="0" err="1" smtClean="0">
+            <a:rPr lang="en-US" dirty="0" err="1">
               <a:solidFill>
                 <a:schemeClr val="bg1"/>
               </a:solidFill>
@@ -1348,7 +1330,7 @@
             <a:t>macOS</a:t>
           </a:r>
           <a:r>
-            <a:rPr lang="en-US" dirty="0" smtClean="0">
+            <a:rPr lang="en-US" dirty="0">
               <a:solidFill>
                 <a:schemeClr val="bg1"/>
               </a:solidFill>
@@ -1356,14 +1338,14 @@
             <a:t> and </a:t>
           </a:r>
           <a:r>
-            <a:rPr lang="en-US" dirty="0" err="1" smtClean="0">
+            <a:rPr lang="en-US" dirty="0" err="1">
               <a:solidFill>
                 <a:schemeClr val="bg1"/>
               </a:solidFill>
             </a:rPr>
             <a:t>linux</a:t>
           </a:r>
-          <a:endParaRPr lang="en-US" dirty="0" smtClean="0">
+          <a:endParaRPr lang="en-US" dirty="0">
             <a:solidFill>
               <a:schemeClr val="bg1"/>
             </a:solidFill>
@@ -1401,18 +1383,13 @@
         <a:lstStyle/>
         <a:p>
           <a:r>
-            <a:rPr lang="en-US" dirty="0" smtClean="0">
+            <a:rPr lang="en-US" dirty="0">
               <a:solidFill>
                 <a:schemeClr val="bg1"/>
               </a:solidFill>
             </a:rPr>
             <a:t>Sound/concrete Null-safety</a:t>
           </a:r>
-          <a:endParaRPr lang="en-US" dirty="0">
-            <a:solidFill>
-              <a:schemeClr val="bg1"/>
-            </a:solidFill>
-          </a:endParaRPr>
         </a:p>
       </dgm:t>
     </dgm:pt>
@@ -1446,18 +1423,13 @@
         <a:lstStyle/>
         <a:p>
           <a:r>
-            <a:rPr lang="en-US" dirty="0" smtClean="0">
+            <a:rPr lang="en-US" dirty="0">
               <a:solidFill>
                 <a:schemeClr val="bg1"/>
               </a:solidFill>
             </a:rPr>
             <a:t>September 8 2021</a:t>
           </a:r>
-          <a:endParaRPr lang="en-US" dirty="0">
-            <a:solidFill>
-              <a:schemeClr val="bg1"/>
-            </a:solidFill>
-          </a:endParaRPr>
         </a:p>
       </dgm:t>
     </dgm:pt>
@@ -1491,18 +1463,13 @@
         <a:lstStyle/>
         <a:p>
           <a:r>
-            <a:rPr lang="en-US" dirty="0" smtClean="0">
+            <a:rPr lang="en-US" dirty="0">
               <a:solidFill>
                 <a:schemeClr val="bg1"/>
               </a:solidFill>
             </a:rPr>
             <a:t>Latest update</a:t>
           </a:r>
-          <a:endParaRPr lang="en-US" dirty="0">
-            <a:solidFill>
-              <a:schemeClr val="bg1"/>
-            </a:solidFill>
-          </a:endParaRPr>
         </a:p>
       </dgm:t>
     </dgm:pt>
@@ -1536,18 +1503,13 @@
         <a:lstStyle/>
         <a:p>
           <a:r>
-            <a:rPr lang="en-US" dirty="0" smtClean="0">
+            <a:rPr lang="en-US" dirty="0">
               <a:solidFill>
                 <a:schemeClr val="bg1"/>
               </a:solidFill>
             </a:rPr>
             <a:t>Added Google’s material Design called Material You</a:t>
           </a:r>
-          <a:endParaRPr lang="en-US" dirty="0">
-            <a:solidFill>
-              <a:schemeClr val="bg1"/>
-            </a:solidFill>
-          </a:endParaRPr>
         </a:p>
       </dgm:t>
     </dgm:pt>
@@ -1618,18 +1580,13 @@
         <a:lstStyle/>
         <a:p>
           <a:r>
-            <a:rPr lang="en-US" dirty="0" smtClean="0">
+            <a:rPr lang="en-US" dirty="0">
               <a:solidFill>
                 <a:schemeClr val="bg1"/>
               </a:solidFill>
             </a:rPr>
             <a:t>Dart version 2.14</a:t>
           </a:r>
-          <a:endParaRPr lang="en-US" dirty="0">
-            <a:solidFill>
-              <a:schemeClr val="bg1"/>
-            </a:solidFill>
-          </a:endParaRPr>
         </a:p>
       </dgm:t>
     </dgm:pt>
@@ -1663,18 +1620,13 @@
         <a:lstStyle/>
         <a:p>
           <a:r>
-            <a:rPr lang="en-US" dirty="0" smtClean="0">
+            <a:rPr lang="en-US" dirty="0">
               <a:solidFill>
                 <a:schemeClr val="bg1"/>
               </a:solidFill>
             </a:rPr>
             <a:t>Flutter version 2.5</a:t>
           </a:r>
-          <a:endParaRPr lang="en-US" dirty="0">
-            <a:solidFill>
-              <a:schemeClr val="bg1"/>
-            </a:solidFill>
-          </a:endParaRPr>
         </a:p>
       </dgm:t>
     </dgm:pt>
@@ -1709,24 +1661,10 @@
         </dgm:presLayoutVars>
       </dgm:prSet>
       <dgm:spPr/>
-      <dgm:t>
-        <a:bodyPr/>
-        <a:lstStyle/>
-        <a:p>
-          <a:endParaRPr lang="en-US"/>
-        </a:p>
-      </dgm:t>
     </dgm:pt>
     <dgm:pt modelId="{DB77968F-28AC-402A-ADE0-64611B01B33F}" type="pres">
       <dgm:prSet presAssocID="{79D5E37C-6EE5-46B4-B136-E5E388C14C15}" presName="composite" presStyleCnt="0"/>
       <dgm:spPr/>
-      <dgm:t>
-        <a:bodyPr/>
-        <a:lstStyle/>
-        <a:p>
-          <a:endParaRPr lang="en-US"/>
-        </a:p>
-      </dgm:t>
     </dgm:pt>
     <dgm:pt modelId="{87197975-52CC-4703-B090-3C0D7101D171}" type="pres">
       <dgm:prSet presAssocID="{79D5E37C-6EE5-46B4-B136-E5E388C14C15}" presName="Parent1" presStyleLbl="alignNode1" presStyleIdx="0" presStyleCnt="5">
@@ -1737,13 +1675,6 @@
         </dgm:presLayoutVars>
       </dgm:prSet>
       <dgm:spPr/>
-      <dgm:t>
-        <a:bodyPr/>
-        <a:lstStyle/>
-        <a:p>
-          <a:endParaRPr lang="en-US"/>
-        </a:p>
-      </dgm:t>
     </dgm:pt>
     <dgm:pt modelId="{95FCF055-303A-4445-9813-7E8E825042F7}" type="pres">
       <dgm:prSet presAssocID="{79D5E37C-6EE5-46B4-B136-E5E388C14C15}" presName="Childtext1" presStyleLbl="revTx" presStyleIdx="0" presStyleCnt="5">
@@ -1754,68 +1685,26 @@
         </dgm:presLayoutVars>
       </dgm:prSet>
       <dgm:spPr/>
-      <dgm:t>
-        <a:bodyPr/>
-        <a:lstStyle/>
-        <a:p>
-          <a:endParaRPr lang="en-US"/>
-        </a:p>
-      </dgm:t>
     </dgm:pt>
     <dgm:pt modelId="{D01E2BCD-A874-4A1C-89AC-5538E4157620}" type="pres">
       <dgm:prSet presAssocID="{79D5E37C-6EE5-46B4-B136-E5E388C14C15}" presName="ConnectLine" presStyleLbl="sibTrans1D1" presStyleIdx="0" presStyleCnt="5"/>
       <dgm:spPr/>
-      <dgm:t>
-        <a:bodyPr/>
-        <a:lstStyle/>
-        <a:p>
-          <a:endParaRPr lang="en-US"/>
-        </a:p>
-      </dgm:t>
     </dgm:pt>
     <dgm:pt modelId="{42FDB9A9-E4A8-41C4-8D31-90A173B96E5C}" type="pres">
       <dgm:prSet presAssocID="{79D5E37C-6EE5-46B4-B136-E5E388C14C15}" presName="ConnectLineEnd" presStyleLbl="node1" presStyleIdx="0" presStyleCnt="5"/>
       <dgm:spPr/>
-      <dgm:t>
-        <a:bodyPr/>
-        <a:lstStyle/>
-        <a:p>
-          <a:endParaRPr lang="en-US"/>
-        </a:p>
-      </dgm:t>
     </dgm:pt>
     <dgm:pt modelId="{3D54F6D0-2057-4B25-8365-ED10A3FE5FAC}" type="pres">
       <dgm:prSet presAssocID="{79D5E37C-6EE5-46B4-B136-E5E388C14C15}" presName="EmptyPane" presStyleCnt="0"/>
       <dgm:spPr/>
-      <dgm:t>
-        <a:bodyPr/>
-        <a:lstStyle/>
-        <a:p>
-          <a:endParaRPr lang="en-US"/>
-        </a:p>
-      </dgm:t>
     </dgm:pt>
     <dgm:pt modelId="{9B8552CD-49EF-4C0D-A1E0-14E2B93937C6}" type="pres">
       <dgm:prSet presAssocID="{5D7642E4-C295-4232-A0B9-FFB60ECA314A}" presName="spaceBetweenRectangles" presStyleLbl="fgAcc1" presStyleIdx="0" presStyleCnt="4"/>
       <dgm:spPr/>
-      <dgm:t>
-        <a:bodyPr/>
-        <a:lstStyle/>
-        <a:p>
-          <a:endParaRPr lang="en-US"/>
-        </a:p>
-      </dgm:t>
     </dgm:pt>
     <dgm:pt modelId="{B9613699-D389-47DE-94A2-9874595052A1}" type="pres">
       <dgm:prSet presAssocID="{5A7CD7F9-CA4B-4E8F-A1BF-F25860D96E9D}" presName="composite" presStyleCnt="0"/>
       <dgm:spPr/>
-      <dgm:t>
-        <a:bodyPr/>
-        <a:lstStyle/>
-        <a:p>
-          <a:endParaRPr lang="en-US"/>
-        </a:p>
-      </dgm:t>
     </dgm:pt>
     <dgm:pt modelId="{26B4BD2F-FDF2-43F2-B16B-BEB2D2725732}" type="pres">
       <dgm:prSet presAssocID="{5A7CD7F9-CA4B-4E8F-A1BF-F25860D96E9D}" presName="Parent1" presStyleLbl="alignNode1" presStyleIdx="1" presStyleCnt="5">
@@ -1826,13 +1715,6 @@
         </dgm:presLayoutVars>
       </dgm:prSet>
       <dgm:spPr/>
-      <dgm:t>
-        <a:bodyPr/>
-        <a:lstStyle/>
-        <a:p>
-          <a:endParaRPr lang="en-US"/>
-        </a:p>
-      </dgm:t>
     </dgm:pt>
     <dgm:pt modelId="{6C70F55F-492B-43E5-837C-20655AECEE3D}" type="pres">
       <dgm:prSet presAssocID="{5A7CD7F9-CA4B-4E8F-A1BF-F25860D96E9D}" presName="Childtext1" presStyleLbl="revTx" presStyleIdx="1" presStyleCnt="5">
@@ -1843,68 +1725,26 @@
         </dgm:presLayoutVars>
       </dgm:prSet>
       <dgm:spPr/>
-      <dgm:t>
-        <a:bodyPr/>
-        <a:lstStyle/>
-        <a:p>
-          <a:endParaRPr lang="en-US"/>
-        </a:p>
-      </dgm:t>
     </dgm:pt>
     <dgm:pt modelId="{EFE2D3E2-1871-4306-945A-082E4C6DFF62}" type="pres">
       <dgm:prSet presAssocID="{5A7CD7F9-CA4B-4E8F-A1BF-F25860D96E9D}" presName="ConnectLine" presStyleLbl="sibTrans1D1" presStyleIdx="1" presStyleCnt="5"/>
       <dgm:spPr/>
-      <dgm:t>
-        <a:bodyPr/>
-        <a:lstStyle/>
-        <a:p>
-          <a:endParaRPr lang="en-US"/>
-        </a:p>
-      </dgm:t>
     </dgm:pt>
     <dgm:pt modelId="{1FA22CC1-F421-42D7-B327-A0748A5CA8CA}" type="pres">
       <dgm:prSet presAssocID="{5A7CD7F9-CA4B-4E8F-A1BF-F25860D96E9D}" presName="ConnectLineEnd" presStyleLbl="node1" presStyleIdx="1" presStyleCnt="5"/>
       <dgm:spPr/>
-      <dgm:t>
-        <a:bodyPr/>
-        <a:lstStyle/>
-        <a:p>
-          <a:endParaRPr lang="en-US"/>
-        </a:p>
-      </dgm:t>
     </dgm:pt>
     <dgm:pt modelId="{B9AAF34C-316B-4600-BE86-CE8E2DB2A167}" type="pres">
       <dgm:prSet presAssocID="{5A7CD7F9-CA4B-4E8F-A1BF-F25860D96E9D}" presName="EmptyPane" presStyleCnt="0"/>
       <dgm:spPr/>
-      <dgm:t>
-        <a:bodyPr/>
-        <a:lstStyle/>
-        <a:p>
-          <a:endParaRPr lang="en-US"/>
-        </a:p>
-      </dgm:t>
     </dgm:pt>
     <dgm:pt modelId="{237EB574-03EA-4B5E-A071-20BFF7A94025}" type="pres">
       <dgm:prSet presAssocID="{22778933-56E6-4E89-B68E-F8578CFE0734}" presName="spaceBetweenRectangles" presStyleLbl="fgAcc1" presStyleIdx="1" presStyleCnt="4"/>
       <dgm:spPr/>
-      <dgm:t>
-        <a:bodyPr/>
-        <a:lstStyle/>
-        <a:p>
-          <a:endParaRPr lang="en-US"/>
-        </a:p>
-      </dgm:t>
     </dgm:pt>
     <dgm:pt modelId="{EAA504A5-1C00-47D1-90A8-1584C66F8D07}" type="pres">
       <dgm:prSet presAssocID="{BF7B65A0-B8A9-4824-BBB5-B840C16DC4D3}" presName="composite" presStyleCnt="0"/>
       <dgm:spPr/>
-      <dgm:t>
-        <a:bodyPr/>
-        <a:lstStyle/>
-        <a:p>
-          <a:endParaRPr lang="en-US"/>
-        </a:p>
-      </dgm:t>
     </dgm:pt>
     <dgm:pt modelId="{EDDEEEA7-0EBE-4309-92B6-CBFCB63E298E}" type="pres">
       <dgm:prSet presAssocID="{BF7B65A0-B8A9-4824-BBB5-B840C16DC4D3}" presName="Parent1" presStyleLbl="alignNode1" presStyleIdx="2" presStyleCnt="5">
@@ -1915,13 +1755,6 @@
         </dgm:presLayoutVars>
       </dgm:prSet>
       <dgm:spPr/>
-      <dgm:t>
-        <a:bodyPr/>
-        <a:lstStyle/>
-        <a:p>
-          <a:endParaRPr lang="en-US"/>
-        </a:p>
-      </dgm:t>
     </dgm:pt>
     <dgm:pt modelId="{3FF769B3-EBB3-46FA-AC04-7A2FFA9A03FD}" type="pres">
       <dgm:prSet presAssocID="{BF7B65A0-B8A9-4824-BBB5-B840C16DC4D3}" presName="Childtext1" presStyleLbl="revTx" presStyleIdx="2" presStyleCnt="5">
@@ -1932,68 +1765,26 @@
         </dgm:presLayoutVars>
       </dgm:prSet>
       <dgm:spPr/>
-      <dgm:t>
-        <a:bodyPr/>
-        <a:lstStyle/>
-        <a:p>
-          <a:endParaRPr lang="en-US"/>
-        </a:p>
-      </dgm:t>
     </dgm:pt>
     <dgm:pt modelId="{80E1D005-1308-4325-A0AB-6379393309F1}" type="pres">
       <dgm:prSet presAssocID="{BF7B65A0-B8A9-4824-BBB5-B840C16DC4D3}" presName="ConnectLine" presStyleLbl="sibTrans1D1" presStyleIdx="2" presStyleCnt="5"/>
       <dgm:spPr/>
-      <dgm:t>
-        <a:bodyPr/>
-        <a:lstStyle/>
-        <a:p>
-          <a:endParaRPr lang="en-US"/>
-        </a:p>
-      </dgm:t>
     </dgm:pt>
     <dgm:pt modelId="{9FAFC1ED-AD9C-40FB-B5F1-78ADEF2DA146}" type="pres">
       <dgm:prSet presAssocID="{BF7B65A0-B8A9-4824-BBB5-B840C16DC4D3}" presName="ConnectLineEnd" presStyleLbl="node1" presStyleIdx="2" presStyleCnt="5"/>
       <dgm:spPr/>
-      <dgm:t>
-        <a:bodyPr/>
-        <a:lstStyle/>
-        <a:p>
-          <a:endParaRPr lang="en-US"/>
-        </a:p>
-      </dgm:t>
     </dgm:pt>
     <dgm:pt modelId="{16401244-E64B-4D38-82A6-B4998883E778}" type="pres">
       <dgm:prSet presAssocID="{BF7B65A0-B8A9-4824-BBB5-B840C16DC4D3}" presName="EmptyPane" presStyleCnt="0"/>
       <dgm:spPr/>
-      <dgm:t>
-        <a:bodyPr/>
-        <a:lstStyle/>
-        <a:p>
-          <a:endParaRPr lang="en-US"/>
-        </a:p>
-      </dgm:t>
     </dgm:pt>
     <dgm:pt modelId="{637AC142-F56B-4B60-9F6F-D18D8FF387A2}" type="pres">
       <dgm:prSet presAssocID="{D553F764-BD29-484A-AE95-30B7367F20E9}" presName="spaceBetweenRectangles" presStyleLbl="fgAcc1" presStyleIdx="2" presStyleCnt="4"/>
       <dgm:spPr/>
-      <dgm:t>
-        <a:bodyPr/>
-        <a:lstStyle/>
-        <a:p>
-          <a:endParaRPr lang="en-US"/>
-        </a:p>
-      </dgm:t>
     </dgm:pt>
     <dgm:pt modelId="{6DBE62FA-794C-4105-8EB6-A1280C03A090}" type="pres">
       <dgm:prSet presAssocID="{FFE567C5-C3A8-4B47-B591-DC085C60DAC7}" presName="composite" presStyleCnt="0"/>
       <dgm:spPr/>
-      <dgm:t>
-        <a:bodyPr/>
-        <a:lstStyle/>
-        <a:p>
-          <a:endParaRPr lang="en-US"/>
-        </a:p>
-      </dgm:t>
     </dgm:pt>
     <dgm:pt modelId="{09D5C208-0E39-443A-A61D-064E98ACAF95}" type="pres">
       <dgm:prSet presAssocID="{FFE567C5-C3A8-4B47-B591-DC085C60DAC7}" presName="Parent1" presStyleLbl="alignNode1" presStyleIdx="3" presStyleCnt="5">
@@ -2004,13 +1795,6 @@
         </dgm:presLayoutVars>
       </dgm:prSet>
       <dgm:spPr/>
-      <dgm:t>
-        <a:bodyPr/>
-        <a:lstStyle/>
-        <a:p>
-          <a:endParaRPr lang="en-US"/>
-        </a:p>
-      </dgm:t>
     </dgm:pt>
     <dgm:pt modelId="{762FD493-4EA0-44DA-B9A9-5048AC5F6B29}" type="pres">
       <dgm:prSet presAssocID="{FFE567C5-C3A8-4B47-B591-DC085C60DAC7}" presName="Childtext1" presStyleLbl="revTx" presStyleIdx="3" presStyleCnt="5">
@@ -2021,46 +1805,18 @@
         </dgm:presLayoutVars>
       </dgm:prSet>
       <dgm:spPr/>
-      <dgm:t>
-        <a:bodyPr/>
-        <a:lstStyle/>
-        <a:p>
-          <a:endParaRPr lang="en-US"/>
-        </a:p>
-      </dgm:t>
     </dgm:pt>
     <dgm:pt modelId="{48079405-CC48-4C93-A273-947A34AF6229}" type="pres">
       <dgm:prSet presAssocID="{FFE567C5-C3A8-4B47-B591-DC085C60DAC7}" presName="ConnectLine" presStyleLbl="sibTrans1D1" presStyleIdx="3" presStyleCnt="5"/>
       <dgm:spPr/>
-      <dgm:t>
-        <a:bodyPr/>
-        <a:lstStyle/>
-        <a:p>
-          <a:endParaRPr lang="en-US"/>
-        </a:p>
-      </dgm:t>
     </dgm:pt>
     <dgm:pt modelId="{762B6ABF-F558-4F90-BDB7-29DF6C1C378B}" type="pres">
       <dgm:prSet presAssocID="{FFE567C5-C3A8-4B47-B591-DC085C60DAC7}" presName="ConnectLineEnd" presStyleLbl="node1" presStyleIdx="3" presStyleCnt="5"/>
       <dgm:spPr/>
-      <dgm:t>
-        <a:bodyPr/>
-        <a:lstStyle/>
-        <a:p>
-          <a:endParaRPr lang="en-US"/>
-        </a:p>
-      </dgm:t>
     </dgm:pt>
     <dgm:pt modelId="{6A64F6AE-8171-4F7A-9799-44B15CAC0519}" type="pres">
       <dgm:prSet presAssocID="{FFE567C5-C3A8-4B47-B591-DC085C60DAC7}" presName="EmptyPane" presStyleCnt="0"/>
       <dgm:spPr/>
-      <dgm:t>
-        <a:bodyPr/>
-        <a:lstStyle/>
-        <a:p>
-          <a:endParaRPr lang="en-US"/>
-        </a:p>
-      </dgm:t>
     </dgm:pt>
     <dgm:pt modelId="{9713A1CC-0FB8-4C6E-918F-01FC945A87E0}" type="pres">
       <dgm:prSet presAssocID="{97E882DF-C545-4550-A9F5-FA0F24A95E5B}" presName="spaceBetweenRectangles" presStyleLbl="fgAcc1" presStyleIdx="3" presStyleCnt="4"/>
@@ -2079,13 +1835,6 @@
         </dgm:presLayoutVars>
       </dgm:prSet>
       <dgm:spPr/>
-      <dgm:t>
-        <a:bodyPr/>
-        <a:lstStyle/>
-        <a:p>
-          <a:endParaRPr lang="en-US"/>
-        </a:p>
-      </dgm:t>
     </dgm:pt>
     <dgm:pt modelId="{5FFA6619-C842-481A-9C1C-A25C4E89333D}" type="pres">
       <dgm:prSet presAssocID="{AEA4467F-AC7C-48F7-A764-1C1F672298CB}" presName="Childtext1" presStyleLbl="revTx" presStyleIdx="4" presStyleCnt="5">
@@ -2096,13 +1845,6 @@
         </dgm:presLayoutVars>
       </dgm:prSet>
       <dgm:spPr/>
-      <dgm:t>
-        <a:bodyPr/>
-        <a:lstStyle/>
-        <a:p>
-          <a:endParaRPr lang="en-US"/>
-        </a:p>
-      </dgm:t>
     </dgm:pt>
     <dgm:pt modelId="{68CCBDC1-1647-49FF-BDB7-F1273123287B}" type="pres">
       <dgm:prSet presAssocID="{AEA4467F-AC7C-48F7-A764-1C1F672298CB}" presName="ConnectLine" presStyleLbl="sibTrans1D1" presStyleIdx="4" presStyleCnt="5"/>
@@ -2118,43 +1860,43 @@
     </dgm:pt>
   </dgm:ptLst>
   <dgm:cxnLst>
+    <dgm:cxn modelId="{601E6A07-9361-4AB8-B85A-76362CAA9195}" srcId="{BF7B65A0-B8A9-4824-BBB5-B840C16DC4D3}" destId="{47D82ED1-70AE-47B8-B8E4-572459D48835}" srcOrd="0" destOrd="0" parTransId="{3015880A-9729-41A5-89DB-751DDD682333}" sibTransId="{9C644BBF-63B0-4953-811B-5AA2FE602A04}"/>
+    <dgm:cxn modelId="{4E4EE307-48A0-4A12-B296-BACE516E295E}" srcId="{AEA4467F-AC7C-48F7-A764-1C1F672298CB}" destId="{2E931BC0-5439-4A1B-B724-59BE1F60C58B}" srcOrd="2" destOrd="0" parTransId="{542A635A-17CD-4745-A9BF-13EA1979E468}" sibTransId="{21483BF3-2A02-4768-A3B6-C89F2BEA7F37}"/>
+    <dgm:cxn modelId="{8668B309-818E-4D64-A43A-A3D51BDFF9E4}" srcId="{AB08BA36-A16A-4C16-8F63-9AEE3FB76278}" destId="{5A7CD7F9-CA4B-4E8F-A1BF-F25860D96E9D}" srcOrd="1" destOrd="0" parTransId="{D4EECE8E-3013-448B-9DF7-8C096854C02A}" sibTransId="{22778933-56E6-4E89-B68E-F8578CFE0734}"/>
+    <dgm:cxn modelId="{EC91810C-6320-4831-BD73-7CC4C1F72B9A}" type="presOf" srcId="{8DA61C11-7363-4E0F-A9EA-0A3987DA4ED5}" destId="{3FF769B3-EBB3-46FA-AC04-7A2FFA9A03FD}" srcOrd="0" destOrd="1" presId="urn:microsoft.com/office/officeart/2016/7/layout/HexagonTimeline"/>
+    <dgm:cxn modelId="{B745CB0E-4420-42CE-BF18-F86315D692F3}" type="presOf" srcId="{6F38A7FC-4560-4FE1-B0BA-2A5F5100D89D}" destId="{5FFA6619-C842-481A-9C1C-A25C4E89333D}" srcOrd="0" destOrd="0" presId="urn:microsoft.com/office/officeart/2016/7/layout/HexagonTimeline"/>
+    <dgm:cxn modelId="{03120A16-32A3-4731-B0E9-0F5CFF5427F7}" srcId="{AEA4467F-AC7C-48F7-A764-1C1F672298CB}" destId="{F437B6F7-49FA-4FDD-9211-0F3B65AAF7FF}" srcOrd="1" destOrd="0" parTransId="{48E13A1F-40E9-4145-8A5D-DF31208517FB}" sibTransId="{47A19209-B432-421C-B5A9-28B54BB7191F}"/>
+    <dgm:cxn modelId="{0AE60A1A-0083-473E-BFEA-17ECD2BAB5B8}" srcId="{AB08BA36-A16A-4C16-8F63-9AEE3FB76278}" destId="{FFE567C5-C3A8-4B47-B591-DC085C60DAC7}" srcOrd="3" destOrd="0" parTransId="{20F89FC4-E8A2-4AF8-8A03-9D50B91933B9}" sibTransId="{97E882DF-C545-4550-A9F5-FA0F24A95E5B}"/>
+    <dgm:cxn modelId="{165DF51B-8E25-497D-A988-900451E3253D}" srcId="{AEA4467F-AC7C-48F7-A764-1C1F672298CB}" destId="{DF7302C6-BCB3-4FF8-ACFF-8376C3C7F658}" srcOrd="4" destOrd="0" parTransId="{7AA39693-EE04-42C5-8D2D-9F768E4C10DC}" sibTransId="{FC060561-C2A7-45C3-9D9F-00010B59CD2B}"/>
+    <dgm:cxn modelId="{B66FC421-595C-4F7B-90EF-A74B83304600}" srcId="{AB08BA36-A16A-4C16-8F63-9AEE3FB76278}" destId="{BF7B65A0-B8A9-4824-BBB5-B840C16DC4D3}" srcOrd="2" destOrd="0" parTransId="{07C91C22-38DD-4EFC-B7D3-25CE43AB3EAC}" sibTransId="{D553F764-BD29-484A-AE95-30B7367F20E9}"/>
+    <dgm:cxn modelId="{3DA71425-3D79-4A5A-BC45-DF68DAC60E3D}" type="presOf" srcId="{BF7B65A0-B8A9-4824-BBB5-B840C16DC4D3}" destId="{EDDEEEA7-0EBE-4309-92B6-CBFCB63E298E}" srcOrd="0" destOrd="0" presId="urn:microsoft.com/office/officeart/2016/7/layout/HexagonTimeline"/>
+    <dgm:cxn modelId="{64E84A28-5FFF-4DDD-BE80-1394C9719578}" srcId="{BF7B65A0-B8A9-4824-BBB5-B840C16DC4D3}" destId="{8DA61C11-7363-4E0F-A9EA-0A3987DA4ED5}" srcOrd="1" destOrd="0" parTransId="{DC79203E-58F4-4DE8-AD97-E62882E0F9D5}" sibTransId="{9CB454EC-423D-4E2E-BA85-89697C9358B6}"/>
+    <dgm:cxn modelId="{56BFC82A-B3C7-4D8B-B364-019866A43DF2}" type="presOf" srcId="{79D5E37C-6EE5-46B4-B136-E5E388C14C15}" destId="{87197975-52CC-4703-B090-3C0D7101D171}" srcOrd="0" destOrd="0" presId="urn:microsoft.com/office/officeart/2016/7/layout/HexagonTimeline"/>
+    <dgm:cxn modelId="{67A01B2D-2B8A-45A9-80B5-3F679581A74F}" type="presOf" srcId="{92D678A5-2F71-424A-B0C7-699DEC33CB2A}" destId="{762FD493-4EA0-44DA-B9A9-5048AC5F6B29}" srcOrd="0" destOrd="0" presId="urn:microsoft.com/office/officeart/2016/7/layout/HexagonTimeline"/>
+    <dgm:cxn modelId="{92591740-EB15-48C1-BB18-BE890A1844A4}" type="presOf" srcId="{DC02E79E-AD7C-4111-B544-570A7C9D01C1}" destId="{3FF769B3-EBB3-46FA-AC04-7A2FFA9A03FD}" srcOrd="0" destOrd="2" presId="urn:microsoft.com/office/officeart/2016/7/layout/HexagonTimeline"/>
+    <dgm:cxn modelId="{871F3F63-B53F-4AF3-A020-E34A85A1AC22}" srcId="{FFE567C5-C3A8-4B47-B591-DC085C60DAC7}" destId="{AA884D29-253F-4C51-9FE2-E48F9DDFFD1F}" srcOrd="1" destOrd="0" parTransId="{9D354233-DF4C-4C86-849A-DA642ED6B05B}" sibTransId="{1AE585CF-5FED-4B1F-9916-4D8779F56747}"/>
+    <dgm:cxn modelId="{6FBD116B-21DE-4432-9CE0-1E006F7FB2D7}" type="presOf" srcId="{648C78E5-B029-4C2F-9CAE-E81FC7B82DE8}" destId="{5FFA6619-C842-481A-9C1C-A25C4E89333D}" srcOrd="0" destOrd="3" presId="urn:microsoft.com/office/officeart/2016/7/layout/HexagonTimeline"/>
+    <dgm:cxn modelId="{F8DCE64F-0CDA-4F47-A51D-A37BFD6B9D59}" type="presOf" srcId="{AB08BA36-A16A-4C16-8F63-9AEE3FB76278}" destId="{BA270F43-0C36-4246-8BB8-6065D927DFD3}" srcOrd="0" destOrd="0" presId="urn:microsoft.com/office/officeart/2016/7/layout/HexagonTimeline"/>
+    <dgm:cxn modelId="{9FCCD151-0DDC-471C-BE05-B79ECB0A8108}" srcId="{AEA4467F-AC7C-48F7-A764-1C1F672298CB}" destId="{648C78E5-B029-4C2F-9CAE-E81FC7B82DE8}" srcOrd="3" destOrd="0" parTransId="{E0FD5FF6-7433-40B4-B2B0-747D1EB03A93}" sibTransId="{3A81F8BE-8A40-474D-A456-459C047E0412}"/>
     <dgm:cxn modelId="{E6376A75-296B-46C4-9642-89B492D053AE}" type="presOf" srcId="{A11BB080-50F1-451A-BE43-CB39B658105C}" destId="{762FD493-4EA0-44DA-B9A9-5048AC5F6B29}" srcOrd="0" destOrd="2" presId="urn:microsoft.com/office/officeart/2016/7/layout/HexagonTimeline"/>
-    <dgm:cxn modelId="{B66FC421-595C-4F7B-90EF-A74B83304600}" srcId="{AB08BA36-A16A-4C16-8F63-9AEE3FB76278}" destId="{BF7B65A0-B8A9-4824-BBB5-B840C16DC4D3}" srcOrd="2" destOrd="0" parTransId="{07C91C22-38DD-4EFC-B7D3-25CE43AB3EAC}" sibTransId="{D553F764-BD29-484A-AE95-30B7367F20E9}"/>
-    <dgm:cxn modelId="{0AE60A1A-0083-473E-BFEA-17ECD2BAB5B8}" srcId="{AB08BA36-A16A-4C16-8F63-9AEE3FB76278}" destId="{FFE567C5-C3A8-4B47-B591-DC085C60DAC7}" srcOrd="3" destOrd="0" parTransId="{20F89FC4-E8A2-4AF8-8A03-9D50B91933B9}" sibTransId="{97E882DF-C545-4550-A9F5-FA0F24A95E5B}"/>
-    <dgm:cxn modelId="{56BFC82A-B3C7-4D8B-B364-019866A43DF2}" type="presOf" srcId="{79D5E37C-6EE5-46B4-B136-E5E388C14C15}" destId="{87197975-52CC-4703-B090-3C0D7101D171}" srcOrd="0" destOrd="0" presId="urn:microsoft.com/office/officeart/2016/7/layout/HexagonTimeline"/>
-    <dgm:cxn modelId="{03120A16-32A3-4731-B0E9-0F5CFF5427F7}" srcId="{AEA4467F-AC7C-48F7-A764-1C1F672298CB}" destId="{F437B6F7-49FA-4FDD-9211-0F3B65AAF7FF}" srcOrd="1" destOrd="0" parTransId="{48E13A1F-40E9-4145-8A5D-DF31208517FB}" sibTransId="{47A19209-B432-421C-B5A9-28B54BB7191F}"/>
-    <dgm:cxn modelId="{BCE39BB1-C22E-497B-987C-BCBDA5A4375D}" srcId="{AB08BA36-A16A-4C16-8F63-9AEE3FB76278}" destId="{79D5E37C-6EE5-46B4-B136-E5E388C14C15}" srcOrd="0" destOrd="0" parTransId="{BE57F84A-B207-4C0D-8E09-A4D38A4F8E76}" sibTransId="{5D7642E4-C295-4232-A0B9-FFB60ECA314A}"/>
-    <dgm:cxn modelId="{B42B8BB0-3A87-4D71-93BE-214D88A3BCF1}" type="presOf" srcId="{3E75349A-CDC7-4946-94A4-E34887B449BA}" destId="{95FCF055-303A-4445-9813-7E8E825042F7}" srcOrd="0" destOrd="0" presId="urn:microsoft.com/office/officeart/2016/7/layout/HexagonTimeline"/>
-    <dgm:cxn modelId="{67A01B2D-2B8A-45A9-80B5-3F679581A74F}" type="presOf" srcId="{92D678A5-2F71-424A-B0C7-699DEC33CB2A}" destId="{762FD493-4EA0-44DA-B9A9-5048AC5F6B29}" srcOrd="0" destOrd="0" presId="urn:microsoft.com/office/officeart/2016/7/layout/HexagonTimeline"/>
+    <dgm:cxn modelId="{0BB15255-C49D-4D8F-9D30-72ECF5634EE4}" srcId="{BF7B65A0-B8A9-4824-BBB5-B840C16DC4D3}" destId="{DC02E79E-AD7C-4111-B544-570A7C9D01C1}" srcOrd="2" destOrd="0" parTransId="{D755A940-95F4-42CB-843A-E0C8B28D8CB1}" sibTransId="{4B14DEE6-3110-4F4E-BBB6-C7F2AEBD4C82}"/>
+    <dgm:cxn modelId="{14C6117C-EF13-4301-AFE8-8C7824C7F2FB}" type="presOf" srcId="{2E931BC0-5439-4A1B-B724-59BE1F60C58B}" destId="{5FFA6619-C842-481A-9C1C-A25C4E89333D}" srcOrd="0" destOrd="2" presId="urn:microsoft.com/office/officeart/2016/7/layout/HexagonTimeline"/>
+    <dgm:cxn modelId="{CD5F7384-F42E-47EB-A5DD-AC4847277DA6}" srcId="{5A7CD7F9-CA4B-4E8F-A1BF-F25860D96E9D}" destId="{721865A7-48DF-48AF-B013-2706AB04AECB}" srcOrd="0" destOrd="0" parTransId="{9867F13E-F6DE-45B4-9F66-F9748662E707}" sibTransId="{C10D6369-C1DA-4ABD-A9C2-1793F41241FC}"/>
+    <dgm:cxn modelId="{0329FC8D-FDC9-4D59-A541-62A856B83364}" type="presOf" srcId="{F437B6F7-49FA-4FDD-9211-0F3B65AAF7FF}" destId="{5FFA6619-C842-481A-9C1C-A25C4E89333D}" srcOrd="0" destOrd="1" presId="urn:microsoft.com/office/officeart/2016/7/layout/HexagonTimeline"/>
+    <dgm:cxn modelId="{3DB4E192-66E7-4949-8096-6EF28E879908}" type="presOf" srcId="{47D82ED1-70AE-47B8-B8E4-572459D48835}" destId="{3FF769B3-EBB3-46FA-AC04-7A2FFA9A03FD}" srcOrd="0" destOrd="0" presId="urn:microsoft.com/office/officeart/2016/7/layout/HexagonTimeline"/>
     <dgm:cxn modelId="{43D2459B-6CAD-4AE7-887E-1FDF154B4C04}" srcId="{FFE567C5-C3A8-4B47-B591-DC085C60DAC7}" destId="{A11BB080-50F1-451A-BE43-CB39B658105C}" srcOrd="2" destOrd="0" parTransId="{A0D98467-45EF-4984-8F07-7DA7C7260BE5}" sibTransId="{F23B53C3-DF57-4E81-BFC1-3ED976B2144C}"/>
-    <dgm:cxn modelId="{4E4EE307-48A0-4A12-B296-BACE516E295E}" srcId="{AEA4467F-AC7C-48F7-A764-1C1F672298CB}" destId="{2E931BC0-5439-4A1B-B724-59BE1F60C58B}" srcOrd="2" destOrd="0" parTransId="{542A635A-17CD-4745-A9BF-13EA1979E468}" sibTransId="{21483BF3-2A02-4768-A3B6-C89F2BEA7F37}"/>
-    <dgm:cxn modelId="{6FBD116B-21DE-4432-9CE0-1E006F7FB2D7}" type="presOf" srcId="{648C78E5-B029-4C2F-9CAE-E81FC7B82DE8}" destId="{5FFA6619-C842-481A-9C1C-A25C4E89333D}" srcOrd="0" destOrd="3" presId="urn:microsoft.com/office/officeart/2016/7/layout/HexagonTimeline"/>
-    <dgm:cxn modelId="{0EF178EE-B576-488E-ABC8-73C0DD101782}" type="presOf" srcId="{AA884D29-253F-4C51-9FE2-E48F9DDFFD1F}" destId="{762FD493-4EA0-44DA-B9A9-5048AC5F6B29}" srcOrd="0" destOrd="1" presId="urn:microsoft.com/office/officeart/2016/7/layout/HexagonTimeline"/>
-    <dgm:cxn modelId="{A0D1E8C0-080F-4E37-B3D9-2FEDB1A592A0}" type="presOf" srcId="{AEA4467F-AC7C-48F7-A764-1C1F672298CB}" destId="{88D785B7-C863-44BE-BCCB-CA8158724232}" srcOrd="0" destOrd="0" presId="urn:microsoft.com/office/officeart/2016/7/layout/HexagonTimeline"/>
-    <dgm:cxn modelId="{871F3F63-B53F-4AF3-A020-E34A85A1AC22}" srcId="{FFE567C5-C3A8-4B47-B591-DC085C60DAC7}" destId="{AA884D29-253F-4C51-9FE2-E48F9DDFFD1F}" srcOrd="1" destOrd="0" parTransId="{9D354233-DF4C-4C86-849A-DA642ED6B05B}" sibTransId="{1AE585CF-5FED-4B1F-9916-4D8779F56747}"/>
-    <dgm:cxn modelId="{A14198BF-4E91-4763-B84A-3DEBB183F34A}" type="presOf" srcId="{FFE567C5-C3A8-4B47-B591-DC085C60DAC7}" destId="{09D5C208-0E39-443A-A61D-064E98ACAF95}" srcOrd="0" destOrd="0" presId="urn:microsoft.com/office/officeart/2016/7/layout/HexagonTimeline"/>
-    <dgm:cxn modelId="{3DB4E192-66E7-4949-8096-6EF28E879908}" type="presOf" srcId="{47D82ED1-70AE-47B8-B8E4-572459D48835}" destId="{3FF769B3-EBB3-46FA-AC04-7A2FFA9A03FD}" srcOrd="0" destOrd="0" presId="urn:microsoft.com/office/officeart/2016/7/layout/HexagonTimeline"/>
-    <dgm:cxn modelId="{EC91810C-6320-4831-BD73-7CC4C1F72B9A}" type="presOf" srcId="{8DA61C11-7363-4E0F-A9EA-0A3987DA4ED5}" destId="{3FF769B3-EBB3-46FA-AC04-7A2FFA9A03FD}" srcOrd="0" destOrd="1" presId="urn:microsoft.com/office/officeart/2016/7/layout/HexagonTimeline"/>
-    <dgm:cxn modelId="{14C6117C-EF13-4301-AFE8-8C7824C7F2FB}" type="presOf" srcId="{2E931BC0-5439-4A1B-B724-59BE1F60C58B}" destId="{5FFA6619-C842-481A-9C1C-A25C4E89333D}" srcOrd="0" destOrd="2" presId="urn:microsoft.com/office/officeart/2016/7/layout/HexagonTimeline"/>
-    <dgm:cxn modelId="{64E84A28-5FFF-4DDD-BE80-1394C9719578}" srcId="{BF7B65A0-B8A9-4824-BBB5-B840C16DC4D3}" destId="{8DA61C11-7363-4E0F-A9EA-0A3987DA4ED5}" srcOrd="1" destOrd="0" parTransId="{DC79203E-58F4-4DE8-AD97-E62882E0F9D5}" sibTransId="{9CB454EC-423D-4E2E-BA85-89697C9358B6}"/>
-    <dgm:cxn modelId="{9FCCD151-0DDC-471C-BE05-B79ECB0A8108}" srcId="{AEA4467F-AC7C-48F7-A764-1C1F672298CB}" destId="{648C78E5-B029-4C2F-9CAE-E81FC7B82DE8}" srcOrd="3" destOrd="0" parTransId="{E0FD5FF6-7433-40B4-B2B0-747D1EB03A93}" sibTransId="{3A81F8BE-8A40-474D-A456-459C047E0412}"/>
-    <dgm:cxn modelId="{0329FC8D-FDC9-4D59-A541-62A856B83364}" type="presOf" srcId="{F437B6F7-49FA-4FDD-9211-0F3B65AAF7FF}" destId="{5FFA6619-C842-481A-9C1C-A25C4E89333D}" srcOrd="0" destOrd="1" presId="urn:microsoft.com/office/officeart/2016/7/layout/HexagonTimeline"/>
-    <dgm:cxn modelId="{0232C4FF-8426-4A03-8233-BC60E35E8C87}" srcId="{FFE567C5-C3A8-4B47-B591-DC085C60DAC7}" destId="{92D678A5-2F71-424A-B0C7-699DEC33CB2A}" srcOrd="0" destOrd="0" parTransId="{6C42A9CD-01A0-47F3-85E4-46AE69F9FC3C}" sibTransId="{0E9C4F28-11C3-4EAB-9110-C4B6C835628A}"/>
-    <dgm:cxn modelId="{3DA71425-3D79-4A5A-BC45-DF68DAC60E3D}" type="presOf" srcId="{BF7B65A0-B8A9-4824-BBB5-B840C16DC4D3}" destId="{EDDEEEA7-0EBE-4309-92B6-CBFCB63E298E}" srcOrd="0" destOrd="0" presId="urn:microsoft.com/office/officeart/2016/7/layout/HexagonTimeline"/>
-    <dgm:cxn modelId="{0BB15255-C49D-4D8F-9D30-72ECF5634EE4}" srcId="{BF7B65A0-B8A9-4824-BBB5-B840C16DC4D3}" destId="{DC02E79E-AD7C-4111-B544-570A7C9D01C1}" srcOrd="2" destOrd="0" parTransId="{D755A940-95F4-42CB-843A-E0C8B28D8CB1}" sibTransId="{4B14DEE6-3110-4F4E-BBB6-C7F2AEBD4C82}"/>
-    <dgm:cxn modelId="{5F68CEE0-D8AC-420D-A3D8-E0DBA8791EB8}" type="presOf" srcId="{5A7CD7F9-CA4B-4E8F-A1BF-F25860D96E9D}" destId="{26B4BD2F-FDF2-43F2-B16B-BEB2D2725732}" srcOrd="0" destOrd="0" presId="urn:microsoft.com/office/officeart/2016/7/layout/HexagonTimeline"/>
-    <dgm:cxn modelId="{B745CB0E-4420-42CE-BF18-F86315D692F3}" type="presOf" srcId="{6F38A7FC-4560-4FE1-B0BA-2A5F5100D89D}" destId="{5FFA6619-C842-481A-9C1C-A25C4E89333D}" srcOrd="0" destOrd="0" presId="urn:microsoft.com/office/officeart/2016/7/layout/HexagonTimeline"/>
-    <dgm:cxn modelId="{165DF51B-8E25-497D-A988-900451E3253D}" srcId="{AEA4467F-AC7C-48F7-A764-1C1F672298CB}" destId="{DF7302C6-BCB3-4FF8-ACFF-8376C3C7F658}" srcOrd="4" destOrd="0" parTransId="{7AA39693-EE04-42C5-8D2D-9F768E4C10DC}" sibTransId="{FC060561-C2A7-45C3-9D9F-00010B59CD2B}"/>
-    <dgm:cxn modelId="{770268D0-AA2A-4471-A111-344A5E3965BA}" srcId="{AEA4467F-AC7C-48F7-A764-1C1F672298CB}" destId="{6F38A7FC-4560-4FE1-B0BA-2A5F5100D89D}" srcOrd="0" destOrd="0" parTransId="{6EB93051-BA25-4156-A45E-1B9B8E9EA925}" sibTransId="{2219EE7F-0DEA-4A6F-80EC-D8A732BC6DAD}"/>
-    <dgm:cxn modelId="{601E6A07-9361-4AB8-B85A-76362CAA9195}" srcId="{BF7B65A0-B8A9-4824-BBB5-B840C16DC4D3}" destId="{47D82ED1-70AE-47B8-B8E4-572459D48835}" srcOrd="0" destOrd="0" parTransId="{3015880A-9729-41A5-89DB-751DDD682333}" sibTransId="{9C644BBF-63B0-4953-811B-5AA2FE602A04}"/>
-    <dgm:cxn modelId="{87C2CCCD-2503-438C-8922-672436A9A51E}" srcId="{79D5E37C-6EE5-46B4-B136-E5E388C14C15}" destId="{3E75349A-CDC7-4946-94A4-E34887B449BA}" srcOrd="0" destOrd="0" parTransId="{6A082C22-5B54-4131-AEF5-F8B4CD621D35}" sibTransId="{18BA5848-4D28-4878-98D0-6627678AB161}"/>
-    <dgm:cxn modelId="{CD5F7384-F42E-47EB-A5DD-AC4847277DA6}" srcId="{5A7CD7F9-CA4B-4E8F-A1BF-F25860D96E9D}" destId="{721865A7-48DF-48AF-B013-2706AB04AECB}" srcOrd="0" destOrd="0" parTransId="{9867F13E-F6DE-45B4-9F66-F9748662E707}" sibTransId="{C10D6369-C1DA-4ABD-A9C2-1793F41241FC}"/>
-    <dgm:cxn modelId="{F8DCE64F-0CDA-4F47-A51D-A37BFD6B9D59}" type="presOf" srcId="{AB08BA36-A16A-4C16-8F63-9AEE3FB76278}" destId="{BA270F43-0C36-4246-8BB8-6065D927DFD3}" srcOrd="0" destOrd="0" presId="urn:microsoft.com/office/officeart/2016/7/layout/HexagonTimeline"/>
-    <dgm:cxn modelId="{92591740-EB15-48C1-BB18-BE890A1844A4}" type="presOf" srcId="{DC02E79E-AD7C-4111-B544-570A7C9D01C1}" destId="{3FF769B3-EBB3-46FA-AC04-7A2FFA9A03FD}" srcOrd="0" destOrd="2" presId="urn:microsoft.com/office/officeart/2016/7/layout/HexagonTimeline"/>
     <dgm:cxn modelId="{196C53A8-E88C-4728-A42C-870556E10661}" srcId="{AB08BA36-A16A-4C16-8F63-9AEE3FB76278}" destId="{AEA4467F-AC7C-48F7-A764-1C1F672298CB}" srcOrd="4" destOrd="0" parTransId="{8E138E6F-408D-4C81-8A92-77C0664DAD27}" sibTransId="{CB083EA0-C03B-4899-89DF-D919F1AC639E}"/>
     <dgm:cxn modelId="{BBC024AB-6643-4926-91A5-93900D44CDD9}" type="presOf" srcId="{721865A7-48DF-48AF-B013-2706AB04AECB}" destId="{6C70F55F-492B-43E5-837C-20655AECEE3D}" srcOrd="0" destOrd="0" presId="urn:microsoft.com/office/officeart/2016/7/layout/HexagonTimeline"/>
-    <dgm:cxn modelId="{8668B309-818E-4D64-A43A-A3D51BDFF9E4}" srcId="{AB08BA36-A16A-4C16-8F63-9AEE3FB76278}" destId="{5A7CD7F9-CA4B-4E8F-A1BF-F25860D96E9D}" srcOrd="1" destOrd="0" parTransId="{D4EECE8E-3013-448B-9DF7-8C096854C02A}" sibTransId="{22778933-56E6-4E89-B68E-F8578CFE0734}"/>
+    <dgm:cxn modelId="{B42B8BB0-3A87-4D71-93BE-214D88A3BCF1}" type="presOf" srcId="{3E75349A-CDC7-4946-94A4-E34887B449BA}" destId="{95FCF055-303A-4445-9813-7E8E825042F7}" srcOrd="0" destOrd="0" presId="urn:microsoft.com/office/officeart/2016/7/layout/HexagonTimeline"/>
+    <dgm:cxn modelId="{BCE39BB1-C22E-497B-987C-BCBDA5A4375D}" srcId="{AB08BA36-A16A-4C16-8F63-9AEE3FB76278}" destId="{79D5E37C-6EE5-46B4-B136-E5E388C14C15}" srcOrd="0" destOrd="0" parTransId="{BE57F84A-B207-4C0D-8E09-A4D38A4F8E76}" sibTransId="{5D7642E4-C295-4232-A0B9-FFB60ECA314A}"/>
+    <dgm:cxn modelId="{A14198BF-4E91-4763-B84A-3DEBB183F34A}" type="presOf" srcId="{FFE567C5-C3A8-4B47-B591-DC085C60DAC7}" destId="{09D5C208-0E39-443A-A61D-064E98ACAF95}" srcOrd="0" destOrd="0" presId="urn:microsoft.com/office/officeart/2016/7/layout/HexagonTimeline"/>
+    <dgm:cxn modelId="{A0D1E8C0-080F-4E37-B3D9-2FEDB1A592A0}" type="presOf" srcId="{AEA4467F-AC7C-48F7-A764-1C1F672298CB}" destId="{88D785B7-C863-44BE-BCCB-CA8158724232}" srcOrd="0" destOrd="0" presId="urn:microsoft.com/office/officeart/2016/7/layout/HexagonTimeline"/>
+    <dgm:cxn modelId="{87C2CCCD-2503-438C-8922-672436A9A51E}" srcId="{79D5E37C-6EE5-46B4-B136-E5E388C14C15}" destId="{3E75349A-CDC7-4946-94A4-E34887B449BA}" srcOrd="0" destOrd="0" parTransId="{6A082C22-5B54-4131-AEF5-F8B4CD621D35}" sibTransId="{18BA5848-4D28-4878-98D0-6627678AB161}"/>
+    <dgm:cxn modelId="{770268D0-AA2A-4471-A111-344A5E3965BA}" srcId="{AEA4467F-AC7C-48F7-A764-1C1F672298CB}" destId="{6F38A7FC-4560-4FE1-B0BA-2A5F5100D89D}" srcOrd="0" destOrd="0" parTransId="{6EB93051-BA25-4156-A45E-1B9B8E9EA925}" sibTransId="{2219EE7F-0DEA-4A6F-80EC-D8A732BC6DAD}"/>
     <dgm:cxn modelId="{A8FDB2DF-2F41-45AB-9752-2BE8F36B7C5A}" type="presOf" srcId="{DF7302C6-BCB3-4FF8-ACFF-8376C3C7F658}" destId="{5FFA6619-C842-481A-9C1C-A25C4E89333D}" srcOrd="0" destOrd="4" presId="urn:microsoft.com/office/officeart/2016/7/layout/HexagonTimeline"/>
+    <dgm:cxn modelId="{5F68CEE0-D8AC-420D-A3D8-E0DBA8791EB8}" type="presOf" srcId="{5A7CD7F9-CA4B-4E8F-A1BF-F25860D96E9D}" destId="{26B4BD2F-FDF2-43F2-B16B-BEB2D2725732}" srcOrd="0" destOrd="0" presId="urn:microsoft.com/office/officeart/2016/7/layout/HexagonTimeline"/>
+    <dgm:cxn modelId="{0EF178EE-B576-488E-ABC8-73C0DD101782}" type="presOf" srcId="{AA884D29-253F-4C51-9FE2-E48F9DDFFD1F}" destId="{762FD493-4EA0-44DA-B9A9-5048AC5F6B29}" srcOrd="0" destOrd="1" presId="urn:microsoft.com/office/officeart/2016/7/layout/HexagonTimeline"/>
+    <dgm:cxn modelId="{0232C4FF-8426-4A03-8233-BC60E35E8C87}" srcId="{FFE567C5-C3A8-4B47-B591-DC085C60DAC7}" destId="{92D678A5-2F71-424A-B0C7-699DEC33CB2A}" srcOrd="0" destOrd="0" parTransId="{6C42A9CD-01A0-47F3-85E4-46AE69F9FC3C}" sibTransId="{0E9C4F28-11C3-4EAB-9110-C4B6C835628A}"/>
     <dgm:cxn modelId="{B88E1EBD-801F-4C31-BE75-DBBD8A06DC99}" type="presParOf" srcId="{BA270F43-0C36-4246-8BB8-6065D927DFD3}" destId="{DB77968F-28AC-402A-ADE0-64611B01B33F}" srcOrd="0" destOrd="0" presId="urn:microsoft.com/office/officeart/2016/7/layout/HexagonTimeline"/>
     <dgm:cxn modelId="{D2B6F50D-D050-47D7-87AB-B741677EF213}" type="presParOf" srcId="{DB77968F-28AC-402A-ADE0-64611B01B33F}" destId="{87197975-52CC-4703-B090-3C0D7101D171}" srcOrd="0" destOrd="0" presId="urn:microsoft.com/office/officeart/2016/7/layout/HexagonTimeline"/>
     <dgm:cxn modelId="{E7B89C9F-BC39-4F7E-B9F4-FCD18352F6D1}" type="presParOf" srcId="{DB77968F-28AC-402A-ADE0-64611B01B33F}" destId="{95FCF055-303A-4445-9813-7E8E825042F7}" srcOrd="1" destOrd="0" presId="urn:microsoft.com/office/officeart/2016/7/layout/HexagonTimeline"/>
@@ -2270,7 +2012,7 @@
         </a:bodyPr>
         <a:lstStyle/>
         <a:p>
-          <a:pPr lvl="0" algn="ctr" defTabSz="533400">
+          <a:pPr marL="0" lvl="0" indent="0" algn="ctr" defTabSz="533400">
             <a:lnSpc>
               <a:spcPct val="90000"/>
             </a:lnSpc>
@@ -2280,12 +2022,12 @@
             <a:spcAft>
               <a:spcPct val="35000"/>
             </a:spcAft>
+            <a:buNone/>
           </a:pPr>
           <a:r>
-            <a:rPr lang="en-US" sz="1200" kern="1200" dirty="0" smtClean="0"/>
+            <a:rPr lang="en-US" sz="1200" kern="1200" dirty="0"/>
             <a:t>2015</a:t>
           </a:r>
-          <a:endParaRPr lang="en-US" sz="1200" kern="1200" dirty="0"/>
         </a:p>
       </dsp:txBody>
       <dsp:txXfrm>
@@ -2330,7 +2072,7 @@
         </a:bodyPr>
         <a:lstStyle/>
         <a:p>
-          <a:pPr lvl="0" algn="ctr" defTabSz="533400">
+          <a:pPr marL="0" lvl="0" indent="0" algn="ctr" defTabSz="533400">
             <a:lnSpc>
               <a:spcPct val="90000"/>
             </a:lnSpc>
@@ -2340,9 +2082,10 @@
             <a:spcAft>
               <a:spcPct val="35000"/>
             </a:spcAft>
+            <a:buNone/>
           </a:pPr>
           <a:r>
-            <a:rPr lang="en-US" sz="1200" kern="1200" dirty="0" smtClean="0">
+            <a:rPr lang="en-US" sz="1200" kern="1200" dirty="0">
               <a:solidFill>
                 <a:schemeClr val="bg1"/>
               </a:solidFill>
@@ -2351,7 +2094,7 @@
           </a:r>
         </a:p>
         <a:p>
-          <a:pPr lvl="0" algn="ctr" defTabSz="533400">
+          <a:pPr marL="0" lvl="0" indent="0" algn="ctr" defTabSz="533400">
             <a:lnSpc>
               <a:spcPct val="90000"/>
             </a:lnSpc>
@@ -2361,6 +2104,7 @@
             <a:spcAft>
               <a:spcPct val="35000"/>
             </a:spcAft>
+            <a:buNone/>
           </a:pPr>
           <a:endParaRPr lang="en-US" sz="1200" kern="1200" dirty="0">
             <a:solidFill>
@@ -2581,7 +2325,7 @@
         </a:bodyPr>
         <a:lstStyle/>
         <a:p>
-          <a:pPr lvl="0" algn="ctr" defTabSz="400050">
+          <a:pPr marL="0" lvl="0" indent="0" algn="ctr" defTabSz="400050">
             <a:lnSpc>
               <a:spcPct val="90000"/>
             </a:lnSpc>
@@ -2591,13 +2335,14 @@
             <a:spcAft>
               <a:spcPct val="35000"/>
             </a:spcAft>
+            <a:buNone/>
           </a:pPr>
           <a:r>
-            <a:rPr lang="en-US" sz="900" kern="1200" noProof="0" dirty="0" smtClean="0"/>
+            <a:rPr lang="en-US" sz="900" kern="1200" noProof="0" dirty="0"/>
             <a:t>September</a:t>
           </a:r>
           <a:r>
-            <a:rPr lang="en-US" sz="1100" kern="1200" noProof="0" dirty="0" smtClean="0"/>
+            <a:rPr lang="en-US" sz="1100" kern="1200" noProof="0" dirty="0"/>
             <a:t> 2018</a:t>
           </a:r>
           <a:endParaRPr lang="en-US" sz="1100" kern="1200" dirty="0"/>
@@ -2645,7 +2390,7 @@
         </a:bodyPr>
         <a:lstStyle/>
         <a:p>
-          <a:pPr lvl="0" algn="ctr" defTabSz="533400">
+          <a:pPr marL="0" lvl="0" indent="0" algn="ctr" defTabSz="533400">
             <a:lnSpc>
               <a:spcPct val="90000"/>
             </a:lnSpc>
@@ -2655,9 +2400,10 @@
             <a:spcAft>
               <a:spcPct val="35000"/>
             </a:spcAft>
+            <a:buNone/>
           </a:pPr>
           <a:r>
-            <a:rPr lang="en-US" sz="1200" kern="1200" dirty="0" smtClean="0">
+            <a:rPr lang="en-US" sz="1200" kern="1200" dirty="0">
               <a:solidFill>
                 <a:schemeClr val="bg1"/>
               </a:solidFill>
@@ -2879,7 +2625,7 @@
         </a:bodyPr>
         <a:lstStyle/>
         <a:p>
-          <a:pPr lvl="0" algn="ctr" defTabSz="533400">
+          <a:pPr marL="0" lvl="0" indent="0" algn="ctr" defTabSz="533400">
             <a:lnSpc>
               <a:spcPct val="90000"/>
             </a:lnSpc>
@@ -2889,12 +2635,12 @@
             <a:spcAft>
               <a:spcPct val="35000"/>
             </a:spcAft>
+            <a:buNone/>
           </a:pPr>
           <a:r>
-            <a:rPr lang="en-US" sz="1200" kern="1200" dirty="0" smtClean="0"/>
+            <a:rPr lang="en-US" sz="1200" kern="1200" dirty="0"/>
             <a:t>May 6 2020</a:t>
           </a:r>
-          <a:endParaRPr lang="en-US" sz="1200" kern="1200" dirty="0"/>
         </a:p>
       </dsp:txBody>
       <dsp:txXfrm>
@@ -2939,7 +2685,7 @@
         </a:bodyPr>
         <a:lstStyle/>
         <a:p>
-          <a:pPr lvl="0" algn="ctr" defTabSz="533400">
+          <a:pPr marL="0" lvl="0" indent="0" algn="ctr" defTabSz="533400">
             <a:lnSpc>
               <a:spcPct val="90000"/>
             </a:lnSpc>
@@ -2949,23 +2695,19 @@
             <a:spcAft>
               <a:spcPct val="35000"/>
             </a:spcAft>
+            <a:buNone/>
           </a:pPr>
           <a:r>
-            <a:rPr lang="en-US" sz="1200" kern="1200" dirty="0" smtClean="0">
+            <a:rPr lang="en-US" sz="1200" kern="1200" dirty="0">
               <a:solidFill>
                 <a:schemeClr val="bg1"/>
               </a:solidFill>
             </a:rPr>
             <a:t>Dart 2.8 and Flutter 1.17.0 were released</a:t>
           </a:r>
-          <a:endParaRPr lang="en-US" sz="1200" kern="1200" dirty="0">
-            <a:solidFill>
-              <a:schemeClr val="bg1"/>
-            </a:solidFill>
-          </a:endParaRPr>
         </a:p>
         <a:p>
-          <a:pPr lvl="0" algn="ctr" defTabSz="533400">
+          <a:pPr marL="0" lvl="0" indent="0" algn="ctr" defTabSz="533400">
             <a:lnSpc>
               <a:spcPct val="90000"/>
             </a:lnSpc>
@@ -2975,23 +2717,19 @@
             <a:spcAft>
               <a:spcPct val="35000"/>
             </a:spcAft>
+            <a:buNone/>
           </a:pPr>
           <a:r>
-            <a:rPr lang="en-US" sz="1200" kern="1200" dirty="0" smtClean="0">
+            <a:rPr lang="en-US" sz="1200" kern="1200" dirty="0">
               <a:solidFill>
                 <a:schemeClr val="bg1"/>
               </a:solidFill>
             </a:rPr>
             <a:t>added support for metal API, which improved performance on iOS devices (approx. 50%) , new material widgets, etc.</a:t>
           </a:r>
-          <a:endParaRPr lang="en-US" sz="1200" kern="1200" dirty="0">
-            <a:solidFill>
-              <a:schemeClr val="bg1"/>
-            </a:solidFill>
-          </a:endParaRPr>
         </a:p>
         <a:p>
-          <a:pPr lvl="0" algn="ctr" defTabSz="533400">
+          <a:pPr marL="0" lvl="0" indent="0" algn="ctr" defTabSz="533400">
             <a:lnSpc>
               <a:spcPct val="90000"/>
             </a:lnSpc>
@@ -3001,6 +2739,7 @@
             <a:spcAft>
               <a:spcPct val="35000"/>
             </a:spcAft>
+            <a:buNone/>
           </a:pPr>
           <a:endParaRPr lang="en-US" sz="1200" kern="1200" dirty="0">
             <a:solidFill>
@@ -3221,7 +2960,7 @@
         </a:bodyPr>
         <a:lstStyle/>
         <a:p>
-          <a:pPr lvl="0" algn="ctr" defTabSz="533400">
+          <a:pPr marL="0" lvl="0" indent="0" algn="ctr" defTabSz="533400">
             <a:lnSpc>
               <a:spcPct val="90000"/>
             </a:lnSpc>
@@ -3231,12 +2970,12 @@
             <a:spcAft>
               <a:spcPct val="35000"/>
             </a:spcAft>
+            <a:buNone/>
           </a:pPr>
           <a:r>
-            <a:rPr lang="en-US" sz="1200" kern="1200" dirty="0" smtClean="0"/>
+            <a:rPr lang="en-US" sz="1200" kern="1200" dirty="0"/>
             <a:t>March 3 2021</a:t>
           </a:r>
-          <a:endParaRPr lang="en-US" sz="1200" kern="1200" dirty="0"/>
         </a:p>
       </dsp:txBody>
       <dsp:txXfrm>
@@ -3281,7 +3020,7 @@
         </a:bodyPr>
         <a:lstStyle/>
         <a:p>
-          <a:pPr lvl="0" algn="ctr" defTabSz="533400">
+          <a:pPr marL="0" lvl="0" indent="0" algn="ctr" defTabSz="533400">
             <a:lnSpc>
               <a:spcPct val="90000"/>
             </a:lnSpc>
@@ -3291,23 +3030,19 @@
             <a:spcAft>
               <a:spcPct val="35000"/>
             </a:spcAft>
+            <a:buNone/>
           </a:pPr>
           <a:r>
-            <a:rPr lang="en-US" sz="1200" kern="1200" dirty="0" smtClean="0">
+            <a:rPr lang="en-US" sz="1200" kern="1200" dirty="0">
               <a:solidFill>
                 <a:schemeClr val="bg1"/>
               </a:solidFill>
             </a:rPr>
             <a:t>Flutter version 2 released</a:t>
           </a:r>
-          <a:endParaRPr lang="en-US" sz="1200" kern="1200" dirty="0">
-            <a:solidFill>
-              <a:schemeClr val="bg1"/>
-            </a:solidFill>
-          </a:endParaRPr>
         </a:p>
         <a:p>
-          <a:pPr lvl="0" algn="ctr" defTabSz="533400">
+          <a:pPr marL="0" lvl="0" indent="0" algn="ctr" defTabSz="533400">
             <a:lnSpc>
               <a:spcPct val="90000"/>
             </a:lnSpc>
@@ -3317,9 +3052,10 @@
             <a:spcAft>
               <a:spcPct val="35000"/>
             </a:spcAft>
+            <a:buNone/>
           </a:pPr>
           <a:r>
-            <a:rPr lang="en-US" sz="1200" kern="1200" dirty="0" smtClean="0">
+            <a:rPr lang="en-US" sz="1200" kern="1200" dirty="0">
               <a:solidFill>
                 <a:schemeClr val="bg1"/>
               </a:solidFill>
@@ -3327,7 +3063,7 @@
             <a:t>Early access desktop application support for windows, </a:t>
           </a:r>
           <a:r>
-            <a:rPr lang="en-US" sz="1200" kern="1200" dirty="0" err="1" smtClean="0">
+            <a:rPr lang="en-US" sz="1200" kern="1200" dirty="0" err="1">
               <a:solidFill>
                 <a:schemeClr val="bg1"/>
               </a:solidFill>
@@ -3335,7 +3071,7 @@
             <a:t>macOS</a:t>
           </a:r>
           <a:r>
-            <a:rPr lang="en-US" sz="1200" kern="1200" dirty="0" smtClean="0">
+            <a:rPr lang="en-US" sz="1200" kern="1200" dirty="0">
               <a:solidFill>
                 <a:schemeClr val="bg1"/>
               </a:solidFill>
@@ -3343,21 +3079,21 @@
             <a:t> and </a:t>
           </a:r>
           <a:r>
-            <a:rPr lang="en-US" sz="1200" kern="1200" dirty="0" err="1" smtClean="0">
+            <a:rPr lang="en-US" sz="1200" kern="1200" dirty="0" err="1">
               <a:solidFill>
                 <a:schemeClr val="bg1"/>
               </a:solidFill>
             </a:rPr>
             <a:t>linux</a:t>
           </a:r>
-          <a:endParaRPr lang="en-US" sz="1200" kern="1200" dirty="0" smtClean="0">
+          <a:endParaRPr lang="en-US" sz="1200" kern="1200" dirty="0">
             <a:solidFill>
               <a:schemeClr val="bg1"/>
             </a:solidFill>
           </a:endParaRPr>
         </a:p>
         <a:p>
-          <a:pPr lvl="0" algn="ctr" defTabSz="533400">
+          <a:pPr marL="0" lvl="0" indent="0" algn="ctr" defTabSz="533400">
             <a:lnSpc>
               <a:spcPct val="90000"/>
             </a:lnSpc>
@@ -3367,20 +3103,16 @@
             <a:spcAft>
               <a:spcPct val="35000"/>
             </a:spcAft>
+            <a:buNone/>
           </a:pPr>
           <a:r>
-            <a:rPr lang="en-US" sz="1200" kern="1200" dirty="0" smtClean="0">
+            <a:rPr lang="en-US" sz="1200" kern="1200" dirty="0">
               <a:solidFill>
                 <a:schemeClr val="bg1"/>
               </a:solidFill>
             </a:rPr>
             <a:t>Sound/concrete Null-safety</a:t>
           </a:r>
-          <a:endParaRPr lang="en-US" sz="1200" kern="1200" dirty="0">
-            <a:solidFill>
-              <a:schemeClr val="bg1"/>
-            </a:solidFill>
-          </a:endParaRPr>
         </a:p>
       </dsp:txBody>
       <dsp:txXfrm>
@@ -3594,7 +3326,7 @@
         </a:bodyPr>
         <a:lstStyle/>
         <a:p>
-          <a:pPr lvl="0" algn="ctr" defTabSz="533400">
+          <a:pPr marL="0" lvl="0" indent="0" algn="ctr" defTabSz="533400">
             <a:lnSpc>
               <a:spcPct val="90000"/>
             </a:lnSpc>
@@ -3604,20 +3336,16 @@
             <a:spcAft>
               <a:spcPct val="35000"/>
             </a:spcAft>
+            <a:buNone/>
           </a:pPr>
           <a:r>
-            <a:rPr lang="en-US" sz="1200" kern="1200" dirty="0" smtClean="0">
+            <a:rPr lang="en-US" sz="1200" kern="1200" dirty="0">
               <a:solidFill>
                 <a:schemeClr val="bg1"/>
               </a:solidFill>
             </a:rPr>
             <a:t>September 8 2021</a:t>
           </a:r>
-          <a:endParaRPr lang="en-US" sz="1200" kern="1200" dirty="0">
-            <a:solidFill>
-              <a:schemeClr val="bg1"/>
-            </a:solidFill>
-          </a:endParaRPr>
         </a:p>
       </dsp:txBody>
       <dsp:txXfrm rot="10800000">
@@ -3662,7 +3390,7 @@
         </a:bodyPr>
         <a:lstStyle/>
         <a:p>
-          <a:pPr lvl="0" algn="ctr" defTabSz="533400">
+          <a:pPr marL="0" lvl="0" indent="0" algn="ctr" defTabSz="533400">
             <a:lnSpc>
               <a:spcPct val="90000"/>
             </a:lnSpc>
@@ -3672,23 +3400,19 @@
             <a:spcAft>
               <a:spcPct val="35000"/>
             </a:spcAft>
+            <a:buNone/>
           </a:pPr>
           <a:r>
-            <a:rPr lang="en-US" sz="1200" kern="1200" dirty="0" smtClean="0">
+            <a:rPr lang="en-US" sz="1200" kern="1200" dirty="0">
               <a:solidFill>
                 <a:schemeClr val="bg1"/>
               </a:solidFill>
             </a:rPr>
             <a:t>Dart version 2.14</a:t>
           </a:r>
-          <a:endParaRPr lang="en-US" sz="1200" kern="1200" dirty="0">
-            <a:solidFill>
-              <a:schemeClr val="bg1"/>
-            </a:solidFill>
-          </a:endParaRPr>
         </a:p>
         <a:p>
-          <a:pPr lvl="0" algn="ctr" defTabSz="533400">
+          <a:pPr marL="0" lvl="0" indent="0" algn="ctr" defTabSz="533400">
             <a:lnSpc>
               <a:spcPct val="90000"/>
             </a:lnSpc>
@@ -3698,23 +3422,19 @@
             <a:spcAft>
               <a:spcPct val="35000"/>
             </a:spcAft>
+            <a:buNone/>
           </a:pPr>
           <a:r>
-            <a:rPr lang="en-US" sz="1200" kern="1200" dirty="0" smtClean="0">
+            <a:rPr lang="en-US" sz="1200" kern="1200" dirty="0">
               <a:solidFill>
                 <a:schemeClr val="bg1"/>
               </a:solidFill>
             </a:rPr>
             <a:t>Flutter version 2.5</a:t>
           </a:r>
-          <a:endParaRPr lang="en-US" sz="1200" kern="1200" dirty="0">
-            <a:solidFill>
-              <a:schemeClr val="bg1"/>
-            </a:solidFill>
-          </a:endParaRPr>
         </a:p>
         <a:p>
-          <a:pPr lvl="0" algn="ctr" defTabSz="533400">
+          <a:pPr marL="0" lvl="0" indent="0" algn="ctr" defTabSz="533400">
             <a:lnSpc>
               <a:spcPct val="90000"/>
             </a:lnSpc>
@@ -3724,23 +3444,19 @@
             <a:spcAft>
               <a:spcPct val="35000"/>
             </a:spcAft>
+            <a:buNone/>
           </a:pPr>
           <a:r>
-            <a:rPr lang="en-US" sz="1200" kern="1200" dirty="0" smtClean="0">
+            <a:rPr lang="en-US" sz="1200" kern="1200" dirty="0">
               <a:solidFill>
                 <a:schemeClr val="bg1"/>
               </a:solidFill>
             </a:rPr>
             <a:t>Latest update</a:t>
           </a:r>
-          <a:endParaRPr lang="en-US" sz="1200" kern="1200" dirty="0">
-            <a:solidFill>
-              <a:schemeClr val="bg1"/>
-            </a:solidFill>
-          </a:endParaRPr>
         </a:p>
         <a:p>
-          <a:pPr lvl="0" algn="ctr" defTabSz="533400">
+          <a:pPr marL="0" lvl="0" indent="0" algn="ctr" defTabSz="533400">
             <a:lnSpc>
               <a:spcPct val="90000"/>
             </a:lnSpc>
@@ -3750,23 +3466,19 @@
             <a:spcAft>
               <a:spcPct val="35000"/>
             </a:spcAft>
+            <a:buNone/>
           </a:pPr>
           <a:r>
-            <a:rPr lang="en-US" sz="1200" kern="1200" dirty="0" smtClean="0">
+            <a:rPr lang="en-US" sz="1200" kern="1200" dirty="0">
               <a:solidFill>
                 <a:schemeClr val="bg1"/>
               </a:solidFill>
             </a:rPr>
             <a:t>Added Google’s material Design called Material You</a:t>
           </a:r>
-          <a:endParaRPr lang="en-US" sz="1200" kern="1200" dirty="0">
-            <a:solidFill>
-              <a:schemeClr val="bg1"/>
-            </a:solidFill>
-          </a:endParaRPr>
         </a:p>
         <a:p>
-          <a:pPr lvl="0" algn="ctr" defTabSz="533400">
+          <a:pPr marL="0" lvl="0" indent="0" algn="ctr" defTabSz="533400">
             <a:lnSpc>
               <a:spcPct val="90000"/>
             </a:lnSpc>
@@ -3776,6 +3488,7 @@
             <a:spcAft>
               <a:spcPct val="35000"/>
             </a:spcAft>
+            <a:buNone/>
           </a:pPr>
           <a:endParaRPr lang="en-US" sz="1200" kern="1200" dirty="0">
             <a:solidFill>
@@ -4171,7 +3884,7 @@
             <dgm:adjLst/>
             <dgm:extLst>
               <a:ext uri="{B698B0E9-8C71-41B9-8309-B3DCBF30829C}">
-                <dgm1612:spPr xmlns:dgm1612="http://schemas.microsoft.com/office/drawing/2016/12/diagram" xmlns="">
+                <dgm1612:spPr xmlns:dgm1612="http://schemas.microsoft.com/office/drawing/2016/12/diagram">
                   <a:ln w="12700">
                     <a:prstDash val="dash"/>
                   </a:ln>
@@ -5458,7 +5171,7 @@
           <a:p>
             <a:fld id="{1CA5457B-CDAE-4DEB-AEC8-C82DE2312E37}" type="datetimeFigureOut">
               <a:rPr lang="en-US" smtClean="0"/>
-              <a:t>11/15/2021</a:t>
+              <a:t>12/15/2021</a:t>
             </a:fld>
             <a:endParaRPr lang="en-US" dirty="0"/>
           </a:p>
@@ -5635,7 +5348,7 @@
           <a:p>
             <a:fld id="{090B78EA-28CE-41D8-9043-90E391E5F567}" type="datetimeFigureOut">
               <a:rPr lang="en-US" noProof="0" smtClean="0"/>
-              <a:t>11/15/2021</a:t>
+              <a:t>12/15/2021</a:t>
             </a:fld>
             <a:endParaRPr lang="en-US" noProof="0" dirty="0"/>
           </a:p>
@@ -7229,10 +6942,9 @@
           <a:p>
             <a:pPr marL="228600" lvl="0" indent="-228600"/>
             <a:r>
-              <a:rPr lang="en-US" noProof="0" smtClean="0"/>
+              <a:rPr lang="en-US" noProof="0"/>
               <a:t>Click to edit Master subtitle style</a:t>
             </a:r>
-            <a:endParaRPr lang="en-US" noProof="0"/>
           </a:p>
         </p:txBody>
       </p:sp>
@@ -7938,10 +7650,9 @@
           <a:p>
             <a:pPr lvl="0"/>
             <a:r>
-              <a:rPr lang="en-US" noProof="0" smtClean="0"/>
+              <a:rPr lang="en-US" noProof="0"/>
               <a:t>Click to edit Master title style</a:t>
             </a:r>
-            <a:endParaRPr lang="en-US" noProof="0"/>
           </a:p>
         </p:txBody>
       </p:sp>
@@ -8512,38 +8223,37 @@
           <a:p>
             <a:pPr lvl="0"/>
             <a:r>
-              <a:rPr lang="en-US" noProof="0" smtClean="0"/>
+              <a:rPr lang="en-US" noProof="0"/>
               <a:t>Edit Master text styles</a:t>
             </a:r>
           </a:p>
           <a:p>
             <a:pPr lvl="1"/>
             <a:r>
-              <a:rPr lang="en-US" noProof="0" smtClean="0"/>
+              <a:rPr lang="en-US" noProof="0"/>
               <a:t>Second level</a:t>
             </a:r>
           </a:p>
           <a:p>
             <a:pPr lvl="2"/>
             <a:r>
-              <a:rPr lang="en-US" noProof="0" smtClean="0"/>
+              <a:rPr lang="en-US" noProof="0"/>
               <a:t>Third level</a:t>
             </a:r>
           </a:p>
           <a:p>
             <a:pPr lvl="3"/>
             <a:r>
-              <a:rPr lang="en-US" noProof="0" smtClean="0"/>
+              <a:rPr lang="en-US" noProof="0"/>
               <a:t>Fourth level</a:t>
             </a:r>
           </a:p>
           <a:p>
             <a:pPr lvl="4"/>
             <a:r>
-              <a:rPr lang="en-US" noProof="0" smtClean="0"/>
+              <a:rPr lang="en-US" noProof="0"/>
               <a:t>Fifth level</a:t>
             </a:r>
-            <a:endParaRPr lang="en-US" noProof="0"/>
           </a:p>
         </p:txBody>
       </p:sp>
@@ -8613,38 +8323,37 @@
           <a:p>
             <a:pPr lvl="0"/>
             <a:r>
-              <a:rPr lang="en-US" noProof="0" smtClean="0"/>
+              <a:rPr lang="en-US" noProof="0"/>
               <a:t>Edit Master text styles</a:t>
             </a:r>
           </a:p>
           <a:p>
             <a:pPr lvl="1"/>
             <a:r>
-              <a:rPr lang="en-US" noProof="0" smtClean="0"/>
+              <a:rPr lang="en-US" noProof="0"/>
               <a:t>Second level</a:t>
             </a:r>
           </a:p>
           <a:p>
             <a:pPr lvl="2"/>
             <a:r>
-              <a:rPr lang="en-US" noProof="0" smtClean="0"/>
+              <a:rPr lang="en-US" noProof="0"/>
               <a:t>Third level</a:t>
             </a:r>
           </a:p>
           <a:p>
             <a:pPr lvl="3"/>
             <a:r>
-              <a:rPr lang="en-US" noProof="0" smtClean="0"/>
+              <a:rPr lang="en-US" noProof="0"/>
               <a:t>Fourth level</a:t>
             </a:r>
           </a:p>
           <a:p>
             <a:pPr lvl="4"/>
             <a:r>
-              <a:rPr lang="en-US" noProof="0" smtClean="0"/>
+              <a:rPr lang="en-US" noProof="0"/>
               <a:t>Fifth level</a:t>
             </a:r>
-            <a:endParaRPr lang="en-US" noProof="0"/>
           </a:p>
         </p:txBody>
       </p:sp>
@@ -9350,10 +9059,9 @@
           <a:p>
             <a:pPr lvl="0"/>
             <a:r>
-              <a:rPr lang="en-US" noProof="0" smtClean="0"/>
+              <a:rPr lang="en-US" noProof="0"/>
               <a:t>Click to edit Master title style</a:t>
             </a:r>
-            <a:endParaRPr lang="en-US" noProof="0"/>
           </a:p>
         </p:txBody>
       </p:sp>
@@ -9760,7 +9468,7 @@
           </a:lstStyle>
           <a:p>
             <a:r>
-              <a:rPr lang="en-US" noProof="0" smtClean="0"/>
+              <a:rPr lang="en-US" noProof="0"/>
               <a:t>Click icon to add picture</a:t>
             </a:r>
             <a:endParaRPr lang="en-US" noProof="0" dirty="0"/>
@@ -9823,7 +9531,7 @@
           </a:lstStyle>
           <a:p>
             <a:r>
-              <a:rPr lang="en-US" noProof="0" smtClean="0"/>
+              <a:rPr lang="en-US" noProof="0"/>
               <a:t>Click icon to add picture</a:t>
             </a:r>
             <a:endParaRPr lang="en-US" noProof="0" dirty="0"/>
@@ -9886,7 +9594,7 @@
           </a:lstStyle>
           <a:p>
             <a:r>
-              <a:rPr lang="en-US" noProof="0" smtClean="0"/>
+              <a:rPr lang="en-US" noProof="0"/>
               <a:t>Click icon to add picture</a:t>
             </a:r>
             <a:endParaRPr lang="en-US" noProof="0" dirty="0"/>
@@ -9949,7 +9657,7 @@
           </a:lstStyle>
           <a:p>
             <a:r>
-              <a:rPr lang="en-US" noProof="0" smtClean="0"/>
+              <a:rPr lang="en-US" noProof="0"/>
               <a:t>Click icon to add picture</a:t>
             </a:r>
             <a:endParaRPr lang="en-US" noProof="0" dirty="0"/>
@@ -10012,7 +9720,7 @@
           </a:lstStyle>
           <a:p>
             <a:r>
-              <a:rPr lang="en-US" noProof="0" smtClean="0"/>
+              <a:rPr lang="en-US" noProof="0"/>
               <a:t>Click icon to add picture</a:t>
             </a:r>
             <a:endParaRPr lang="en-US" noProof="0" dirty="0"/>
@@ -10123,7 +9831,7 @@
           <a:p>
             <a:pPr lvl="0"/>
             <a:r>
-              <a:rPr lang="en-US" noProof="0" smtClean="0"/>
+              <a:rPr lang="en-US" noProof="0"/>
               <a:t>Edit Master text styles</a:t>
             </a:r>
           </a:p>
@@ -10233,7 +9941,7 @@
           <a:p>
             <a:pPr lvl="0"/>
             <a:r>
-              <a:rPr lang="en-US" noProof="0" smtClean="0"/>
+              <a:rPr lang="en-US" noProof="0"/>
               <a:t>Edit Master text styles</a:t>
             </a:r>
           </a:p>
@@ -10343,7 +10051,7 @@
           <a:p>
             <a:pPr lvl="0"/>
             <a:r>
-              <a:rPr lang="en-US" noProof="0" smtClean="0"/>
+              <a:rPr lang="en-US" noProof="0"/>
               <a:t>Edit Master text styles</a:t>
             </a:r>
           </a:p>
@@ -10453,7 +10161,7 @@
           <a:p>
             <a:pPr lvl="0"/>
             <a:r>
-              <a:rPr lang="en-US" noProof="0" smtClean="0"/>
+              <a:rPr lang="en-US" noProof="0"/>
               <a:t>Edit Master text styles</a:t>
             </a:r>
           </a:p>
@@ -10563,7 +10271,7 @@
           <a:p>
             <a:pPr lvl="0"/>
             <a:r>
-              <a:rPr lang="en-US" noProof="0" smtClean="0"/>
+              <a:rPr lang="en-US" noProof="0"/>
               <a:t>Edit Master text styles</a:t>
             </a:r>
           </a:p>
@@ -11615,10 +11323,9 @@
           <a:p>
             <a:pPr lvl="0"/>
             <a:r>
-              <a:rPr lang="en-US" noProof="0" smtClean="0"/>
+              <a:rPr lang="en-US" noProof="0"/>
               <a:t>Click to edit Master title style</a:t>
             </a:r>
-            <a:endParaRPr lang="en-US" noProof="0"/>
           </a:p>
         </p:txBody>
       </p:sp>
@@ -12073,7 +11780,7 @@
           <a:p>
             <a:pPr lvl="0"/>
             <a:r>
-              <a:rPr lang="en-US" noProof="0" smtClean="0"/>
+              <a:rPr lang="en-US" noProof="0"/>
               <a:t>Edit Master text styles</a:t>
             </a:r>
           </a:p>
@@ -12367,7 +12074,7 @@
           <a:p>
             <a:pPr lvl="0"/>
             <a:r>
-              <a:rPr lang="en-US" noProof="0" smtClean="0"/>
+              <a:rPr lang="en-US" noProof="0"/>
               <a:t>Edit Master text styles</a:t>
             </a:r>
           </a:p>
@@ -12477,7 +12184,7 @@
           <a:p>
             <a:pPr lvl="0"/>
             <a:r>
-              <a:rPr lang="en-US" noProof="0" smtClean="0"/>
+              <a:rPr lang="en-US" noProof="0"/>
               <a:t>Edit Master text styles</a:t>
             </a:r>
           </a:p>
@@ -13185,10 +12892,9 @@
           <a:p>
             <a:pPr lvl="0"/>
             <a:r>
-              <a:rPr lang="en-US" noProof="0" smtClean="0"/>
+              <a:rPr lang="en-US" noProof="0"/>
               <a:t>Click to edit Master title style</a:t>
             </a:r>
-            <a:endParaRPr lang="en-US" noProof="0"/>
           </a:p>
         </p:txBody>
       </p:sp>
@@ -13643,7 +13349,7 @@
           <a:p>
             <a:pPr lvl="0"/>
             <a:r>
-              <a:rPr lang="en-US" noProof="0" smtClean="0"/>
+              <a:rPr lang="en-US" noProof="0"/>
               <a:t>Edit Master text styles</a:t>
             </a:r>
           </a:p>
@@ -14535,10 +14241,9 @@
           <a:p>
             <a:pPr lvl="0"/>
             <a:r>
-              <a:rPr lang="en-US" noProof="0" smtClean="0"/>
+              <a:rPr lang="en-US" noProof="0"/>
               <a:t>Click to edit Master title style</a:t>
             </a:r>
-            <a:endParaRPr lang="en-US" noProof="0"/>
           </a:p>
         </p:txBody>
       </p:sp>
@@ -15098,7 +14803,7 @@
           </a:lstStyle>
           <a:p>
             <a:r>
-              <a:rPr lang="en-US" noProof="0" smtClean="0"/>
+              <a:rPr lang="en-US" noProof="0"/>
               <a:t>Click icon to add picture</a:t>
             </a:r>
             <a:endParaRPr lang="en-US" noProof="0" dirty="0"/>
@@ -15175,7 +14880,7 @@
           <a:p>
             <a:pPr lvl="0"/>
             <a:r>
-              <a:rPr lang="en-US" noProof="0" smtClean="0"/>
+              <a:rPr lang="en-US" noProof="0"/>
               <a:t>Edit Master text styles</a:t>
             </a:r>
           </a:p>
@@ -15883,10 +15588,9 @@
           <a:p>
             <a:pPr lvl="0"/>
             <a:r>
-              <a:rPr lang="en-US" noProof="0" smtClean="0"/>
+              <a:rPr lang="en-US" noProof="0"/>
               <a:t>Click to edit Master title style</a:t>
             </a:r>
-            <a:endParaRPr lang="en-US" noProof="0"/>
           </a:p>
         </p:txBody>
       </p:sp>
@@ -16446,7 +16150,7 @@
           <a:p>
             <a:pPr lvl="0"/>
             <a:r>
-              <a:rPr lang="en-US" noProof="0" smtClean="0"/>
+              <a:rPr lang="en-US" noProof="0"/>
               <a:t>Edit Master text styles</a:t>
             </a:r>
           </a:p>
@@ -16530,38 +16234,37 @@
           <a:p>
             <a:pPr lvl="0"/>
             <a:r>
-              <a:rPr lang="en-US" noProof="0" smtClean="0"/>
+              <a:rPr lang="en-US" noProof="0"/>
               <a:t>Edit Master text styles</a:t>
             </a:r>
           </a:p>
           <a:p>
             <a:pPr lvl="1"/>
             <a:r>
-              <a:rPr lang="en-US" noProof="0" smtClean="0"/>
+              <a:rPr lang="en-US" noProof="0"/>
               <a:t>Second level</a:t>
             </a:r>
           </a:p>
           <a:p>
             <a:pPr lvl="2"/>
             <a:r>
-              <a:rPr lang="en-US" noProof="0" smtClean="0"/>
+              <a:rPr lang="en-US" noProof="0"/>
               <a:t>Third level</a:t>
             </a:r>
           </a:p>
           <a:p>
             <a:pPr lvl="3"/>
             <a:r>
-              <a:rPr lang="en-US" noProof="0" smtClean="0"/>
+              <a:rPr lang="en-US" noProof="0"/>
               <a:t>Fourth level</a:t>
             </a:r>
           </a:p>
           <a:p>
             <a:pPr lvl="4"/>
             <a:r>
-              <a:rPr lang="en-US" noProof="0" smtClean="0"/>
+              <a:rPr lang="en-US" noProof="0"/>
               <a:t>Fifth level</a:t>
             </a:r>
-            <a:endParaRPr lang="en-US" noProof="0"/>
           </a:p>
         </p:txBody>
       </p:sp>
@@ -20676,7 +20379,7 @@
           <a:p>
             <a:pPr marL="228600" lvl="0" indent="-228600"/>
             <a:r>
-              <a:rPr lang="en-US" noProof="0" smtClean="0"/>
+              <a:rPr lang="en-US" noProof="0"/>
               <a:t>Edit Master text styles</a:t>
             </a:r>
           </a:p>
@@ -22005,7 +21708,7 @@
           <a:p>
             <a:pPr marL="228600" lvl="0" indent="-228600"/>
             <a:r>
-              <a:rPr lang="en-US" noProof="0" smtClean="0"/>
+              <a:rPr lang="en-US" noProof="0"/>
               <a:t>Edit Master text styles</a:t>
             </a:r>
           </a:p>
@@ -23183,10 +22886,9 @@
           <a:p>
             <a:pPr lvl="0"/>
             <a:r>
-              <a:rPr lang="en-US" noProof="0" smtClean="0"/>
+              <a:rPr lang="en-US" noProof="0"/>
               <a:t>Click to edit Master title style</a:t>
             </a:r>
-            <a:endParaRPr lang="en-US" noProof="0"/>
           </a:p>
         </p:txBody>
       </p:sp>
@@ -23546,21 +23248,21 @@
           <a:p>
             <a:pPr lvl="0"/>
             <a:r>
-              <a:rPr lang="en-US" noProof="0" smtClean="0"/>
+              <a:rPr lang="en-US" noProof="0"/>
               <a:t>Edit Master text styles</a:t>
             </a:r>
           </a:p>
           <a:p>
             <a:pPr lvl="1"/>
             <a:r>
-              <a:rPr lang="en-US" noProof="0" smtClean="0"/>
+              <a:rPr lang="en-US" noProof="0"/>
               <a:t>Second level</a:t>
             </a:r>
           </a:p>
           <a:p>
             <a:pPr lvl="2"/>
             <a:r>
-              <a:rPr lang="en-US" noProof="0" smtClean="0"/>
+              <a:rPr lang="en-US" noProof="0"/>
               <a:t>Third level</a:t>
             </a:r>
           </a:p>
@@ -24268,10 +23970,9 @@
           <a:p>
             <a:pPr lvl="0"/>
             <a:r>
-              <a:rPr lang="en-US" noProof="0" smtClean="0"/>
+              <a:rPr lang="en-US" noProof="0"/>
               <a:t>Click to edit Master title style</a:t>
             </a:r>
-            <a:endParaRPr lang="en-US" noProof="0"/>
           </a:p>
         </p:txBody>
       </p:sp>
@@ -25468,10 +25169,9 @@
           <a:p>
             <a:pPr lvl="0"/>
             <a:r>
-              <a:rPr lang="en-US" noProof="0" smtClean="0"/>
+              <a:rPr lang="en-US" noProof="0"/>
               <a:t>Click to edit Master title style</a:t>
             </a:r>
-            <a:endParaRPr lang="en-US" noProof="0"/>
           </a:p>
         </p:txBody>
       </p:sp>
@@ -26005,7 +25705,7 @@
           <a:p>
             <a:pPr lvl="0"/>
             <a:r>
-              <a:rPr lang="en-US" noProof="0" smtClean="0"/>
+              <a:rPr lang="en-US" noProof="0"/>
               <a:t>Edit Master text styles</a:t>
             </a:r>
           </a:p>
@@ -26713,10 +26413,9 @@
           <a:p>
             <a:pPr lvl="0"/>
             <a:r>
-              <a:rPr lang="en-US" noProof="0" smtClean="0"/>
+              <a:rPr lang="en-US" noProof="0"/>
               <a:t>Click to edit Master title style</a:t>
             </a:r>
-            <a:endParaRPr lang="en-US" noProof="0"/>
           </a:p>
         </p:txBody>
       </p:sp>
@@ -27275,38 +26974,37 @@
           <a:p>
             <a:pPr lvl="0"/>
             <a:r>
-              <a:rPr lang="en-US" noProof="0" smtClean="0"/>
+              <a:rPr lang="en-US" noProof="0"/>
               <a:t>Edit Master text styles</a:t>
             </a:r>
           </a:p>
           <a:p>
             <a:pPr lvl="1"/>
             <a:r>
-              <a:rPr lang="en-US" noProof="0" smtClean="0"/>
+              <a:rPr lang="en-US" noProof="0"/>
               <a:t>Second level</a:t>
             </a:r>
           </a:p>
           <a:p>
             <a:pPr lvl="2"/>
             <a:r>
-              <a:rPr lang="en-US" noProof="0" smtClean="0"/>
+              <a:rPr lang="en-US" noProof="0"/>
               <a:t>Third level</a:t>
             </a:r>
           </a:p>
           <a:p>
             <a:pPr lvl="3"/>
             <a:r>
-              <a:rPr lang="en-US" noProof="0" smtClean="0"/>
+              <a:rPr lang="en-US" noProof="0"/>
               <a:t>Fourth level</a:t>
             </a:r>
           </a:p>
           <a:p>
             <a:pPr lvl="4"/>
             <a:r>
-              <a:rPr lang="en-US" noProof="0" smtClean="0"/>
+              <a:rPr lang="en-US" noProof="0"/>
               <a:t>Fifth level</a:t>
             </a:r>
-            <a:endParaRPr lang="en-US" noProof="0"/>
           </a:p>
         </p:txBody>
       </p:sp>
@@ -28012,10 +27710,9 @@
           <a:p>
             <a:pPr lvl="0"/>
             <a:r>
-              <a:rPr lang="en-US" noProof="0" smtClean="0"/>
+              <a:rPr lang="en-US" noProof="0"/>
               <a:t>Click to edit Master title style</a:t>
             </a:r>
-            <a:endParaRPr lang="en-US" noProof="0"/>
           </a:p>
         </p:txBody>
       </p:sp>
@@ -28582,7 +28279,7 @@
           <a:p>
             <a:pPr lvl="0"/>
             <a:r>
-              <a:rPr lang="en-US" noProof="0" smtClean="0"/>
+              <a:rPr lang="en-US" noProof="0"/>
               <a:t>Edit Master text styles</a:t>
             </a:r>
           </a:p>
@@ -28660,7 +28357,7 @@
           <a:p>
             <a:pPr lvl="0"/>
             <a:r>
-              <a:rPr lang="en-US" noProof="0" smtClean="0"/>
+              <a:rPr lang="en-US" noProof="0"/>
               <a:t>Edit Master text styles</a:t>
             </a:r>
           </a:p>
@@ -28732,38 +28429,37 @@
           <a:p>
             <a:pPr lvl="0"/>
             <a:r>
-              <a:rPr lang="en-US" noProof="0" smtClean="0"/>
+              <a:rPr lang="en-US" noProof="0"/>
               <a:t>Edit Master text styles</a:t>
             </a:r>
           </a:p>
           <a:p>
             <a:pPr lvl="1"/>
             <a:r>
-              <a:rPr lang="en-US" noProof="0" smtClean="0"/>
+              <a:rPr lang="en-US" noProof="0"/>
               <a:t>Second level</a:t>
             </a:r>
           </a:p>
           <a:p>
             <a:pPr lvl="2"/>
             <a:r>
-              <a:rPr lang="en-US" noProof="0" smtClean="0"/>
+              <a:rPr lang="en-US" noProof="0"/>
               <a:t>Third level</a:t>
             </a:r>
           </a:p>
           <a:p>
             <a:pPr lvl="3"/>
             <a:r>
-              <a:rPr lang="en-US" noProof="0" smtClean="0"/>
+              <a:rPr lang="en-US" noProof="0"/>
               <a:t>Fourth level</a:t>
             </a:r>
           </a:p>
           <a:p>
             <a:pPr lvl="4"/>
             <a:r>
-              <a:rPr lang="en-US" noProof="0" smtClean="0"/>
+              <a:rPr lang="en-US" noProof="0"/>
               <a:t>Fifth level</a:t>
             </a:r>
-            <a:endParaRPr lang="en-US" noProof="0"/>
           </a:p>
         </p:txBody>
       </p:sp>
@@ -28833,38 +28529,37 @@
           <a:p>
             <a:pPr lvl="0"/>
             <a:r>
-              <a:rPr lang="en-US" noProof="0" smtClean="0"/>
+              <a:rPr lang="en-US" noProof="0"/>
               <a:t>Edit Master text styles</a:t>
             </a:r>
           </a:p>
           <a:p>
             <a:pPr lvl="1"/>
             <a:r>
-              <a:rPr lang="en-US" noProof="0" smtClean="0"/>
+              <a:rPr lang="en-US" noProof="0"/>
               <a:t>Second level</a:t>
             </a:r>
           </a:p>
           <a:p>
             <a:pPr lvl="2"/>
             <a:r>
-              <a:rPr lang="en-US" noProof="0" smtClean="0"/>
+              <a:rPr lang="en-US" noProof="0"/>
               <a:t>Third level</a:t>
             </a:r>
           </a:p>
           <a:p>
             <a:pPr lvl="3"/>
             <a:r>
-              <a:rPr lang="en-US" noProof="0" smtClean="0"/>
+              <a:rPr lang="en-US" noProof="0"/>
               <a:t>Fourth level</a:t>
             </a:r>
           </a:p>
           <a:p>
             <a:pPr lvl="4"/>
             <a:r>
-              <a:rPr lang="en-US" noProof="0" smtClean="0"/>
+              <a:rPr lang="en-US" noProof="0"/>
               <a:t>Fifth level</a:t>
             </a:r>
-            <a:endParaRPr lang="en-US" noProof="0"/>
           </a:p>
         </p:txBody>
       </p:sp>
@@ -28935,10 +28630,9 @@
           <a:lstStyle/>
           <a:p>
             <a:r>
-              <a:rPr lang="en-US" noProof="0" smtClean="0"/>
+              <a:rPr lang="en-US" noProof="0"/>
               <a:t>Click to edit Master title style</a:t>
             </a:r>
-            <a:endParaRPr lang="en-US" noProof="0"/>
           </a:p>
         </p:txBody>
       </p:sp>
@@ -28975,38 +28669,37 @@
           <a:p>
             <a:pPr lvl="0"/>
             <a:r>
-              <a:rPr lang="en-US" noProof="0" smtClean="0"/>
+              <a:rPr lang="en-US" noProof="0"/>
               <a:t>Edit Master text styles</a:t>
             </a:r>
           </a:p>
           <a:p>
             <a:pPr lvl="1"/>
             <a:r>
-              <a:rPr lang="en-US" noProof="0" smtClean="0"/>
+              <a:rPr lang="en-US" noProof="0"/>
               <a:t>Second level</a:t>
             </a:r>
           </a:p>
           <a:p>
             <a:pPr lvl="2"/>
             <a:r>
-              <a:rPr lang="en-US" noProof="0" smtClean="0"/>
+              <a:rPr lang="en-US" noProof="0"/>
               <a:t>Third level</a:t>
             </a:r>
           </a:p>
           <a:p>
             <a:pPr lvl="3"/>
             <a:r>
-              <a:rPr lang="en-US" noProof="0" smtClean="0"/>
+              <a:rPr lang="en-US" noProof="0"/>
               <a:t>Fourth level</a:t>
             </a:r>
           </a:p>
           <a:p>
             <a:pPr lvl="4"/>
             <a:r>
-              <a:rPr lang="en-US" noProof="0" smtClean="0"/>
+              <a:rPr lang="en-US" noProof="0"/>
               <a:t>Fifth level</a:t>
             </a:r>
-            <a:endParaRPr lang="en-US" noProof="0"/>
           </a:p>
         </p:txBody>
       </p:sp>
@@ -30730,10 +30423,9 @@
           <a:lstStyle/>
           <a:p>
             <a:r>
-              <a:rPr lang="en-US" dirty="0" smtClean="0"/>
+              <a:rPr lang="en-US" dirty="0"/>
               <a:t>Flutter</a:t>
             </a:r>
-            <a:endParaRPr lang="en-US" dirty="0"/>
           </a:p>
         </p:txBody>
       </p:sp>
@@ -30767,10 +30459,9 @@
               <a:buNone/>
             </a:pPr>
             <a:r>
-              <a:rPr lang="en-US" dirty="0" smtClean="0"/>
+              <a:rPr lang="en-US" dirty="0"/>
               <a:t>Native Application Development</a:t>
             </a:r>
-            <a:endParaRPr lang="en-US" dirty="0"/>
           </a:p>
         </p:txBody>
       </p:sp>
@@ -31065,10 +30756,9 @@
           <a:lstStyle/>
           <a:p>
             <a:r>
-              <a:rPr lang="en-US" sz="3600" dirty="0" smtClean="0"/>
+              <a:rPr lang="en-US" sz="3600" dirty="0"/>
               <a:t>Hot Reload</a:t>
             </a:r>
-            <a:endParaRPr lang="en-US" sz="3600" dirty="0"/>
           </a:p>
         </p:txBody>
       </p:sp>
@@ -31099,7 +30789,7 @@
           <a:lstStyle/>
           <a:p>
             <a:r>
-              <a:rPr lang="en-US" dirty="0" smtClean="0"/>
+              <a:rPr lang="en-US" dirty="0"/>
               <a:t> </a:t>
             </a:r>
           </a:p>
@@ -31110,11 +30800,7 @@
             </a:pPr>
             <a:r>
               <a:rPr lang="en-GB" dirty="0"/>
-              <a:t>Flutter’s hot reload feature helps you quickly and easily experiment, build UIs, add features, and fix bugs</a:t>
-            </a:r>
-            <a:r>
-              <a:rPr lang="en-GB" dirty="0" smtClean="0"/>
-              <a:t>.</a:t>
+              <a:t>Flutter’s hot reload feature helps you quickly and easily experiment, build UIs, add features, and fix bugs.</a:t>
             </a:r>
           </a:p>
           <a:p>
@@ -31124,11 +30810,7 @@
             </a:pPr>
             <a:r>
               <a:rPr lang="en-GB" dirty="0"/>
-              <a:t>Hot reload works by injecting updated source code files into the running </a:t>
-            </a:r>
-            <a:r>
-              <a:rPr lang="en-GB" dirty="0" smtClean="0"/>
-              <a:t>Dart’s Virtual Machine</a:t>
+              <a:t>Hot reload works by injecting updated source code files into the running Dart’s Virtual Machine</a:t>
             </a:r>
           </a:p>
           <a:p>
@@ -31137,18 +30819,18 @@
               <a:buChar char="•"/>
             </a:pPr>
             <a:r>
-              <a:rPr lang="en-GB" dirty="0" smtClean="0"/>
+              <a:rPr lang="en-GB" dirty="0"/>
               <a:t>After the VM updates classes with the new versions of fields and functions, the flutter framework automatically rebuilds the widget tree, enabling you to quickly view the effects of your changes</a:t>
             </a:r>
-          </a:p>
-          <a:p>
-            <a:endParaRPr lang="en-US" dirty="0" smtClean="0"/>
           </a:p>
           <a:p>
             <a:endParaRPr lang="en-US" dirty="0"/>
           </a:p>
           <a:p>
-            <a:endParaRPr lang="en-US" dirty="0" smtClean="0"/>
+            <a:endParaRPr lang="en-US" dirty="0"/>
+          </a:p>
+          <a:p>
+            <a:endParaRPr lang="en-US" dirty="0"/>
           </a:p>
         </p:txBody>
       </p:sp>
@@ -31273,13 +30955,6 @@
   <p:transition spd="slow">
     <p:push dir="u"/>
   </p:transition>
-  <p:timing>
-    <p:tnLst>
-      <p:par>
-        <p:cTn id="1" dur="indefinite" restart="never" nodeType="tmRoot"/>
-      </p:par>
-    </p:tnLst>
-  </p:timing>
 </p:sld>
 </file>
 
@@ -31327,10 +31002,9 @@
           <a:lstStyle/>
           <a:p>
             <a:r>
-              <a:rPr lang="en-US" dirty="0" smtClean="0"/>
+              <a:rPr lang="en-US" dirty="0"/>
               <a:t>What are Widgets?</a:t>
             </a:r>
-            <a:endParaRPr lang="en-US" dirty="0"/>
           </a:p>
         </p:txBody>
       </p:sp>
@@ -31361,7 +31035,7 @@
           <a:lstStyle/>
           <a:p>
             <a:r>
-              <a:rPr lang="en-US" dirty="0" smtClean="0"/>
+              <a:rPr lang="en-US" dirty="0"/>
               <a:t> </a:t>
             </a:r>
           </a:p>
@@ -31372,19 +31046,7 @@
             </a:pPr>
             <a:r>
               <a:rPr lang="en-GB" dirty="0"/>
-              <a:t>Pre-build customisable templates for </a:t>
-            </a:r>
-            <a:r>
-              <a:rPr lang="en-GB" dirty="0" smtClean="0"/>
-              <a:t>direct</a:t>
-            </a:r>
-            <a:r>
-              <a:rPr lang="en-GB" dirty="0"/>
-              <a:t> </a:t>
-            </a:r>
-            <a:r>
-              <a:rPr lang="en-GB" dirty="0" smtClean="0"/>
-              <a:t>use.</a:t>
+              <a:t>Pre-build customisable templates for direct use.</a:t>
             </a:r>
           </a:p>
           <a:p>
@@ -31396,7 +31058,6 @@
               <a:rPr lang="en-GB" dirty="0"/>
               <a:t>Inspired from React, built using a modern framework. </a:t>
             </a:r>
-            <a:endParaRPr lang="en-GB" dirty="0" smtClean="0"/>
           </a:p>
           <a:p>
             <a:pPr marL="285750" indent="-285750">
@@ -31404,7 +31065,7 @@
               <a:buChar char="•"/>
             </a:pPr>
             <a:r>
-              <a:rPr lang="en-GB" dirty="0" smtClean="0"/>
+              <a:rPr lang="en-GB" dirty="0"/>
               <a:t>UI built using widgets</a:t>
             </a:r>
           </a:p>
@@ -31414,7 +31075,7 @@
               <a:buChar char="•"/>
             </a:pPr>
             <a:r>
-              <a:rPr lang="en-GB" dirty="0" smtClean="0"/>
+              <a:rPr lang="en-GB" dirty="0"/>
               <a:t>When widget’s state changes, it rebuilds it’s description, which is checked with the previous description and the new changes are made.</a:t>
             </a:r>
           </a:p>
@@ -31424,18 +31085,18 @@
               <a:buChar char="•"/>
             </a:pPr>
             <a:r>
-              <a:rPr lang="en-GB" dirty="0" smtClean="0"/>
+              <a:rPr lang="en-GB" dirty="0"/>
               <a:t>Examples : Row, Container, etc.</a:t>
             </a:r>
-          </a:p>
-          <a:p>
-            <a:endParaRPr lang="en-US" dirty="0" smtClean="0"/>
           </a:p>
           <a:p>
             <a:endParaRPr lang="en-US" dirty="0"/>
           </a:p>
           <a:p>
-            <a:endParaRPr lang="en-US" dirty="0" smtClean="0"/>
+            <a:endParaRPr lang="en-US" dirty="0"/>
+          </a:p>
+          <a:p>
+            <a:endParaRPr lang="en-US" dirty="0"/>
           </a:p>
         </p:txBody>
       </p:sp>
@@ -31590,13 +31251,6 @@
   <p:transition spd="slow">
     <p:push dir="u"/>
   </p:transition>
-  <p:timing>
-    <p:tnLst>
-      <p:par>
-        <p:cTn id="1" dur="indefinite" restart="never" nodeType="tmRoot"/>
-      </p:par>
-    </p:tnLst>
-  </p:timing>
 </p:sld>
 </file>
 
@@ -31644,10 +31298,9 @@
           <a:lstStyle/>
           <a:p>
             <a:r>
-              <a:rPr lang="en-US" sz="3600" dirty="0" smtClean="0"/>
+              <a:rPr lang="en-US" sz="3600" dirty="0"/>
               <a:t>Expressive and Flexible UI</a:t>
             </a:r>
-            <a:endParaRPr lang="en-US" sz="3600" dirty="0"/>
           </a:p>
         </p:txBody>
       </p:sp>
@@ -31679,29 +31332,29 @@
           <a:p>
             <a:pPr marL="971550" lvl="1" indent="-285750"/>
             <a:r>
-              <a:rPr lang="en-US" dirty="0" smtClean="0"/>
+              <a:rPr lang="en-US" dirty="0"/>
               <a:t>Easy to implement and Customize</a:t>
             </a:r>
           </a:p>
           <a:p>
             <a:pPr marL="971550" lvl="1" indent="-285750"/>
             <a:r>
-              <a:rPr lang="en-US" dirty="0" smtClean="0"/>
+              <a:rPr lang="en-US" dirty="0"/>
               <a:t>Lot’s of documentation and examples</a:t>
             </a:r>
           </a:p>
           <a:p>
             <a:pPr marL="971550" lvl="1" indent="-285750"/>
             <a:r>
-              <a:rPr lang="en-US" dirty="0" smtClean="0"/>
+              <a:rPr lang="en-US" dirty="0"/>
               <a:t>Open Source and frequent updates.</a:t>
             </a:r>
           </a:p>
           <a:p>
-            <a:endParaRPr lang="en-US" dirty="0" smtClean="0"/>
+            <a:endParaRPr lang="en-US" dirty="0"/>
           </a:p>
           <a:p>
-            <a:endParaRPr lang="en-US" dirty="0" smtClean="0"/>
+            <a:endParaRPr lang="en-US" dirty="0"/>
           </a:p>
         </p:txBody>
       </p:sp>
@@ -32044,10 +31697,9 @@
           <a:lstStyle/>
           <a:p>
             <a:r>
-              <a:rPr lang="en-US" sz="3600" dirty="0" smtClean="0"/>
+              <a:rPr lang="en-US" sz="3600" dirty="0"/>
               <a:t>Native Performance</a:t>
             </a:r>
-            <a:endParaRPr lang="en-US" sz="3600" dirty="0"/>
           </a:p>
         </p:txBody>
       </p:sp>
@@ -32079,14 +31731,14 @@
           <a:p>
             <a:pPr marL="971550" lvl="1" indent="-285750"/>
             <a:r>
-              <a:rPr lang="en-US" dirty="0" smtClean="0"/>
+              <a:rPr lang="en-US" dirty="0"/>
               <a:t>Widgets incorporate all critical platform differences such as scrolling, navigation, icons, etc.</a:t>
             </a:r>
           </a:p>
           <a:p>
             <a:pPr marL="971550" lvl="1" indent="-285750"/>
             <a:r>
-              <a:rPr lang="en-US" dirty="0" smtClean="0"/>
+              <a:rPr lang="en-US" dirty="0"/>
               <a:t>This is important so that all the apps developed from the flutter codebase share a similar user interface and user experience.</a:t>
             </a:r>
           </a:p>
@@ -32273,13 +31925,6 @@
   <p:transition spd="slow">
     <p:push/>
   </p:transition>
-  <p:timing>
-    <p:tnLst>
-      <p:par>
-        <p:cTn id="1" dur="indefinite" restart="never" nodeType="tmRoot"/>
-      </p:par>
-    </p:tnLst>
-  </p:timing>
 </p:sld>
 </file>
 
@@ -32327,10 +31972,9 @@
           <a:lstStyle/>
           <a:p>
             <a:r>
-              <a:rPr lang="en-US" sz="3600" dirty="0" smtClean="0"/>
+              <a:rPr lang="en-US" sz="3600" dirty="0"/>
               <a:t>Why Native App Development?</a:t>
             </a:r>
-            <a:endParaRPr lang="en-US" sz="3600" dirty="0"/>
           </a:p>
         </p:txBody>
       </p:sp>
@@ -32362,28 +32006,28 @@
           <a:p>
             <a:pPr marL="971550" lvl="1" indent="-285750"/>
             <a:r>
-              <a:rPr lang="en-US" dirty="0" smtClean="0"/>
+              <a:rPr lang="en-US" dirty="0"/>
               <a:t>Lots of Packages and Dependencies</a:t>
             </a:r>
           </a:p>
           <a:p>
             <a:pPr marL="971550" lvl="1" indent="-285750"/>
             <a:r>
-              <a:rPr lang="en-US" dirty="0" smtClean="0"/>
+              <a:rPr lang="en-US" dirty="0"/>
               <a:t>Massive amount of libraries</a:t>
             </a:r>
           </a:p>
           <a:p>
             <a:pPr marL="971550" lvl="1" indent="-285750"/>
             <a:r>
-              <a:rPr lang="en-US" dirty="0" smtClean="0"/>
+              <a:rPr lang="en-US" dirty="0"/>
               <a:t>Easier to code and maintain</a:t>
             </a:r>
           </a:p>
           <a:p>
             <a:pPr marL="971550" lvl="1" indent="-285750"/>
             <a:r>
-              <a:rPr lang="en-US" dirty="0" smtClean="0"/>
+              <a:rPr lang="en-US" dirty="0"/>
               <a:t>Comparatively Less code</a:t>
             </a:r>
           </a:p>
@@ -32540,13 +32184,6 @@
   <p:transition spd="slow">
     <p:push/>
   </p:transition>
-  <p:timing>
-    <p:tnLst>
-      <p:par>
-        <p:cTn id="1" dur="indefinite" restart="never" nodeType="tmRoot"/>
-      </p:par>
-    </p:tnLst>
-  </p:timing>
 </p:sld>
 </file>
 
@@ -32594,10 +32231,9 @@
           <a:lstStyle/>
           <a:p>
             <a:r>
-              <a:rPr lang="en-US" sz="3600" dirty="0" smtClean="0"/>
+              <a:rPr lang="en-US" sz="3600" dirty="0"/>
               <a:t>Lots of Packages and Dependencies</a:t>
             </a:r>
-            <a:endParaRPr lang="en-US" sz="3600" dirty="0"/>
           </a:p>
         </p:txBody>
       </p:sp>
@@ -32629,38 +32265,38 @@
           <a:p>
             <a:pPr marL="971550" lvl="1" indent="-285750"/>
             <a:r>
-              <a:rPr lang="en-US" dirty="0" smtClean="0"/>
+              <a:rPr lang="en-US" dirty="0"/>
               <a:t>Packages can be obtained from </a:t>
             </a:r>
             <a:r>
-              <a:rPr lang="en-US" dirty="0" err="1" smtClean="0"/>
+              <a:rPr lang="en-US" dirty="0" err="1"/>
               <a:t>pub.dev</a:t>
             </a:r>
-            <a:endParaRPr lang="en-US" dirty="0" smtClean="0"/>
+            <a:endParaRPr lang="en-US" dirty="0"/>
           </a:p>
           <a:p>
             <a:pPr marL="971550" lvl="1" indent="-285750"/>
             <a:r>
-              <a:rPr lang="en-US" dirty="0" err="1" smtClean="0"/>
+              <a:rPr lang="en-US" dirty="0" err="1"/>
               <a:t>Pub.dev</a:t>
             </a:r>
             <a:r>
-              <a:rPr lang="en-US" dirty="0" smtClean="0"/>
+              <a:rPr lang="en-US" dirty="0"/>
               <a:t> is the official package repository for Dart and Flutter Apps.</a:t>
             </a:r>
           </a:p>
           <a:p>
             <a:pPr marL="971550" lvl="1" indent="-285750"/>
             <a:r>
-              <a:rPr lang="en-US" dirty="0" smtClean="0"/>
+              <a:rPr lang="en-US" dirty="0"/>
               <a:t>Packages can be easily imported into the code by either using command prompt or entering the dependency in the </a:t>
             </a:r>
             <a:r>
-              <a:rPr lang="en-US" dirty="0" err="1" smtClean="0"/>
+              <a:rPr lang="en-US" dirty="0" err="1"/>
               <a:t>pubspec.yaml</a:t>
             </a:r>
             <a:r>
-              <a:rPr lang="en-US" dirty="0" smtClean="0"/>
+              <a:rPr lang="en-US" dirty="0"/>
               <a:t> file.</a:t>
             </a:r>
           </a:p>
@@ -32817,13 +32453,6 @@
   <p:transition spd="slow">
     <p:push dir="u"/>
   </p:transition>
-  <p:timing>
-    <p:tnLst>
-      <p:par>
-        <p:cTn id="1" dur="indefinite" restart="never" nodeType="tmRoot"/>
-      </p:par>
-    </p:tnLst>
-  </p:timing>
 </p:sld>
 </file>
 
@@ -32871,10 +32500,9 @@
           <a:lstStyle/>
           <a:p>
             <a:r>
-              <a:rPr lang="en-US" dirty="0" smtClean="0"/>
+              <a:rPr lang="en-US" dirty="0"/>
               <a:t>Cons… are they?</a:t>
             </a:r>
-            <a:endParaRPr lang="en-US" dirty="0"/>
           </a:p>
         </p:txBody>
       </p:sp>
@@ -32901,7 +32529,7 @@
                 <a14:useLocalDpi xmlns:a14="http://schemas.microsoft.com/office/drawing/2010/main"/>
               </a:ext>
               <a:ext uri="{96DAC541-7B7A-43D3-8B79-37D633B846F1}">
-                <asvg:svgBlip xmlns="" xmlns:asvg="http://schemas.microsoft.com/office/drawing/2016/SVG/main" r:embed="rId3"/>
+                <asvg:svgBlip xmlns:asvg="http://schemas.microsoft.com/office/drawing/2016/SVG/main" r:embed="rId3"/>
               </a:ext>
             </a:extLst>
           </a:blip>
@@ -32939,10 +32567,9 @@
           <a:lstStyle/>
           <a:p>
             <a:r>
-              <a:rPr lang="en-US" dirty="0" smtClean="0"/>
+              <a:rPr lang="en-US" dirty="0"/>
               <a:t>Comparatively less people with expertise in flutter for your project</a:t>
             </a:r>
-            <a:endParaRPr lang="en-US" dirty="0"/>
           </a:p>
         </p:txBody>
       </p:sp>
@@ -32969,7 +32596,7 @@
                 <a14:useLocalDpi xmlns:a14="http://schemas.microsoft.com/office/drawing/2010/main"/>
               </a:ext>
               <a:ext uri="{96DAC541-7B7A-43D3-8B79-37D633B846F1}">
-                <asvg:svgBlip xmlns="" xmlns:asvg="http://schemas.microsoft.com/office/drawing/2016/SVG/main" r:embed="rId7"/>
+                <asvg:svgBlip xmlns:asvg="http://schemas.microsoft.com/office/drawing/2016/SVG/main" r:embed="rId5"/>
               </a:ext>
             </a:extLst>
           </a:blip>
@@ -33025,13 +32652,13 @@
           </p:nvPr>
         </p:nvPicPr>
         <p:blipFill>
-          <a:blip r:embed="rId8">
+          <a:blip r:embed="rId6">
             <a:extLst>
               <a:ext uri="{28A0092B-C50C-407E-A947-70E740481C1C}">
                 <a14:useLocalDpi xmlns:a14="http://schemas.microsoft.com/office/drawing/2010/main"/>
               </a:ext>
               <a:ext uri="{96DAC541-7B7A-43D3-8B79-37D633B846F1}">
-                <asvg:svgBlip xmlns="" xmlns:asvg="http://schemas.microsoft.com/office/drawing/2016/SVG/main" r:embed="rId9"/>
+                <asvg:svgBlip xmlns:asvg="http://schemas.microsoft.com/office/drawing/2016/SVG/main" r:embed="rId7"/>
               </a:ext>
             </a:extLst>
           </a:blip>
@@ -33064,13 +32691,13 @@
           </p:nvPr>
         </p:nvPicPr>
         <p:blipFill>
-          <a:blip r:embed="rId10">
+          <a:blip r:embed="rId8">
             <a:extLst>
               <a:ext uri="{28A0092B-C50C-407E-A947-70E740481C1C}">
                 <a14:useLocalDpi xmlns:a14="http://schemas.microsoft.com/office/drawing/2010/main"/>
               </a:ext>
               <a:ext uri="{96DAC541-7B7A-43D3-8B79-37D633B846F1}">
-                <asvg:svgBlip xmlns="" xmlns:asvg="http://schemas.microsoft.com/office/drawing/2016/SVG/main" r:embed="rId11"/>
+                <asvg:svgBlip xmlns:asvg="http://schemas.microsoft.com/office/drawing/2016/SVG/main" r:embed="rId9"/>
               </a:ext>
             </a:extLst>
           </a:blip>
@@ -33104,11 +32731,7 @@
           <a:p>
             <a:r>
               <a:rPr lang="en-US" dirty="0"/>
-              <a:t>Needs its own Engine with the </a:t>
-            </a:r>
-            <a:r>
-              <a:rPr lang="en-US" dirty="0" smtClean="0"/>
-              <a:t>app, adds memory and startup overhead</a:t>
+              <a:t>Needs its own Engine with the app, adds memory and startup overhead</a:t>
             </a:r>
           </a:p>
           <a:p>
@@ -33159,13 +32782,6 @@
   <p:transition spd="slow">
     <p:push/>
   </p:transition>
-  <p:timing>
-    <p:tnLst>
-      <p:par>
-        <p:cTn id="1" dur="indefinite" restart="never" nodeType="tmRoot"/>
-      </p:par>
-    </p:tnLst>
-  </p:timing>
 </p:sld>
 </file>
 
@@ -33213,48 +32829,40 @@
           <a:lstStyle/>
           <a:p>
             <a:r>
-              <a:rPr lang="en-US" dirty="0" smtClean="0"/>
+              <a:rPr lang="en-US" dirty="0"/>
               <a:t>30% smaller codebase, 1.1 million lines instead of 1.7million lines. 50% more engineering efficiency” </a:t>
-            </a:r>
-            <a:r>
-              <a:rPr lang="en-US" dirty="0"/>
-              <a:t/>
             </a:r>
             <a:br>
               <a:rPr lang="en-US" dirty="0"/>
             </a:br>
             <a:r>
-              <a:rPr lang="en-US" sz="2400" dirty="0" smtClean="0"/>
+              <a:rPr lang="en-US" sz="2400" dirty="0"/>
               <a:t>-</a:t>
             </a:r>
             <a:r>
-              <a:rPr lang="en-US" sz="2400" dirty="0" err="1" smtClean="0"/>
+              <a:rPr lang="en-US" sz="2400" dirty="0" err="1"/>
               <a:t>Peeyush</a:t>
             </a:r>
             <a:r>
-              <a:rPr lang="en-US" sz="2400" dirty="0" smtClean="0"/>
+              <a:rPr lang="en-US" sz="2400" dirty="0"/>
               <a:t> </a:t>
             </a:r>
             <a:r>
-              <a:rPr lang="en-US" sz="2400" dirty="0" err="1" smtClean="0"/>
+              <a:rPr lang="en-US" sz="2400" dirty="0" err="1"/>
               <a:t>Ranjan</a:t>
             </a:r>
-            <a:r>
-              <a:rPr lang="en-US" sz="2400" dirty="0" smtClean="0"/>
-              <a:t/>
-            </a:r>
             <a:br>
-              <a:rPr lang="en-US" sz="2400" dirty="0" smtClean="0"/>
+              <a:rPr lang="en-US" sz="2400" dirty="0"/>
             </a:br>
             <a:r>
-              <a:rPr lang="en-US" sz="2400" dirty="0" smtClean="0"/>
+              <a:rPr lang="en-US" sz="2400" dirty="0"/>
               <a:t>VP Engineering, Google Pay,</a:t>
             </a:r>
             <a:br>
-              <a:rPr lang="en-US" sz="2400" dirty="0" smtClean="0"/>
+              <a:rPr lang="en-US" sz="2400" dirty="0"/>
             </a:br>
             <a:r>
-              <a:rPr lang="en-US" sz="2400" dirty="0" smtClean="0"/>
+              <a:rPr lang="en-US" sz="2400" dirty="0"/>
               <a:t>Google.</a:t>
             </a:r>
             <a:endParaRPr lang="en-US" dirty="0"/>
@@ -33301,25 +32909,18 @@
   <p:clrMapOvr>
     <a:masterClrMapping/>
   </p:clrMapOvr>
-  <mc:AlternateContent xmlns:mc="http://schemas.openxmlformats.org/markup-compatibility/2006">
-    <mc:Choice xmlns:p15="http://schemas.microsoft.com/office/powerpoint/2012/main" Requires="p15">
+  <mc:AlternateContent xmlns:mc="http://schemas.openxmlformats.org/markup-compatibility/2006" xmlns:p15="http://schemas.microsoft.com/office/powerpoint/2012/main">
+    <mc:Choice Requires="p15">
       <p:transition xmlns:p14="http://schemas.microsoft.com/office/powerpoint/2010/main" spd="slow" p14:dur="1250">
         <p15:prstTrans prst="pageCurlDouble"/>
       </p:transition>
     </mc:Choice>
-    <mc:Fallback>
+    <mc:Fallback xmlns="">
       <p:transition spd="slow">
         <p:fade/>
       </p:transition>
     </mc:Fallback>
   </mc:AlternateContent>
-  <p:timing>
-    <p:tnLst>
-      <p:par>
-        <p:cTn id="1" dur="indefinite" restart="never" nodeType="tmRoot"/>
-      </p:par>
-    </p:tnLst>
-  </p:timing>
 </p:sld>
 </file>
 
@@ -33367,29 +32968,25 @@
           <a:lstStyle/>
           <a:p>
             <a:r>
-              <a:rPr lang="en-US" dirty="0" err="1" smtClean="0"/>
+              <a:rPr lang="en-US" dirty="0" err="1"/>
               <a:t>Toyata</a:t>
             </a:r>
             <a:r>
-              <a:rPr lang="en-US" dirty="0" smtClean="0"/>
+              <a:rPr lang="en-US" dirty="0"/>
               <a:t> is partnering with flutter to bring a best in market digital experiences to vehicles.” </a:t>
-            </a:r>
-            <a:r>
-              <a:rPr lang="en-US" dirty="0"/>
-              <a:t/>
             </a:r>
             <a:br>
               <a:rPr lang="en-US" dirty="0"/>
             </a:br>
             <a:r>
-              <a:rPr lang="en-US" sz="2400" dirty="0" smtClean="0"/>
+              <a:rPr lang="en-US" sz="2400" dirty="0"/>
               <a:t>-Daniel Hall</a:t>
             </a:r>
             <a:br>
-              <a:rPr lang="en-US" sz="2400" dirty="0" smtClean="0"/>
+              <a:rPr lang="en-US" sz="2400" dirty="0"/>
             </a:br>
             <a:r>
-              <a:rPr lang="en-US" sz="2400" dirty="0" smtClean="0"/>
+              <a:rPr lang="en-US" sz="2400" dirty="0"/>
               <a:t>Chief Engineer, Toyota Motor North America</a:t>
             </a:r>
             <a:endParaRPr lang="en-US" dirty="0"/>
@@ -33436,25 +33033,18 @@
   <p:clrMapOvr>
     <a:masterClrMapping/>
   </p:clrMapOvr>
-  <mc:AlternateContent xmlns:mc="http://schemas.openxmlformats.org/markup-compatibility/2006">
-    <mc:Choice xmlns:p15="http://schemas.microsoft.com/office/powerpoint/2012/main" Requires="p15">
+  <mc:AlternateContent xmlns:mc="http://schemas.openxmlformats.org/markup-compatibility/2006" xmlns:p15="http://schemas.microsoft.com/office/powerpoint/2012/main">
+    <mc:Choice Requires="p15">
       <p:transition xmlns:p14="http://schemas.microsoft.com/office/powerpoint/2010/main" spd="slow" p14:dur="1250">
         <p15:prstTrans prst="pageCurlDouble"/>
       </p:transition>
     </mc:Choice>
-    <mc:Fallback>
+    <mc:Fallback xmlns="">
       <p:transition spd="slow">
         <p:fade/>
       </p:transition>
     </mc:Fallback>
   </mc:AlternateContent>
-  <p:timing>
-    <p:tnLst>
-      <p:par>
-        <p:cTn id="1" dur="indefinite" restart="never" nodeType="tmRoot"/>
-      </p:par>
-    </p:tnLst>
-  </p:timing>
 </p:sld>
 </file>
 
@@ -33502,10 +33092,9 @@
           <a:lstStyle/>
           <a:p>
             <a:r>
-              <a:rPr lang="en-GB" dirty="0" smtClean="0"/>
+              <a:rPr lang="en-GB" dirty="0"/>
               <a:t>Future of Flutter</a:t>
             </a:r>
-            <a:endParaRPr lang="en-GB" dirty="0"/>
           </a:p>
         </p:txBody>
       </p:sp>
@@ -33717,7 +33306,7 @@
             <a:pPr lvl="1" indent="0">
               <a:buNone/>
             </a:pPr>
-            <a:endParaRPr lang="en-US" dirty="0" smtClean="0">
+            <a:endParaRPr lang="en-US" dirty="0">
               <a:solidFill>
                 <a:schemeClr val="bg1"/>
               </a:solidFill>
@@ -33735,25 +33324,18 @@
   <p:clrMapOvr>
     <a:masterClrMapping/>
   </p:clrMapOvr>
-  <mc:AlternateContent xmlns:mc="http://schemas.openxmlformats.org/markup-compatibility/2006">
-    <mc:Choice xmlns:p15="http://schemas.microsoft.com/office/powerpoint/2012/main" Requires="p15">
+  <mc:AlternateContent xmlns:mc="http://schemas.openxmlformats.org/markup-compatibility/2006" xmlns:p15="http://schemas.microsoft.com/office/powerpoint/2012/main">
+    <mc:Choice Requires="p15">
       <p:transition xmlns:p14="http://schemas.microsoft.com/office/powerpoint/2010/main" spd="slow" p14:dur="1250">
         <p15:prstTrans prst="peelOff"/>
       </p:transition>
     </mc:Choice>
-    <mc:Fallback>
+    <mc:Fallback xmlns="">
       <p:transition spd="slow">
         <p:fade/>
       </p:transition>
     </mc:Fallback>
   </mc:AlternateContent>
-  <p:timing>
-    <p:tnLst>
-      <p:par>
-        <p:cTn id="1" dur="indefinite" restart="never" nodeType="tmRoot"/>
-      </p:par>
-    </p:tnLst>
-  </p:timing>
 </p:sld>
 </file>
 
@@ -33796,10 +33378,9 @@
           <a:lstStyle/>
           <a:p>
             <a:r>
-              <a:rPr lang="en-US" dirty="0" smtClean="0"/>
+              <a:rPr lang="en-US" dirty="0"/>
               <a:t>Software Development</a:t>
             </a:r>
-            <a:endParaRPr lang="en-US" dirty="0"/>
           </a:p>
         </p:txBody>
       </p:sp>
@@ -33832,12 +33413,8 @@
           <a:lstStyle/>
           <a:p>
             <a:r>
-              <a:rPr lang="en-US" dirty="0" smtClean="0"/>
-              <a:t>   developing</a:t>
-            </a:r>
-            <a:r>
               <a:rPr lang="en-US" dirty="0"/>
-              <a:t>, deploying, maintaining.</a:t>
+              <a:t>   developing, deploying, maintaining.</a:t>
             </a:r>
           </a:p>
           <a:p>
@@ -33845,7 +33422,7 @@
               <a:buFont typeface="Arial" panose="020B0604020202020204" pitchFamily="34" charset="0"/>
               <a:buChar char="•"/>
             </a:pPr>
-            <a:endParaRPr lang="en-US" dirty="0" smtClean="0"/>
+            <a:endParaRPr lang="en-US" dirty="0"/>
           </a:p>
         </p:txBody>
       </p:sp>
@@ -34218,7 +33795,7 @@
           <a:lstStyle/>
           <a:p>
             <a:r>
-              <a:rPr lang="en-US" dirty="0" smtClean="0"/>
+              <a:rPr lang="en-US" dirty="0"/>
               <a:t>Thank You!</a:t>
             </a:r>
             <a:endParaRPr lang="en-GB" dirty="0"/>
@@ -34265,25 +33842,18 @@
   <p:clrMapOvr>
     <a:masterClrMapping/>
   </p:clrMapOvr>
-  <mc:AlternateContent xmlns:mc="http://schemas.openxmlformats.org/markup-compatibility/2006">
-    <mc:Choice xmlns:p15="http://schemas.microsoft.com/office/powerpoint/2012/main" Requires="p15">
+  <mc:AlternateContent xmlns:mc="http://schemas.openxmlformats.org/markup-compatibility/2006" xmlns:p15="http://schemas.microsoft.com/office/powerpoint/2012/main">
+    <mc:Choice Requires="p15">
       <p:transition xmlns:p14="http://schemas.microsoft.com/office/powerpoint/2010/main" spd="slow" p14:dur="1250">
         <p15:prstTrans prst="peelOff"/>
       </p:transition>
     </mc:Choice>
-    <mc:Fallback>
+    <mc:Fallback xmlns="">
       <p:transition spd="slow">
         <p:fade/>
       </p:transition>
     </mc:Fallback>
   </mc:AlternateContent>
-  <p:timing>
-    <p:tnLst>
-      <p:par>
-        <p:cTn id="1" dur="indefinite" restart="never" nodeType="tmRoot"/>
-      </p:par>
-    </p:tnLst>
-  </p:timing>
 </p:sld>
 </file>
 
@@ -34326,10 +33896,9 @@
           <a:lstStyle/>
           <a:p>
             <a:r>
-              <a:rPr lang="en-US" dirty="0" smtClean="0"/>
+              <a:rPr lang="en-US" dirty="0"/>
               <a:t>The Problem</a:t>
             </a:r>
-            <a:endParaRPr lang="en-US" dirty="0"/>
           </a:p>
         </p:txBody>
       </p:sp>
@@ -34355,10 +33924,9 @@
           <a:lstStyle/>
           <a:p>
             <a:r>
-              <a:rPr lang="en-US" dirty="0" smtClean="0"/>
+              <a:rPr lang="en-US" dirty="0"/>
               <a:t>The Problem with traditional software development!</a:t>
             </a:r>
-            <a:endParaRPr lang="en-US" dirty="0"/>
           </a:p>
         </p:txBody>
       </p:sp>
@@ -34405,13 +33973,6 @@
   <p:transition spd="slow">
     <p:push dir="u"/>
   </p:transition>
-  <p:timing>
-    <p:tnLst>
-      <p:par>
-        <p:cTn id="1" dur="indefinite" restart="never" nodeType="tmRoot"/>
-      </p:par>
-    </p:tnLst>
-  </p:timing>
 </p:sld>
 </file>
 
@@ -34459,10 +34020,9 @@
           <a:lstStyle/>
           <a:p>
             <a:r>
-              <a:rPr lang="en-US" dirty="0" smtClean="0"/>
+              <a:rPr lang="en-US" dirty="0"/>
               <a:t>The Problem</a:t>
             </a:r>
-            <a:endParaRPr lang="en-US" dirty="0"/>
           </a:p>
         </p:txBody>
       </p:sp>
@@ -34493,54 +34053,54 @@
           <a:lstStyle/>
           <a:p>
             <a:r>
-              <a:rPr lang="en-US" dirty="0" smtClean="0"/>
+              <a:rPr lang="en-US" dirty="0"/>
               <a:t>Not cost-effective</a:t>
             </a:r>
           </a:p>
           <a:p>
             <a:pPr lvl="1"/>
             <a:r>
-              <a:rPr lang="en-US" dirty="0" smtClean="0"/>
+              <a:rPr lang="en-US" dirty="0"/>
               <a:t>Testing cost for software for different devices</a:t>
             </a:r>
           </a:p>
           <a:p>
             <a:pPr lvl="1"/>
             <a:r>
-              <a:rPr lang="en-US" dirty="0" smtClean="0"/>
+              <a:rPr lang="en-US" dirty="0"/>
               <a:t>Development cost for teams developing for separate OS</a:t>
             </a:r>
           </a:p>
           <a:p>
             <a:r>
-              <a:rPr lang="en-US" dirty="0" smtClean="0"/>
+              <a:rPr lang="en-US" dirty="0"/>
               <a:t>Slow Development</a:t>
             </a:r>
           </a:p>
           <a:p>
             <a:pPr lvl="1"/>
             <a:r>
-              <a:rPr lang="en-US" dirty="0" smtClean="0"/>
+              <a:rPr lang="en-US" dirty="0"/>
               <a:t>Every team developing software has own setbacks</a:t>
             </a:r>
           </a:p>
           <a:p>
             <a:pPr lvl="1"/>
             <a:r>
-              <a:rPr lang="en-US" dirty="0" smtClean="0"/>
+              <a:rPr lang="en-US" dirty="0"/>
               <a:t>Slower compilation speed </a:t>
             </a:r>
           </a:p>
           <a:p>
             <a:r>
-              <a:rPr lang="en-US" dirty="0" smtClean="0"/>
+              <a:rPr lang="en-US" dirty="0"/>
               <a:t>Hard to maintain</a:t>
             </a:r>
           </a:p>
           <a:p>
             <a:pPr lvl="1"/>
             <a:r>
-              <a:rPr lang="en-US" dirty="0" smtClean="0"/>
+              <a:rPr lang="en-US" dirty="0"/>
               <a:t>Multiple source codes, change has to be made everywhere</a:t>
             </a:r>
           </a:p>
@@ -35589,10 +35149,9 @@
           <a:lstStyle/>
           <a:p>
             <a:r>
-              <a:rPr lang="en-US" dirty="0" smtClean="0"/>
+              <a:rPr lang="en-US" dirty="0"/>
               <a:t>Current Development Scenario</a:t>
             </a:r>
-            <a:endParaRPr lang="en-US" dirty="0"/>
           </a:p>
         </p:txBody>
       </p:sp>
@@ -35648,7 +35207,7 @@
           <a:lstStyle/>
           <a:p>
             <a:r>
-              <a:rPr lang="en-US" dirty="0" smtClean="0"/>
+              <a:rPr lang="en-US" dirty="0"/>
               <a:t>Android </a:t>
             </a:r>
           </a:p>
@@ -35676,10 +35235,9 @@
           <a:lstStyle/>
           <a:p>
             <a:r>
-              <a:rPr lang="en-US" dirty="0" smtClean="0"/>
+              <a:rPr lang="en-US" dirty="0"/>
               <a:t>IOS</a:t>
             </a:r>
-            <a:endParaRPr lang="en-US" dirty="0"/>
           </a:p>
         </p:txBody>
       </p:sp>
@@ -35705,56 +35263,56 @@
           <a:lstStyle/>
           <a:p>
             <a:r>
-              <a:rPr lang="en-US" dirty="0" smtClean="0"/>
+              <a:rPr lang="en-US" dirty="0"/>
               <a:t>Java</a:t>
             </a:r>
           </a:p>
           <a:p>
             <a:pPr lvl="1"/>
             <a:r>
-              <a:rPr lang="en-US" dirty="0" smtClean="0"/>
+              <a:rPr lang="en-US" dirty="0"/>
               <a:t>Previous Official Language </a:t>
             </a:r>
           </a:p>
           <a:p>
             <a:pPr lvl="1"/>
             <a:r>
-              <a:rPr lang="en-US" dirty="0" smtClean="0"/>
+              <a:rPr lang="en-US" dirty="0"/>
               <a:t>The most used language</a:t>
             </a:r>
           </a:p>
           <a:p>
             <a:pPr lvl="1"/>
             <a:r>
-              <a:rPr lang="en-US" dirty="0" smtClean="0"/>
+              <a:rPr lang="en-US" dirty="0"/>
               <a:t>The most supported language by google</a:t>
             </a:r>
           </a:p>
           <a:p>
             <a:r>
-              <a:rPr lang="en-US" dirty="0" err="1" smtClean="0"/>
+              <a:rPr lang="en-US" dirty="0" err="1"/>
               <a:t>Kotlin</a:t>
             </a:r>
-            <a:endParaRPr lang="en-US" dirty="0" smtClean="0"/>
+            <a:endParaRPr lang="en-US" dirty="0"/>
           </a:p>
           <a:p>
             <a:pPr lvl="1"/>
             <a:r>
-              <a:rPr lang="en-US" dirty="0" smtClean="0"/>
+              <a:rPr lang="en-US" dirty="0"/>
               <a:t>Official Language for Android Development</a:t>
             </a:r>
           </a:p>
           <a:p>
             <a:pPr lvl="1"/>
             <a:r>
-              <a:rPr lang="en-US" dirty="0" smtClean="0"/>
+              <a:rPr lang="en-US" dirty="0"/>
               <a:t>Developed by Google</a:t>
             </a:r>
           </a:p>
           <a:p>
             <a:pPr lvl="1"/>
             <a:r>
-              <a:rPr lang="en-US" dirty="0" smtClean="0"/>
+              <a:rPr lang="en-US" dirty="0"/>
               <a:t>Ideal for beginners</a:t>
             </a:r>
           </a:p>
@@ -35782,62 +35340,61 @@
           <a:lstStyle/>
           <a:p>
             <a:r>
-              <a:rPr lang="en-US" dirty="0" smtClean="0"/>
+              <a:rPr lang="en-US" dirty="0"/>
               <a:t>Objective-C</a:t>
             </a:r>
           </a:p>
           <a:p>
             <a:pPr lvl="1"/>
             <a:r>
-              <a:rPr lang="en-US" dirty="0" smtClean="0"/>
+              <a:rPr lang="en-US" dirty="0"/>
               <a:t>Developed in 1980’s</a:t>
             </a:r>
           </a:p>
           <a:p>
             <a:pPr lvl="1"/>
             <a:r>
-              <a:rPr lang="en-US" dirty="0" smtClean="0"/>
+              <a:rPr lang="en-US" dirty="0"/>
               <a:t>Derived from C language</a:t>
             </a:r>
           </a:p>
           <a:p>
             <a:pPr lvl="1"/>
             <a:r>
-              <a:rPr lang="en-US" dirty="0" smtClean="0"/>
+              <a:rPr lang="en-US" dirty="0"/>
               <a:t>Was Primary programming language for all apple products for decades</a:t>
             </a:r>
           </a:p>
           <a:p>
             <a:pPr lvl="1"/>
-            <a:endParaRPr lang="en-US" dirty="0" smtClean="0"/>
+            <a:endParaRPr lang="en-US" dirty="0"/>
           </a:p>
           <a:p>
             <a:r>
-              <a:rPr lang="en-US" dirty="0" smtClean="0"/>
+              <a:rPr lang="en-US" dirty="0"/>
               <a:t>Swift</a:t>
             </a:r>
           </a:p>
           <a:p>
             <a:pPr lvl="1"/>
             <a:r>
-              <a:rPr lang="en-US" dirty="0" smtClean="0"/>
+              <a:rPr lang="en-US" dirty="0"/>
               <a:t>New Official Language of iOS</a:t>
             </a:r>
           </a:p>
           <a:p>
             <a:pPr lvl="1"/>
             <a:r>
-              <a:rPr lang="en-US" dirty="0" smtClean="0"/>
+              <a:rPr lang="en-US" dirty="0"/>
               <a:t>Simpler Syntax</a:t>
             </a:r>
           </a:p>
           <a:p>
             <a:pPr lvl="1"/>
             <a:r>
-              <a:rPr lang="en-US" dirty="0" smtClean="0"/>
+              <a:rPr lang="en-US" dirty="0"/>
               <a:t>More focused on security</a:t>
             </a:r>
-            <a:endParaRPr lang="en-US" dirty="0"/>
           </a:p>
         </p:txBody>
       </p:sp>
@@ -35854,13 +35411,6 @@
   <p:transition spd="slow">
     <p:push dir="u"/>
   </p:transition>
-  <p:timing>
-    <p:tnLst>
-      <p:par>
-        <p:cTn id="1" dur="indefinite" restart="never" nodeType="tmRoot"/>
-      </p:par>
-    </p:tnLst>
-  </p:timing>
 </p:sld>
 </file>
 
@@ -35903,10 +35453,9 @@
           <a:lstStyle/>
           <a:p>
             <a:r>
-              <a:rPr lang="en-US" dirty="0" smtClean="0"/>
+              <a:rPr lang="en-US" dirty="0"/>
               <a:t>What is Flutter?</a:t>
             </a:r>
-            <a:endParaRPr lang="en-US" dirty="0"/>
           </a:p>
         </p:txBody>
       </p:sp>
@@ -35932,7 +35481,7 @@
           <a:lstStyle/>
           <a:p>
             <a:r>
-              <a:rPr lang="en-US" dirty="0" smtClean="0"/>
+              <a:rPr lang="en-US" dirty="0"/>
               <a:t> </a:t>
             </a:r>
           </a:p>
@@ -35942,7 +35491,7 @@
               <a:buChar char="•"/>
             </a:pPr>
             <a:r>
-              <a:rPr lang="en-GB" dirty="0" smtClean="0"/>
+              <a:rPr lang="en-GB" dirty="0"/>
               <a:t>Framework for developing cross-platform applications using Widgets and Dart Language.</a:t>
             </a:r>
           </a:p>
@@ -35952,7 +35501,7 @@
               <a:buChar char="•"/>
             </a:pPr>
             <a:r>
-              <a:rPr lang="en-GB" dirty="0" smtClean="0"/>
+              <a:rPr lang="en-GB" dirty="0"/>
               <a:t>Developed By Google for cross platform development and native compilation.</a:t>
             </a:r>
           </a:p>
@@ -35962,7 +35511,7 @@
               <a:buChar char="•"/>
             </a:pPr>
             <a:r>
-              <a:rPr lang="en-GB" dirty="0" smtClean="0"/>
+              <a:rPr lang="en-GB" dirty="0"/>
               <a:t>One codebase for all platforms</a:t>
             </a:r>
           </a:p>
@@ -35972,10 +35521,10 @@
               <a:buChar char="•"/>
             </a:pPr>
             <a:r>
-              <a:rPr lang="en-GB" dirty="0" smtClean="0"/>
+              <a:rPr lang="en-GB" dirty="0"/>
               <a:t>Free and Open Source</a:t>
             </a:r>
-            <a:endParaRPr lang="en-US" dirty="0" smtClean="0"/>
+            <a:endParaRPr lang="en-US" dirty="0"/>
           </a:p>
         </p:txBody>
       </p:sp>
@@ -36235,10 +35784,9 @@
           <a:lstStyle/>
           <a:p>
             <a:r>
-              <a:rPr lang="en-US" dirty="0" smtClean="0"/>
+              <a:rPr lang="en-US" dirty="0"/>
               <a:t>What is Dart?</a:t>
             </a:r>
-            <a:endParaRPr lang="en-US" dirty="0"/>
           </a:p>
         </p:txBody>
       </p:sp>
@@ -36264,7 +35812,7 @@
           <a:lstStyle/>
           <a:p>
             <a:r>
-              <a:rPr lang="en-US" dirty="0" smtClean="0"/>
+              <a:rPr lang="en-US" dirty="0"/>
               <a:t> </a:t>
             </a:r>
           </a:p>
@@ -36274,7 +35822,7 @@
               <a:buChar char="•"/>
             </a:pPr>
             <a:r>
-              <a:rPr lang="en-GB" dirty="0" smtClean="0"/>
+              <a:rPr lang="en-GB" dirty="0"/>
               <a:t>Developed by Google</a:t>
             </a:r>
           </a:p>
@@ -36284,7 +35832,7 @@
               <a:buChar char="•"/>
             </a:pPr>
             <a:r>
-              <a:rPr lang="en-GB" dirty="0" smtClean="0"/>
+              <a:rPr lang="en-GB" dirty="0"/>
               <a:t>Launched on November 14, 2013</a:t>
             </a:r>
           </a:p>
@@ -36294,7 +35842,7 @@
               <a:buChar char="•"/>
             </a:pPr>
             <a:r>
-              <a:rPr lang="en-US" dirty="0" smtClean="0"/>
+              <a:rPr lang="en-US" dirty="0"/>
               <a:t>Syntax inspired from C  Language</a:t>
             </a:r>
           </a:p>
@@ -36304,7 +35852,7 @@
               <a:buChar char="•"/>
             </a:pPr>
             <a:r>
-              <a:rPr lang="en-US" dirty="0" smtClean="0"/>
+              <a:rPr lang="en-US" dirty="0"/>
               <a:t>Null Safety</a:t>
             </a:r>
           </a:p>
@@ -36313,7 +35861,7 @@
               <a:buFont typeface="Arial" panose="020B0604020202020204" pitchFamily="34" charset="0"/>
               <a:buChar char="•"/>
             </a:pPr>
-            <a:endParaRPr lang="en-US" dirty="0" smtClean="0"/>
+            <a:endParaRPr lang="en-US" dirty="0"/>
           </a:p>
         </p:txBody>
       </p:sp>
@@ -36515,10 +36063,9 @@
           <a:lstStyle/>
           <a:p>
             <a:r>
-              <a:rPr lang="en-US" dirty="0" smtClean="0"/>
+              <a:rPr lang="en-US" dirty="0"/>
               <a:t>History</a:t>
             </a:r>
-            <a:endParaRPr lang="en-US" dirty="0"/>
           </a:p>
         </p:txBody>
       </p:sp>
@@ -36626,13 +36173,6 @@
   <p:transition spd="slow">
     <p:push/>
   </p:transition>
-  <p:timing>
-    <p:tnLst>
-      <p:par>
-        <p:cTn id="1" dur="indefinite" restart="never" nodeType="tmRoot"/>
-      </p:par>
-    </p:tnLst>
-  </p:timing>
 </p:sld>
 </file>
 
@@ -36680,10 +36220,9 @@
           <a:lstStyle/>
           <a:p>
             <a:r>
-              <a:rPr lang="en-US" dirty="0" smtClean="0"/>
+              <a:rPr lang="en-US" dirty="0"/>
               <a:t>Why Flutter?</a:t>
             </a:r>
-            <a:endParaRPr lang="en-US" dirty="0"/>
           </a:p>
         </p:txBody>
       </p:sp>
@@ -36714,7 +36253,7 @@
           <a:lstStyle/>
           <a:p>
             <a:r>
-              <a:rPr lang="en-US" dirty="0" smtClean="0"/>
+              <a:rPr lang="en-US" dirty="0"/>
               <a:t> </a:t>
             </a:r>
           </a:p>
@@ -36724,15 +36263,15 @@
               <a:buChar char="•"/>
             </a:pPr>
             <a:r>
-              <a:rPr lang="en-GB" dirty="0" smtClean="0"/>
+              <a:rPr lang="en-GB" dirty="0"/>
               <a:t>Fast Development Using hot reload and </a:t>
             </a:r>
             <a:r>
-              <a:rPr lang="en-GB" dirty="0" err="1" smtClean="0"/>
+              <a:rPr lang="en-GB" dirty="0" err="1"/>
               <a:t>Stateful</a:t>
             </a:r>
             <a:r>
-              <a:rPr lang="en-GB" dirty="0" smtClean="0"/>
+              <a:rPr lang="en-GB" dirty="0"/>
               <a:t> Widget</a:t>
             </a:r>
           </a:p>
@@ -36742,7 +36281,7 @@
               <a:buChar char="•"/>
             </a:pPr>
             <a:r>
-              <a:rPr lang="en-GB" dirty="0" smtClean="0"/>
+              <a:rPr lang="en-GB" dirty="0"/>
               <a:t>Expressive and Flexible UI</a:t>
             </a:r>
           </a:p>
@@ -36752,7 +36291,7 @@
               <a:buChar char="•"/>
             </a:pPr>
             <a:r>
-              <a:rPr lang="en-GB" dirty="0" smtClean="0"/>
+              <a:rPr lang="en-GB" dirty="0"/>
               <a:t>Native Performance</a:t>
             </a:r>
           </a:p>
@@ -36761,7 +36300,7 @@
               <a:buFont typeface="Arial" panose="020B0604020202020204" pitchFamily="34" charset="0"/>
               <a:buChar char="•"/>
             </a:pPr>
-            <a:endParaRPr lang="en-US" dirty="0" smtClean="0"/>
+            <a:endParaRPr lang="en-US" dirty="0"/>
           </a:p>
         </p:txBody>
       </p:sp>
@@ -36886,13 +36425,6 @@
   <p:transition spd="slow">
     <p:push dir="u"/>
   </p:transition>
-  <p:timing>
-    <p:tnLst>
-      <p:par>
-        <p:cTn id="1" dur="indefinite" restart="never" nodeType="tmRoot"/>
-      </p:par>
-    </p:tnLst>
-  </p:timing>
 </p:sld>
 </file>
 
@@ -37688,6 +37220,15 @@
 </file>
 
 <file path=customXml/item1.xml><?xml version="1.0" encoding="utf-8"?>
+<?mso-contentType ?>
+<FormTemplates xmlns="http://schemas.microsoft.com/sharepoint/v3/contenttype/forms">
+  <Display>DocumentLibraryForm</Display>
+  <Edit>DocumentLibraryForm</Edit>
+  <New>DocumentLibraryForm</New>
+</FormTemplates>
+</file>
+
+<file path=customXml/item2.xml><?xml version="1.0" encoding="utf-8"?>
 <ct:contentTypeSchema xmlns:ct="http://schemas.microsoft.com/office/2006/metadata/contentType" xmlns:ma="http://schemas.microsoft.com/office/2006/metadata/properties/metaAttributes" ct:_="" ma:_="" ma:contentTypeName="Document" ma:contentTypeID="0x01010079F111ED35F8CC479449609E8A0923A6" ma:contentTypeVersion="11" ma:contentTypeDescription="Create a new document." ma:contentTypeScope="" ma:versionID="96291512c1ee715ab617f4c07df79fc1">
   <xsd:schema xmlns:xsd="http://www.w3.org/2001/XMLSchema" xmlns:xs="http://www.w3.org/2001/XMLSchema" xmlns:p="http://schemas.microsoft.com/office/2006/metadata/properties" xmlns:ns2="71af3243-3dd4-4a8d-8c0d-dd76da1f02a5" xmlns:ns3="16c05727-aa75-4e4a-9b5f-8a80a1165891" targetNamespace="http://schemas.microsoft.com/office/2006/metadata/properties" ma:root="true" ma:fieldsID="8256c27c40ca5c40ce1cf6c44f0205df" ns2:_="" ns3:_="">
     <xsd:import namespace="71af3243-3dd4-4a8d-8c0d-dd76da1f02a5"/>
@@ -37898,15 +37439,6 @@
 </ct:contentTypeSchema>
 </file>
 
-<file path=customXml/item2.xml><?xml version="1.0" encoding="utf-8"?>
-<?mso-contentType ?>
-<FormTemplates xmlns="http://schemas.microsoft.com/sharepoint/v3/contenttype/forms">
-  <Display>DocumentLibraryForm</Display>
-  <Edit>DocumentLibraryForm</Edit>
-  <New>DocumentLibraryForm</New>
-</FormTemplates>
-</file>
-
 <file path=customXml/item3.xml><?xml version="1.0" encoding="utf-8"?>
 <p:properties xmlns:p="http://schemas.microsoft.com/office/2006/metadata/properties" xmlns:xsi="http://www.w3.org/2001/XMLSchema-instance" xmlns:pc="http://schemas.microsoft.com/office/infopath/2007/PartnerControls">
   <documentManagement>
@@ -37916,6 +37448,14 @@
 </file>
 
 <file path=customXml/itemProps1.xml><?xml version="1.0" encoding="utf-8"?>
+<ds:datastoreItem xmlns:ds="http://schemas.openxmlformats.org/officeDocument/2006/customXml" ds:itemID="{5B26E0C9-B2AA-42E6-97B6-E1B7D9EAF129}">
+  <ds:schemaRefs>
+    <ds:schemaRef ds:uri="http://schemas.microsoft.com/sharepoint/v3/contenttype/forms"/>
+  </ds:schemaRefs>
+</ds:datastoreItem>
+</file>
+
+<file path=customXml/itemProps2.xml><?xml version="1.0" encoding="utf-8"?>
 <ds:datastoreItem xmlns:ds="http://schemas.openxmlformats.org/officeDocument/2006/customXml" ds:itemID="{4C103400-4A22-4E35-B588-4C4D42638959}">
   <ds:schemaRefs>
     <ds:schemaRef ds:uri="http://schemas.microsoft.com/office/2006/metadata/contentType"/>
@@ -37930,14 +37470,6 @@
     <ds:schemaRef ds:uri="http://purl.org/dc/elements/1.1/"/>
     <ds:schemaRef ds:uri="http://purl.org/dc/terms/"/>
     <ds:schemaRef ds:uri="http://schemas.microsoft.com/internal/obd"/>
-  </ds:schemaRefs>
-</ds:datastoreItem>
-</file>
-
-<file path=customXml/itemProps2.xml><?xml version="1.0" encoding="utf-8"?>
-<ds:datastoreItem xmlns:ds="http://schemas.openxmlformats.org/officeDocument/2006/customXml" ds:itemID="{5B26E0C9-B2AA-42E6-97B6-E1B7D9EAF129}">
-  <ds:schemaRefs>
-    <ds:schemaRef ds:uri="http://schemas.microsoft.com/sharepoint/v3/contenttype/forms"/>
   </ds:schemaRefs>
 </ds:datastoreItem>
 </file>
